--- a/201805/JAVA 基础介绍.pptx
+++ b/201805/JAVA 基础介绍.pptx
@@ -4,6 +4,9 @@
   <p:sldMasterIdLst>
     <p:sldMasterId id="2147483648" r:id="rId1"/>
   </p:sldMasterIdLst>
+  <p:notesMasterIdLst>
+    <p:notesMasterId r:id="rId17"/>
+  </p:notesMasterIdLst>
   <p:sldIdLst>
     <p:sldId id="256" r:id="rId2"/>
     <p:sldId id="257" r:id="rId3"/>
@@ -13,12 +16,13 @@
     <p:sldId id="260" r:id="rId7"/>
     <p:sldId id="261" r:id="rId8"/>
     <p:sldId id="264" r:id="rId9"/>
-    <p:sldId id="263" r:id="rId10"/>
-    <p:sldId id="265" r:id="rId11"/>
-    <p:sldId id="268" r:id="rId12"/>
-    <p:sldId id="266" r:id="rId13"/>
-    <p:sldId id="267" r:id="rId14"/>
-    <p:sldId id="269" r:id="rId15"/>
+    <p:sldId id="273" r:id="rId10"/>
+    <p:sldId id="271" r:id="rId11"/>
+    <p:sldId id="265" r:id="rId12"/>
+    <p:sldId id="275" r:id="rId13"/>
+    <p:sldId id="276" r:id="rId14"/>
+    <p:sldId id="274" r:id="rId15"/>
+    <p:sldId id="269" r:id="rId16"/>
   </p:sldIdLst>
   <p:sldSz cx="12192000" cy="6858000"/>
   <p:notesSz cx="6858000" cy="9144000"/>
@@ -117,7 +121,649 @@
       </a:defRPr>
     </a:lvl9pPr>
   </p:defaultTextStyle>
+  <p:extLst>
+    <p:ext uri="{EFAFB233-063F-42B5-8137-9DF3F51BA10A}">
+      <p15:sldGuideLst xmlns:p15="http://schemas.microsoft.com/office/powerpoint/2012/main"/>
+    </p:ext>
+  </p:extLst>
 </p:presentation>
+</file>
+
+<file path=ppt/revisionInfo.xml><?xml version="1.0" encoding="utf-8"?>
+<p1510:revInfo xmlns:a="http://schemas.openxmlformats.org/drawingml/2006/main" xmlns:r="http://schemas.openxmlformats.org/officeDocument/2006/relationships" xmlns:p1510="http://schemas.microsoft.com/office/powerpoint/2015/10/main"/>
+</file>
+
+<file path=ppt/notesMasters/notesMaster1.xml><?xml version="1.0" encoding="utf-8"?>
+<p:notesMaster xmlns:a="http://schemas.openxmlformats.org/drawingml/2006/main" xmlns:r="http://schemas.openxmlformats.org/officeDocument/2006/relationships" xmlns:p="http://schemas.openxmlformats.org/presentationml/2006/main">
+  <p:cSld>
+    <p:bg>
+      <p:bgRef idx="1001">
+        <a:schemeClr val="bg1"/>
+      </p:bgRef>
+    </p:bg>
+    <p:spTree>
+      <p:nvGrpSpPr>
+        <p:cNvPr id="1" name=""/>
+        <p:cNvGrpSpPr/>
+        <p:nvPr/>
+      </p:nvGrpSpPr>
+      <p:grpSpPr>
+        <a:xfrm>
+          <a:off x="0" y="0"/>
+          <a:ext cx="0" cy="0"/>
+          <a:chOff x="0" y="0"/>
+          <a:chExt cx="0" cy="0"/>
+        </a:xfrm>
+      </p:grpSpPr>
+      <p:sp>
+        <p:nvSpPr>
+          <p:cNvPr id="2" name="Header Placeholder 1"/>
+          <p:cNvSpPr>
+            <a:spLocks noGrp="1"/>
+          </p:cNvSpPr>
+          <p:nvPr>
+            <p:ph type="hdr" sz="quarter"/>
+          </p:nvPr>
+        </p:nvSpPr>
+        <p:spPr>
+          <a:xfrm>
+            <a:off x="0" y="0"/>
+            <a:ext cx="2971800" cy="458788"/>
+          </a:xfrm>
+          <a:prstGeom prst="rect">
+            <a:avLst/>
+          </a:prstGeom>
+        </p:spPr>
+        <p:txBody>
+          <a:bodyPr vert="horz" lIns="91440" tIns="45720" rIns="91440" bIns="45720" rtlCol="0"/>
+          <a:lstStyle>
+            <a:lvl1pPr algn="l">
+              <a:defRPr sz="1200"/>
+            </a:lvl1pPr>
+          </a:lstStyle>
+          <a:p>
+            <a:endParaRPr lang="en-US"/>
+          </a:p>
+        </p:txBody>
+      </p:sp>
+      <p:sp>
+        <p:nvSpPr>
+          <p:cNvPr id="3" name="Date Placeholder 2"/>
+          <p:cNvSpPr>
+            <a:spLocks noGrp="1"/>
+          </p:cNvSpPr>
+          <p:nvPr>
+            <p:ph type="dt" idx="1"/>
+          </p:nvPr>
+        </p:nvSpPr>
+        <p:spPr>
+          <a:xfrm>
+            <a:off x="3884613" y="0"/>
+            <a:ext cx="2971800" cy="458788"/>
+          </a:xfrm>
+          <a:prstGeom prst="rect">
+            <a:avLst/>
+          </a:prstGeom>
+        </p:spPr>
+        <p:txBody>
+          <a:bodyPr vert="horz" lIns="91440" tIns="45720" rIns="91440" bIns="45720" rtlCol="0"/>
+          <a:lstStyle>
+            <a:lvl1pPr algn="r">
+              <a:defRPr sz="1200"/>
+            </a:lvl1pPr>
+          </a:lstStyle>
+          <a:p>
+            <a:fld id="{820C2EA8-DE5A-4AA6-B918-4FCC223A8B73}" type="datetimeFigureOut">
+              <a:rPr lang="en-US" smtClean="0"/>
+              <a:t>5/28/2018</a:t>
+            </a:fld>
+            <a:endParaRPr lang="en-US"/>
+          </a:p>
+        </p:txBody>
+      </p:sp>
+      <p:sp>
+        <p:nvSpPr>
+          <p:cNvPr id="4" name="Slide Image Placeholder 3"/>
+          <p:cNvSpPr>
+            <a:spLocks noGrp="1" noRot="1" noChangeAspect="1"/>
+          </p:cNvSpPr>
+          <p:nvPr>
+            <p:ph type="sldImg" idx="2"/>
+          </p:nvPr>
+        </p:nvSpPr>
+        <p:spPr>
+          <a:xfrm>
+            <a:off x="685800" y="1143000"/>
+            <a:ext cx="5486400" cy="3086100"/>
+          </a:xfrm>
+          <a:prstGeom prst="rect">
+            <a:avLst/>
+          </a:prstGeom>
+          <a:noFill/>
+          <a:ln w="12700">
+            <a:solidFill>
+              <a:prstClr val="black"/>
+            </a:solidFill>
+          </a:ln>
+        </p:spPr>
+        <p:txBody>
+          <a:bodyPr vert="horz" lIns="91440" tIns="45720" rIns="91440" bIns="45720" rtlCol="0" anchor="ctr"/>
+          <a:lstStyle/>
+          <a:p>
+            <a:endParaRPr lang="en-US"/>
+          </a:p>
+        </p:txBody>
+      </p:sp>
+      <p:sp>
+        <p:nvSpPr>
+          <p:cNvPr id="5" name="Notes Placeholder 4"/>
+          <p:cNvSpPr>
+            <a:spLocks noGrp="1"/>
+          </p:cNvSpPr>
+          <p:nvPr>
+            <p:ph type="body" sz="quarter" idx="3"/>
+          </p:nvPr>
+        </p:nvSpPr>
+        <p:spPr>
+          <a:xfrm>
+            <a:off x="685800" y="4400550"/>
+            <a:ext cx="5486400" cy="3600450"/>
+          </a:xfrm>
+          <a:prstGeom prst="rect">
+            <a:avLst/>
+          </a:prstGeom>
+        </p:spPr>
+        <p:txBody>
+          <a:bodyPr vert="horz" lIns="91440" tIns="45720" rIns="91440" bIns="45720" rtlCol="0"/>
+          <a:lstStyle/>
+          <a:p>
+            <a:pPr lvl="0"/>
+            <a:r>
+              <a:rPr lang="en-US"/>
+              <a:t>Edit Master text styles</a:t>
+            </a:r>
+          </a:p>
+          <a:p>
+            <a:pPr lvl="1"/>
+            <a:r>
+              <a:rPr lang="en-US"/>
+              <a:t>Second level</a:t>
+            </a:r>
+          </a:p>
+          <a:p>
+            <a:pPr lvl="2"/>
+            <a:r>
+              <a:rPr lang="en-US"/>
+              <a:t>Third level</a:t>
+            </a:r>
+          </a:p>
+          <a:p>
+            <a:pPr lvl="3"/>
+            <a:r>
+              <a:rPr lang="en-US"/>
+              <a:t>Fourth level</a:t>
+            </a:r>
+          </a:p>
+          <a:p>
+            <a:pPr lvl="4"/>
+            <a:r>
+              <a:rPr lang="en-US"/>
+              <a:t>Fifth level</a:t>
+            </a:r>
+          </a:p>
+        </p:txBody>
+      </p:sp>
+      <p:sp>
+        <p:nvSpPr>
+          <p:cNvPr id="6" name="Footer Placeholder 5"/>
+          <p:cNvSpPr>
+            <a:spLocks noGrp="1"/>
+          </p:cNvSpPr>
+          <p:nvPr>
+            <p:ph type="ftr" sz="quarter" idx="4"/>
+          </p:nvPr>
+        </p:nvSpPr>
+        <p:spPr>
+          <a:xfrm>
+            <a:off x="0" y="8685213"/>
+            <a:ext cx="2971800" cy="458787"/>
+          </a:xfrm>
+          <a:prstGeom prst="rect">
+            <a:avLst/>
+          </a:prstGeom>
+        </p:spPr>
+        <p:txBody>
+          <a:bodyPr vert="horz" lIns="91440" tIns="45720" rIns="91440" bIns="45720" rtlCol="0" anchor="b"/>
+          <a:lstStyle>
+            <a:lvl1pPr algn="l">
+              <a:defRPr sz="1200"/>
+            </a:lvl1pPr>
+          </a:lstStyle>
+          <a:p>
+            <a:endParaRPr lang="en-US"/>
+          </a:p>
+        </p:txBody>
+      </p:sp>
+      <p:sp>
+        <p:nvSpPr>
+          <p:cNvPr id="7" name="Slide Number Placeholder 6"/>
+          <p:cNvSpPr>
+            <a:spLocks noGrp="1"/>
+          </p:cNvSpPr>
+          <p:nvPr>
+            <p:ph type="sldNum" sz="quarter" idx="5"/>
+          </p:nvPr>
+        </p:nvSpPr>
+        <p:spPr>
+          <a:xfrm>
+            <a:off x="3884613" y="8685213"/>
+            <a:ext cx="2971800" cy="458787"/>
+          </a:xfrm>
+          <a:prstGeom prst="rect">
+            <a:avLst/>
+          </a:prstGeom>
+        </p:spPr>
+        <p:txBody>
+          <a:bodyPr vert="horz" lIns="91440" tIns="45720" rIns="91440" bIns="45720" rtlCol="0" anchor="b"/>
+          <a:lstStyle>
+            <a:lvl1pPr algn="r">
+              <a:defRPr sz="1200"/>
+            </a:lvl1pPr>
+          </a:lstStyle>
+          <a:p>
+            <a:fld id="{11532156-F9B5-41E3-ADB7-D297B9458FA2}" type="slidenum">
+              <a:rPr lang="en-US" smtClean="0"/>
+              <a:t>‹#›</a:t>
+            </a:fld>
+            <a:endParaRPr lang="en-US"/>
+          </a:p>
+        </p:txBody>
+      </p:sp>
+    </p:spTree>
+    <p:extLst>
+      <p:ext uri="{BB962C8B-B14F-4D97-AF65-F5344CB8AC3E}">
+        <p14:creationId xmlns:p14="http://schemas.microsoft.com/office/powerpoint/2010/main" val="3989831303"/>
+      </p:ext>
+    </p:extLst>
+  </p:cSld>
+  <p:clrMap bg1="lt1" tx1="dk1" bg2="lt2" tx2="dk2" accent1="accent1" accent2="accent2" accent3="accent3" accent4="accent4" accent5="accent5" accent6="accent6" hlink="hlink" folHlink="folHlink"/>
+  <p:notesStyle>
+    <a:lvl1pPr marL="0" algn="l" defTabSz="914400" rtl="0" eaLnBrk="1" latinLnBrk="0" hangingPunct="1">
+      <a:defRPr sz="1200" kern="1200">
+        <a:solidFill>
+          <a:schemeClr val="tx1"/>
+        </a:solidFill>
+        <a:latin typeface="+mn-lt"/>
+        <a:ea typeface="+mn-ea"/>
+        <a:cs typeface="+mn-cs"/>
+      </a:defRPr>
+    </a:lvl1pPr>
+    <a:lvl2pPr marL="457200" algn="l" defTabSz="914400" rtl="0" eaLnBrk="1" latinLnBrk="0" hangingPunct="1">
+      <a:defRPr sz="1200" kern="1200">
+        <a:solidFill>
+          <a:schemeClr val="tx1"/>
+        </a:solidFill>
+        <a:latin typeface="+mn-lt"/>
+        <a:ea typeface="+mn-ea"/>
+        <a:cs typeface="+mn-cs"/>
+      </a:defRPr>
+    </a:lvl2pPr>
+    <a:lvl3pPr marL="914400" algn="l" defTabSz="914400" rtl="0" eaLnBrk="1" latinLnBrk="0" hangingPunct="1">
+      <a:defRPr sz="1200" kern="1200">
+        <a:solidFill>
+          <a:schemeClr val="tx1"/>
+        </a:solidFill>
+        <a:latin typeface="+mn-lt"/>
+        <a:ea typeface="+mn-ea"/>
+        <a:cs typeface="+mn-cs"/>
+      </a:defRPr>
+    </a:lvl3pPr>
+    <a:lvl4pPr marL="1371600" algn="l" defTabSz="914400" rtl="0" eaLnBrk="1" latinLnBrk="0" hangingPunct="1">
+      <a:defRPr sz="1200" kern="1200">
+        <a:solidFill>
+          <a:schemeClr val="tx1"/>
+        </a:solidFill>
+        <a:latin typeface="+mn-lt"/>
+        <a:ea typeface="+mn-ea"/>
+        <a:cs typeface="+mn-cs"/>
+      </a:defRPr>
+    </a:lvl4pPr>
+    <a:lvl5pPr marL="1828800" algn="l" defTabSz="914400" rtl="0" eaLnBrk="1" latinLnBrk="0" hangingPunct="1">
+      <a:defRPr sz="1200" kern="1200">
+        <a:solidFill>
+          <a:schemeClr val="tx1"/>
+        </a:solidFill>
+        <a:latin typeface="+mn-lt"/>
+        <a:ea typeface="+mn-ea"/>
+        <a:cs typeface="+mn-cs"/>
+      </a:defRPr>
+    </a:lvl5pPr>
+    <a:lvl6pPr marL="2286000" algn="l" defTabSz="914400" rtl="0" eaLnBrk="1" latinLnBrk="0" hangingPunct="1">
+      <a:defRPr sz="1200" kern="1200">
+        <a:solidFill>
+          <a:schemeClr val="tx1"/>
+        </a:solidFill>
+        <a:latin typeface="+mn-lt"/>
+        <a:ea typeface="+mn-ea"/>
+        <a:cs typeface="+mn-cs"/>
+      </a:defRPr>
+    </a:lvl6pPr>
+    <a:lvl7pPr marL="2743200" algn="l" defTabSz="914400" rtl="0" eaLnBrk="1" latinLnBrk="0" hangingPunct="1">
+      <a:defRPr sz="1200" kern="1200">
+        <a:solidFill>
+          <a:schemeClr val="tx1"/>
+        </a:solidFill>
+        <a:latin typeface="+mn-lt"/>
+        <a:ea typeface="+mn-ea"/>
+        <a:cs typeface="+mn-cs"/>
+      </a:defRPr>
+    </a:lvl7pPr>
+    <a:lvl8pPr marL="3200400" algn="l" defTabSz="914400" rtl="0" eaLnBrk="1" latinLnBrk="0" hangingPunct="1">
+      <a:defRPr sz="1200" kern="1200">
+        <a:solidFill>
+          <a:schemeClr val="tx1"/>
+        </a:solidFill>
+        <a:latin typeface="+mn-lt"/>
+        <a:ea typeface="+mn-ea"/>
+        <a:cs typeface="+mn-cs"/>
+      </a:defRPr>
+    </a:lvl8pPr>
+    <a:lvl9pPr marL="3657600" algn="l" defTabSz="914400" rtl="0" eaLnBrk="1" latinLnBrk="0" hangingPunct="1">
+      <a:defRPr sz="1200" kern="1200">
+        <a:solidFill>
+          <a:schemeClr val="tx1"/>
+        </a:solidFill>
+        <a:latin typeface="+mn-lt"/>
+        <a:ea typeface="+mn-ea"/>
+        <a:cs typeface="+mn-cs"/>
+      </a:defRPr>
+    </a:lvl9pPr>
+  </p:notesStyle>
+</p:notesMaster>
+</file>
+
+<file path=ppt/notesSlides/notesSlide1.xml><?xml version="1.0" encoding="utf-8"?>
+<p:notes xmlns:a="http://schemas.openxmlformats.org/drawingml/2006/main" xmlns:r="http://schemas.openxmlformats.org/officeDocument/2006/relationships" xmlns:p="http://schemas.openxmlformats.org/presentationml/2006/main">
+  <p:cSld>
+    <p:spTree>
+      <p:nvGrpSpPr>
+        <p:cNvPr id="1" name=""/>
+        <p:cNvGrpSpPr/>
+        <p:nvPr/>
+      </p:nvGrpSpPr>
+      <p:grpSpPr>
+        <a:xfrm>
+          <a:off x="0" y="0"/>
+          <a:ext cx="0" cy="0"/>
+          <a:chOff x="0" y="0"/>
+          <a:chExt cx="0" cy="0"/>
+        </a:xfrm>
+      </p:grpSpPr>
+      <p:sp>
+        <p:nvSpPr>
+          <p:cNvPr id="2" name="Slide Image Placeholder 1"/>
+          <p:cNvSpPr>
+            <a:spLocks noGrp="1" noRot="1" noChangeAspect="1"/>
+          </p:cNvSpPr>
+          <p:nvPr>
+            <p:ph type="sldImg"/>
+          </p:nvPr>
+        </p:nvSpPr>
+        <p:spPr/>
+      </p:sp>
+      <p:sp>
+        <p:nvSpPr>
+          <p:cNvPr id="3" name="Notes Placeholder 2"/>
+          <p:cNvSpPr>
+            <a:spLocks noGrp="1"/>
+          </p:cNvSpPr>
+          <p:nvPr>
+            <p:ph type="body" idx="1"/>
+          </p:nvPr>
+        </p:nvSpPr>
+        <p:spPr/>
+        <p:txBody>
+          <a:bodyPr/>
+          <a:lstStyle/>
+          <a:p>
+            <a:pPr marL="57150" lvl="0" indent="0">
+              <a:buNone/>
+            </a:pPr>
+            <a:r>
+              <a:rPr lang="en-US" altLang="zh-CN" dirty="0" err="1"/>
+              <a:t>GroupId</a:t>
+            </a:r>
+            <a:r>
+              <a:rPr lang="en-US" altLang="zh-CN" dirty="0"/>
+              <a:t>  </a:t>
+            </a:r>
+            <a:r>
+              <a:rPr lang="zh-CN" altLang="en-US" dirty="0"/>
+              <a:t>组织标识，必须</a:t>
+            </a:r>
+            <a:r>
+              <a:rPr lang="en-US" altLang="zh-CN" dirty="0"/>
+              <a:t>java</a:t>
+            </a:r>
+            <a:r>
+              <a:rPr lang="zh-CN" altLang="en-US" dirty="0"/>
+              <a:t>包的前缀保持一致</a:t>
+            </a:r>
+            <a:endParaRPr lang="en-US" altLang="zh-CN" dirty="0"/>
+          </a:p>
+          <a:p>
+            <a:pPr marL="57150" lvl="0" indent="0">
+              <a:buNone/>
+            </a:pPr>
+            <a:r>
+              <a:rPr lang="en-US" altLang="zh-CN" dirty="0" err="1"/>
+              <a:t>ArtifactId</a:t>
+            </a:r>
+            <a:r>
+              <a:rPr lang="en-US" altLang="zh-CN" dirty="0"/>
+              <a:t> </a:t>
+            </a:r>
+            <a:r>
+              <a:rPr lang="zh-CN" altLang="en-US" dirty="0"/>
+              <a:t>工程名，以横线（减号）为单词分隔符，所有单词都小写，必须使用字母开头</a:t>
+            </a:r>
+            <a:endParaRPr lang="en-US" altLang="zh-CN" dirty="0"/>
+          </a:p>
+          <a:p>
+            <a:pPr marL="57150" lvl="0" indent="0">
+              <a:buNone/>
+            </a:pPr>
+            <a:r>
+              <a:rPr lang="en-US" altLang="zh-CN" dirty="0"/>
+              <a:t>Version </a:t>
+            </a:r>
+            <a:r>
+              <a:rPr lang="zh-CN" altLang="en-US" dirty="0"/>
+              <a:t>版本号</a:t>
+            </a:r>
+            <a:endParaRPr lang="en-US" altLang="zh-CN" dirty="0"/>
+          </a:p>
+          <a:p>
+            <a:endParaRPr lang="en-US" dirty="0"/>
+          </a:p>
+        </p:txBody>
+      </p:sp>
+      <p:sp>
+        <p:nvSpPr>
+          <p:cNvPr id="4" name="Slide Number Placeholder 3"/>
+          <p:cNvSpPr>
+            <a:spLocks noGrp="1"/>
+          </p:cNvSpPr>
+          <p:nvPr>
+            <p:ph type="sldNum" sz="quarter" idx="10"/>
+          </p:nvPr>
+        </p:nvSpPr>
+        <p:spPr/>
+        <p:txBody>
+          <a:bodyPr/>
+          <a:lstStyle/>
+          <a:p>
+            <a:fld id="{11532156-F9B5-41E3-ADB7-D297B9458FA2}" type="slidenum">
+              <a:rPr lang="en-US" smtClean="0"/>
+              <a:t>12</a:t>
+            </a:fld>
+            <a:endParaRPr lang="en-US"/>
+          </a:p>
+        </p:txBody>
+      </p:sp>
+    </p:spTree>
+    <p:extLst>
+      <p:ext uri="{BB962C8B-B14F-4D97-AF65-F5344CB8AC3E}">
+        <p14:creationId xmlns:p14="http://schemas.microsoft.com/office/powerpoint/2010/main" val="2007225177"/>
+      </p:ext>
+    </p:extLst>
+  </p:cSld>
+  <p:clrMapOvr>
+    <a:masterClrMapping/>
+  </p:clrMapOvr>
+</p:notes>
+</file>
+
+<file path=ppt/notesSlides/notesSlide2.xml><?xml version="1.0" encoding="utf-8"?>
+<p:notes xmlns:a="http://schemas.openxmlformats.org/drawingml/2006/main" xmlns:r="http://schemas.openxmlformats.org/officeDocument/2006/relationships" xmlns:p="http://schemas.openxmlformats.org/presentationml/2006/main">
+  <p:cSld>
+    <p:spTree>
+      <p:nvGrpSpPr>
+        <p:cNvPr id="1" name=""/>
+        <p:cNvGrpSpPr/>
+        <p:nvPr/>
+      </p:nvGrpSpPr>
+      <p:grpSpPr>
+        <a:xfrm>
+          <a:off x="0" y="0"/>
+          <a:ext cx="0" cy="0"/>
+          <a:chOff x="0" y="0"/>
+          <a:chExt cx="0" cy="0"/>
+        </a:xfrm>
+      </p:grpSpPr>
+      <p:sp>
+        <p:nvSpPr>
+          <p:cNvPr id="2" name="Slide Image Placeholder 1"/>
+          <p:cNvSpPr>
+            <a:spLocks noGrp="1" noRot="1" noChangeAspect="1"/>
+          </p:cNvSpPr>
+          <p:nvPr>
+            <p:ph type="sldImg"/>
+          </p:nvPr>
+        </p:nvSpPr>
+        <p:spPr/>
+      </p:sp>
+      <p:sp>
+        <p:nvSpPr>
+          <p:cNvPr id="3" name="Notes Placeholder 2"/>
+          <p:cNvSpPr>
+            <a:spLocks noGrp="1"/>
+          </p:cNvSpPr>
+          <p:nvPr>
+            <p:ph type="body" idx="1"/>
+          </p:nvPr>
+        </p:nvSpPr>
+        <p:spPr/>
+        <p:txBody>
+          <a:bodyPr/>
+          <a:lstStyle/>
+          <a:p>
+            <a:pPr marL="57150" lvl="0" indent="0">
+              <a:buNone/>
+            </a:pPr>
+            <a:r>
+              <a:rPr lang="en-US" altLang="zh-CN" dirty="0" err="1"/>
+              <a:t>GroupId</a:t>
+            </a:r>
+            <a:r>
+              <a:rPr lang="en-US" altLang="zh-CN" dirty="0"/>
+              <a:t>  </a:t>
+            </a:r>
+            <a:r>
+              <a:rPr lang="zh-CN" altLang="en-US" dirty="0"/>
+              <a:t>组织标识，必须</a:t>
+            </a:r>
+            <a:r>
+              <a:rPr lang="en-US" altLang="zh-CN" dirty="0"/>
+              <a:t>java</a:t>
+            </a:r>
+            <a:r>
+              <a:rPr lang="zh-CN" altLang="en-US" dirty="0"/>
+              <a:t>包的前缀保持一致</a:t>
+            </a:r>
+            <a:endParaRPr lang="en-US" altLang="zh-CN" dirty="0"/>
+          </a:p>
+          <a:p>
+            <a:pPr marL="57150" lvl="0" indent="0">
+              <a:buNone/>
+            </a:pPr>
+            <a:r>
+              <a:rPr lang="en-US" altLang="zh-CN" dirty="0" err="1"/>
+              <a:t>ArtifactId</a:t>
+            </a:r>
+            <a:r>
+              <a:rPr lang="en-US" altLang="zh-CN" dirty="0"/>
+              <a:t> </a:t>
+            </a:r>
+            <a:r>
+              <a:rPr lang="zh-CN" altLang="en-US" dirty="0"/>
+              <a:t>工程名，以横线（减号）为单词分隔符，所有单词都小写，必须使用字母开头</a:t>
+            </a:r>
+            <a:endParaRPr lang="en-US" altLang="zh-CN" dirty="0"/>
+          </a:p>
+          <a:p>
+            <a:pPr marL="57150" lvl="0" indent="0">
+              <a:buNone/>
+            </a:pPr>
+            <a:r>
+              <a:rPr lang="en-US" altLang="zh-CN" dirty="0"/>
+              <a:t>Version </a:t>
+            </a:r>
+            <a:r>
+              <a:rPr lang="zh-CN" altLang="en-US" dirty="0"/>
+              <a:t>版本号</a:t>
+            </a:r>
+            <a:endParaRPr lang="en-US" altLang="zh-CN" dirty="0"/>
+          </a:p>
+          <a:p>
+            <a:endParaRPr lang="en-US" dirty="0"/>
+          </a:p>
+        </p:txBody>
+      </p:sp>
+      <p:sp>
+        <p:nvSpPr>
+          <p:cNvPr id="4" name="Slide Number Placeholder 3"/>
+          <p:cNvSpPr>
+            <a:spLocks noGrp="1"/>
+          </p:cNvSpPr>
+          <p:nvPr>
+            <p:ph type="sldNum" sz="quarter" idx="10"/>
+          </p:nvPr>
+        </p:nvSpPr>
+        <p:spPr/>
+        <p:txBody>
+          <a:bodyPr/>
+          <a:lstStyle/>
+          <a:p>
+            <a:fld id="{11532156-F9B5-41E3-ADB7-D297B9458FA2}" type="slidenum">
+              <a:rPr lang="en-US" smtClean="0"/>
+              <a:t>13</a:t>
+            </a:fld>
+            <a:endParaRPr lang="en-US"/>
+          </a:p>
+        </p:txBody>
+      </p:sp>
+    </p:spTree>
+    <p:extLst>
+      <p:ext uri="{BB962C8B-B14F-4D97-AF65-F5344CB8AC3E}">
+        <p14:creationId xmlns:p14="http://schemas.microsoft.com/office/powerpoint/2010/main" val="331803734"/>
+      </p:ext>
+    </p:extLst>
+  </p:cSld>
+  <p:clrMapOvr>
+    <a:masterClrMapping/>
+  </p:clrMapOvr>
+</p:notes>
 </file>
 
 <file path=ppt/slideLayouts/slideLayout1.xml><?xml version="1.0" encoding="utf-8"?>
@@ -309,7 +955,7 @@
             <a:fld id="{B61BEF0D-F0BB-DE4B-95CE-6DB70DBA9567}" type="datetimeFigureOut">
               <a:rPr lang="en-US" dirty="0"/>
               <a:pPr/>
-              <a:t>5/23/2018</a:t>
+              <a:t>5/28/2018</a:t>
             </a:fld>
             <a:endParaRPr lang="en-US" dirty="0"/>
           </a:p>
@@ -644,7 +1290,7 @@
             <a:fld id="{B61BEF0D-F0BB-DE4B-95CE-6DB70DBA9567}" type="datetimeFigureOut">
               <a:rPr lang="en-US" dirty="0"/>
               <a:pPr/>
-              <a:t>5/23/2018</a:t>
+              <a:t>5/28/2018</a:t>
             </a:fld>
             <a:endParaRPr lang="en-US" dirty="0"/>
           </a:p>
@@ -1042,7 +1688,7 @@
             <a:fld id="{B61BEF0D-F0BB-DE4B-95CE-6DB70DBA9567}" type="datetimeFigureOut">
               <a:rPr lang="en-US" dirty="0"/>
               <a:pPr/>
-              <a:t>5/23/2018</a:t>
+              <a:t>5/28/2018</a:t>
             </a:fld>
             <a:endParaRPr lang="en-US" dirty="0"/>
           </a:p>
@@ -1375,7 +2021,7 @@
             <a:fld id="{B61BEF0D-F0BB-DE4B-95CE-6DB70DBA9567}" type="datetimeFigureOut">
               <a:rPr lang="en-US" dirty="0"/>
               <a:pPr/>
-              <a:t>5/23/2018</a:t>
+              <a:t>5/28/2018</a:t>
             </a:fld>
             <a:endParaRPr lang="en-US" dirty="0"/>
           </a:p>
@@ -1692,7 +2338,7 @@
             <a:fld id="{B61BEF0D-F0BB-DE4B-95CE-6DB70DBA9567}" type="datetimeFigureOut">
               <a:rPr lang="en-US" dirty="0"/>
               <a:pPr/>
-              <a:t>5/23/2018</a:t>
+              <a:t>5/28/2018</a:t>
             </a:fld>
             <a:endParaRPr lang="en-US" dirty="0"/>
           </a:p>
@@ -2085,7 +2731,7 @@
             <a:fld id="{B61BEF0D-F0BB-DE4B-95CE-6DB70DBA9567}" type="datetimeFigureOut">
               <a:rPr lang="en-US" dirty="0"/>
               <a:pPr/>
-              <a:t>5/23/2018</a:t>
+              <a:t>5/28/2018</a:t>
             </a:fld>
             <a:endParaRPr lang="en-US" dirty="0"/>
           </a:p>
@@ -2339,7 +2985,7 @@
             <a:fld id="{B61BEF0D-F0BB-DE4B-95CE-6DB70DBA9567}" type="datetimeFigureOut">
               <a:rPr lang="en-US" dirty="0"/>
               <a:pPr/>
-              <a:t>5/23/2018</a:t>
+              <a:t>5/28/2018</a:t>
             </a:fld>
             <a:endParaRPr lang="en-US" dirty="0"/>
           </a:p>
@@ -2598,7 +3244,7 @@
             <a:fld id="{B61BEF0D-F0BB-DE4B-95CE-6DB70DBA9567}" type="datetimeFigureOut">
               <a:rPr lang="en-US" dirty="0"/>
               <a:pPr/>
-              <a:t>5/23/2018</a:t>
+              <a:t>5/28/2018</a:t>
             </a:fld>
             <a:endParaRPr lang="en-US" dirty="0"/>
           </a:p>
@@ -2857,7 +3503,7 @@
             <a:fld id="{B61BEF0D-F0BB-DE4B-95CE-6DB70DBA9567}" type="datetimeFigureOut">
               <a:rPr lang="en-US" dirty="0"/>
               <a:pPr/>
-              <a:t>5/23/2018</a:t>
+              <a:t>5/28/2018</a:t>
             </a:fld>
             <a:endParaRPr lang="en-US" dirty="0"/>
           </a:p>
@@ -3183,7 +3829,7 @@
             <a:fld id="{B61BEF0D-F0BB-DE4B-95CE-6DB70DBA9567}" type="datetimeFigureOut">
               <a:rPr lang="en-US" dirty="0"/>
               <a:pPr/>
-              <a:t>5/23/2018</a:t>
+              <a:t>5/28/2018</a:t>
             </a:fld>
             <a:endParaRPr lang="en-US" dirty="0"/>
           </a:p>
@@ -3503,7 +4149,7 @@
             <a:fld id="{B61BEF0D-F0BB-DE4B-95CE-6DB70DBA9567}" type="datetimeFigureOut">
               <a:rPr lang="en-US" dirty="0"/>
               <a:pPr/>
-              <a:t>5/23/2018</a:t>
+              <a:t>5/28/2018</a:t>
             </a:fld>
             <a:endParaRPr lang="en-US" dirty="0"/>
           </a:p>
@@ -3957,7 +4603,7 @@
             <a:fld id="{B61BEF0D-F0BB-DE4B-95CE-6DB70DBA9567}" type="datetimeFigureOut">
               <a:rPr lang="en-US" dirty="0"/>
               <a:pPr/>
-              <a:t>5/23/2018</a:t>
+              <a:t>5/28/2018</a:t>
             </a:fld>
             <a:endParaRPr lang="en-US" dirty="0"/>
           </a:p>
@@ -4159,7 +4805,7 @@
             <a:fld id="{B61BEF0D-F0BB-DE4B-95CE-6DB70DBA9567}" type="datetimeFigureOut">
               <a:rPr lang="en-US" dirty="0"/>
               <a:pPr/>
-              <a:t>5/23/2018</a:t>
+              <a:t>5/28/2018</a:t>
             </a:fld>
             <a:endParaRPr lang="en-US" dirty="0"/>
           </a:p>
@@ -4333,7 +4979,7 @@
             <a:fld id="{B61BEF0D-F0BB-DE4B-95CE-6DB70DBA9567}" type="datetimeFigureOut">
               <a:rPr lang="en-US" dirty="0"/>
               <a:pPr/>
-              <a:t>5/23/2018</a:t>
+              <a:t>5/28/2018</a:t>
             </a:fld>
             <a:endParaRPr lang="en-US" dirty="0"/>
           </a:p>
@@ -4663,7 +5309,7 @@
             <a:fld id="{B61BEF0D-F0BB-DE4B-95CE-6DB70DBA9567}" type="datetimeFigureOut">
               <a:rPr lang="en-US" dirty="0"/>
               <a:pPr/>
-              <a:t>5/23/2018</a:t>
+              <a:t>5/28/2018</a:t>
             </a:fld>
             <a:endParaRPr lang="en-US" dirty="0"/>
           </a:p>
@@ -5005,7 +5651,7 @@
             <a:fld id="{B61BEF0D-F0BB-DE4B-95CE-6DB70DBA9567}" type="datetimeFigureOut">
               <a:rPr lang="en-US" dirty="0"/>
               <a:pPr/>
-              <a:t>5/23/2018</a:t>
+              <a:t>5/28/2018</a:t>
             </a:fld>
             <a:endParaRPr lang="en-US" dirty="0"/>
           </a:p>
@@ -7119,7 +7765,7 @@
             <a:fld id="{B61BEF0D-F0BB-DE4B-95CE-6DB70DBA9567}" type="datetimeFigureOut">
               <a:rPr lang="en-US" dirty="0"/>
               <a:pPr/>
-              <a:t>5/23/2018</a:t>
+              <a:t>5/28/2018</a:t>
             </a:fld>
             <a:endParaRPr lang="en-US" dirty="0"/>
           </a:p>
@@ -7725,7 +8371,7 @@
           <p:cNvPr id="2" name="Title 1">
             <a:extLst>
               <a:ext uri="{FF2B5EF4-FFF2-40B4-BE49-F238E27FC236}">
-                <a16:creationId xmlns:a16="http://schemas.microsoft.com/office/drawing/2014/main" id="{011CB86D-43EC-4B6A-8AE1-C469DF7F468D}"/>
+                <a16:creationId xmlns:a16="http://schemas.microsoft.com/office/drawing/2014/main" id="{96303D23-BD36-4951-9A74-A2D5B5539140}"/>
               </a:ext>
             </a:extLst>
           </p:cNvPr>
@@ -7733,7 +8379,7 @@
             <a:spLocks noGrp="1"/>
           </p:cNvSpPr>
           <p:nvPr>
-            <p:ph type="ctrTitle"/>
+            <p:ph type="title"/>
           </p:nvPr>
         </p:nvSpPr>
         <p:spPr/>
@@ -7742,23 +8388,18 @@
           <a:lstStyle/>
           <a:p>
             <a:r>
-              <a:rPr lang="en-US" altLang="zh-CN" dirty="0"/>
-              <a:t>Java</a:t>
-            </a:r>
-            <a:r>
-              <a:rPr lang="zh-CN" altLang="en-US" dirty="0"/>
-              <a:t>基础介绍</a:t>
-            </a:r>
-            <a:endParaRPr lang="en-US" dirty="0"/>
-          </a:p>
-        </p:txBody>
-      </p:sp>
-      <p:sp>
-        <p:nvSpPr>
-          <p:cNvPr id="3" name="Subtitle 2">
+              <a:rPr lang="en-US" dirty="0"/>
+              <a:t>IDEA</a:t>
+            </a:r>
+          </a:p>
+        </p:txBody>
+      </p:sp>
+      <p:sp>
+        <p:nvSpPr>
+          <p:cNvPr id="3" name="Content Placeholder 2">
             <a:extLst>
               <a:ext uri="{FF2B5EF4-FFF2-40B4-BE49-F238E27FC236}">
-                <a16:creationId xmlns:a16="http://schemas.microsoft.com/office/drawing/2014/main" id="{8D779DD8-909C-4710-8DD2-9F872A3427AD}"/>
+                <a16:creationId xmlns:a16="http://schemas.microsoft.com/office/drawing/2014/main" id="{F9A2D2DE-DEEF-4EA4-B541-D43E992D3BDD}"/>
               </a:ext>
             </a:extLst>
           </p:cNvPr>
@@ -7766,7 +8407,7 @@
             <a:spLocks noGrp="1"/>
           </p:cNvSpPr>
           <p:nvPr>
-            <p:ph type="subTitle" idx="1"/>
+            <p:ph idx="1"/>
           </p:nvPr>
         </p:nvSpPr>
         <p:spPr/>
@@ -7774,14 +8415,57 @@
           <a:bodyPr/>
           <a:lstStyle/>
           <a:p>
-            <a:endParaRPr lang="en-US"/>
+            <a:r>
+              <a:rPr lang="zh-CN" altLang="en-US" dirty="0"/>
+              <a:t>插件安装</a:t>
+            </a:r>
+            <a:endParaRPr lang="en-US" altLang="zh-CN" dirty="0"/>
+          </a:p>
+          <a:p>
+            <a:r>
+              <a:rPr lang="en-US" altLang="zh-CN" dirty="0"/>
+              <a:t>Maven</a:t>
+            </a:r>
+            <a:r>
+              <a:rPr lang="zh-CN" altLang="en-US" dirty="0"/>
+              <a:t>配置</a:t>
+            </a:r>
+            <a:endParaRPr lang="en-US" altLang="zh-CN" dirty="0"/>
+          </a:p>
+          <a:p>
+            <a:r>
+              <a:rPr lang="en-US" altLang="zh-CN" dirty="0"/>
+              <a:t>Git</a:t>
+            </a:r>
+            <a:r>
+              <a:rPr lang="zh-CN" altLang="en-US" dirty="0"/>
+              <a:t>配置</a:t>
+            </a:r>
+            <a:endParaRPr lang="en-US" altLang="zh-CN" dirty="0"/>
+          </a:p>
+          <a:p>
+            <a:r>
+              <a:rPr lang="en-US" altLang="zh-CN" dirty="0" err="1"/>
+              <a:t>Jdk</a:t>
+            </a:r>
+            <a:r>
+              <a:rPr lang="zh-CN" altLang="en-US" dirty="0"/>
+              <a:t>配置</a:t>
+            </a:r>
+            <a:endParaRPr lang="en-US" altLang="zh-CN" dirty="0"/>
+          </a:p>
+          <a:p>
+            <a:pPr marL="0" indent="0">
+              <a:buNone/>
+            </a:pPr>
+            <a:endParaRPr lang="en-US" altLang="zh-CN" dirty="0"/>
           </a:p>
         </p:txBody>
       </p:sp>
     </p:spTree>
     <p:extLst>
       <p:ext uri="{BB962C8B-B14F-4D97-AF65-F5344CB8AC3E}">
-        <p14:creationId xmlns:p14="http://schemas.microsoft.com/office/powerpoint/2010/main" val="2862522568"/>
+        <p14:creationId xmlns:p14="http://schemas.microsoft.com/office/powerpoint/2010/main" val="55914345"/>
       </p:ext>
     </p:extLst>
   </p:cSld>
@@ -7813,7 +8497,7 @@
           <p:cNvPr id="2" name="Title 1">
             <a:extLst>
               <a:ext uri="{FF2B5EF4-FFF2-40B4-BE49-F238E27FC236}">
-                <a16:creationId xmlns:a16="http://schemas.microsoft.com/office/drawing/2014/main" id="{F01FFEA2-7499-466C-B538-1C6E31064812}"/>
+                <a16:creationId xmlns:a16="http://schemas.microsoft.com/office/drawing/2014/main" id="{011CB86D-43EC-4B6A-8AE1-C469DF7F468D}"/>
               </a:ext>
             </a:extLst>
           </p:cNvPr>
@@ -7821,7 +8505,7 @@
             <a:spLocks noGrp="1"/>
           </p:cNvSpPr>
           <p:nvPr>
-            <p:ph type="title"/>
+            <p:ph type="ctrTitle"/>
           </p:nvPr>
         </p:nvSpPr>
         <p:spPr/>
@@ -7830,19 +8514,23 @@
           <a:lstStyle/>
           <a:p>
             <a:r>
+              <a:rPr lang="en-US" altLang="zh-CN" dirty="0"/>
+              <a:t>Hello World</a:t>
+            </a:r>
+            <a:r>
               <a:rPr lang="zh-CN" altLang="en-US" dirty="0"/>
-              <a:t>运算符</a:t>
-            </a:r>
-            <a:endParaRPr lang="en-US" dirty="0"/>
-          </a:p>
-        </p:txBody>
-      </p:sp>
-      <p:sp>
-        <p:nvSpPr>
-          <p:cNvPr id="3" name="Content Placeholder 2">
+              <a:t>演示</a:t>
+            </a:r>
+            <a:endParaRPr lang="en-US" altLang="zh-CN" dirty="0"/>
+          </a:p>
+        </p:txBody>
+      </p:sp>
+      <p:sp>
+        <p:nvSpPr>
+          <p:cNvPr id="3" name="Subtitle 2">
             <a:extLst>
               <a:ext uri="{FF2B5EF4-FFF2-40B4-BE49-F238E27FC236}">
-                <a16:creationId xmlns:a16="http://schemas.microsoft.com/office/drawing/2014/main" id="{3972D5C7-A0D6-416D-BEC4-74A71C42C659}"/>
+                <a16:creationId xmlns:a16="http://schemas.microsoft.com/office/drawing/2014/main" id="{8D779DD8-909C-4710-8DD2-9F872A3427AD}"/>
               </a:ext>
             </a:extLst>
           </p:cNvPr>
@@ -7850,7 +8538,7 @@
             <a:spLocks noGrp="1"/>
           </p:cNvSpPr>
           <p:nvPr>
-            <p:ph idx="1"/>
+            <p:ph type="subTitle" idx="1"/>
           </p:nvPr>
         </p:nvSpPr>
         <p:spPr/>
@@ -7858,110 +8546,14 @@
           <a:bodyPr/>
           <a:lstStyle/>
           <a:p>
-            <a:pPr latinLnBrk="1"/>
-            <a:r>
-              <a:rPr lang="zh-CN" altLang="en-US" dirty="0"/>
-              <a:t>算术运算符 （</a:t>
-            </a:r>
-            <a:r>
-              <a:rPr lang="en-US" altLang="zh-CN" dirty="0"/>
-              <a:t>+ - </a:t>
-            </a:r>
-            <a:r>
-              <a:rPr lang="zh-CN" altLang="en-US" dirty="0"/>
-              <a:t>* </a:t>
-            </a:r>
-            <a:r>
-              <a:rPr lang="en-US" altLang="zh-CN" dirty="0"/>
-              <a:t>/ ++</a:t>
-            </a:r>
-            <a:r>
-              <a:rPr lang="zh-CN" altLang="en-US" dirty="0"/>
-              <a:t>）</a:t>
-            </a:r>
-          </a:p>
-          <a:p>
-            <a:pPr latinLnBrk="1"/>
-            <a:r>
-              <a:rPr lang="zh-CN" altLang="en-US" dirty="0"/>
-              <a:t>关系运算符 （</a:t>
-            </a:r>
-            <a:r>
-              <a:rPr lang="en-US" altLang="zh-CN" dirty="0"/>
-              <a:t>&gt; &lt;  != ==</a:t>
-            </a:r>
-            <a:r>
-              <a:rPr lang="zh-CN" altLang="en-US" dirty="0"/>
-              <a:t>）</a:t>
-            </a:r>
-          </a:p>
-          <a:p>
-            <a:pPr latinLnBrk="1"/>
-            <a:r>
-              <a:rPr lang="zh-CN" altLang="en-US" dirty="0"/>
-              <a:t>位运算符 （</a:t>
-            </a:r>
-            <a:r>
-              <a:rPr lang="en-US" altLang="zh-CN" dirty="0"/>
-              <a:t>&amp; &gt;&gt;</a:t>
-            </a:r>
-            <a:r>
-              <a:rPr lang="zh-CN" altLang="en-US" dirty="0"/>
-              <a:t>）</a:t>
-            </a:r>
-          </a:p>
-          <a:p>
-            <a:pPr latinLnBrk="1"/>
-            <a:r>
-              <a:rPr lang="zh-CN" altLang="en-US" dirty="0"/>
-              <a:t>逻辑运算符 （</a:t>
-            </a:r>
-            <a:r>
-              <a:rPr lang="en-US" altLang="zh-CN" dirty="0"/>
-              <a:t>&amp;&amp; ||</a:t>
-            </a:r>
-            <a:r>
-              <a:rPr lang="zh-CN" altLang="en-US" dirty="0"/>
-              <a:t>）</a:t>
-            </a:r>
-          </a:p>
-          <a:p>
-            <a:pPr latinLnBrk="1"/>
-            <a:r>
-              <a:rPr lang="zh-CN" altLang="en-US" dirty="0"/>
-              <a:t>赋值运算符 （</a:t>
-            </a:r>
-            <a:r>
-              <a:rPr lang="en-US" altLang="zh-CN" dirty="0"/>
-              <a:t>=  +=  -=</a:t>
-            </a:r>
-            <a:r>
-              <a:rPr lang="zh-CN" altLang="en-US" dirty="0"/>
-              <a:t>）</a:t>
-            </a:r>
-          </a:p>
-          <a:p>
-            <a:pPr latinLnBrk="1"/>
-            <a:r>
-              <a:rPr lang="zh-CN" altLang="en-US" dirty="0"/>
-              <a:t>其他运算符（</a:t>
-            </a:r>
-            <a:r>
-              <a:rPr lang="en-US" altLang="zh-CN" dirty="0" err="1"/>
-              <a:t>instanceof</a:t>
-            </a:r>
-            <a:r>
-              <a:rPr lang="zh-CN" altLang="en-US" dirty="0"/>
-              <a:t>）</a:t>
-            </a:r>
-            <a:endParaRPr lang="en-US" dirty="0"/>
+            <a:endParaRPr lang="en-US"/>
           </a:p>
         </p:txBody>
       </p:sp>
     </p:spTree>
     <p:extLst>
       <p:ext uri="{BB962C8B-B14F-4D97-AF65-F5344CB8AC3E}">
-        <p14:creationId xmlns:p14="http://schemas.microsoft.com/office/powerpoint/2010/main" val="1432617594"/>
+        <p14:creationId xmlns:p14="http://schemas.microsoft.com/office/powerpoint/2010/main" val="2862522568"/>
       </p:ext>
     </p:extLst>
   </p:cSld>
@@ -7993,7 +8585,7 @@
           <p:cNvPr id="2" name="Title 1">
             <a:extLst>
               <a:ext uri="{FF2B5EF4-FFF2-40B4-BE49-F238E27FC236}">
-                <a16:creationId xmlns:a16="http://schemas.microsoft.com/office/drawing/2014/main" id="{A687FB47-1F7F-4FDF-96AF-06C1CB2E968D}"/>
+                <a16:creationId xmlns:a16="http://schemas.microsoft.com/office/drawing/2014/main" id="{9293D386-A54D-4454-AAB4-0D824D2FC0A8}"/>
               </a:ext>
             </a:extLst>
           </p:cNvPr>
@@ -8010,603 +8602,112 @@
           <a:lstStyle/>
           <a:p>
             <a:r>
-              <a:rPr lang="en-US" altLang="zh-CN" dirty="0"/>
-              <a:t>JAVA </a:t>
-            </a:r>
-            <a:r>
               <a:rPr lang="zh-CN" altLang="en-US" dirty="0"/>
-              <a:t>基本数据类型</a:t>
+              <a:t>创建工程中的规范</a:t>
             </a:r>
             <a:endParaRPr lang="en-US" dirty="0"/>
           </a:p>
         </p:txBody>
       </p:sp>
-      <p:graphicFrame>
-        <p:nvGraphicFramePr>
-          <p:cNvPr id="7" name="Content Placeholder 6">
+      <p:sp>
+        <p:nvSpPr>
+          <p:cNvPr id="3" name="Content Placeholder 2">
             <a:extLst>
               <a:ext uri="{FF2B5EF4-FFF2-40B4-BE49-F238E27FC236}">
-                <a16:creationId xmlns:a16="http://schemas.microsoft.com/office/drawing/2014/main" id="{0EAB5FE8-40F6-4AE2-AB01-0F458CB8E8D5}"/>
+                <a16:creationId xmlns:a16="http://schemas.microsoft.com/office/drawing/2014/main" id="{FE62CFC8-ADF6-4AEB-A801-67C42F7F05DD}"/>
               </a:ext>
             </a:extLst>
           </p:cNvPr>
-          <p:cNvGraphicFramePr>
-            <a:graphicFrameLocks noGrp="1"/>
-          </p:cNvGraphicFramePr>
+          <p:cNvSpPr>
+            <a:spLocks noGrp="1"/>
+          </p:cNvSpPr>
           <p:nvPr>
             <p:ph idx="1"/>
-            <p:extLst>
-              <p:ext uri="{D42A27DB-BD31-4B8C-83A1-F6EECF244321}">
-                <p14:modId xmlns:p14="http://schemas.microsoft.com/office/powerpoint/2010/main" val="2563791624"/>
-              </p:ext>
-            </p:extLst>
-          </p:nvPr>
-        </p:nvGraphicFramePr>
-        <p:xfrm>
-          <a:off x="3195686" y="1791093"/>
-          <a:ext cx="7352907" cy="4458880"/>
-        </p:xfrm>
-        <a:graphic>
-          <a:graphicData uri="http://schemas.openxmlformats.org/drawingml/2006/table">
-            <a:tbl>
-              <a:tblPr>
-                <a:tableStyleId>{5C22544A-7EE6-4342-B048-85BDC9FD1C3A}</a:tableStyleId>
-              </a:tblPr>
-              <a:tblGrid>
-                <a:gridCol w="3737984">
-                  <a:extLst>
-                    <a:ext uri="{9D8B030D-6E8A-4147-A177-3AD203B41FA5}">
-                      <a16:colId xmlns:a16="http://schemas.microsoft.com/office/drawing/2014/main" val="2281688720"/>
-                    </a:ext>
-                  </a:extLst>
-                </a:gridCol>
-                <a:gridCol w="3614923">
-                  <a:extLst>
-                    <a:ext uri="{9D8B030D-6E8A-4147-A177-3AD203B41FA5}">
-                      <a16:colId xmlns:a16="http://schemas.microsoft.com/office/drawing/2014/main" val="3654679369"/>
-                    </a:ext>
-                  </a:extLst>
-                </a:gridCol>
-              </a:tblGrid>
-              <a:tr h="579872">
-                <a:tc>
-                  <a:txBody>
-                    <a:bodyPr/>
-                    <a:lstStyle/>
-                    <a:p>
-                      <a:pPr algn="ctr" rtl="0" fontAlgn="ctr"/>
-                      <a:r>
-                        <a:rPr lang="zh-CN" altLang="en-US" sz="2400" b="1" u="none" strike="noStrike">
-                          <a:effectLst/>
-                        </a:rPr>
-                        <a:t>数据类型</a:t>
-                      </a:r>
-                      <a:endParaRPr lang="zh-CN" altLang="en-US" sz="2400" b="1" i="0" u="none" strike="noStrike">
-                        <a:solidFill>
-                          <a:srgbClr val="000000"/>
-                        </a:solidFill>
-                        <a:effectLst/>
-                        <a:latin typeface="Arial" panose="020B0604020202020204" pitchFamily="34" charset="0"/>
-                      </a:endParaRPr>
-                    </a:p>
-                  </a:txBody>
-                  <a:tcPr marL="6350" marR="6350" marT="6350" marB="0" anchor="ctr"/>
-                </a:tc>
-                <a:tc>
-                  <a:txBody>
-                    <a:bodyPr/>
-                    <a:lstStyle/>
-                    <a:p>
-                      <a:pPr algn="ctr" rtl="0" fontAlgn="ctr"/>
-                      <a:r>
-                        <a:rPr lang="zh-CN" altLang="en-US" sz="2400" b="1" u="none" strike="noStrike" dirty="0">
-                          <a:effectLst/>
-                        </a:rPr>
-                        <a:t>封装类</a:t>
-                      </a:r>
-                      <a:endParaRPr lang="zh-CN" altLang="en-US" sz="2400" b="1" i="0" u="none" strike="noStrike" dirty="0">
-                        <a:solidFill>
-                          <a:srgbClr val="000000"/>
-                        </a:solidFill>
-                        <a:effectLst/>
-                        <a:latin typeface="Arial" panose="020B0604020202020204" pitchFamily="34" charset="0"/>
-                      </a:endParaRPr>
-                    </a:p>
-                  </a:txBody>
-                  <a:tcPr marL="6350" marR="6350" marT="6350" marB="0" anchor="ctr"/>
-                </a:tc>
-                <a:extLst>
-                  <a:ext uri="{0D108BD9-81ED-4DB2-BD59-A6C34878D82A}">
-                    <a16:rowId xmlns:a16="http://schemas.microsoft.com/office/drawing/2014/main" val="1759189209"/>
-                  </a:ext>
-                </a:extLst>
-              </a:tr>
-              <a:tr h="484876">
-                <a:tc>
-                  <a:txBody>
-                    <a:bodyPr/>
-                    <a:lstStyle/>
-                    <a:p>
-                      <a:pPr algn="l" rtl="0" fontAlgn="ctr"/>
-                      <a:r>
-                        <a:rPr lang="en-US" sz="2000" u="none" strike="noStrike" dirty="0" err="1">
-                          <a:effectLst/>
-                        </a:rPr>
-                        <a:t>boolean</a:t>
-                      </a:r>
-                      <a:r>
-                        <a:rPr lang="en-US" sz="2000" u="none" strike="noStrike" dirty="0">
-                          <a:effectLst/>
-                        </a:rPr>
-                        <a:t>（</a:t>
-                      </a:r>
-                      <a:r>
-                        <a:rPr lang="zh-CN" altLang="en-US" sz="2000" u="none" strike="noStrike" dirty="0">
-                          <a:effectLst/>
-                        </a:rPr>
-                        <a:t>布尔型）</a:t>
-                      </a:r>
-                      <a:endParaRPr lang="zh-CN" altLang="en-US" sz="2000" b="0" i="0" u="none" strike="noStrike" dirty="0">
-                        <a:solidFill>
-                          <a:srgbClr val="000000"/>
-                        </a:solidFill>
-                        <a:effectLst/>
-                        <a:latin typeface="Century Gothic" panose="020B0502020202020204" pitchFamily="34" charset="0"/>
-                      </a:endParaRPr>
-                    </a:p>
-                  </a:txBody>
-                  <a:tcPr marL="6350" marR="6350" marT="6350" marB="0" anchor="ctr"/>
-                </a:tc>
-                <a:tc>
-                  <a:txBody>
-                    <a:bodyPr/>
-                    <a:lstStyle/>
-                    <a:p>
-                      <a:pPr algn="l" rtl="0" fontAlgn="ctr"/>
-                      <a:r>
-                        <a:rPr lang="en-US" sz="2000" u="none" strike="noStrike" dirty="0">
-                          <a:effectLst/>
-                        </a:rPr>
-                        <a:t>Boolean</a:t>
-                      </a:r>
-                      <a:endParaRPr lang="en-US" sz="2000" b="0" i="0" u="none" strike="noStrike" dirty="0">
-                        <a:solidFill>
-                          <a:srgbClr val="000000"/>
-                        </a:solidFill>
-                        <a:effectLst/>
-                        <a:latin typeface="Century Gothic" panose="020B0502020202020204" pitchFamily="34" charset="0"/>
-                      </a:endParaRPr>
-                    </a:p>
-                  </a:txBody>
-                  <a:tcPr marL="6350" marR="6350" marT="6350" marB="0" anchor="ctr"/>
-                </a:tc>
-                <a:extLst>
-                  <a:ext uri="{0D108BD9-81ED-4DB2-BD59-A6C34878D82A}">
-                    <a16:rowId xmlns:a16="http://schemas.microsoft.com/office/drawing/2014/main" val="2666611555"/>
-                  </a:ext>
-                </a:extLst>
-              </a:tr>
-              <a:tr h="484876">
-                <a:tc>
-                  <a:txBody>
-                    <a:bodyPr/>
-                    <a:lstStyle/>
-                    <a:p>
-                      <a:pPr algn="l" rtl="0" fontAlgn="ctr"/>
-                      <a:r>
-                        <a:rPr lang="en-US" sz="2000" u="none" strike="noStrike">
-                          <a:effectLst/>
-                        </a:rPr>
-                        <a:t>byte（</a:t>
-                      </a:r>
-                      <a:r>
-                        <a:rPr lang="zh-CN" altLang="en-US" sz="2000" u="none" strike="noStrike">
-                          <a:effectLst/>
-                        </a:rPr>
-                        <a:t>字节型）</a:t>
-                      </a:r>
-                      <a:endParaRPr lang="zh-CN" altLang="en-US" sz="2000" b="0" i="0" u="none" strike="noStrike">
-                        <a:solidFill>
-                          <a:srgbClr val="000000"/>
-                        </a:solidFill>
-                        <a:effectLst/>
-                        <a:latin typeface="Century Gothic" panose="020B0502020202020204" pitchFamily="34" charset="0"/>
-                      </a:endParaRPr>
-                    </a:p>
-                  </a:txBody>
-                  <a:tcPr marL="6350" marR="6350" marT="6350" marB="0" anchor="ctr"/>
-                </a:tc>
-                <a:tc>
-                  <a:txBody>
-                    <a:bodyPr/>
-                    <a:lstStyle/>
-                    <a:p>
-                      <a:pPr algn="l" rtl="0" fontAlgn="ctr"/>
-                      <a:r>
-                        <a:rPr lang="en-US" sz="2000" u="none" strike="noStrike">
-                          <a:effectLst/>
-                        </a:rPr>
-                        <a:t>Byte</a:t>
-                      </a:r>
-                      <a:endParaRPr lang="en-US" sz="2000" b="0" i="0" u="none" strike="noStrike">
-                        <a:solidFill>
-                          <a:srgbClr val="000000"/>
-                        </a:solidFill>
-                        <a:effectLst/>
-                        <a:latin typeface="Century Gothic" panose="020B0502020202020204" pitchFamily="34" charset="0"/>
-                      </a:endParaRPr>
-                    </a:p>
-                  </a:txBody>
-                  <a:tcPr marL="6350" marR="6350" marT="6350" marB="0" anchor="ctr"/>
-                </a:tc>
-                <a:extLst>
-                  <a:ext uri="{0D108BD9-81ED-4DB2-BD59-A6C34878D82A}">
-                    <a16:rowId xmlns:a16="http://schemas.microsoft.com/office/drawing/2014/main" val="1377672306"/>
-                  </a:ext>
-                </a:extLst>
-              </a:tr>
-              <a:tr h="484876">
-                <a:tc>
-                  <a:txBody>
-                    <a:bodyPr/>
-                    <a:lstStyle/>
-                    <a:p>
-                      <a:pPr algn="l" rtl="0" fontAlgn="ctr"/>
-                      <a:r>
-                        <a:rPr lang="en-US" sz="2000" u="none" strike="noStrike" dirty="0">
-                          <a:effectLst/>
-                        </a:rPr>
-                        <a:t>char（</a:t>
-                      </a:r>
-                      <a:r>
-                        <a:rPr lang="zh-CN" altLang="en-US" sz="2000" u="none" strike="noStrike" dirty="0">
-                          <a:effectLst/>
-                        </a:rPr>
-                        <a:t>字符型）</a:t>
-                      </a:r>
-                      <a:endParaRPr lang="zh-CN" altLang="en-US" sz="2000" b="0" i="0" u="none" strike="noStrike" dirty="0">
-                        <a:solidFill>
-                          <a:srgbClr val="000000"/>
-                        </a:solidFill>
-                        <a:effectLst/>
-                        <a:latin typeface="Century Gothic" panose="020B0502020202020204" pitchFamily="34" charset="0"/>
-                      </a:endParaRPr>
-                    </a:p>
-                  </a:txBody>
-                  <a:tcPr marL="6350" marR="6350" marT="6350" marB="0" anchor="ctr"/>
-                </a:tc>
-                <a:tc>
-                  <a:txBody>
-                    <a:bodyPr/>
-                    <a:lstStyle/>
-                    <a:p>
-                      <a:pPr algn="l" rtl="0" fontAlgn="ctr"/>
-                      <a:r>
-                        <a:rPr lang="en-US" sz="2000" u="none" strike="noStrike">
-                          <a:effectLst/>
-                        </a:rPr>
-                        <a:t>Character</a:t>
-                      </a:r>
-                      <a:endParaRPr lang="en-US" sz="2000" b="0" i="0" u="none" strike="noStrike">
-                        <a:solidFill>
-                          <a:srgbClr val="000000"/>
-                        </a:solidFill>
-                        <a:effectLst/>
-                        <a:latin typeface="Century Gothic" panose="020B0502020202020204" pitchFamily="34" charset="0"/>
-                      </a:endParaRPr>
-                    </a:p>
-                  </a:txBody>
-                  <a:tcPr marL="6350" marR="6350" marT="6350" marB="0" anchor="ctr"/>
-                </a:tc>
-                <a:extLst>
-                  <a:ext uri="{0D108BD9-81ED-4DB2-BD59-A6C34878D82A}">
-                    <a16:rowId xmlns:a16="http://schemas.microsoft.com/office/drawing/2014/main" val="1221631327"/>
-                  </a:ext>
-                </a:extLst>
-              </a:tr>
-              <a:tr h="484876">
-                <a:tc>
-                  <a:txBody>
-                    <a:bodyPr/>
-                    <a:lstStyle/>
-                    <a:p>
-                      <a:pPr algn="l" rtl="0" fontAlgn="ctr"/>
-                      <a:r>
-                        <a:rPr lang="en-US" sz="2000" u="none" strike="noStrike" dirty="0">
-                          <a:effectLst/>
-                        </a:rPr>
-                        <a:t>short（</a:t>
-                      </a:r>
-                      <a:r>
-                        <a:rPr lang="zh-CN" altLang="en-US" sz="2000" u="none" strike="noStrike" dirty="0">
-                          <a:effectLst/>
-                        </a:rPr>
-                        <a:t>短整型）</a:t>
-                      </a:r>
-                      <a:endParaRPr lang="zh-CN" altLang="en-US" sz="2000" b="0" i="0" u="none" strike="noStrike" dirty="0">
-                        <a:solidFill>
-                          <a:srgbClr val="000000"/>
-                        </a:solidFill>
-                        <a:effectLst/>
-                        <a:latin typeface="Century Gothic" panose="020B0502020202020204" pitchFamily="34" charset="0"/>
-                      </a:endParaRPr>
-                    </a:p>
-                  </a:txBody>
-                  <a:tcPr marL="6350" marR="6350" marT="6350" marB="0" anchor="ctr"/>
-                </a:tc>
-                <a:tc>
-                  <a:txBody>
-                    <a:bodyPr/>
-                    <a:lstStyle/>
-                    <a:p>
-                      <a:pPr algn="l" rtl="0" fontAlgn="ctr"/>
-                      <a:r>
-                        <a:rPr lang="en-US" sz="2000" u="none" strike="noStrike" dirty="0">
-                          <a:effectLst/>
-                        </a:rPr>
-                        <a:t>Short</a:t>
-                      </a:r>
-                      <a:endParaRPr lang="en-US" sz="2000" b="0" i="0" u="none" strike="noStrike" dirty="0">
-                        <a:solidFill>
-                          <a:srgbClr val="000000"/>
-                        </a:solidFill>
-                        <a:effectLst/>
-                        <a:latin typeface="Century Gothic" panose="020B0502020202020204" pitchFamily="34" charset="0"/>
-                      </a:endParaRPr>
-                    </a:p>
-                  </a:txBody>
-                  <a:tcPr marL="6350" marR="6350" marT="6350" marB="0" anchor="ctr"/>
-                </a:tc>
-                <a:extLst>
-                  <a:ext uri="{0D108BD9-81ED-4DB2-BD59-A6C34878D82A}">
-                    <a16:rowId xmlns:a16="http://schemas.microsoft.com/office/drawing/2014/main" val="3251070489"/>
-                  </a:ext>
-                </a:extLst>
-              </a:tr>
-              <a:tr h="484876">
-                <a:tc>
-                  <a:txBody>
-                    <a:bodyPr/>
-                    <a:lstStyle/>
-                    <a:p>
-                      <a:pPr algn="l" rtl="0" fontAlgn="ctr"/>
-                      <a:r>
-                        <a:rPr lang="en-US" sz="2000" u="none" strike="noStrike">
-                          <a:effectLst/>
-                        </a:rPr>
-                        <a:t>int（</a:t>
-                      </a:r>
-                      <a:r>
-                        <a:rPr lang="zh-CN" altLang="en-US" sz="2000" u="none" strike="noStrike">
-                          <a:effectLst/>
-                        </a:rPr>
-                        <a:t>整型）</a:t>
-                      </a:r>
-                      <a:endParaRPr lang="zh-CN" altLang="en-US" sz="2000" b="0" i="0" u="none" strike="noStrike">
-                        <a:solidFill>
-                          <a:srgbClr val="000000"/>
-                        </a:solidFill>
-                        <a:effectLst/>
-                        <a:latin typeface="Century Gothic" panose="020B0502020202020204" pitchFamily="34" charset="0"/>
-                      </a:endParaRPr>
-                    </a:p>
-                  </a:txBody>
-                  <a:tcPr marL="6350" marR="6350" marT="6350" marB="0" anchor="ctr"/>
-                </a:tc>
-                <a:tc>
-                  <a:txBody>
-                    <a:bodyPr/>
-                    <a:lstStyle/>
-                    <a:p>
-                      <a:pPr algn="l" rtl="0" fontAlgn="ctr"/>
-                      <a:r>
-                        <a:rPr lang="en-US" sz="2000" u="none" strike="noStrike" dirty="0">
-                          <a:effectLst/>
-                        </a:rPr>
-                        <a:t>Integer</a:t>
-                      </a:r>
-                      <a:endParaRPr lang="en-US" sz="2000" b="0" i="0" u="none" strike="noStrike" dirty="0">
-                        <a:solidFill>
-                          <a:srgbClr val="000000"/>
-                        </a:solidFill>
-                        <a:effectLst/>
-                        <a:latin typeface="Century Gothic" panose="020B0502020202020204" pitchFamily="34" charset="0"/>
-                      </a:endParaRPr>
-                    </a:p>
-                  </a:txBody>
-                  <a:tcPr marL="6350" marR="6350" marT="6350" marB="0" anchor="ctr"/>
-                </a:tc>
-                <a:extLst>
-                  <a:ext uri="{0D108BD9-81ED-4DB2-BD59-A6C34878D82A}">
-                    <a16:rowId xmlns:a16="http://schemas.microsoft.com/office/drawing/2014/main" val="1556486126"/>
-                  </a:ext>
-                </a:extLst>
-              </a:tr>
-              <a:tr h="484876">
-                <a:tc>
-                  <a:txBody>
-                    <a:bodyPr/>
-                    <a:lstStyle/>
-                    <a:p>
-                      <a:pPr algn="l" rtl="0" fontAlgn="ctr"/>
-                      <a:r>
-                        <a:rPr lang="en-US" sz="2000" u="none" strike="noStrike">
-                          <a:effectLst/>
-                        </a:rPr>
-                        <a:t>long（</a:t>
-                      </a:r>
-                      <a:r>
-                        <a:rPr lang="zh-CN" altLang="en-US" sz="2000" u="none" strike="noStrike">
-                          <a:effectLst/>
-                        </a:rPr>
-                        <a:t>长整型）</a:t>
-                      </a:r>
-                      <a:endParaRPr lang="zh-CN" altLang="en-US" sz="2000" b="0" i="0" u="none" strike="noStrike">
-                        <a:solidFill>
-                          <a:srgbClr val="000000"/>
-                        </a:solidFill>
-                        <a:effectLst/>
-                        <a:latin typeface="Century Gothic" panose="020B0502020202020204" pitchFamily="34" charset="0"/>
-                      </a:endParaRPr>
-                    </a:p>
-                  </a:txBody>
-                  <a:tcPr marL="6350" marR="6350" marT="6350" marB="0" anchor="ctr"/>
-                </a:tc>
-                <a:tc>
-                  <a:txBody>
-                    <a:bodyPr/>
-                    <a:lstStyle/>
-                    <a:p>
-                      <a:pPr algn="l" rtl="0" fontAlgn="ctr"/>
-                      <a:r>
-                        <a:rPr lang="en-US" sz="2000" u="none" strike="noStrike">
-                          <a:effectLst/>
-                        </a:rPr>
-                        <a:t>Long</a:t>
-                      </a:r>
-                      <a:endParaRPr lang="en-US" sz="2000" b="0" i="0" u="none" strike="noStrike">
-                        <a:solidFill>
-                          <a:srgbClr val="000000"/>
-                        </a:solidFill>
-                        <a:effectLst/>
-                        <a:latin typeface="Century Gothic" panose="020B0502020202020204" pitchFamily="34" charset="0"/>
-                      </a:endParaRPr>
-                    </a:p>
-                  </a:txBody>
-                  <a:tcPr marL="6350" marR="6350" marT="6350" marB="0" anchor="ctr"/>
-                </a:tc>
-                <a:extLst>
-                  <a:ext uri="{0D108BD9-81ED-4DB2-BD59-A6C34878D82A}">
-                    <a16:rowId xmlns:a16="http://schemas.microsoft.com/office/drawing/2014/main" val="1285603719"/>
-                  </a:ext>
-                </a:extLst>
-              </a:tr>
-              <a:tr h="484876">
-                <a:tc>
-                  <a:txBody>
-                    <a:bodyPr/>
-                    <a:lstStyle/>
-                    <a:p>
-                      <a:pPr algn="l" rtl="0" fontAlgn="ctr"/>
-                      <a:r>
-                        <a:rPr lang="en-US" sz="2000" u="none" strike="noStrike">
-                          <a:effectLst/>
-                        </a:rPr>
-                        <a:t>float（</a:t>
-                      </a:r>
-                      <a:r>
-                        <a:rPr lang="zh-CN" altLang="en-US" sz="2000" u="none" strike="noStrike">
-                          <a:effectLst/>
-                        </a:rPr>
-                        <a:t>浮点型）</a:t>
-                      </a:r>
-                      <a:endParaRPr lang="zh-CN" altLang="en-US" sz="2000" b="0" i="0" u="none" strike="noStrike">
-                        <a:solidFill>
-                          <a:srgbClr val="000000"/>
-                        </a:solidFill>
-                        <a:effectLst/>
-                        <a:latin typeface="Century Gothic" panose="020B0502020202020204" pitchFamily="34" charset="0"/>
-                      </a:endParaRPr>
-                    </a:p>
-                  </a:txBody>
-                  <a:tcPr marL="6350" marR="6350" marT="6350" marB="0" anchor="ctr"/>
-                </a:tc>
-                <a:tc>
-                  <a:txBody>
-                    <a:bodyPr/>
-                    <a:lstStyle/>
-                    <a:p>
-                      <a:pPr algn="l" rtl="0" fontAlgn="ctr"/>
-                      <a:r>
-                        <a:rPr lang="en-US" sz="2000" u="none" strike="noStrike">
-                          <a:effectLst/>
-                        </a:rPr>
-                        <a:t>Float</a:t>
-                      </a:r>
-                      <a:endParaRPr lang="en-US" sz="2000" b="0" i="0" u="none" strike="noStrike">
-                        <a:solidFill>
-                          <a:srgbClr val="000000"/>
-                        </a:solidFill>
-                        <a:effectLst/>
-                        <a:latin typeface="Century Gothic" panose="020B0502020202020204" pitchFamily="34" charset="0"/>
-                      </a:endParaRPr>
-                    </a:p>
-                  </a:txBody>
-                  <a:tcPr marL="6350" marR="6350" marT="6350" marB="0" anchor="ctr"/>
-                </a:tc>
-                <a:extLst>
-                  <a:ext uri="{0D108BD9-81ED-4DB2-BD59-A6C34878D82A}">
-                    <a16:rowId xmlns:a16="http://schemas.microsoft.com/office/drawing/2014/main" val="147086588"/>
-                  </a:ext>
-                </a:extLst>
-              </a:tr>
-              <a:tr h="484876">
-                <a:tc>
-                  <a:txBody>
-                    <a:bodyPr/>
-                    <a:lstStyle/>
-                    <a:p>
-                      <a:pPr algn="l" rtl="0" fontAlgn="ctr"/>
-                      <a:r>
-                        <a:rPr lang="en-US" sz="2000" u="none" strike="noStrike">
-                          <a:effectLst/>
-                        </a:rPr>
-                        <a:t>double（</a:t>
-                      </a:r>
-                      <a:r>
-                        <a:rPr lang="zh-CN" altLang="en-US" sz="2000" u="none" strike="noStrike">
-                          <a:effectLst/>
-                        </a:rPr>
-                        <a:t>双精度浮点型）</a:t>
-                      </a:r>
-                      <a:endParaRPr lang="zh-CN" altLang="en-US" sz="2000" b="0" i="0" u="none" strike="noStrike">
-                        <a:solidFill>
-                          <a:srgbClr val="000000"/>
-                        </a:solidFill>
-                        <a:effectLst/>
-                        <a:latin typeface="Century Gothic" panose="020B0502020202020204" pitchFamily="34" charset="0"/>
-                      </a:endParaRPr>
-                    </a:p>
-                  </a:txBody>
-                  <a:tcPr marL="6350" marR="6350" marT="6350" marB="0" anchor="ctr"/>
-                </a:tc>
-                <a:tc>
-                  <a:txBody>
-                    <a:bodyPr/>
-                    <a:lstStyle/>
-                    <a:p>
-                      <a:pPr algn="l" rtl="0" fontAlgn="ctr"/>
-                      <a:r>
-                        <a:rPr lang="en-US" sz="2000" u="none" strike="noStrike" dirty="0">
-                          <a:effectLst/>
-                        </a:rPr>
-                        <a:t>Double</a:t>
-                      </a:r>
-                      <a:endParaRPr lang="en-US" sz="2000" b="0" i="0" u="none" strike="noStrike" dirty="0">
-                        <a:solidFill>
-                          <a:srgbClr val="000000"/>
-                        </a:solidFill>
-                        <a:effectLst/>
-                        <a:latin typeface="Century Gothic" panose="020B0502020202020204" pitchFamily="34" charset="0"/>
-                      </a:endParaRPr>
-                    </a:p>
-                  </a:txBody>
-                  <a:tcPr marL="6350" marR="6350" marT="6350" marB="0" anchor="ctr"/>
-                </a:tc>
-                <a:extLst>
-                  <a:ext uri="{0D108BD9-81ED-4DB2-BD59-A6C34878D82A}">
-                    <a16:rowId xmlns:a16="http://schemas.microsoft.com/office/drawing/2014/main" val="211871094"/>
-                  </a:ext>
-                </a:extLst>
-              </a:tr>
-            </a:tbl>
-          </a:graphicData>
-        </a:graphic>
-      </p:graphicFrame>
+          </p:nvPr>
+        </p:nvSpPr>
+        <p:spPr/>
+        <p:txBody>
+          <a:bodyPr>
+            <a:normAutofit/>
+          </a:bodyPr>
+          <a:lstStyle/>
+          <a:p>
+            <a:r>
+              <a:rPr lang="en-US" altLang="zh-CN" dirty="0"/>
+              <a:t>Maven</a:t>
+            </a:r>
+            <a:r>
+              <a:rPr lang="zh-CN" altLang="en-US" dirty="0"/>
+              <a:t>坐标</a:t>
+            </a:r>
+            <a:endParaRPr lang="en-US" altLang="zh-CN" dirty="0"/>
+          </a:p>
+          <a:p>
+            <a:r>
+              <a:rPr lang="en-US" altLang="zh-CN" dirty="0"/>
+              <a:t>Maven</a:t>
+            </a:r>
+            <a:r>
+              <a:rPr lang="zh-CN" altLang="en-US" dirty="0"/>
+              <a:t>工程命名规范</a:t>
+            </a:r>
+            <a:endParaRPr lang="en-US" altLang="zh-CN" dirty="0"/>
+          </a:p>
+          <a:p>
+            <a:r>
+              <a:rPr lang="zh-CN" altLang="en-US" dirty="0"/>
+              <a:t>父</a:t>
+            </a:r>
+            <a:r>
+              <a:rPr lang="en-US" altLang="zh-CN" dirty="0"/>
+              <a:t>POM</a:t>
+            </a:r>
+            <a:r>
+              <a:rPr lang="zh-CN" altLang="en-US" dirty="0"/>
+              <a:t>文件依赖</a:t>
+            </a:r>
+            <a:endParaRPr lang="en-US" altLang="zh-CN" dirty="0"/>
+          </a:p>
+          <a:p>
+            <a:endParaRPr lang="en-US" altLang="zh-CN" dirty="0"/>
+          </a:p>
+          <a:p>
+            <a:endParaRPr lang="en-US" altLang="zh-CN" dirty="0"/>
+          </a:p>
+          <a:p>
+            <a:pPr marL="0" indent="0">
+              <a:buNone/>
+            </a:pPr>
+            <a:endParaRPr lang="en-US" altLang="zh-CN" dirty="0"/>
+          </a:p>
+          <a:p>
+            <a:pPr marL="514350" lvl="1" indent="0">
+              <a:buNone/>
+            </a:pPr>
+            <a:endParaRPr lang="en-US" altLang="zh-CN" dirty="0"/>
+          </a:p>
+          <a:p>
+            <a:pPr lvl="1"/>
+            <a:endParaRPr lang="en-US" altLang="zh-CN" dirty="0"/>
+          </a:p>
+          <a:p>
+            <a:pPr marL="514350" lvl="1" indent="0">
+              <a:buNone/>
+            </a:pPr>
+            <a:endParaRPr lang="en-US" altLang="zh-CN" dirty="0"/>
+          </a:p>
+          <a:p>
+            <a:pPr marL="514350" lvl="1" indent="0">
+              <a:buNone/>
+            </a:pPr>
+            <a:endParaRPr lang="en-US" altLang="zh-CN" dirty="0"/>
+          </a:p>
+        </p:txBody>
+      </p:sp>
     </p:spTree>
     <p:extLst>
       <p:ext uri="{BB962C8B-B14F-4D97-AF65-F5344CB8AC3E}">
-        <p14:creationId xmlns:p14="http://schemas.microsoft.com/office/powerpoint/2010/main" val="3324573975"/>
+        <p14:creationId xmlns:p14="http://schemas.microsoft.com/office/powerpoint/2010/main" val="878392717"/>
       </p:ext>
     </p:extLst>
   </p:cSld>
@@ -8638,7 +8739,7 @@
           <p:cNvPr id="2" name="Title 1">
             <a:extLst>
               <a:ext uri="{FF2B5EF4-FFF2-40B4-BE49-F238E27FC236}">
-                <a16:creationId xmlns:a16="http://schemas.microsoft.com/office/drawing/2014/main" id="{4B4A2E6C-BFB6-47F2-B237-9D4D63DF1E8A}"/>
+                <a16:creationId xmlns:a16="http://schemas.microsoft.com/office/drawing/2014/main" id="{9293D386-A54D-4454-AAB4-0D824D2FC0A8}"/>
               </a:ext>
             </a:extLst>
           </p:cNvPr>
@@ -8655,720 +8756,105 @@
           <a:lstStyle/>
           <a:p>
             <a:r>
+              <a:rPr lang="en-US" altLang="zh-CN" dirty="0"/>
+              <a:t>Web</a:t>
+            </a:r>
+            <a:r>
               <a:rPr lang="zh-CN" altLang="en-US" dirty="0"/>
-              <a:t>访问控制修饰符</a:t>
+              <a:t>工程中的规范</a:t>
             </a:r>
             <a:endParaRPr lang="en-US" dirty="0"/>
           </a:p>
         </p:txBody>
       </p:sp>
-      <p:graphicFrame>
-        <p:nvGraphicFramePr>
-          <p:cNvPr id="4" name="Content Placeholder 3">
+      <p:sp>
+        <p:nvSpPr>
+          <p:cNvPr id="3" name="Content Placeholder 2">
             <a:extLst>
               <a:ext uri="{FF2B5EF4-FFF2-40B4-BE49-F238E27FC236}">
-                <a16:creationId xmlns:a16="http://schemas.microsoft.com/office/drawing/2014/main" id="{BA0A0110-6406-4425-8209-EA26086046C1}"/>
+                <a16:creationId xmlns:a16="http://schemas.microsoft.com/office/drawing/2014/main" id="{FE62CFC8-ADF6-4AEB-A801-67C42F7F05DD}"/>
               </a:ext>
             </a:extLst>
           </p:cNvPr>
-          <p:cNvGraphicFramePr>
-            <a:graphicFrameLocks noGrp="1"/>
-          </p:cNvGraphicFramePr>
+          <p:cNvSpPr>
+            <a:spLocks noGrp="1"/>
+          </p:cNvSpPr>
           <p:nvPr>
             <p:ph idx="1"/>
-            <p:extLst>
-              <p:ext uri="{D42A27DB-BD31-4B8C-83A1-F6EECF244321}">
-                <p14:modId xmlns:p14="http://schemas.microsoft.com/office/powerpoint/2010/main" val="2578847282"/>
-              </p:ext>
-            </p:extLst>
-          </p:nvPr>
-        </p:nvGraphicFramePr>
-        <p:xfrm>
-          <a:off x="2592925" y="2196445"/>
-          <a:ext cx="8643825" cy="3327216"/>
-        </p:xfrm>
-        <a:graphic>
-          <a:graphicData uri="http://schemas.openxmlformats.org/drawingml/2006/table">
-            <a:tbl>
-              <a:tblPr>
-                <a:tableStyleId>{5C22544A-7EE6-4342-B048-85BDC9FD1C3A}</a:tableStyleId>
-              </a:tblPr>
-              <a:tblGrid>
-                <a:gridCol w="1728765">
-                  <a:extLst>
-                    <a:ext uri="{9D8B030D-6E8A-4147-A177-3AD203B41FA5}">
-                      <a16:colId xmlns:a16="http://schemas.microsoft.com/office/drawing/2014/main" val="3519238275"/>
-                    </a:ext>
-                  </a:extLst>
-                </a:gridCol>
-                <a:gridCol w="1728765">
-                  <a:extLst>
-                    <a:ext uri="{9D8B030D-6E8A-4147-A177-3AD203B41FA5}">
-                      <a16:colId xmlns:a16="http://schemas.microsoft.com/office/drawing/2014/main" val="4226735628"/>
-                    </a:ext>
-                  </a:extLst>
-                </a:gridCol>
-                <a:gridCol w="1728765">
-                  <a:extLst>
-                    <a:ext uri="{9D8B030D-6E8A-4147-A177-3AD203B41FA5}">
-                      <a16:colId xmlns:a16="http://schemas.microsoft.com/office/drawing/2014/main" val="2369932182"/>
-                    </a:ext>
-                  </a:extLst>
-                </a:gridCol>
-                <a:gridCol w="1728765">
-                  <a:extLst>
-                    <a:ext uri="{9D8B030D-6E8A-4147-A177-3AD203B41FA5}">
-                      <a16:colId xmlns:a16="http://schemas.microsoft.com/office/drawing/2014/main" val="781745652"/>
-                    </a:ext>
-                  </a:extLst>
-                </a:gridCol>
-                <a:gridCol w="1728765">
-                  <a:extLst>
-                    <a:ext uri="{9D8B030D-6E8A-4147-A177-3AD203B41FA5}">
-                      <a16:colId xmlns:a16="http://schemas.microsoft.com/office/drawing/2014/main" val="458268020"/>
-                    </a:ext>
-                  </a:extLst>
-                </a:gridCol>
-              </a:tblGrid>
-              <a:tr h="584462">
-                <a:tc>
-                  <a:txBody>
-                    <a:bodyPr/>
-                    <a:lstStyle/>
-                    <a:p>
-                      <a:pPr algn="ctr" fontAlgn="t"/>
-                      <a:r>
-                        <a:rPr lang="zh-CN" altLang="en-US" sz="2400" b="1" u="none" strike="noStrike" dirty="0">
-                          <a:effectLst/>
-                        </a:rPr>
-                        <a:t>修饰符</a:t>
-                      </a:r>
-                      <a:endParaRPr lang="zh-CN" altLang="en-US" sz="2400" b="1" i="0" u="none" strike="noStrike" dirty="0">
-                        <a:solidFill>
-                          <a:srgbClr val="000000"/>
-                        </a:solidFill>
-                        <a:effectLst/>
-                        <a:latin typeface="Microsoft YaHei" panose="020B0503020204020204" pitchFamily="34" charset="-122"/>
-                        <a:ea typeface="Microsoft YaHei" panose="020B0503020204020204" pitchFamily="34" charset="-122"/>
-                      </a:endParaRPr>
-                    </a:p>
-                  </a:txBody>
-                  <a:tcPr marL="6350" marR="6350" marT="6350" marB="0"/>
-                </a:tc>
-                <a:tc>
-                  <a:txBody>
-                    <a:bodyPr/>
-                    <a:lstStyle/>
-                    <a:p>
-                      <a:pPr algn="ctr" fontAlgn="t"/>
-                      <a:r>
-                        <a:rPr lang="zh-CN" altLang="en-US" sz="2400" b="1" u="none" strike="noStrike">
-                          <a:effectLst/>
-                        </a:rPr>
-                        <a:t>当前类</a:t>
-                      </a:r>
-                      <a:endParaRPr lang="zh-CN" altLang="en-US" sz="2400" b="1" i="0" u="none" strike="noStrike">
-                        <a:solidFill>
-                          <a:srgbClr val="000000"/>
-                        </a:solidFill>
-                        <a:effectLst/>
-                        <a:latin typeface="Microsoft YaHei" panose="020B0503020204020204" pitchFamily="34" charset="-122"/>
-                        <a:ea typeface="Microsoft YaHei" panose="020B0503020204020204" pitchFamily="34" charset="-122"/>
-                      </a:endParaRPr>
-                    </a:p>
-                  </a:txBody>
-                  <a:tcPr marL="6350" marR="6350" marT="6350" marB="0"/>
-                </a:tc>
-                <a:tc>
-                  <a:txBody>
-                    <a:bodyPr/>
-                    <a:lstStyle/>
-                    <a:p>
-                      <a:pPr algn="ctr" fontAlgn="t"/>
-                      <a:r>
-                        <a:rPr lang="zh-CN" altLang="en-US" sz="2400" b="1" u="none" strike="noStrike">
-                          <a:effectLst/>
-                        </a:rPr>
-                        <a:t>同一包内</a:t>
-                      </a:r>
-                      <a:endParaRPr lang="zh-CN" altLang="en-US" sz="2400" b="1" i="0" u="none" strike="noStrike">
-                        <a:solidFill>
-                          <a:srgbClr val="000000"/>
-                        </a:solidFill>
-                        <a:effectLst/>
-                        <a:latin typeface="Microsoft YaHei" panose="020B0503020204020204" pitchFamily="34" charset="-122"/>
-                        <a:ea typeface="Microsoft YaHei" panose="020B0503020204020204" pitchFamily="34" charset="-122"/>
-                      </a:endParaRPr>
-                    </a:p>
-                  </a:txBody>
-                  <a:tcPr marL="6350" marR="6350" marT="6350" marB="0"/>
-                </a:tc>
-                <a:tc>
-                  <a:txBody>
-                    <a:bodyPr/>
-                    <a:lstStyle/>
-                    <a:p>
-                      <a:pPr algn="ctr" fontAlgn="t"/>
-                      <a:r>
-                        <a:rPr lang="zh-CN" altLang="en-US" sz="2400" b="1" u="none" strike="noStrike">
-                          <a:effectLst/>
-                        </a:rPr>
-                        <a:t>子孙类</a:t>
-                      </a:r>
-                      <a:endParaRPr lang="zh-CN" altLang="en-US" sz="2400" b="1" i="0" u="none" strike="noStrike">
-                        <a:solidFill>
-                          <a:srgbClr val="000000"/>
-                        </a:solidFill>
-                        <a:effectLst/>
-                        <a:latin typeface="Microsoft YaHei" panose="020B0503020204020204" pitchFamily="34" charset="-122"/>
-                        <a:ea typeface="Microsoft YaHei" panose="020B0503020204020204" pitchFamily="34" charset="-122"/>
-                      </a:endParaRPr>
-                    </a:p>
-                  </a:txBody>
-                  <a:tcPr marL="6350" marR="6350" marT="6350" marB="0"/>
-                </a:tc>
-                <a:tc>
-                  <a:txBody>
-                    <a:bodyPr/>
-                    <a:lstStyle/>
-                    <a:p>
-                      <a:pPr algn="ctr" fontAlgn="t"/>
-                      <a:r>
-                        <a:rPr lang="zh-CN" altLang="en-US" sz="2400" b="1" u="none" strike="noStrike" dirty="0">
-                          <a:effectLst/>
-                        </a:rPr>
-                        <a:t>其他包</a:t>
-                      </a:r>
-                      <a:endParaRPr lang="zh-CN" altLang="en-US" sz="2400" b="1" i="0" u="none" strike="noStrike" dirty="0">
-                        <a:solidFill>
-                          <a:srgbClr val="000000"/>
-                        </a:solidFill>
-                        <a:effectLst/>
-                        <a:latin typeface="Microsoft YaHei" panose="020B0503020204020204" pitchFamily="34" charset="-122"/>
-                        <a:ea typeface="Microsoft YaHei" panose="020B0503020204020204" pitchFamily="34" charset="-122"/>
-                      </a:endParaRPr>
-                    </a:p>
-                  </a:txBody>
-                  <a:tcPr marL="6350" marR="6350" marT="6350" marB="0"/>
-                </a:tc>
-                <a:extLst>
-                  <a:ext uri="{0D108BD9-81ED-4DB2-BD59-A6C34878D82A}">
-                    <a16:rowId xmlns:a16="http://schemas.microsoft.com/office/drawing/2014/main" val="1428727294"/>
-                  </a:ext>
-                </a:extLst>
-              </a:tr>
-              <a:tr h="664813">
-                <a:tc>
-                  <a:txBody>
-                    <a:bodyPr/>
-                    <a:lstStyle/>
-                    <a:p>
-                      <a:pPr algn="ctr" fontAlgn="t"/>
-                      <a:r>
-                        <a:rPr lang="en-US" sz="2400" b="1" u="none" strike="noStrike">
-                          <a:effectLst/>
-                        </a:rPr>
-                        <a:t>public</a:t>
-                      </a:r>
-                      <a:endParaRPr lang="en-US" sz="2400" b="1" i="0" u="none" strike="noStrike">
-                        <a:solidFill>
-                          <a:srgbClr val="000000"/>
-                        </a:solidFill>
-                        <a:effectLst/>
-                        <a:latin typeface="Arial Unicode MS"/>
-                      </a:endParaRPr>
-                    </a:p>
-                  </a:txBody>
-                  <a:tcPr marL="6350" marR="6350" marT="6350" marB="0"/>
-                </a:tc>
-                <a:tc>
-                  <a:txBody>
-                    <a:bodyPr/>
-                    <a:lstStyle/>
-                    <a:p>
-                      <a:pPr algn="ctr" fontAlgn="t"/>
-                      <a:r>
-                        <a:rPr lang="en-US" sz="2400" u="none" strike="noStrike">
-                          <a:effectLst/>
-                        </a:rPr>
-                        <a:t>Y</a:t>
-                      </a:r>
-                      <a:endParaRPr lang="en-US" sz="2400" b="0" i="0" u="none" strike="noStrike">
-                        <a:solidFill>
-                          <a:srgbClr val="000000"/>
-                        </a:solidFill>
-                        <a:effectLst/>
-                        <a:latin typeface="Microsoft YaHei" panose="020B0503020204020204" pitchFamily="34" charset="-122"/>
-                        <a:ea typeface="Microsoft YaHei" panose="020B0503020204020204" pitchFamily="34" charset="-122"/>
-                      </a:endParaRPr>
-                    </a:p>
-                  </a:txBody>
-                  <a:tcPr marL="6350" marR="6350" marT="6350" marB="0"/>
-                </a:tc>
-                <a:tc>
-                  <a:txBody>
-                    <a:bodyPr/>
-                    <a:lstStyle/>
-                    <a:p>
-                      <a:pPr algn="ctr" fontAlgn="t"/>
-                      <a:r>
-                        <a:rPr lang="en-US" sz="2400" u="none" strike="noStrike">
-                          <a:effectLst/>
-                        </a:rPr>
-                        <a:t>Y</a:t>
-                      </a:r>
-                      <a:endParaRPr lang="en-US" sz="2400" b="0" i="0" u="none" strike="noStrike">
-                        <a:solidFill>
-                          <a:srgbClr val="000000"/>
-                        </a:solidFill>
-                        <a:effectLst/>
-                        <a:latin typeface="Microsoft YaHei" panose="020B0503020204020204" pitchFamily="34" charset="-122"/>
-                        <a:ea typeface="Microsoft YaHei" panose="020B0503020204020204" pitchFamily="34" charset="-122"/>
-                      </a:endParaRPr>
-                    </a:p>
-                  </a:txBody>
-                  <a:tcPr marL="6350" marR="6350" marT="6350" marB="0"/>
-                </a:tc>
-                <a:tc>
-                  <a:txBody>
-                    <a:bodyPr/>
-                    <a:lstStyle/>
-                    <a:p>
-                      <a:pPr algn="ctr" fontAlgn="t"/>
-                      <a:r>
-                        <a:rPr lang="en-US" sz="2400" u="none" strike="noStrike">
-                          <a:effectLst/>
-                        </a:rPr>
-                        <a:t>Y</a:t>
-                      </a:r>
-                      <a:endParaRPr lang="en-US" sz="2400" b="0" i="0" u="none" strike="noStrike">
-                        <a:solidFill>
-                          <a:srgbClr val="000000"/>
-                        </a:solidFill>
-                        <a:effectLst/>
-                        <a:latin typeface="Microsoft YaHei" panose="020B0503020204020204" pitchFamily="34" charset="-122"/>
-                        <a:ea typeface="Microsoft YaHei" panose="020B0503020204020204" pitchFamily="34" charset="-122"/>
-                      </a:endParaRPr>
-                    </a:p>
-                  </a:txBody>
-                  <a:tcPr marL="6350" marR="6350" marT="6350" marB="0"/>
-                </a:tc>
-                <a:tc>
-                  <a:txBody>
-                    <a:bodyPr/>
-                    <a:lstStyle/>
-                    <a:p>
-                      <a:pPr algn="ctr" fontAlgn="t"/>
-                      <a:r>
-                        <a:rPr lang="en-US" sz="2400" u="none" strike="noStrike">
-                          <a:effectLst/>
-                        </a:rPr>
-                        <a:t>Y</a:t>
-                      </a:r>
-                      <a:endParaRPr lang="en-US" sz="2400" b="0" i="0" u="none" strike="noStrike">
-                        <a:solidFill>
-                          <a:srgbClr val="000000"/>
-                        </a:solidFill>
-                        <a:effectLst/>
-                        <a:latin typeface="Microsoft YaHei" panose="020B0503020204020204" pitchFamily="34" charset="-122"/>
-                        <a:ea typeface="Microsoft YaHei" panose="020B0503020204020204" pitchFamily="34" charset="-122"/>
-                      </a:endParaRPr>
-                    </a:p>
-                  </a:txBody>
-                  <a:tcPr marL="6350" marR="6350" marT="6350" marB="0"/>
-                </a:tc>
-                <a:extLst>
-                  <a:ext uri="{0D108BD9-81ED-4DB2-BD59-A6C34878D82A}">
-                    <a16:rowId xmlns:a16="http://schemas.microsoft.com/office/drawing/2014/main" val="1235315875"/>
-                  </a:ext>
-                </a:extLst>
-              </a:tr>
-              <a:tr h="692647">
-                <a:tc>
-                  <a:txBody>
-                    <a:bodyPr/>
-                    <a:lstStyle/>
-                    <a:p>
-                      <a:pPr algn="ctr" fontAlgn="t"/>
-                      <a:r>
-                        <a:rPr lang="en-US" sz="2400" b="1" u="none" strike="noStrike">
-                          <a:effectLst/>
-                        </a:rPr>
-                        <a:t>protected</a:t>
-                      </a:r>
-                      <a:endParaRPr lang="en-US" sz="2400" b="1" i="0" u="none" strike="noStrike">
-                        <a:solidFill>
-                          <a:srgbClr val="000000"/>
-                        </a:solidFill>
-                        <a:effectLst/>
-                        <a:latin typeface="Arial Unicode MS"/>
-                      </a:endParaRPr>
-                    </a:p>
-                  </a:txBody>
-                  <a:tcPr marL="6350" marR="6350" marT="6350" marB="0"/>
-                </a:tc>
-                <a:tc>
-                  <a:txBody>
-                    <a:bodyPr/>
-                    <a:lstStyle/>
-                    <a:p>
-                      <a:pPr algn="ctr" fontAlgn="t"/>
-                      <a:r>
-                        <a:rPr lang="en-US" sz="2400" u="none" strike="noStrike">
-                          <a:effectLst/>
-                        </a:rPr>
-                        <a:t>Y</a:t>
-                      </a:r>
-                      <a:endParaRPr lang="en-US" sz="2400" b="0" i="0" u="none" strike="noStrike">
-                        <a:solidFill>
-                          <a:srgbClr val="000000"/>
-                        </a:solidFill>
-                        <a:effectLst/>
-                        <a:latin typeface="Microsoft YaHei" panose="020B0503020204020204" pitchFamily="34" charset="-122"/>
-                        <a:ea typeface="Microsoft YaHei" panose="020B0503020204020204" pitchFamily="34" charset="-122"/>
-                      </a:endParaRPr>
-                    </a:p>
-                  </a:txBody>
-                  <a:tcPr marL="6350" marR="6350" marT="6350" marB="0"/>
-                </a:tc>
-                <a:tc>
-                  <a:txBody>
-                    <a:bodyPr/>
-                    <a:lstStyle/>
-                    <a:p>
-                      <a:pPr algn="ctr" fontAlgn="t"/>
-                      <a:r>
-                        <a:rPr lang="en-US" sz="2400" u="none" strike="noStrike">
-                          <a:effectLst/>
-                        </a:rPr>
-                        <a:t>Y</a:t>
-                      </a:r>
-                      <a:endParaRPr lang="en-US" sz="2400" b="0" i="0" u="none" strike="noStrike">
-                        <a:solidFill>
-                          <a:srgbClr val="000000"/>
-                        </a:solidFill>
-                        <a:effectLst/>
-                        <a:latin typeface="Microsoft YaHei" panose="020B0503020204020204" pitchFamily="34" charset="-122"/>
-                        <a:ea typeface="Microsoft YaHei" panose="020B0503020204020204" pitchFamily="34" charset="-122"/>
-                      </a:endParaRPr>
-                    </a:p>
-                  </a:txBody>
-                  <a:tcPr marL="6350" marR="6350" marT="6350" marB="0"/>
-                </a:tc>
-                <a:tc>
-                  <a:txBody>
-                    <a:bodyPr/>
-                    <a:lstStyle/>
-                    <a:p>
-                      <a:pPr algn="ctr" fontAlgn="t"/>
-                      <a:r>
-                        <a:rPr lang="en-US" sz="2400" u="none" strike="noStrike">
-                          <a:effectLst/>
-                        </a:rPr>
-                        <a:t>Y</a:t>
-                      </a:r>
-                      <a:endParaRPr lang="en-US" sz="2400" b="0" i="0" u="none" strike="noStrike">
-                        <a:solidFill>
-                          <a:srgbClr val="000000"/>
-                        </a:solidFill>
-                        <a:effectLst/>
-                        <a:latin typeface="Microsoft YaHei" panose="020B0503020204020204" pitchFamily="34" charset="-122"/>
-                        <a:ea typeface="Microsoft YaHei" panose="020B0503020204020204" pitchFamily="34" charset="-122"/>
-                      </a:endParaRPr>
-                    </a:p>
-                  </a:txBody>
-                  <a:tcPr marL="6350" marR="6350" marT="6350" marB="0"/>
-                </a:tc>
-                <a:tc>
-                  <a:txBody>
-                    <a:bodyPr/>
-                    <a:lstStyle/>
-                    <a:p>
-                      <a:pPr algn="ctr" fontAlgn="t"/>
-                      <a:r>
-                        <a:rPr lang="en-US" sz="2400" u="none" strike="noStrike">
-                          <a:effectLst/>
-                        </a:rPr>
-                        <a:t>N</a:t>
-                      </a:r>
-                      <a:endParaRPr lang="en-US" sz="2400" b="0" i="0" u="none" strike="noStrike">
-                        <a:solidFill>
-                          <a:srgbClr val="000000"/>
-                        </a:solidFill>
-                        <a:effectLst/>
-                        <a:latin typeface="Microsoft YaHei" panose="020B0503020204020204" pitchFamily="34" charset="-122"/>
-                        <a:ea typeface="Microsoft YaHei" panose="020B0503020204020204" pitchFamily="34" charset="-122"/>
-                      </a:endParaRPr>
-                    </a:p>
-                  </a:txBody>
-                  <a:tcPr marL="6350" marR="6350" marT="6350" marB="0"/>
-                </a:tc>
-                <a:extLst>
-                  <a:ext uri="{0D108BD9-81ED-4DB2-BD59-A6C34878D82A}">
-                    <a16:rowId xmlns:a16="http://schemas.microsoft.com/office/drawing/2014/main" val="1315680314"/>
-                  </a:ext>
-                </a:extLst>
-              </a:tr>
-              <a:tr h="692647">
-                <a:tc>
-                  <a:txBody>
-                    <a:bodyPr/>
-                    <a:lstStyle/>
-                    <a:p>
-                      <a:pPr algn="ctr" fontAlgn="t"/>
-                      <a:r>
-                        <a:rPr lang="en-US" sz="2400" b="1" u="none" strike="noStrike">
-                          <a:effectLst/>
-                        </a:rPr>
-                        <a:t>default</a:t>
-                      </a:r>
-                      <a:endParaRPr lang="en-US" sz="2400" b="1" i="0" u="none" strike="noStrike">
-                        <a:solidFill>
-                          <a:srgbClr val="000000"/>
-                        </a:solidFill>
-                        <a:effectLst/>
-                        <a:latin typeface="Arial Unicode MS"/>
-                      </a:endParaRPr>
-                    </a:p>
-                  </a:txBody>
-                  <a:tcPr marL="6350" marR="6350" marT="6350" marB="0"/>
-                </a:tc>
-                <a:tc>
-                  <a:txBody>
-                    <a:bodyPr/>
-                    <a:lstStyle/>
-                    <a:p>
-                      <a:pPr algn="ctr" fontAlgn="t"/>
-                      <a:r>
-                        <a:rPr lang="en-US" sz="2400" u="none" strike="noStrike">
-                          <a:effectLst/>
-                        </a:rPr>
-                        <a:t>Y</a:t>
-                      </a:r>
-                      <a:endParaRPr lang="en-US" sz="2400" b="0" i="0" u="none" strike="noStrike">
-                        <a:solidFill>
-                          <a:srgbClr val="000000"/>
-                        </a:solidFill>
-                        <a:effectLst/>
-                        <a:latin typeface="Microsoft YaHei" panose="020B0503020204020204" pitchFamily="34" charset="-122"/>
-                        <a:ea typeface="Microsoft YaHei" panose="020B0503020204020204" pitchFamily="34" charset="-122"/>
-                      </a:endParaRPr>
-                    </a:p>
-                  </a:txBody>
-                  <a:tcPr marL="6350" marR="6350" marT="6350" marB="0"/>
-                </a:tc>
-                <a:tc>
-                  <a:txBody>
-                    <a:bodyPr/>
-                    <a:lstStyle/>
-                    <a:p>
-                      <a:pPr algn="ctr" fontAlgn="t"/>
-                      <a:r>
-                        <a:rPr lang="en-US" sz="2400" u="none" strike="noStrike">
-                          <a:effectLst/>
-                        </a:rPr>
-                        <a:t>Y</a:t>
-                      </a:r>
-                      <a:endParaRPr lang="en-US" sz="2400" b="0" i="0" u="none" strike="noStrike">
-                        <a:solidFill>
-                          <a:srgbClr val="000000"/>
-                        </a:solidFill>
-                        <a:effectLst/>
-                        <a:latin typeface="Microsoft YaHei" panose="020B0503020204020204" pitchFamily="34" charset="-122"/>
-                        <a:ea typeface="Microsoft YaHei" panose="020B0503020204020204" pitchFamily="34" charset="-122"/>
-                      </a:endParaRPr>
-                    </a:p>
-                  </a:txBody>
-                  <a:tcPr marL="6350" marR="6350" marT="6350" marB="0"/>
-                </a:tc>
-                <a:tc>
-                  <a:txBody>
-                    <a:bodyPr/>
-                    <a:lstStyle/>
-                    <a:p>
-                      <a:pPr algn="ctr" fontAlgn="t"/>
-                      <a:r>
-                        <a:rPr lang="en-US" sz="2400" u="none" strike="noStrike">
-                          <a:effectLst/>
-                        </a:rPr>
-                        <a:t>N</a:t>
-                      </a:r>
-                      <a:endParaRPr lang="en-US" sz="2400" b="0" i="0" u="none" strike="noStrike">
-                        <a:solidFill>
-                          <a:srgbClr val="000000"/>
-                        </a:solidFill>
-                        <a:effectLst/>
-                        <a:latin typeface="Microsoft YaHei" panose="020B0503020204020204" pitchFamily="34" charset="-122"/>
-                        <a:ea typeface="Microsoft YaHei" panose="020B0503020204020204" pitchFamily="34" charset="-122"/>
-                      </a:endParaRPr>
-                    </a:p>
-                  </a:txBody>
-                  <a:tcPr marL="6350" marR="6350" marT="6350" marB="0"/>
-                </a:tc>
-                <a:tc>
-                  <a:txBody>
-                    <a:bodyPr/>
-                    <a:lstStyle/>
-                    <a:p>
-                      <a:pPr algn="ctr" fontAlgn="t"/>
-                      <a:r>
-                        <a:rPr lang="en-US" sz="2400" u="none" strike="noStrike">
-                          <a:effectLst/>
-                        </a:rPr>
-                        <a:t>N</a:t>
-                      </a:r>
-                      <a:endParaRPr lang="en-US" sz="2400" b="0" i="0" u="none" strike="noStrike">
-                        <a:solidFill>
-                          <a:srgbClr val="000000"/>
-                        </a:solidFill>
-                        <a:effectLst/>
-                        <a:latin typeface="Microsoft YaHei" panose="020B0503020204020204" pitchFamily="34" charset="-122"/>
-                        <a:ea typeface="Microsoft YaHei" panose="020B0503020204020204" pitchFamily="34" charset="-122"/>
-                      </a:endParaRPr>
-                    </a:p>
-                  </a:txBody>
-                  <a:tcPr marL="6350" marR="6350" marT="6350" marB="0"/>
-                </a:tc>
-                <a:extLst>
-                  <a:ext uri="{0D108BD9-81ED-4DB2-BD59-A6C34878D82A}">
-                    <a16:rowId xmlns:a16="http://schemas.microsoft.com/office/drawing/2014/main" val="499518316"/>
-                  </a:ext>
-                </a:extLst>
-              </a:tr>
-              <a:tr h="692647">
-                <a:tc>
-                  <a:txBody>
-                    <a:bodyPr/>
-                    <a:lstStyle/>
-                    <a:p>
-                      <a:pPr algn="ctr" fontAlgn="t"/>
-                      <a:r>
-                        <a:rPr lang="en-US" sz="2400" b="1" u="none" strike="noStrike" dirty="0">
-                          <a:effectLst/>
-                        </a:rPr>
-                        <a:t>private</a:t>
-                      </a:r>
-                      <a:endParaRPr lang="en-US" sz="2400" b="1" i="0" u="none" strike="noStrike" dirty="0">
-                        <a:solidFill>
-                          <a:srgbClr val="000000"/>
-                        </a:solidFill>
-                        <a:effectLst/>
-                        <a:latin typeface="Arial Unicode MS"/>
-                      </a:endParaRPr>
-                    </a:p>
-                  </a:txBody>
-                  <a:tcPr marL="6350" marR="6350" marT="6350" marB="0"/>
-                </a:tc>
-                <a:tc>
-                  <a:txBody>
-                    <a:bodyPr/>
-                    <a:lstStyle/>
-                    <a:p>
-                      <a:pPr algn="ctr" fontAlgn="t"/>
-                      <a:r>
-                        <a:rPr lang="en-US" sz="2400" u="none" strike="noStrike">
-                          <a:effectLst/>
-                        </a:rPr>
-                        <a:t>Y</a:t>
-                      </a:r>
-                      <a:endParaRPr lang="en-US" sz="2400" b="0" i="0" u="none" strike="noStrike">
-                        <a:solidFill>
-                          <a:srgbClr val="000000"/>
-                        </a:solidFill>
-                        <a:effectLst/>
-                        <a:latin typeface="Microsoft YaHei" panose="020B0503020204020204" pitchFamily="34" charset="-122"/>
-                        <a:ea typeface="Microsoft YaHei" panose="020B0503020204020204" pitchFamily="34" charset="-122"/>
-                      </a:endParaRPr>
-                    </a:p>
-                  </a:txBody>
-                  <a:tcPr marL="6350" marR="6350" marT="6350" marB="0"/>
-                </a:tc>
-                <a:tc>
-                  <a:txBody>
-                    <a:bodyPr/>
-                    <a:lstStyle/>
-                    <a:p>
-                      <a:pPr algn="ctr" fontAlgn="t"/>
-                      <a:r>
-                        <a:rPr lang="en-US" sz="2400" u="none" strike="noStrike">
-                          <a:effectLst/>
-                        </a:rPr>
-                        <a:t>N</a:t>
-                      </a:r>
-                      <a:endParaRPr lang="en-US" sz="2400" b="0" i="0" u="none" strike="noStrike">
-                        <a:solidFill>
-                          <a:srgbClr val="000000"/>
-                        </a:solidFill>
-                        <a:effectLst/>
-                        <a:latin typeface="Microsoft YaHei" panose="020B0503020204020204" pitchFamily="34" charset="-122"/>
-                        <a:ea typeface="Microsoft YaHei" panose="020B0503020204020204" pitchFamily="34" charset="-122"/>
-                      </a:endParaRPr>
-                    </a:p>
-                  </a:txBody>
-                  <a:tcPr marL="6350" marR="6350" marT="6350" marB="0"/>
-                </a:tc>
-                <a:tc>
-                  <a:txBody>
-                    <a:bodyPr/>
-                    <a:lstStyle/>
-                    <a:p>
-                      <a:pPr algn="ctr" fontAlgn="t"/>
-                      <a:r>
-                        <a:rPr lang="en-US" sz="2400" u="none" strike="noStrike" dirty="0">
-                          <a:effectLst/>
-                        </a:rPr>
-                        <a:t>N</a:t>
-                      </a:r>
-                      <a:endParaRPr lang="en-US" sz="2400" b="0" i="0" u="none" strike="noStrike" dirty="0">
-                        <a:solidFill>
-                          <a:srgbClr val="000000"/>
-                        </a:solidFill>
-                        <a:effectLst/>
-                        <a:latin typeface="Microsoft YaHei" panose="020B0503020204020204" pitchFamily="34" charset="-122"/>
-                        <a:ea typeface="Microsoft YaHei" panose="020B0503020204020204" pitchFamily="34" charset="-122"/>
-                      </a:endParaRPr>
-                    </a:p>
-                  </a:txBody>
-                  <a:tcPr marL="6350" marR="6350" marT="6350" marB="0"/>
-                </a:tc>
-                <a:tc>
-                  <a:txBody>
-                    <a:bodyPr/>
-                    <a:lstStyle/>
-                    <a:p>
-                      <a:pPr algn="ctr" fontAlgn="t"/>
-                      <a:r>
-                        <a:rPr lang="en-US" sz="2400" u="none" strike="noStrike" dirty="0">
-                          <a:effectLst/>
-                        </a:rPr>
-                        <a:t>N</a:t>
-                      </a:r>
-                      <a:endParaRPr lang="en-US" sz="2400" b="0" i="0" u="none" strike="noStrike" dirty="0">
-                        <a:solidFill>
-                          <a:srgbClr val="000000"/>
-                        </a:solidFill>
-                        <a:effectLst/>
-                        <a:latin typeface="Microsoft YaHei" panose="020B0503020204020204" pitchFamily="34" charset="-122"/>
-                        <a:ea typeface="Microsoft YaHei" panose="020B0503020204020204" pitchFamily="34" charset="-122"/>
-                      </a:endParaRPr>
-                    </a:p>
-                  </a:txBody>
-                  <a:tcPr marL="6350" marR="6350" marT="6350" marB="0"/>
-                </a:tc>
-                <a:extLst>
-                  <a:ext uri="{0D108BD9-81ED-4DB2-BD59-A6C34878D82A}">
-                    <a16:rowId xmlns:a16="http://schemas.microsoft.com/office/drawing/2014/main" val="2506218712"/>
-                  </a:ext>
-                </a:extLst>
-              </a:tr>
-            </a:tbl>
-          </a:graphicData>
-        </a:graphic>
-      </p:graphicFrame>
+          </p:nvPr>
+        </p:nvSpPr>
+        <p:spPr>
+          <a:xfrm>
+            <a:off x="2589212" y="2133600"/>
+            <a:ext cx="8915400" cy="3777622"/>
+          </a:xfrm>
+        </p:spPr>
+        <p:txBody>
+          <a:bodyPr>
+            <a:normAutofit/>
+          </a:bodyPr>
+          <a:lstStyle/>
+          <a:p>
+            <a:r>
+              <a:rPr lang="zh-CN" altLang="en-US" dirty="0"/>
+              <a:t>基础包名为</a:t>
+            </a:r>
+            <a:r>
+              <a:rPr lang="en-US" altLang="zh-CN" dirty="0"/>
+              <a:t>Maven</a:t>
+            </a:r>
+            <a:r>
+              <a:rPr lang="zh-CN" altLang="en-US" dirty="0"/>
+              <a:t>的</a:t>
+            </a:r>
+            <a:r>
+              <a:rPr lang="en-US" altLang="zh-CN" dirty="0" err="1"/>
+              <a:t>groupId</a:t>
+            </a:r>
+            <a:endParaRPr lang="en-US" altLang="zh-CN" dirty="0"/>
+          </a:p>
+          <a:p>
+            <a:r>
+              <a:rPr lang="zh-CN" altLang="en-US" dirty="0"/>
+              <a:t>目录结构</a:t>
+            </a:r>
+            <a:endParaRPr lang="en-US" altLang="zh-CN" dirty="0"/>
+          </a:p>
+          <a:p>
+            <a:r>
+              <a:rPr lang="zh-CN" altLang="en-US" dirty="0"/>
+              <a:t>类命名</a:t>
+            </a:r>
+            <a:endParaRPr lang="en-US" altLang="zh-CN" dirty="0"/>
+          </a:p>
+          <a:p>
+            <a:r>
+              <a:rPr lang="zh-CN" altLang="en-US" dirty="0"/>
+              <a:t>方法命名</a:t>
+            </a:r>
+            <a:endParaRPr lang="en-US" altLang="zh-CN" dirty="0"/>
+          </a:p>
+          <a:p>
+            <a:endParaRPr lang="en-US" altLang="zh-CN" dirty="0"/>
+          </a:p>
+          <a:p>
+            <a:pPr marL="514350" lvl="1" indent="0">
+              <a:buNone/>
+            </a:pPr>
+            <a:endParaRPr lang="en-US" altLang="zh-CN" dirty="0"/>
+          </a:p>
+          <a:p>
+            <a:pPr marL="514350" lvl="1" indent="0">
+              <a:buNone/>
+            </a:pPr>
+            <a:endParaRPr lang="en-US" altLang="zh-CN" dirty="0"/>
+          </a:p>
+        </p:txBody>
+      </p:sp>
     </p:spTree>
     <p:extLst>
       <p:ext uri="{BB962C8B-B14F-4D97-AF65-F5344CB8AC3E}">
-        <p14:creationId xmlns:p14="http://schemas.microsoft.com/office/powerpoint/2010/main" val="1657150504"/>
+        <p14:creationId xmlns:p14="http://schemas.microsoft.com/office/powerpoint/2010/main" val="2845039073"/>
       </p:ext>
     </p:extLst>
   </p:cSld>
@@ -9379,6 +8865,160 @@
 </file>
 
 <file path=ppt/slides/slide14.xml><?xml version="1.0" encoding="utf-8"?>
+<p:sld xmlns:a="http://schemas.openxmlformats.org/drawingml/2006/main" xmlns:r="http://schemas.openxmlformats.org/officeDocument/2006/relationships" xmlns:p="http://schemas.openxmlformats.org/presentationml/2006/main">
+  <p:cSld>
+    <p:spTree>
+      <p:nvGrpSpPr>
+        <p:cNvPr id="1" name=""/>
+        <p:cNvGrpSpPr/>
+        <p:nvPr/>
+      </p:nvGrpSpPr>
+      <p:grpSpPr>
+        <a:xfrm>
+          <a:off x="0" y="0"/>
+          <a:ext cx="0" cy="0"/>
+          <a:chOff x="0" y="0"/>
+          <a:chExt cx="0" cy="0"/>
+        </a:xfrm>
+      </p:grpSpPr>
+      <p:sp>
+        <p:nvSpPr>
+          <p:cNvPr id="2" name="Title 1">
+            <a:extLst>
+              <a:ext uri="{FF2B5EF4-FFF2-40B4-BE49-F238E27FC236}">
+                <a16:creationId xmlns:a16="http://schemas.microsoft.com/office/drawing/2014/main" id="{9AA53D2D-6B3C-4BC5-9B62-4D435EEAD482}"/>
+              </a:ext>
+            </a:extLst>
+          </p:cNvPr>
+          <p:cNvSpPr>
+            <a:spLocks noGrp="1"/>
+          </p:cNvSpPr>
+          <p:nvPr>
+            <p:ph type="title"/>
+          </p:nvPr>
+        </p:nvSpPr>
+        <p:spPr/>
+        <p:txBody>
+          <a:bodyPr/>
+          <a:lstStyle/>
+          <a:p>
+            <a:r>
+              <a:rPr lang="zh-CN" altLang="en-US" dirty="0"/>
+              <a:t>数据库访问中的规范</a:t>
+            </a:r>
+            <a:endParaRPr lang="en-US" dirty="0"/>
+          </a:p>
+        </p:txBody>
+      </p:sp>
+      <p:sp>
+        <p:nvSpPr>
+          <p:cNvPr id="3" name="Content Placeholder 2">
+            <a:extLst>
+              <a:ext uri="{FF2B5EF4-FFF2-40B4-BE49-F238E27FC236}">
+                <a16:creationId xmlns:a16="http://schemas.microsoft.com/office/drawing/2014/main" id="{D588CEDD-16F0-43F7-8870-62CCFB565DD2}"/>
+              </a:ext>
+            </a:extLst>
+          </p:cNvPr>
+          <p:cNvSpPr>
+            <a:spLocks noGrp="1"/>
+          </p:cNvSpPr>
+          <p:nvPr>
+            <p:ph idx="1"/>
+          </p:nvPr>
+        </p:nvSpPr>
+        <p:spPr/>
+        <p:txBody>
+          <a:bodyPr/>
+          <a:lstStyle/>
+          <a:p>
+            <a:r>
+              <a:rPr lang="en-US" altLang="zh-CN" dirty="0"/>
+              <a:t>Maven </a:t>
+            </a:r>
+            <a:r>
+              <a:rPr lang="zh-CN" altLang="en-US" dirty="0"/>
+              <a:t>追加新模块 ，命名为 </a:t>
+            </a:r>
+            <a:r>
+              <a:rPr lang="en-US" altLang="zh-CN" dirty="0"/>
+              <a:t>XX-module</a:t>
+            </a:r>
+          </a:p>
+          <a:p>
+            <a:r>
+              <a:rPr lang="zh-CN" altLang="en-US" dirty="0"/>
+              <a:t>包名规范， </a:t>
+            </a:r>
+            <a:r>
+              <a:rPr lang="en-US" altLang="zh-CN" dirty="0" err="1"/>
+              <a:t>com.Accenture</a:t>
+            </a:r>
+            <a:r>
+              <a:rPr lang="en-US" altLang="zh-CN" dirty="0"/>
+              <a:t>.**.module</a:t>
+            </a:r>
+          </a:p>
+          <a:p>
+            <a:r>
+              <a:rPr lang="zh-CN" altLang="en-US" dirty="0"/>
+              <a:t>显示加上必要注解 </a:t>
+            </a:r>
+            <a:r>
+              <a:rPr lang="en-US" altLang="zh-CN" dirty="0"/>
+              <a:t>@</a:t>
+            </a:r>
+            <a:r>
+              <a:rPr lang="en-US" altLang="zh-CN" dirty="0" err="1"/>
+              <a:t>RequestMapping</a:t>
+            </a:r>
+            <a:r>
+              <a:rPr lang="zh-CN" altLang="en-US" dirty="0"/>
+              <a:t>， </a:t>
+            </a:r>
+            <a:r>
+              <a:rPr lang="en-US" altLang="zh-CN" dirty="0"/>
+              <a:t>@</a:t>
+            </a:r>
+            <a:r>
+              <a:rPr lang="en-US" altLang="zh-CN" dirty="0" err="1"/>
+              <a:t>RequestParam</a:t>
+            </a:r>
+            <a:r>
+              <a:rPr lang="zh-CN" altLang="en-US" dirty="0"/>
+              <a:t>，</a:t>
+            </a:r>
+            <a:r>
+              <a:rPr lang="en-US" altLang="zh-CN" dirty="0"/>
+              <a:t>@</a:t>
+            </a:r>
+            <a:r>
+              <a:rPr lang="en-US" altLang="zh-CN" dirty="0" err="1"/>
+              <a:t>RequestBody</a:t>
+            </a:r>
+            <a:endParaRPr lang="en-US" altLang="zh-CN" dirty="0"/>
+          </a:p>
+          <a:p>
+            <a:endParaRPr lang="en-US" altLang="zh-CN" dirty="0"/>
+          </a:p>
+          <a:p>
+            <a:endParaRPr lang="en-US" dirty="0"/>
+          </a:p>
+        </p:txBody>
+      </p:sp>
+    </p:spTree>
+    <p:extLst>
+      <p:ext uri="{BB962C8B-B14F-4D97-AF65-F5344CB8AC3E}">
+        <p14:creationId xmlns:p14="http://schemas.microsoft.com/office/powerpoint/2010/main" val="3895947814"/>
+      </p:ext>
+    </p:extLst>
+  </p:cSld>
+  <p:clrMapOvr>
+    <a:masterClrMapping/>
+  </p:clrMapOvr>
+</p:sld>
+</file>
+
+<file path=ppt/slides/slide15.xml><?xml version="1.0" encoding="utf-8"?>
 <p:sld xmlns:a="http://schemas.openxmlformats.org/drawingml/2006/main" xmlns:r="http://schemas.openxmlformats.org/officeDocument/2006/relationships" xmlns:p="http://schemas.openxmlformats.org/presentationml/2006/main">
   <p:cSld>
     <p:spTree>
@@ -9546,11 +9186,11 @@
           <a:p>
             <a:r>
               <a:rPr lang="en-US" altLang="zh-CN" dirty="0"/>
-              <a:t>Java</a:t>
+              <a:t>Hello World</a:t>
             </a:r>
             <a:r>
               <a:rPr lang="zh-CN" altLang="en-US" dirty="0"/>
-              <a:t>基础介绍</a:t>
+              <a:t>演示</a:t>
             </a:r>
             <a:endParaRPr lang="en-US" altLang="zh-CN" dirty="0"/>
           </a:p>
@@ -9861,7 +9501,7 @@
             <p:ph idx="1"/>
             <p:extLst>
               <p:ext uri="{D42A27DB-BD31-4B8C-83A1-F6EECF244321}">
-                <p14:modId xmlns:p14="http://schemas.microsoft.com/office/powerpoint/2010/main" val="1276649632"/>
+                <p14:modId xmlns:p14="http://schemas.microsoft.com/office/powerpoint/2010/main" val="1658378787"/>
               </p:ext>
             </p:extLst>
           </p:nvPr>
@@ -10096,7 +9736,7 @@
                           <a:effectLst/>
                           <a:latin typeface="Georgia" panose="02040502050405020303" pitchFamily="18" charset="0"/>
                         </a:rPr>
-                        <a:t>Visual Studio</a:t>
+                        <a:t>Visual Studio(VS)</a:t>
                       </a:r>
                     </a:p>
                   </a:txBody>
@@ -10532,7 +10172,7 @@
             <p:ph idx="1"/>
             <p:extLst>
               <p:ext uri="{D42A27DB-BD31-4B8C-83A1-F6EECF244321}">
-                <p14:modId xmlns:p14="http://schemas.microsoft.com/office/powerpoint/2010/main" val="2230449169"/>
+                <p14:modId xmlns:p14="http://schemas.microsoft.com/office/powerpoint/2010/main" val="518760356"/>
               </p:ext>
             </p:extLst>
           </p:nvPr>
@@ -10863,7 +10503,7 @@
                         <a:rPr lang="zh-CN" altLang="en-US" sz="2400" b="1" u="none" strike="noStrike" dirty="0">
                           <a:effectLst/>
                         </a:rPr>
-                        <a:t>编译产出</a:t>
+                        <a:t>打包输出</a:t>
                       </a:r>
                       <a:endParaRPr lang="zh-CN" altLang="en-US" sz="2400" b="1" i="0" u="none" strike="noStrike" dirty="0">
                         <a:solidFill>
@@ -11037,7 +10677,7 @@
             <p:ph idx="1"/>
             <p:extLst>
               <p:ext uri="{D42A27DB-BD31-4B8C-83A1-F6EECF244321}">
-                <p14:modId xmlns:p14="http://schemas.microsoft.com/office/powerpoint/2010/main" val="3878844485"/>
+                <p14:modId xmlns:p14="http://schemas.microsoft.com/office/powerpoint/2010/main" val="2680247637"/>
               </p:ext>
             </p:extLst>
           </p:nvPr>
@@ -11526,6 +11166,12 @@
                         </a:rPr>
                         <a:t>ruid</a:t>
                       </a:r>
+                      <a:r>
+                        <a:rPr lang="en-US" altLang="zh-CN" sz="2000" u="none" strike="noStrike" dirty="0">
+                          <a:effectLst/>
+                        </a:rPr>
+                        <a:t>/Oracle JDBC</a:t>
+                      </a:r>
                       <a:endParaRPr lang="en-US" sz="2000" b="0" i="0" u="none" strike="noStrike" dirty="0">
                         <a:solidFill>
                           <a:srgbClr val="333333"/>
@@ -11721,7 +11367,7 @@
 </file>
 
 <file path=ppt/slides/slide9.xml><?xml version="1.0" encoding="utf-8"?>
-<p:sld xmlns:a="http://schemas.openxmlformats.org/drawingml/2006/main" xmlns:r="http://schemas.openxmlformats.org/officeDocument/2006/relationships" xmlns:p="http://schemas.openxmlformats.org/presentationml/2006/main" show="0">
+<p:sld xmlns:a="http://schemas.openxmlformats.org/drawingml/2006/main" xmlns:r="http://schemas.openxmlformats.org/officeDocument/2006/relationships" xmlns:p="http://schemas.openxmlformats.org/presentationml/2006/main">
   <p:cSld>
     <p:spTree>
       <p:nvGrpSpPr>
@@ -11742,7 +11388,7 @@
           <p:cNvPr id="2" name="Title 1">
             <a:extLst>
               <a:ext uri="{FF2B5EF4-FFF2-40B4-BE49-F238E27FC236}">
-                <a16:creationId xmlns:a16="http://schemas.microsoft.com/office/drawing/2014/main" id="{FF1D7500-C961-48C8-ADE8-58518A731FD3}"/>
+                <a16:creationId xmlns:a16="http://schemas.microsoft.com/office/drawing/2014/main" id="{A56234C5-2D26-4CF9-A0FB-FB5F220CD778}"/>
               </a:ext>
             </a:extLst>
           </p:cNvPr>
@@ -11759,12 +11405,16 @@
           <a:lstStyle/>
           <a:p>
             <a:r>
+              <a:rPr lang="zh-CN" altLang="en-US" dirty="0"/>
+              <a:t>配置</a:t>
+            </a:r>
+            <a:r>
               <a:rPr lang="en-US" altLang="zh-CN" dirty="0"/>
-              <a:t>Hello World</a:t>
+              <a:t>IDE</a:t>
             </a:r>
             <a:r>
               <a:rPr lang="zh-CN" altLang="en-US" dirty="0"/>
-              <a:t>是如何执行的？</a:t>
+              <a:t>之前</a:t>
             </a:r>
             <a:endParaRPr lang="en-US" dirty="0"/>
           </a:p>
@@ -11775,7 +11425,7 @@
           <p:cNvPr id="3" name="Content Placeholder 2">
             <a:extLst>
               <a:ext uri="{FF2B5EF4-FFF2-40B4-BE49-F238E27FC236}">
-                <a16:creationId xmlns:a16="http://schemas.microsoft.com/office/drawing/2014/main" id="{99987350-8F9A-4130-921C-47EA98223562}"/>
+                <a16:creationId xmlns:a16="http://schemas.microsoft.com/office/drawing/2014/main" id="{38896A04-22FC-40F1-A715-22F2A23149C2}"/>
               </a:ext>
             </a:extLst>
           </p:cNvPr>
@@ -11791,64 +11441,60 @@
           <a:bodyPr/>
           <a:lstStyle/>
           <a:p>
-            <a:pPr marL="0" indent="0">
-              <a:buNone/>
-            </a:pPr>
+            <a:r>
+              <a:rPr lang="en-US" dirty="0"/>
+              <a:t>JDK 1.8_X</a:t>
+            </a:r>
+          </a:p>
+          <a:p>
+            <a:r>
+              <a:rPr lang="en-US" altLang="zh-CN" dirty="0"/>
+              <a:t>GIT</a:t>
+            </a:r>
+          </a:p>
+          <a:p>
+            <a:r>
+              <a:rPr lang="en-US" altLang="zh-CN" dirty="0"/>
+              <a:t>Maven</a:t>
+            </a:r>
             <a:endParaRPr lang="en-US" dirty="0"/>
           </a:p>
         </p:txBody>
       </p:sp>
       <p:pic>
         <p:nvPicPr>
-          <p:cNvPr id="4098" name="Picture 2" descr="image">
+          <p:cNvPr id="4" name="Picture 3">
             <a:extLst>
               <a:ext uri="{FF2B5EF4-FFF2-40B4-BE49-F238E27FC236}">
-                <a16:creationId xmlns:a16="http://schemas.microsoft.com/office/drawing/2014/main" id="{38603AA8-1D59-4A3F-B09F-F0B84508A646}"/>
+                <a16:creationId xmlns:a16="http://schemas.microsoft.com/office/drawing/2014/main" id="{6B2B7BFB-14A6-450C-898C-157CCCE15EF5}"/>
               </a:ext>
             </a:extLst>
           </p:cNvPr>
           <p:cNvPicPr>
-            <a:picLocks noChangeAspect="1" noChangeArrowheads="1"/>
+            <a:picLocks noChangeAspect="1"/>
           </p:cNvPicPr>
           <p:nvPr/>
         </p:nvPicPr>
         <p:blipFill>
-          <a:blip r:embed="rId2">
-            <a:extLst>
-              <a:ext uri="{28A0092B-C50C-407E-A947-70E740481C1C}">
-                <a14:useLocalDpi xmlns:a14="http://schemas.microsoft.com/office/drawing/2010/main" val="0"/>
-              </a:ext>
-            </a:extLst>
-          </a:blip>
-          <a:srcRect/>
+          <a:blip r:embed="rId2"/>
           <a:stretch>
             <a:fillRect/>
           </a:stretch>
         </p:blipFill>
-        <p:spPr bwMode="auto">
+        <p:spPr>
           <a:xfrm>
-            <a:off x="2589212" y="2133601"/>
-            <a:ext cx="9003564" cy="4487982"/>
+            <a:off x="2586085" y="3538440"/>
+            <a:ext cx="8918527" cy="1985668"/>
           </a:xfrm>
           <a:prstGeom prst="rect">
             <a:avLst/>
           </a:prstGeom>
-          <a:noFill/>
-          <a:extLst>
-            <a:ext uri="{909E8E84-426E-40DD-AFC4-6F175D3DCCD1}">
-              <a14:hiddenFill xmlns:a14="http://schemas.microsoft.com/office/drawing/2010/main">
-                <a:solidFill>
-                  <a:srgbClr val="FFFFFF"/>
-                </a:solidFill>
-              </a14:hiddenFill>
-            </a:ext>
-          </a:extLst>
         </p:spPr>
       </p:pic>
     </p:spTree>
     <p:extLst>
       <p:ext uri="{BB962C8B-B14F-4D97-AF65-F5344CB8AC3E}">
-        <p14:creationId xmlns:p14="http://schemas.microsoft.com/office/powerpoint/2010/main" val="2879840366"/>
+        <p14:creationId xmlns:p14="http://schemas.microsoft.com/office/powerpoint/2010/main" val="3511564536"/>
       </p:ext>
     </p:extLst>
   </p:cSld>
@@ -12099,4 +11745,299 @@
     </a:ext>
   </a:extLst>
 </a:theme>
+</file>
+
+<file path=ppt/theme/theme2.xml><?xml version="1.0" encoding="utf-8"?>
+<a:theme xmlns:a="http://schemas.openxmlformats.org/drawingml/2006/main" name="Office Theme">
+  <a:themeElements>
+    <a:clrScheme name="Office">
+      <a:dk1>
+        <a:sysClr val="windowText" lastClr="000000"/>
+      </a:dk1>
+      <a:lt1>
+        <a:sysClr val="window" lastClr="FFFFFF"/>
+      </a:lt1>
+      <a:dk2>
+        <a:srgbClr val="44546A"/>
+      </a:dk2>
+      <a:lt2>
+        <a:srgbClr val="E7E6E6"/>
+      </a:lt2>
+      <a:accent1>
+        <a:srgbClr val="4472C4"/>
+      </a:accent1>
+      <a:accent2>
+        <a:srgbClr val="ED7D31"/>
+      </a:accent2>
+      <a:accent3>
+        <a:srgbClr val="A5A5A5"/>
+      </a:accent3>
+      <a:accent4>
+        <a:srgbClr val="FFC000"/>
+      </a:accent4>
+      <a:accent5>
+        <a:srgbClr val="5B9BD5"/>
+      </a:accent5>
+      <a:accent6>
+        <a:srgbClr val="70AD47"/>
+      </a:accent6>
+      <a:hlink>
+        <a:srgbClr val="0563C1"/>
+      </a:hlink>
+      <a:folHlink>
+        <a:srgbClr val="954F72"/>
+      </a:folHlink>
+    </a:clrScheme>
+    <a:fontScheme name="Office">
+      <a:majorFont>
+        <a:latin typeface="Calibri Light" panose="020F0302020204030204"/>
+        <a:ea typeface=""/>
+        <a:cs typeface=""/>
+        <a:font script="Jpan" typeface="游ゴシック Light"/>
+        <a:font script="Hang" typeface="맑은 고딕"/>
+        <a:font script="Hans" typeface="等线 Light"/>
+        <a:font script="Hant" typeface="新細明體"/>
+        <a:font script="Arab" typeface="Times New Roman"/>
+        <a:font script="Hebr" typeface="Times New Roman"/>
+        <a:font script="Thai" typeface="Angsana New"/>
+        <a:font script="Ethi" typeface="Nyala"/>
+        <a:font script="Beng" typeface="Vrinda"/>
+        <a:font script="Gujr" typeface="Shruti"/>
+        <a:font script="Khmr" typeface="MoolBoran"/>
+        <a:font script="Knda" typeface="Tunga"/>
+        <a:font script="Guru" typeface="Raavi"/>
+        <a:font script="Cans" typeface="Euphemia"/>
+        <a:font script="Cher" typeface="Plantagenet Cherokee"/>
+        <a:font script="Yiii" typeface="Microsoft Yi Baiti"/>
+        <a:font script="Tibt" typeface="Microsoft Himalaya"/>
+        <a:font script="Thaa" typeface="MV Boli"/>
+        <a:font script="Deva" typeface="Mangal"/>
+        <a:font script="Telu" typeface="Gautami"/>
+        <a:font script="Taml" typeface="Latha"/>
+        <a:font script="Syrc" typeface="Estrangelo Edessa"/>
+        <a:font script="Orya" typeface="Kalinga"/>
+        <a:font script="Mlym" typeface="Kartika"/>
+        <a:font script="Laoo" typeface="DokChampa"/>
+        <a:font script="Sinh" typeface="Iskoola Pota"/>
+        <a:font script="Mong" typeface="Mongolian Baiti"/>
+        <a:font script="Viet" typeface="Times New Roman"/>
+        <a:font script="Uigh" typeface="Microsoft Uighur"/>
+        <a:font script="Geor" typeface="Sylfaen"/>
+        <a:font script="Armn" typeface="Arial"/>
+        <a:font script="Bugi" typeface="Leelawadee UI"/>
+        <a:font script="Bopo" typeface="Microsoft JhengHei"/>
+        <a:font script="Java" typeface="Javanese Text"/>
+        <a:font script="Lisu" typeface="Segoe UI"/>
+        <a:font script="Mymr" typeface="Myanmar Text"/>
+        <a:font script="Nkoo" typeface="Ebrima"/>
+        <a:font script="Olck" typeface="Nirmala UI"/>
+        <a:font script="Osma" typeface="Ebrima"/>
+        <a:font script="Phag" typeface="Phagspa"/>
+        <a:font script="Syrn" typeface="Estrangelo Edessa"/>
+        <a:font script="Syrj" typeface="Estrangelo Edessa"/>
+        <a:font script="Syre" typeface="Estrangelo Edessa"/>
+        <a:font script="Sora" typeface="Nirmala UI"/>
+        <a:font script="Tale" typeface="Microsoft Tai Le"/>
+        <a:font script="Talu" typeface="Microsoft New Tai Lue"/>
+        <a:font script="Tfng" typeface="Ebrima"/>
+      </a:majorFont>
+      <a:minorFont>
+        <a:latin typeface="Calibri" panose="020F0502020204030204"/>
+        <a:ea typeface=""/>
+        <a:cs typeface=""/>
+        <a:font script="Jpan" typeface="游ゴシック"/>
+        <a:font script="Hang" typeface="맑은 고딕"/>
+        <a:font script="Hans" typeface="等线"/>
+        <a:font script="Hant" typeface="新細明體"/>
+        <a:font script="Arab" typeface="Arial"/>
+        <a:font script="Hebr" typeface="Arial"/>
+        <a:font script="Thai" typeface="Cordia New"/>
+        <a:font script="Ethi" typeface="Nyala"/>
+        <a:font script="Beng" typeface="Vrinda"/>
+        <a:font script="Gujr" typeface="Shruti"/>
+        <a:font script="Khmr" typeface="DaunPenh"/>
+        <a:font script="Knda" typeface="Tunga"/>
+        <a:font script="Guru" typeface="Raavi"/>
+        <a:font script="Cans" typeface="Euphemia"/>
+        <a:font script="Cher" typeface="Plantagenet Cherokee"/>
+        <a:font script="Yiii" typeface="Microsoft Yi Baiti"/>
+        <a:font script="Tibt" typeface="Microsoft Himalaya"/>
+        <a:font script="Thaa" typeface="MV Boli"/>
+        <a:font script="Deva" typeface="Mangal"/>
+        <a:font script="Telu" typeface="Gautami"/>
+        <a:font script="Taml" typeface="Latha"/>
+        <a:font script="Syrc" typeface="Estrangelo Edessa"/>
+        <a:font script="Orya" typeface="Kalinga"/>
+        <a:font script="Mlym" typeface="Kartika"/>
+        <a:font script="Laoo" typeface="DokChampa"/>
+        <a:font script="Sinh" typeface="Iskoola Pota"/>
+        <a:font script="Mong" typeface="Mongolian Baiti"/>
+        <a:font script="Viet" typeface="Arial"/>
+        <a:font script="Uigh" typeface="Microsoft Uighur"/>
+        <a:font script="Geor" typeface="Sylfaen"/>
+        <a:font script="Armn" typeface="Arial"/>
+        <a:font script="Bugi" typeface="Leelawadee UI"/>
+        <a:font script="Bopo" typeface="Microsoft JhengHei"/>
+        <a:font script="Java" typeface="Javanese Text"/>
+        <a:font script="Lisu" typeface="Segoe UI"/>
+        <a:font script="Mymr" typeface="Myanmar Text"/>
+        <a:font script="Nkoo" typeface="Ebrima"/>
+        <a:font script="Olck" typeface="Nirmala UI"/>
+        <a:font script="Osma" typeface="Ebrima"/>
+        <a:font script="Phag" typeface="Phagspa"/>
+        <a:font script="Syrn" typeface="Estrangelo Edessa"/>
+        <a:font script="Syrj" typeface="Estrangelo Edessa"/>
+        <a:font script="Syre" typeface="Estrangelo Edessa"/>
+        <a:font script="Sora" typeface="Nirmala UI"/>
+        <a:font script="Tale" typeface="Microsoft Tai Le"/>
+        <a:font script="Talu" typeface="Microsoft New Tai Lue"/>
+        <a:font script="Tfng" typeface="Ebrima"/>
+      </a:minorFont>
+    </a:fontScheme>
+    <a:fmtScheme name="Office">
+      <a:fillStyleLst>
+        <a:solidFill>
+          <a:schemeClr val="phClr"/>
+        </a:solidFill>
+        <a:gradFill rotWithShape="1">
+          <a:gsLst>
+            <a:gs pos="0">
+              <a:schemeClr val="phClr">
+                <a:lumMod val="110000"/>
+                <a:satMod val="105000"/>
+                <a:tint val="67000"/>
+              </a:schemeClr>
+            </a:gs>
+            <a:gs pos="50000">
+              <a:schemeClr val="phClr">
+                <a:lumMod val="105000"/>
+                <a:satMod val="103000"/>
+                <a:tint val="73000"/>
+              </a:schemeClr>
+            </a:gs>
+            <a:gs pos="100000">
+              <a:schemeClr val="phClr">
+                <a:lumMod val="105000"/>
+                <a:satMod val="109000"/>
+                <a:tint val="81000"/>
+              </a:schemeClr>
+            </a:gs>
+          </a:gsLst>
+          <a:lin ang="5400000" scaled="0"/>
+        </a:gradFill>
+        <a:gradFill rotWithShape="1">
+          <a:gsLst>
+            <a:gs pos="0">
+              <a:schemeClr val="phClr">
+                <a:satMod val="103000"/>
+                <a:lumMod val="102000"/>
+                <a:tint val="94000"/>
+              </a:schemeClr>
+            </a:gs>
+            <a:gs pos="50000">
+              <a:schemeClr val="phClr">
+                <a:satMod val="110000"/>
+                <a:lumMod val="100000"/>
+                <a:shade val="100000"/>
+              </a:schemeClr>
+            </a:gs>
+            <a:gs pos="100000">
+              <a:schemeClr val="phClr">
+                <a:lumMod val="99000"/>
+                <a:satMod val="120000"/>
+                <a:shade val="78000"/>
+              </a:schemeClr>
+            </a:gs>
+          </a:gsLst>
+          <a:lin ang="5400000" scaled="0"/>
+        </a:gradFill>
+      </a:fillStyleLst>
+      <a:lnStyleLst>
+        <a:ln w="6350" cap="flat" cmpd="sng" algn="ctr">
+          <a:solidFill>
+            <a:schemeClr val="phClr"/>
+          </a:solidFill>
+          <a:prstDash val="solid"/>
+          <a:miter lim="800000"/>
+        </a:ln>
+        <a:ln w="12700" cap="flat" cmpd="sng" algn="ctr">
+          <a:solidFill>
+            <a:schemeClr val="phClr"/>
+          </a:solidFill>
+          <a:prstDash val="solid"/>
+          <a:miter lim="800000"/>
+        </a:ln>
+        <a:ln w="19050" cap="flat" cmpd="sng" algn="ctr">
+          <a:solidFill>
+            <a:schemeClr val="phClr"/>
+          </a:solidFill>
+          <a:prstDash val="solid"/>
+          <a:miter lim="800000"/>
+        </a:ln>
+      </a:lnStyleLst>
+      <a:effectStyleLst>
+        <a:effectStyle>
+          <a:effectLst/>
+        </a:effectStyle>
+        <a:effectStyle>
+          <a:effectLst/>
+        </a:effectStyle>
+        <a:effectStyle>
+          <a:effectLst>
+            <a:outerShdw blurRad="57150" dist="19050" dir="5400000" algn="ctr" rotWithShape="0">
+              <a:srgbClr val="000000">
+                <a:alpha val="63000"/>
+              </a:srgbClr>
+            </a:outerShdw>
+          </a:effectLst>
+        </a:effectStyle>
+      </a:effectStyleLst>
+      <a:bgFillStyleLst>
+        <a:solidFill>
+          <a:schemeClr val="phClr"/>
+        </a:solidFill>
+        <a:solidFill>
+          <a:schemeClr val="phClr">
+            <a:tint val="95000"/>
+            <a:satMod val="170000"/>
+          </a:schemeClr>
+        </a:solidFill>
+        <a:gradFill rotWithShape="1">
+          <a:gsLst>
+            <a:gs pos="0">
+              <a:schemeClr val="phClr">
+                <a:tint val="93000"/>
+                <a:satMod val="150000"/>
+                <a:shade val="98000"/>
+                <a:lumMod val="102000"/>
+              </a:schemeClr>
+            </a:gs>
+            <a:gs pos="50000">
+              <a:schemeClr val="phClr">
+                <a:tint val="98000"/>
+                <a:satMod val="130000"/>
+                <a:shade val="90000"/>
+                <a:lumMod val="103000"/>
+              </a:schemeClr>
+            </a:gs>
+            <a:gs pos="100000">
+              <a:schemeClr val="phClr">
+                <a:shade val="63000"/>
+                <a:satMod val="120000"/>
+              </a:schemeClr>
+            </a:gs>
+          </a:gsLst>
+          <a:lin ang="5400000" scaled="0"/>
+        </a:gradFill>
+      </a:bgFillStyleLst>
+    </a:fmtScheme>
+  </a:themeElements>
+  <a:objectDefaults/>
+  <a:extraClrSchemeLst/>
+  <a:extLst>
+    <a:ext uri="{05A4C25C-085E-4340-85A3-A5531E510DB2}">
+      <thm15:themeFamily xmlns:thm15="http://schemas.microsoft.com/office/thememl/2012/main" name="Office Theme" id="{62F939B6-93AF-4DB8-9C6B-D6C7DFDC589F}" vid="{4A3C46E8-61CC-4603-A589-7422A47A8E4A}"/>
+    </a:ext>
+  </a:extLst>
+</a:theme>
 </file>
--- a/201805/JAVA 基础介绍.pptx
+++ b/201805/JAVA 基础介绍.pptx
@@ -8,10 +8,10 @@
     <p:notesMasterId r:id="rId17"/>
   </p:notesMasterIdLst>
   <p:sldIdLst>
-    <p:sldId id="256" r:id="rId2"/>
-    <p:sldId id="257" r:id="rId3"/>
-    <p:sldId id="262" r:id="rId4"/>
-    <p:sldId id="258" r:id="rId5"/>
+    <p:sldId id="277" r:id="rId2"/>
+    <p:sldId id="262" r:id="rId3"/>
+    <p:sldId id="278" r:id="rId4"/>
+    <p:sldId id="279" r:id="rId5"/>
     <p:sldId id="259" r:id="rId6"/>
     <p:sldId id="260" r:id="rId7"/>
     <p:sldId id="261" r:id="rId8"/>
@@ -215,7 +215,7 @@
           <a:p>
             <a:fld id="{820C2EA8-DE5A-4AA6-B918-4FCC223A8B73}" type="datetimeFigureOut">
               <a:rPr lang="en-US" smtClean="0"/>
-              <a:t>5/28/2018</a:t>
+              <a:t>5/29/2018</a:t>
             </a:fld>
             <a:endParaRPr lang="en-US"/>
           </a:p>
@@ -526,6 +526,90 @@
           <a:bodyPr/>
           <a:lstStyle/>
           <a:p>
+            <a:endParaRPr lang="en-US" dirty="0"/>
+          </a:p>
+        </p:txBody>
+      </p:sp>
+      <p:sp>
+        <p:nvSpPr>
+          <p:cNvPr id="4" name="Slide Number Placeholder 3"/>
+          <p:cNvSpPr>
+            <a:spLocks noGrp="1"/>
+          </p:cNvSpPr>
+          <p:nvPr>
+            <p:ph type="sldNum" sz="quarter" idx="10"/>
+          </p:nvPr>
+        </p:nvSpPr>
+        <p:spPr/>
+        <p:txBody>
+          <a:bodyPr/>
+          <a:lstStyle/>
+          <a:p>
+            <a:fld id="{11532156-F9B5-41E3-ADB7-D297B9458FA2}" type="slidenum">
+              <a:rPr lang="en-US" smtClean="0"/>
+              <a:t>3</a:t>
+            </a:fld>
+            <a:endParaRPr lang="en-US"/>
+          </a:p>
+        </p:txBody>
+      </p:sp>
+    </p:spTree>
+    <p:extLst>
+      <p:ext uri="{BB962C8B-B14F-4D97-AF65-F5344CB8AC3E}">
+        <p14:creationId xmlns:p14="http://schemas.microsoft.com/office/powerpoint/2010/main" val="3744726920"/>
+      </p:ext>
+    </p:extLst>
+  </p:cSld>
+  <p:clrMapOvr>
+    <a:masterClrMapping/>
+  </p:clrMapOvr>
+</p:notes>
+</file>
+
+<file path=ppt/notesSlides/notesSlide2.xml><?xml version="1.0" encoding="utf-8"?>
+<p:notes xmlns:a="http://schemas.openxmlformats.org/drawingml/2006/main" xmlns:r="http://schemas.openxmlformats.org/officeDocument/2006/relationships" xmlns:p="http://schemas.openxmlformats.org/presentationml/2006/main">
+  <p:cSld>
+    <p:spTree>
+      <p:nvGrpSpPr>
+        <p:cNvPr id="1" name=""/>
+        <p:cNvGrpSpPr/>
+        <p:nvPr/>
+      </p:nvGrpSpPr>
+      <p:grpSpPr>
+        <a:xfrm>
+          <a:off x="0" y="0"/>
+          <a:ext cx="0" cy="0"/>
+          <a:chOff x="0" y="0"/>
+          <a:chExt cx="0" cy="0"/>
+        </a:xfrm>
+      </p:grpSpPr>
+      <p:sp>
+        <p:nvSpPr>
+          <p:cNvPr id="2" name="Slide Image Placeholder 1"/>
+          <p:cNvSpPr>
+            <a:spLocks noGrp="1" noRot="1" noChangeAspect="1"/>
+          </p:cNvSpPr>
+          <p:nvPr>
+            <p:ph type="sldImg"/>
+          </p:nvPr>
+        </p:nvSpPr>
+        <p:spPr/>
+      </p:sp>
+      <p:sp>
+        <p:nvSpPr>
+          <p:cNvPr id="3" name="Notes Placeholder 2"/>
+          <p:cNvSpPr>
+            <a:spLocks noGrp="1"/>
+          </p:cNvSpPr>
+          <p:nvPr>
+            <p:ph type="body" idx="1"/>
+          </p:nvPr>
+        </p:nvSpPr>
+        <p:spPr/>
+        <p:txBody>
+          <a:bodyPr/>
+          <a:lstStyle/>
+          <a:p>
             <a:pPr marL="57150" lvl="0" indent="0">
               <a:buNone/>
             </a:pPr>
@@ -624,7 +708,7 @@
 </p:notes>
 </file>
 
-<file path=ppt/notesSlides/notesSlide2.xml><?xml version="1.0" encoding="utf-8"?>
+<file path=ppt/notesSlides/notesSlide3.xml><?xml version="1.0" encoding="utf-8"?>
 <p:notes xmlns:a="http://schemas.openxmlformats.org/drawingml/2006/main" xmlns:r="http://schemas.openxmlformats.org/officeDocument/2006/relationships" xmlns:p="http://schemas.openxmlformats.org/presentationml/2006/main">
   <p:cSld>
     <p:spTree>
@@ -955,7 +1039,7 @@
             <a:fld id="{B61BEF0D-F0BB-DE4B-95CE-6DB70DBA9567}" type="datetimeFigureOut">
               <a:rPr lang="en-US" dirty="0"/>
               <a:pPr/>
-              <a:t>5/28/2018</a:t>
+              <a:t>5/29/2018</a:t>
             </a:fld>
             <a:endParaRPr lang="en-US" dirty="0"/>
           </a:p>
@@ -1290,7 +1374,7 @@
             <a:fld id="{B61BEF0D-F0BB-DE4B-95CE-6DB70DBA9567}" type="datetimeFigureOut">
               <a:rPr lang="en-US" dirty="0"/>
               <a:pPr/>
-              <a:t>5/28/2018</a:t>
+              <a:t>5/29/2018</a:t>
             </a:fld>
             <a:endParaRPr lang="en-US" dirty="0"/>
           </a:p>
@@ -1688,7 +1772,7 @@
             <a:fld id="{B61BEF0D-F0BB-DE4B-95CE-6DB70DBA9567}" type="datetimeFigureOut">
               <a:rPr lang="en-US" dirty="0"/>
               <a:pPr/>
-              <a:t>5/28/2018</a:t>
+              <a:t>5/29/2018</a:t>
             </a:fld>
             <a:endParaRPr lang="en-US" dirty="0"/>
           </a:p>
@@ -2021,7 +2105,7 @@
             <a:fld id="{B61BEF0D-F0BB-DE4B-95CE-6DB70DBA9567}" type="datetimeFigureOut">
               <a:rPr lang="en-US" dirty="0"/>
               <a:pPr/>
-              <a:t>5/28/2018</a:t>
+              <a:t>5/29/2018</a:t>
             </a:fld>
             <a:endParaRPr lang="en-US" dirty="0"/>
           </a:p>
@@ -2338,7 +2422,7 @@
             <a:fld id="{B61BEF0D-F0BB-DE4B-95CE-6DB70DBA9567}" type="datetimeFigureOut">
               <a:rPr lang="en-US" dirty="0"/>
               <a:pPr/>
-              <a:t>5/28/2018</a:t>
+              <a:t>5/29/2018</a:t>
             </a:fld>
             <a:endParaRPr lang="en-US" dirty="0"/>
           </a:p>
@@ -2731,7 +2815,7 @@
             <a:fld id="{B61BEF0D-F0BB-DE4B-95CE-6DB70DBA9567}" type="datetimeFigureOut">
               <a:rPr lang="en-US" dirty="0"/>
               <a:pPr/>
-              <a:t>5/28/2018</a:t>
+              <a:t>5/29/2018</a:t>
             </a:fld>
             <a:endParaRPr lang="en-US" dirty="0"/>
           </a:p>
@@ -2985,7 +3069,7 @@
             <a:fld id="{B61BEF0D-F0BB-DE4B-95CE-6DB70DBA9567}" type="datetimeFigureOut">
               <a:rPr lang="en-US" dirty="0"/>
               <a:pPr/>
-              <a:t>5/28/2018</a:t>
+              <a:t>5/29/2018</a:t>
             </a:fld>
             <a:endParaRPr lang="en-US" dirty="0"/>
           </a:p>
@@ -3244,7 +3328,7 @@
             <a:fld id="{B61BEF0D-F0BB-DE4B-95CE-6DB70DBA9567}" type="datetimeFigureOut">
               <a:rPr lang="en-US" dirty="0"/>
               <a:pPr/>
-              <a:t>5/28/2018</a:t>
+              <a:t>5/29/2018</a:t>
             </a:fld>
             <a:endParaRPr lang="en-US" dirty="0"/>
           </a:p>
@@ -3503,7 +3587,7 @@
             <a:fld id="{B61BEF0D-F0BB-DE4B-95CE-6DB70DBA9567}" type="datetimeFigureOut">
               <a:rPr lang="en-US" dirty="0"/>
               <a:pPr/>
-              <a:t>5/28/2018</a:t>
+              <a:t>5/29/2018</a:t>
             </a:fld>
             <a:endParaRPr lang="en-US" dirty="0"/>
           </a:p>
@@ -3829,7 +3913,7 @@
             <a:fld id="{B61BEF0D-F0BB-DE4B-95CE-6DB70DBA9567}" type="datetimeFigureOut">
               <a:rPr lang="en-US" dirty="0"/>
               <a:pPr/>
-              <a:t>5/28/2018</a:t>
+              <a:t>5/29/2018</a:t>
             </a:fld>
             <a:endParaRPr lang="en-US" dirty="0"/>
           </a:p>
@@ -4149,7 +4233,7 @@
             <a:fld id="{B61BEF0D-F0BB-DE4B-95CE-6DB70DBA9567}" type="datetimeFigureOut">
               <a:rPr lang="en-US" dirty="0"/>
               <a:pPr/>
-              <a:t>5/28/2018</a:t>
+              <a:t>5/29/2018</a:t>
             </a:fld>
             <a:endParaRPr lang="en-US" dirty="0"/>
           </a:p>
@@ -4603,7 +4687,7 @@
             <a:fld id="{B61BEF0D-F0BB-DE4B-95CE-6DB70DBA9567}" type="datetimeFigureOut">
               <a:rPr lang="en-US" dirty="0"/>
               <a:pPr/>
-              <a:t>5/28/2018</a:t>
+              <a:t>5/29/2018</a:t>
             </a:fld>
             <a:endParaRPr lang="en-US" dirty="0"/>
           </a:p>
@@ -4805,7 +4889,7 @@
             <a:fld id="{B61BEF0D-F0BB-DE4B-95CE-6DB70DBA9567}" type="datetimeFigureOut">
               <a:rPr lang="en-US" dirty="0"/>
               <a:pPr/>
-              <a:t>5/28/2018</a:t>
+              <a:t>5/29/2018</a:t>
             </a:fld>
             <a:endParaRPr lang="en-US" dirty="0"/>
           </a:p>
@@ -4979,7 +5063,7 @@
             <a:fld id="{B61BEF0D-F0BB-DE4B-95CE-6DB70DBA9567}" type="datetimeFigureOut">
               <a:rPr lang="en-US" dirty="0"/>
               <a:pPr/>
-              <a:t>5/28/2018</a:t>
+              <a:t>5/29/2018</a:t>
             </a:fld>
             <a:endParaRPr lang="en-US" dirty="0"/>
           </a:p>
@@ -5309,7 +5393,7 @@
             <a:fld id="{B61BEF0D-F0BB-DE4B-95CE-6DB70DBA9567}" type="datetimeFigureOut">
               <a:rPr lang="en-US" dirty="0"/>
               <a:pPr/>
-              <a:t>5/28/2018</a:t>
+              <a:t>5/29/2018</a:t>
             </a:fld>
             <a:endParaRPr lang="en-US" dirty="0"/>
           </a:p>
@@ -5651,7 +5735,7 @@
             <a:fld id="{B61BEF0D-F0BB-DE4B-95CE-6DB70DBA9567}" type="datetimeFigureOut">
               <a:rPr lang="en-US" dirty="0"/>
               <a:pPr/>
-              <a:t>5/28/2018</a:t>
+              <a:t>5/29/2018</a:t>
             </a:fld>
             <a:endParaRPr lang="en-US" dirty="0"/>
           </a:p>
@@ -7765,7 +7849,7 @@
             <a:fld id="{B61BEF0D-F0BB-DE4B-95CE-6DB70DBA9567}" type="datetimeFigureOut">
               <a:rPr lang="en-US" dirty="0"/>
               <a:pPr/>
-              <a:t>5/28/2018</a:t>
+              <a:t>5/29/2018</a:t>
             </a:fld>
             <a:endParaRPr lang="en-US" dirty="0"/>
           </a:p>
@@ -8278,68 +8362,896 @@
           <a:chExt cx="0" cy="0"/>
         </a:xfrm>
       </p:grpSpPr>
-      <p:sp>
-        <p:nvSpPr>
-          <p:cNvPr id="2" name="Title 1">
+      <p:pic>
+        <p:nvPicPr>
+          <p:cNvPr id="92" name="图片 14">
             <a:extLst>
               <a:ext uri="{FF2B5EF4-FFF2-40B4-BE49-F238E27FC236}">
-                <a16:creationId xmlns:a16="http://schemas.microsoft.com/office/drawing/2014/main" id="{011CB86D-43EC-4B6A-8AE1-C469DF7F468D}"/>
+                <a16:creationId xmlns:a16="http://schemas.microsoft.com/office/drawing/2014/main" id="{A6D8E9EE-5AFD-4B16-8FAC-95EF000CD1FA}"/>
               </a:ext>
             </a:extLst>
           </p:cNvPr>
-          <p:cNvSpPr>
-            <a:spLocks noGrp="1"/>
-          </p:cNvSpPr>
-          <p:nvPr>
-            <p:ph type="ctrTitle"/>
-          </p:nvPr>
-        </p:nvSpPr>
-        <p:spPr/>
-        <p:txBody>
-          <a:bodyPr/>
-          <a:lstStyle/>
-          <a:p>
-            <a:r>
-              <a:rPr lang="en-US" altLang="zh-CN" dirty="0"/>
-              <a:t>Java </a:t>
-            </a:r>
-            <a:r>
-              <a:rPr lang="zh-CN" altLang="en-US" dirty="0"/>
-              <a:t>基础介绍</a:t>
-            </a:r>
-            <a:endParaRPr lang="en-US" dirty="0"/>
-          </a:p>
-        </p:txBody>
-      </p:sp>
-      <p:sp>
-        <p:nvSpPr>
-          <p:cNvPr id="3" name="Subtitle 2">
+          <p:cNvPicPr>
+            <a:picLocks noChangeAspect="1"/>
+          </p:cNvPicPr>
+          <p:nvPr/>
+        </p:nvPicPr>
+        <p:blipFill>
+          <a:blip r:embed="rId2">
+            <a:extLst>
+              <a:ext uri="{28A0092B-C50C-407E-A947-70E740481C1C}">
+                <a14:useLocalDpi xmlns:a14="http://schemas.microsoft.com/office/drawing/2010/main" val="0"/>
+              </a:ext>
+            </a:extLst>
+          </a:blip>
+          <a:stretch>
+            <a:fillRect/>
+          </a:stretch>
+        </p:blipFill>
+        <p:spPr>
+          <a:xfrm rot="20905063">
+            <a:off x="5151787" y="458054"/>
+            <a:ext cx="5593519" cy="2104926"/>
+          </a:xfrm>
+          <a:prstGeom prst="rect">
+            <a:avLst/>
+          </a:prstGeom>
+        </p:spPr>
+      </p:pic>
+      <p:pic>
+        <p:nvPicPr>
+          <p:cNvPr id="93" name="图片 15">
             <a:extLst>
               <a:ext uri="{FF2B5EF4-FFF2-40B4-BE49-F238E27FC236}">
-                <a16:creationId xmlns:a16="http://schemas.microsoft.com/office/drawing/2014/main" id="{8D779DD8-909C-4710-8DD2-9F872A3427AD}"/>
+                <a16:creationId xmlns:a16="http://schemas.microsoft.com/office/drawing/2014/main" id="{5C12B050-4707-46E3-8319-FDF30717BC07}"/>
               </a:ext>
             </a:extLst>
           </p:cNvPr>
-          <p:cNvSpPr>
-            <a:spLocks noGrp="1"/>
-          </p:cNvSpPr>
-          <p:nvPr>
-            <p:ph type="subTitle" idx="1"/>
-          </p:nvPr>
-        </p:nvSpPr>
-        <p:spPr/>
-        <p:txBody>
-          <a:bodyPr/>
-          <a:lstStyle/>
-          <a:p>
-            <a:endParaRPr lang="en-US"/>
+          <p:cNvPicPr>
+            <a:picLocks noChangeAspect="1"/>
+          </p:cNvPicPr>
+          <p:nvPr/>
+        </p:nvPicPr>
+        <p:blipFill>
+          <a:blip r:embed="rId3">
+            <a:extLst>
+              <a:ext uri="{28A0092B-C50C-407E-A947-70E740481C1C}">
+                <a14:useLocalDpi xmlns:a14="http://schemas.microsoft.com/office/drawing/2010/main" val="0"/>
+              </a:ext>
+            </a:extLst>
+          </a:blip>
+          <a:stretch>
+            <a:fillRect/>
+          </a:stretch>
+        </p:blipFill>
+        <p:spPr>
+          <a:xfrm>
+            <a:off x="5180363" y="2293890"/>
+            <a:ext cx="5593519" cy="2104926"/>
+          </a:xfrm>
+          <a:prstGeom prst="rect">
+            <a:avLst/>
+          </a:prstGeom>
+        </p:spPr>
+      </p:pic>
+      <p:pic>
+        <p:nvPicPr>
+          <p:cNvPr id="94" name="图片 16">
+            <a:extLst>
+              <a:ext uri="{FF2B5EF4-FFF2-40B4-BE49-F238E27FC236}">
+                <a16:creationId xmlns:a16="http://schemas.microsoft.com/office/drawing/2014/main" id="{9808507D-92A6-4020-95F2-0CE082981EF1}"/>
+              </a:ext>
+            </a:extLst>
+          </p:cNvPr>
+          <p:cNvPicPr>
+            <a:picLocks noChangeAspect="1"/>
+          </p:cNvPicPr>
+          <p:nvPr/>
+        </p:nvPicPr>
+        <p:blipFill>
+          <a:blip r:embed="rId2">
+            <a:extLst>
+              <a:ext uri="{28A0092B-C50C-407E-A947-70E740481C1C}">
+                <a14:useLocalDpi xmlns:a14="http://schemas.microsoft.com/office/drawing/2010/main" val="0"/>
+              </a:ext>
+            </a:extLst>
+          </a:blip>
+          <a:stretch>
+            <a:fillRect/>
+          </a:stretch>
+        </p:blipFill>
+        <p:spPr>
+          <a:xfrm rot="987617">
+            <a:off x="4665154" y="4108255"/>
+            <a:ext cx="5593519" cy="2104926"/>
+          </a:xfrm>
+          <a:prstGeom prst="rect">
+            <a:avLst/>
+          </a:prstGeom>
+        </p:spPr>
+      </p:pic>
+      <p:sp>
+        <p:nvSpPr>
+          <p:cNvPr id="95" name="TextBox 94">
+            <a:extLst>
+              <a:ext uri="{FF2B5EF4-FFF2-40B4-BE49-F238E27FC236}">
+                <a16:creationId xmlns:a16="http://schemas.microsoft.com/office/drawing/2014/main" id="{086D3C53-9435-4257-B1DE-EFAF3A67CF31}"/>
+              </a:ext>
+            </a:extLst>
+          </p:cNvPr>
+          <p:cNvSpPr txBox="1"/>
+          <p:nvPr/>
+        </p:nvSpPr>
+        <p:spPr>
+          <a:xfrm>
+            <a:off x="2013996" y="2399873"/>
+            <a:ext cx="3027672" cy="646331"/>
+          </a:xfrm>
+          <a:prstGeom prst="rect">
+            <a:avLst/>
+          </a:prstGeom>
+          <a:noFill/>
+        </p:spPr>
+        <p:txBody>
+          <a:bodyPr wrap="square" rtlCol="0">
+            <a:spAutoFit/>
+          </a:bodyPr>
+          <a:lstStyle>
+            <a:defPPr>
+              <a:defRPr lang="en-US"/>
+            </a:defPPr>
+            <a:lvl1pPr>
+              <a:lnSpc>
+                <a:spcPct val="130000"/>
+              </a:lnSpc>
+              <a:defRPr sz="5400" b="1">
+                <a:solidFill>
+                  <a:schemeClr val="tx1">
+                    <a:lumMod val="65000"/>
+                    <a:lumOff val="35000"/>
+                  </a:schemeClr>
+                </a:solidFill>
+                <a:latin typeface="Agency FB" pitchFamily="34" charset="0"/>
+                <a:ea typeface="微软雅黑" pitchFamily="34" charset="-122"/>
+                <a:cs typeface="Calibri" pitchFamily="34" charset="0"/>
+              </a:defRPr>
+            </a:lvl1pPr>
+          </a:lstStyle>
+          <a:p>
+            <a:pPr marL="0" marR="0" lvl="0" indent="0" algn="ctr" defTabSz="914400" eaLnBrk="1" fontAlgn="auto" latinLnBrk="0" hangingPunct="1">
+              <a:lnSpc>
+                <a:spcPct val="100000"/>
+              </a:lnSpc>
+              <a:spcBef>
+                <a:spcPts val="0"/>
+              </a:spcBef>
+              <a:spcAft>
+                <a:spcPts val="0"/>
+              </a:spcAft>
+              <a:buClrTx/>
+              <a:buSzTx/>
+              <a:buFontTx/>
+              <a:buNone/>
+              <a:tabLst/>
+              <a:defRPr/>
+            </a:pPr>
+            <a:r>
+              <a:rPr lang="en-US" altLang="zh-CN" sz="3600" kern="0" dirty="0">
+                <a:solidFill>
+                  <a:srgbClr val="A47D00"/>
+                </a:solidFill>
+                <a:effectLst>
+                  <a:innerShdw blurRad="63500" dist="50800" dir="16200000">
+                    <a:prstClr val="black">
+                      <a:alpha val="50000"/>
+                    </a:prstClr>
+                  </a:innerShdw>
+                </a:effectLst>
+                <a:latin typeface="Adidas Unity" pitchFamily="2" charset="0"/>
+              </a:rPr>
+              <a:t>Java</a:t>
+            </a:r>
+            <a:r>
+              <a:rPr lang="zh-CN" altLang="en-US" sz="3600" kern="0" dirty="0">
+                <a:solidFill>
+                  <a:srgbClr val="A47D00"/>
+                </a:solidFill>
+                <a:effectLst>
+                  <a:innerShdw blurRad="63500" dist="50800" dir="16200000">
+                    <a:prstClr val="black">
+                      <a:alpha val="50000"/>
+                    </a:prstClr>
+                  </a:innerShdw>
+                </a:effectLst>
+                <a:latin typeface="Adidas Unity" pitchFamily="2" charset="0"/>
+              </a:rPr>
+              <a:t>基础介绍</a:t>
+            </a:r>
+            <a:endParaRPr lang="en-US" altLang="zh-CN" sz="3600" kern="0" dirty="0">
+              <a:solidFill>
+                <a:srgbClr val="A47D00"/>
+              </a:solidFill>
+              <a:effectLst>
+                <a:innerShdw blurRad="63500" dist="50800" dir="16200000">
+                  <a:prstClr val="black">
+                    <a:alpha val="50000"/>
+                  </a:prstClr>
+                </a:innerShdw>
+              </a:effectLst>
+              <a:latin typeface="Adidas Unity" pitchFamily="2" charset="0"/>
+            </a:endParaRPr>
+          </a:p>
+        </p:txBody>
+      </p:sp>
+      <p:sp>
+        <p:nvSpPr>
+          <p:cNvPr id="96" name="TextBox 95">
+            <a:extLst>
+              <a:ext uri="{FF2B5EF4-FFF2-40B4-BE49-F238E27FC236}">
+                <a16:creationId xmlns:a16="http://schemas.microsoft.com/office/drawing/2014/main" id="{3CE8EE90-F1EF-43B4-A016-E406B302A7C5}"/>
+              </a:ext>
+            </a:extLst>
+          </p:cNvPr>
+          <p:cNvSpPr txBox="1"/>
+          <p:nvPr/>
+        </p:nvSpPr>
+        <p:spPr>
+          <a:xfrm rot="20626868">
+            <a:off x="6477441" y="1393301"/>
+            <a:ext cx="2743413" cy="395173"/>
+          </a:xfrm>
+          <a:prstGeom prst="rect">
+            <a:avLst/>
+          </a:prstGeom>
+          <a:noFill/>
+        </p:spPr>
+        <p:txBody>
+          <a:bodyPr wrap="square" rtlCol="0">
+            <a:spAutoFit/>
+          </a:bodyPr>
+          <a:lstStyle>
+            <a:defPPr>
+              <a:defRPr lang="en-US"/>
+            </a:defPPr>
+            <a:lvl1pPr lvl="0">
+              <a:lnSpc>
+                <a:spcPct val="80000"/>
+              </a:lnSpc>
+              <a:defRPr sz="4400" b="1" kern="0">
+                <a:ln w="18415" cmpd="sng">
+                  <a:noFill/>
+                  <a:prstDash val="solid"/>
+                </a:ln>
+                <a:solidFill>
+                  <a:srgbClr val="FFC000"/>
+                </a:solidFill>
+                <a:latin typeface="Agency FB" pitchFamily="34" charset="0"/>
+                <a:ea typeface="微软雅黑" pitchFamily="34" charset="-122"/>
+              </a:defRPr>
+            </a:lvl1pPr>
+          </a:lstStyle>
+          <a:p>
+            <a:pPr marL="0" marR="0" lvl="0" indent="0" defTabSz="914400" eaLnBrk="1" fontAlgn="auto" latinLnBrk="0" hangingPunct="1">
+              <a:lnSpc>
+                <a:spcPct val="80000"/>
+              </a:lnSpc>
+              <a:spcBef>
+                <a:spcPts val="0"/>
+              </a:spcBef>
+              <a:spcAft>
+                <a:spcPts val="0"/>
+              </a:spcAft>
+              <a:buClrTx/>
+              <a:buSzTx/>
+              <a:buFontTx/>
+              <a:buNone/>
+              <a:tabLst/>
+              <a:defRPr/>
+            </a:pPr>
+            <a:r>
+              <a:rPr kumimoji="0" lang="en-US" altLang="zh-CN" sz="2400" b="1" i="0" u="none" strike="noStrike" kern="0" cap="none" spc="0" normalizeH="0" baseline="0" noProof="0" dirty="0">
+                <a:ln w="18415" cmpd="sng">
+                  <a:noFill/>
+                  <a:prstDash val="solid"/>
+                </a:ln>
+                <a:solidFill>
+                  <a:srgbClr val="826300"/>
+                </a:solidFill>
+                <a:effectLst>
+                  <a:outerShdw dist="38100" dir="5400000" algn="t" rotWithShape="0">
+                    <a:sysClr val="window" lastClr="FFFFFF">
+                      <a:alpha val="55000"/>
+                    </a:sysClr>
+                  </a:outerShdw>
+                </a:effectLst>
+                <a:uLnTx/>
+                <a:uFillTx/>
+                <a:latin typeface="Adidas Unity" pitchFamily="2" charset="0"/>
+                <a:ea typeface="微软雅黑" pitchFamily="34" charset="-122"/>
+                <a:cs typeface="Times New Roman" pitchFamily="18" charset="0"/>
+              </a:rPr>
+              <a:t>Java</a:t>
+            </a:r>
+            <a:r>
+              <a:rPr kumimoji="0" lang="zh-CN" altLang="en-US" sz="2400" b="1" i="0" u="none" strike="noStrike" kern="0" cap="none" spc="0" normalizeH="0" baseline="0" noProof="0" dirty="0">
+                <a:ln w="18415" cmpd="sng">
+                  <a:noFill/>
+                  <a:prstDash val="solid"/>
+                </a:ln>
+                <a:solidFill>
+                  <a:srgbClr val="826300"/>
+                </a:solidFill>
+                <a:effectLst>
+                  <a:outerShdw dist="38100" dir="5400000" algn="t" rotWithShape="0">
+                    <a:sysClr val="window" lastClr="FFFFFF">
+                      <a:alpha val="55000"/>
+                    </a:sysClr>
+                  </a:outerShdw>
+                </a:effectLst>
+                <a:uLnTx/>
+                <a:uFillTx/>
+                <a:latin typeface="Adidas Unity" pitchFamily="2" charset="0"/>
+                <a:ea typeface="微软雅黑" pitchFamily="34" charset="-122"/>
+                <a:cs typeface="Times New Roman" pitchFamily="18" charset="0"/>
+              </a:rPr>
+              <a:t>简介</a:t>
+            </a:r>
+          </a:p>
+        </p:txBody>
+      </p:sp>
+      <p:sp>
+        <p:nvSpPr>
+          <p:cNvPr id="98" name="TextBox 97">
+            <a:extLst>
+              <a:ext uri="{FF2B5EF4-FFF2-40B4-BE49-F238E27FC236}">
+                <a16:creationId xmlns:a16="http://schemas.microsoft.com/office/drawing/2014/main" id="{474BECBD-60C4-47BC-91BC-1DA056962112}"/>
+              </a:ext>
+            </a:extLst>
+          </p:cNvPr>
+          <p:cNvSpPr txBox="1"/>
+          <p:nvPr/>
+        </p:nvSpPr>
+        <p:spPr>
+          <a:xfrm rot="20793972">
+            <a:off x="5521330" y="1529851"/>
+            <a:ext cx="964130" cy="923330"/>
+          </a:xfrm>
+          <a:prstGeom prst="rect">
+            <a:avLst/>
+          </a:prstGeom>
+          <a:noFill/>
+        </p:spPr>
+        <p:txBody>
+          <a:bodyPr wrap="square" rtlCol="0">
+            <a:spAutoFit/>
+          </a:bodyPr>
+          <a:lstStyle>
+            <a:defPPr>
+              <a:defRPr lang="en-US"/>
+            </a:defPPr>
+            <a:lvl1pPr>
+              <a:lnSpc>
+                <a:spcPct val="130000"/>
+              </a:lnSpc>
+              <a:defRPr sz="5400" b="1">
+                <a:solidFill>
+                  <a:schemeClr val="tx1">
+                    <a:lumMod val="65000"/>
+                    <a:lumOff val="35000"/>
+                  </a:schemeClr>
+                </a:solidFill>
+                <a:latin typeface="Agency FB" pitchFamily="34" charset="0"/>
+                <a:ea typeface="微软雅黑" pitchFamily="34" charset="-122"/>
+                <a:cs typeface="Calibri" pitchFamily="34" charset="0"/>
+              </a:defRPr>
+            </a:lvl1pPr>
+          </a:lstStyle>
+          <a:p>
+            <a:pPr marL="0" marR="0" lvl="0" indent="0" algn="ctr" defTabSz="914400" eaLnBrk="1" fontAlgn="auto" latinLnBrk="0" hangingPunct="1">
+              <a:lnSpc>
+                <a:spcPct val="100000"/>
+              </a:lnSpc>
+              <a:spcBef>
+                <a:spcPts val="0"/>
+              </a:spcBef>
+              <a:spcAft>
+                <a:spcPts val="0"/>
+              </a:spcAft>
+              <a:buClrTx/>
+              <a:buSzTx/>
+              <a:buFontTx/>
+              <a:buNone/>
+              <a:tabLst/>
+              <a:defRPr/>
+            </a:pPr>
+            <a:r>
+              <a:rPr kumimoji="0" lang="en-US" altLang="zh-CN" sz="5400" b="1" i="0" u="none" strike="noStrike" kern="0" cap="none" spc="0" normalizeH="0" baseline="0" noProof="0" dirty="0">
+                <a:ln>
+                  <a:noFill/>
+                </a:ln>
+                <a:solidFill>
+                  <a:sysClr val="window" lastClr="FFFFFF"/>
+                </a:solidFill>
+                <a:effectLst>
+                  <a:innerShdw blurRad="63500" dist="50800" dir="16200000">
+                    <a:prstClr val="black">
+                      <a:alpha val="50000"/>
+                    </a:prstClr>
+                  </a:innerShdw>
+                </a:effectLst>
+                <a:uLnTx/>
+                <a:uFillTx/>
+                <a:latin typeface="Adidas Unity" pitchFamily="2" charset="0"/>
+                <a:ea typeface="微软雅黑" pitchFamily="34" charset="-122"/>
+                <a:cs typeface="Calibri" pitchFamily="34" charset="0"/>
+              </a:rPr>
+              <a:t>01</a:t>
+            </a:r>
+            <a:endParaRPr kumimoji="0" lang="zh-CN" altLang="en-US" sz="5400" b="1" i="0" u="none" strike="noStrike" kern="0" cap="none" spc="0" normalizeH="0" baseline="0" noProof="0" dirty="0">
+              <a:ln>
+                <a:noFill/>
+              </a:ln>
+              <a:solidFill>
+                <a:sysClr val="window" lastClr="FFFFFF"/>
+              </a:solidFill>
+              <a:effectLst>
+                <a:innerShdw blurRad="63500" dist="50800" dir="16200000">
+                  <a:prstClr val="black">
+                    <a:alpha val="50000"/>
+                  </a:prstClr>
+                </a:innerShdw>
+              </a:effectLst>
+              <a:uLnTx/>
+              <a:uFillTx/>
+              <a:latin typeface="Adidas Unity" pitchFamily="2" charset="0"/>
+              <a:ea typeface="微软雅黑" pitchFamily="34" charset="-122"/>
+              <a:cs typeface="Calibri" pitchFamily="34" charset="0"/>
+            </a:endParaRPr>
+          </a:p>
+        </p:txBody>
+      </p:sp>
+      <p:sp>
+        <p:nvSpPr>
+          <p:cNvPr id="99" name="TextBox 98">
+            <a:extLst>
+              <a:ext uri="{FF2B5EF4-FFF2-40B4-BE49-F238E27FC236}">
+                <a16:creationId xmlns:a16="http://schemas.microsoft.com/office/drawing/2014/main" id="{D16AC49A-D8EB-4DA2-8FD0-FCEDDA646018}"/>
+              </a:ext>
+            </a:extLst>
+          </p:cNvPr>
+          <p:cNvSpPr txBox="1"/>
+          <p:nvPr/>
+        </p:nvSpPr>
+        <p:spPr>
+          <a:xfrm>
+            <a:off x="5549906" y="2942837"/>
+            <a:ext cx="964130" cy="923330"/>
+          </a:xfrm>
+          <a:prstGeom prst="rect">
+            <a:avLst/>
+          </a:prstGeom>
+          <a:noFill/>
+        </p:spPr>
+        <p:txBody>
+          <a:bodyPr wrap="square" rtlCol="0">
+            <a:spAutoFit/>
+          </a:bodyPr>
+          <a:lstStyle>
+            <a:defPPr>
+              <a:defRPr lang="en-US"/>
+            </a:defPPr>
+            <a:lvl1pPr>
+              <a:lnSpc>
+                <a:spcPct val="130000"/>
+              </a:lnSpc>
+              <a:defRPr sz="5400" b="1">
+                <a:solidFill>
+                  <a:schemeClr val="tx1">
+                    <a:lumMod val="65000"/>
+                    <a:lumOff val="35000"/>
+                  </a:schemeClr>
+                </a:solidFill>
+                <a:latin typeface="Agency FB" pitchFamily="34" charset="0"/>
+                <a:ea typeface="微软雅黑" pitchFamily="34" charset="-122"/>
+                <a:cs typeface="Calibri" pitchFamily="34" charset="0"/>
+              </a:defRPr>
+            </a:lvl1pPr>
+          </a:lstStyle>
+          <a:p>
+            <a:pPr marL="0" marR="0" lvl="0" indent="0" algn="ctr" defTabSz="914400" eaLnBrk="1" fontAlgn="auto" latinLnBrk="0" hangingPunct="1">
+              <a:lnSpc>
+                <a:spcPct val="100000"/>
+              </a:lnSpc>
+              <a:spcBef>
+                <a:spcPts val="0"/>
+              </a:spcBef>
+              <a:spcAft>
+                <a:spcPts val="0"/>
+              </a:spcAft>
+              <a:buClrTx/>
+              <a:buSzTx/>
+              <a:buFontTx/>
+              <a:buNone/>
+              <a:tabLst/>
+              <a:defRPr/>
+            </a:pPr>
+            <a:r>
+              <a:rPr kumimoji="0" lang="en-US" altLang="zh-CN" sz="5400" b="1" i="0" u="none" strike="noStrike" kern="0" cap="none" spc="0" normalizeH="0" baseline="0" noProof="0" dirty="0">
+                <a:ln>
+                  <a:noFill/>
+                </a:ln>
+                <a:solidFill>
+                  <a:sysClr val="window" lastClr="FFFFFF"/>
+                </a:solidFill>
+                <a:effectLst>
+                  <a:innerShdw blurRad="63500" dist="50800" dir="16200000">
+                    <a:prstClr val="black">
+                      <a:alpha val="50000"/>
+                    </a:prstClr>
+                  </a:innerShdw>
+                </a:effectLst>
+                <a:uLnTx/>
+                <a:uFillTx/>
+                <a:latin typeface="Adidas Unity" pitchFamily="2" charset="0"/>
+                <a:ea typeface="微软雅黑" pitchFamily="34" charset="-122"/>
+                <a:cs typeface="Calibri" pitchFamily="34" charset="0"/>
+              </a:rPr>
+              <a:t>02</a:t>
+            </a:r>
+            <a:endParaRPr kumimoji="0" lang="zh-CN" altLang="en-US" sz="5400" b="1" i="0" u="none" strike="noStrike" kern="0" cap="none" spc="0" normalizeH="0" baseline="0" noProof="0" dirty="0">
+              <a:ln>
+                <a:noFill/>
+              </a:ln>
+              <a:solidFill>
+                <a:sysClr val="window" lastClr="FFFFFF"/>
+              </a:solidFill>
+              <a:effectLst>
+                <a:innerShdw blurRad="63500" dist="50800" dir="16200000">
+                  <a:prstClr val="black">
+                    <a:alpha val="50000"/>
+                  </a:prstClr>
+                </a:innerShdw>
+              </a:effectLst>
+              <a:uLnTx/>
+              <a:uFillTx/>
+              <a:latin typeface="Adidas Unity" pitchFamily="2" charset="0"/>
+              <a:ea typeface="微软雅黑" pitchFamily="34" charset="-122"/>
+              <a:cs typeface="Calibri" pitchFamily="34" charset="0"/>
+            </a:endParaRPr>
+          </a:p>
+        </p:txBody>
+      </p:sp>
+      <p:sp>
+        <p:nvSpPr>
+          <p:cNvPr id="100" name="TextBox 99">
+            <a:extLst>
+              <a:ext uri="{FF2B5EF4-FFF2-40B4-BE49-F238E27FC236}">
+                <a16:creationId xmlns:a16="http://schemas.microsoft.com/office/drawing/2014/main" id="{46BE4C8B-9F9B-48D3-8D8B-5D4F528A1636}"/>
+              </a:ext>
+            </a:extLst>
+          </p:cNvPr>
+          <p:cNvSpPr txBox="1"/>
+          <p:nvPr/>
+        </p:nvSpPr>
+        <p:spPr>
+          <a:xfrm>
+            <a:off x="6576839" y="3255269"/>
+            <a:ext cx="2743413" cy="395173"/>
+          </a:xfrm>
+          <a:prstGeom prst="rect">
+            <a:avLst/>
+          </a:prstGeom>
+          <a:noFill/>
+        </p:spPr>
+        <p:txBody>
+          <a:bodyPr wrap="square" rtlCol="0">
+            <a:spAutoFit/>
+          </a:bodyPr>
+          <a:lstStyle>
+            <a:defPPr>
+              <a:defRPr lang="en-US"/>
+            </a:defPPr>
+            <a:lvl1pPr lvl="0">
+              <a:lnSpc>
+                <a:spcPct val="80000"/>
+              </a:lnSpc>
+              <a:defRPr sz="4400" b="1" kern="0">
+                <a:ln w="18415" cmpd="sng">
+                  <a:noFill/>
+                  <a:prstDash val="solid"/>
+                </a:ln>
+                <a:solidFill>
+                  <a:srgbClr val="FFC000"/>
+                </a:solidFill>
+                <a:latin typeface="Agency FB" pitchFamily="34" charset="0"/>
+                <a:ea typeface="微软雅黑" pitchFamily="34" charset="-122"/>
+              </a:defRPr>
+            </a:lvl1pPr>
+          </a:lstStyle>
+          <a:p>
+            <a:pPr marL="0" marR="0" lvl="0" indent="0" defTabSz="914400" eaLnBrk="1" fontAlgn="auto" latinLnBrk="0" hangingPunct="1">
+              <a:lnSpc>
+                <a:spcPct val="80000"/>
+              </a:lnSpc>
+              <a:spcBef>
+                <a:spcPts val="0"/>
+              </a:spcBef>
+              <a:spcAft>
+                <a:spcPts val="0"/>
+              </a:spcAft>
+              <a:buClrTx/>
+              <a:buSzTx/>
+              <a:buFontTx/>
+              <a:buNone/>
+              <a:tabLst/>
+              <a:defRPr/>
+            </a:pPr>
+            <a:r>
+              <a:rPr lang="zh-CN" altLang="en-US" sz="2400" dirty="0">
+                <a:solidFill>
+                  <a:srgbClr val="4BACC6">
+                    <a:lumMod val="50000"/>
+                  </a:srgbClr>
+                </a:solidFill>
+                <a:effectLst>
+                  <a:outerShdw dist="38100" dir="5400000" algn="t" rotWithShape="0">
+                    <a:sysClr val="window" lastClr="FFFFFF">
+                      <a:alpha val="55000"/>
+                    </a:sysClr>
+                  </a:outerShdw>
+                </a:effectLst>
+                <a:latin typeface="Adidas Unity" pitchFamily="2" charset="0"/>
+                <a:cs typeface="Times New Roman" pitchFamily="18" charset="0"/>
+              </a:rPr>
+              <a:t>开发工具介绍</a:t>
+            </a:r>
+            <a:endParaRPr kumimoji="0" lang="zh-CN" altLang="en-US" sz="2400" b="1" i="0" u="none" strike="noStrike" kern="0" cap="none" spc="0" normalizeH="0" baseline="0" noProof="0" dirty="0">
+              <a:ln w="18415" cmpd="sng">
+                <a:noFill/>
+                <a:prstDash val="solid"/>
+              </a:ln>
+              <a:solidFill>
+                <a:srgbClr val="4BACC6">
+                  <a:lumMod val="50000"/>
+                </a:srgbClr>
+              </a:solidFill>
+              <a:effectLst>
+                <a:outerShdw dist="38100" dir="5400000" algn="t" rotWithShape="0">
+                  <a:sysClr val="window" lastClr="FFFFFF">
+                    <a:alpha val="55000"/>
+                  </a:sysClr>
+                </a:outerShdw>
+              </a:effectLst>
+              <a:uLnTx/>
+              <a:uFillTx/>
+              <a:latin typeface="Adidas Unity" pitchFamily="2" charset="0"/>
+              <a:ea typeface="微软雅黑" pitchFamily="34" charset="-122"/>
+              <a:cs typeface="Times New Roman" pitchFamily="18" charset="0"/>
+            </a:endParaRPr>
+          </a:p>
+        </p:txBody>
+      </p:sp>
+      <p:sp>
+        <p:nvSpPr>
+          <p:cNvPr id="102" name="TextBox 101">
+            <a:extLst>
+              <a:ext uri="{FF2B5EF4-FFF2-40B4-BE49-F238E27FC236}">
+                <a16:creationId xmlns:a16="http://schemas.microsoft.com/office/drawing/2014/main" id="{B3AF5D0D-B991-4C64-825F-1DA7FC93CBF1}"/>
+              </a:ext>
+            </a:extLst>
+          </p:cNvPr>
+          <p:cNvSpPr txBox="1"/>
+          <p:nvPr/>
+        </p:nvSpPr>
+        <p:spPr>
+          <a:xfrm rot="937925">
+            <a:off x="6090206" y="5070298"/>
+            <a:ext cx="2743413" cy="395173"/>
+          </a:xfrm>
+          <a:prstGeom prst="rect">
+            <a:avLst/>
+          </a:prstGeom>
+          <a:noFill/>
+        </p:spPr>
+        <p:txBody>
+          <a:bodyPr wrap="square" rtlCol="0">
+            <a:spAutoFit/>
+          </a:bodyPr>
+          <a:lstStyle>
+            <a:defPPr>
+              <a:defRPr lang="en-US"/>
+            </a:defPPr>
+            <a:lvl1pPr lvl="0">
+              <a:lnSpc>
+                <a:spcPct val="80000"/>
+              </a:lnSpc>
+              <a:defRPr sz="4400" b="1" kern="0">
+                <a:ln w="18415" cmpd="sng">
+                  <a:noFill/>
+                  <a:prstDash val="solid"/>
+                </a:ln>
+                <a:solidFill>
+                  <a:srgbClr val="FFC000"/>
+                </a:solidFill>
+                <a:latin typeface="Agency FB" pitchFamily="34" charset="0"/>
+                <a:ea typeface="微软雅黑" pitchFamily="34" charset="-122"/>
+              </a:defRPr>
+            </a:lvl1pPr>
+          </a:lstStyle>
+          <a:p>
+            <a:pPr marL="0" marR="0" lvl="0" indent="0" defTabSz="914400" eaLnBrk="1" fontAlgn="auto" latinLnBrk="0" hangingPunct="1">
+              <a:lnSpc>
+                <a:spcPct val="80000"/>
+              </a:lnSpc>
+              <a:spcBef>
+                <a:spcPts val="0"/>
+              </a:spcBef>
+              <a:spcAft>
+                <a:spcPts val="0"/>
+              </a:spcAft>
+              <a:buClrTx/>
+              <a:buSzTx/>
+              <a:buFontTx/>
+              <a:buNone/>
+              <a:tabLst/>
+              <a:defRPr/>
+            </a:pPr>
+            <a:r>
+              <a:rPr lang="en-US" altLang="zh-CN" sz="2400" dirty="0">
+                <a:solidFill>
+                  <a:srgbClr val="826300"/>
+                </a:solidFill>
+                <a:effectLst>
+                  <a:outerShdw dist="38100" dir="5400000" algn="t" rotWithShape="0">
+                    <a:sysClr val="window" lastClr="FFFFFF">
+                      <a:alpha val="55000"/>
+                    </a:sysClr>
+                  </a:outerShdw>
+                </a:effectLst>
+                <a:latin typeface="Adidas Unity" pitchFamily="2" charset="0"/>
+                <a:cs typeface="Times New Roman" pitchFamily="18" charset="0"/>
+              </a:rPr>
+              <a:t>Hello World</a:t>
+            </a:r>
+            <a:endParaRPr kumimoji="0" lang="zh-CN" altLang="en-US" sz="2400" b="1" i="0" u="none" strike="noStrike" kern="0" cap="none" spc="0" normalizeH="0" baseline="0" noProof="0" dirty="0">
+              <a:ln w="18415" cmpd="sng">
+                <a:noFill/>
+                <a:prstDash val="solid"/>
+              </a:ln>
+              <a:solidFill>
+                <a:srgbClr val="826300"/>
+              </a:solidFill>
+              <a:effectLst>
+                <a:outerShdw dist="38100" dir="5400000" algn="t" rotWithShape="0">
+                  <a:sysClr val="window" lastClr="FFFFFF">
+                    <a:alpha val="55000"/>
+                  </a:sysClr>
+                </a:outerShdw>
+              </a:effectLst>
+              <a:uLnTx/>
+              <a:uFillTx/>
+              <a:latin typeface="Adidas Unity" pitchFamily="2" charset="0"/>
+              <a:ea typeface="微软雅黑" pitchFamily="34" charset="-122"/>
+              <a:cs typeface="Times New Roman" pitchFamily="18" charset="0"/>
+            </a:endParaRPr>
+          </a:p>
+        </p:txBody>
+      </p:sp>
+      <p:sp>
+        <p:nvSpPr>
+          <p:cNvPr id="104" name="TextBox 103">
+            <a:extLst>
+              <a:ext uri="{FF2B5EF4-FFF2-40B4-BE49-F238E27FC236}">
+                <a16:creationId xmlns:a16="http://schemas.microsoft.com/office/drawing/2014/main" id="{3F10B1AF-77B1-4360-AA33-8F719D20F613}"/>
+              </a:ext>
+            </a:extLst>
+          </p:cNvPr>
+          <p:cNvSpPr txBox="1"/>
+          <p:nvPr/>
+        </p:nvSpPr>
+        <p:spPr>
+          <a:xfrm rot="1238383">
+            <a:off x="5115173" y="4177111"/>
+            <a:ext cx="964130" cy="923330"/>
+          </a:xfrm>
+          <a:prstGeom prst="rect">
+            <a:avLst/>
+          </a:prstGeom>
+          <a:noFill/>
+        </p:spPr>
+        <p:txBody>
+          <a:bodyPr wrap="square" rtlCol="0">
+            <a:spAutoFit/>
+          </a:bodyPr>
+          <a:lstStyle>
+            <a:defPPr>
+              <a:defRPr lang="en-US"/>
+            </a:defPPr>
+            <a:lvl1pPr>
+              <a:lnSpc>
+                <a:spcPct val="130000"/>
+              </a:lnSpc>
+              <a:defRPr sz="5400" b="1">
+                <a:solidFill>
+                  <a:schemeClr val="tx1">
+                    <a:lumMod val="65000"/>
+                    <a:lumOff val="35000"/>
+                  </a:schemeClr>
+                </a:solidFill>
+                <a:latin typeface="Agency FB" pitchFamily="34" charset="0"/>
+                <a:ea typeface="微软雅黑" pitchFamily="34" charset="-122"/>
+                <a:cs typeface="Calibri" pitchFamily="34" charset="0"/>
+              </a:defRPr>
+            </a:lvl1pPr>
+          </a:lstStyle>
+          <a:p>
+            <a:pPr marL="0" marR="0" lvl="0" indent="0" algn="ctr" defTabSz="914400" eaLnBrk="1" fontAlgn="auto" latinLnBrk="0" hangingPunct="1">
+              <a:lnSpc>
+                <a:spcPct val="100000"/>
+              </a:lnSpc>
+              <a:spcBef>
+                <a:spcPts val="0"/>
+              </a:spcBef>
+              <a:spcAft>
+                <a:spcPts val="0"/>
+              </a:spcAft>
+              <a:buClrTx/>
+              <a:buSzTx/>
+              <a:buFontTx/>
+              <a:buNone/>
+              <a:tabLst/>
+              <a:defRPr/>
+            </a:pPr>
+            <a:r>
+              <a:rPr kumimoji="0" lang="en-US" altLang="zh-CN" sz="5400" b="1" i="0" u="none" strike="noStrike" kern="0" cap="none" spc="0" normalizeH="0" baseline="0" noProof="0" dirty="0">
+                <a:ln>
+                  <a:noFill/>
+                </a:ln>
+                <a:solidFill>
+                  <a:sysClr val="window" lastClr="FFFFFF"/>
+                </a:solidFill>
+                <a:effectLst>
+                  <a:innerShdw blurRad="63500" dist="50800" dir="16200000">
+                    <a:prstClr val="black">
+                      <a:alpha val="50000"/>
+                    </a:prstClr>
+                  </a:innerShdw>
+                </a:effectLst>
+                <a:uLnTx/>
+                <a:uFillTx/>
+                <a:latin typeface="Adidas Unity" pitchFamily="2" charset="0"/>
+                <a:ea typeface="微软雅黑" pitchFamily="34" charset="-122"/>
+                <a:cs typeface="Calibri" pitchFamily="34" charset="0"/>
+              </a:rPr>
+              <a:t>03</a:t>
+            </a:r>
+            <a:endParaRPr kumimoji="0" lang="zh-CN" altLang="en-US" sz="5400" b="1" i="0" u="none" strike="noStrike" kern="0" cap="none" spc="0" normalizeH="0" baseline="0" noProof="0" dirty="0">
+              <a:ln>
+                <a:noFill/>
+              </a:ln>
+              <a:solidFill>
+                <a:sysClr val="window" lastClr="FFFFFF"/>
+              </a:solidFill>
+              <a:effectLst>
+                <a:innerShdw blurRad="63500" dist="50800" dir="16200000">
+                  <a:prstClr val="black">
+                    <a:alpha val="50000"/>
+                  </a:prstClr>
+                </a:innerShdw>
+              </a:effectLst>
+              <a:uLnTx/>
+              <a:uFillTx/>
+              <a:latin typeface="Adidas Unity" pitchFamily="2" charset="0"/>
+              <a:ea typeface="微软雅黑" pitchFamily="34" charset="-122"/>
+              <a:cs typeface="Calibri" pitchFamily="34" charset="0"/>
+            </a:endParaRPr>
           </a:p>
         </p:txBody>
       </p:sp>
     </p:spTree>
     <p:extLst>
       <p:ext uri="{BB962C8B-B14F-4D97-AF65-F5344CB8AC3E}">
-        <p14:creationId xmlns:p14="http://schemas.microsoft.com/office/powerpoint/2010/main" val="335811750"/>
+        <p14:creationId xmlns:p14="http://schemas.microsoft.com/office/powerpoint/2010/main" val="1634699509"/>
       </p:ext>
     </p:extLst>
   </p:cSld>
@@ -9120,12 +10032,48 @@
           <a:chExt cx="0" cy="0"/>
         </a:xfrm>
       </p:grpSpPr>
+      <p:pic>
+        <p:nvPicPr>
+          <p:cNvPr id="5" name="图片 14">
+            <a:extLst>
+              <a:ext uri="{FF2B5EF4-FFF2-40B4-BE49-F238E27FC236}">
+                <a16:creationId xmlns:a16="http://schemas.microsoft.com/office/drawing/2014/main" id="{2688935A-CA57-4469-9918-27D60711FDD3}"/>
+              </a:ext>
+            </a:extLst>
+          </p:cNvPr>
+          <p:cNvPicPr>
+            <a:picLocks noChangeAspect="1"/>
+          </p:cNvPicPr>
+          <p:nvPr/>
+        </p:nvPicPr>
+        <p:blipFill>
+          <a:blip r:embed="rId2">
+            <a:extLst>
+              <a:ext uri="{28A0092B-C50C-407E-A947-70E740481C1C}">
+                <a14:useLocalDpi xmlns:a14="http://schemas.microsoft.com/office/drawing/2010/main" val="0"/>
+              </a:ext>
+            </a:extLst>
+          </a:blip>
+          <a:stretch>
+            <a:fillRect/>
+          </a:stretch>
+        </p:blipFill>
+        <p:spPr>
+          <a:xfrm rot="20905063">
+            <a:off x="1944918" y="2954168"/>
+            <a:ext cx="5593519" cy="2104926"/>
+          </a:xfrm>
+          <a:prstGeom prst="rect">
+            <a:avLst/>
+          </a:prstGeom>
+        </p:spPr>
+      </p:pic>
       <p:sp>
         <p:nvSpPr>
           <p:cNvPr id="2" name="Title 1">
             <a:extLst>
               <a:ext uri="{FF2B5EF4-FFF2-40B4-BE49-F238E27FC236}">
-                <a16:creationId xmlns:a16="http://schemas.microsoft.com/office/drawing/2014/main" id="{F3418359-C777-4EA3-B8A2-E52474E1C8BD}"/>
+                <a16:creationId xmlns:a16="http://schemas.microsoft.com/office/drawing/2014/main" id="{011CB86D-43EC-4B6A-8AE1-C469DF7F468D}"/>
               </a:ext>
             </a:extLst>
           </p:cNvPr>
@@ -9133,24 +10081,88 @@
             <a:spLocks noGrp="1"/>
           </p:cNvSpPr>
           <p:nvPr>
-            <p:ph type="title"/>
+            <p:ph type="ctrTitle"/>
           </p:nvPr>
         </p:nvSpPr>
         <p:spPr/>
         <p:txBody>
-          <a:bodyPr/>
+          <a:bodyPr>
+            <a:normAutofit/>
+          </a:bodyPr>
           <a:lstStyle/>
           <a:p>
-            <a:endParaRPr lang="en-US" dirty="0"/>
-          </a:p>
-        </p:txBody>
-      </p:sp>
-      <p:sp>
-        <p:nvSpPr>
-          <p:cNvPr id="3" name="Content Placeholder 2">
+            <a:r>
+              <a:rPr lang="en-US" altLang="zh-CN" sz="6000" b="1" kern="0" dirty="0">
+                <a:ln w="18415" cmpd="sng">
+                  <a:noFill/>
+                  <a:prstDash val="solid"/>
+                </a:ln>
+                <a:solidFill>
+                  <a:srgbClr val="826300"/>
+                </a:solidFill>
+                <a:effectLst>
+                  <a:outerShdw dist="38100" dir="5400000" algn="t" rotWithShape="0">
+                    <a:sysClr val="window" lastClr="FFFFFF">
+                      <a:alpha val="55000"/>
+                    </a:sysClr>
+                  </a:outerShdw>
+                </a:effectLst>
+                <a:latin typeface="Adidas Unity" pitchFamily="2" charset="0"/>
+                <a:ea typeface="微软雅黑" pitchFamily="34" charset="-122"/>
+                <a:cs typeface="Times New Roman" pitchFamily="18" charset="0"/>
+              </a:rPr>
+              <a:t>Java</a:t>
+            </a:r>
+            <a:r>
+              <a:rPr lang="zh-CN" altLang="en-US" sz="6000" b="1" kern="0" dirty="0">
+                <a:ln w="18415" cmpd="sng">
+                  <a:noFill/>
+                  <a:prstDash val="solid"/>
+                </a:ln>
+                <a:solidFill>
+                  <a:srgbClr val="826300"/>
+                </a:solidFill>
+                <a:effectLst>
+                  <a:outerShdw dist="38100" dir="5400000" algn="t" rotWithShape="0">
+                    <a:sysClr val="window" lastClr="FFFFFF">
+                      <a:alpha val="55000"/>
+                    </a:sysClr>
+                  </a:outerShdw>
+                </a:effectLst>
+                <a:latin typeface="Adidas Unity" pitchFamily="2" charset="0"/>
+                <a:ea typeface="微软雅黑" pitchFamily="34" charset="-122"/>
+                <a:cs typeface="Times New Roman" pitchFamily="18" charset="0"/>
+              </a:rPr>
+              <a:t>简介</a:t>
+            </a:r>
+            <a:endParaRPr lang="en-US" sz="6000" b="1" kern="0" dirty="0">
+              <a:ln w="18415" cmpd="sng">
+                <a:noFill/>
+                <a:prstDash val="solid"/>
+              </a:ln>
+              <a:solidFill>
+                <a:srgbClr val="826300"/>
+              </a:solidFill>
+              <a:effectLst>
+                <a:outerShdw dist="38100" dir="5400000" algn="t" rotWithShape="0">
+                  <a:sysClr val="window" lastClr="FFFFFF">
+                    <a:alpha val="55000"/>
+                  </a:sysClr>
+                </a:outerShdw>
+              </a:effectLst>
+              <a:latin typeface="Adidas Unity" pitchFamily="2" charset="0"/>
+              <a:ea typeface="微软雅黑" pitchFamily="34" charset="-122"/>
+              <a:cs typeface="Times New Roman" pitchFamily="18" charset="0"/>
+            </a:endParaRPr>
+          </a:p>
+        </p:txBody>
+      </p:sp>
+      <p:sp>
+        <p:nvSpPr>
+          <p:cNvPr id="3" name="Subtitle 2">
             <a:extLst>
               <a:ext uri="{FF2B5EF4-FFF2-40B4-BE49-F238E27FC236}">
-                <a16:creationId xmlns:a16="http://schemas.microsoft.com/office/drawing/2014/main" id="{1F14B4BA-D8F8-46D5-862E-FE54AC2738FC}"/>
+                <a16:creationId xmlns:a16="http://schemas.microsoft.com/office/drawing/2014/main" id="{8D779DD8-909C-4710-8DD2-9F872A3427AD}"/>
               </a:ext>
             </a:extLst>
           </p:cNvPr>
@@ -9158,7 +10170,7 @@
             <a:spLocks noGrp="1"/>
           </p:cNvSpPr>
           <p:nvPr>
-            <p:ph idx="1"/>
+            <p:ph type="subTitle" idx="1"/>
           </p:nvPr>
         </p:nvSpPr>
         <p:spPr/>
@@ -9166,40 +10178,14 @@
           <a:bodyPr/>
           <a:lstStyle/>
           <a:p>
-            <a:r>
-              <a:rPr lang="en-US" altLang="zh-CN" dirty="0"/>
-              <a:t>Java</a:t>
-            </a:r>
-            <a:r>
-              <a:rPr lang="zh-CN" altLang="en-US" dirty="0"/>
-              <a:t>简介</a:t>
-            </a:r>
-            <a:endParaRPr lang="en-US" altLang="zh-CN" dirty="0"/>
-          </a:p>
-          <a:p>
-            <a:r>
-              <a:rPr lang="zh-CN" altLang="en-US" dirty="0"/>
-              <a:t>开发工具介绍</a:t>
-            </a:r>
-            <a:endParaRPr lang="en-US" altLang="zh-CN" dirty="0"/>
-          </a:p>
-          <a:p>
-            <a:r>
-              <a:rPr lang="en-US" altLang="zh-CN" dirty="0"/>
-              <a:t>Hello World</a:t>
-            </a:r>
-            <a:r>
-              <a:rPr lang="zh-CN" altLang="en-US" dirty="0"/>
-              <a:t>演示</a:t>
-            </a:r>
-            <a:endParaRPr lang="en-US" altLang="zh-CN" dirty="0"/>
+            <a:endParaRPr lang="en-US"/>
           </a:p>
         </p:txBody>
       </p:sp>
     </p:spTree>
     <p:extLst>
       <p:ext uri="{BB962C8B-B14F-4D97-AF65-F5344CB8AC3E}">
-        <p14:creationId xmlns:p14="http://schemas.microsoft.com/office/powerpoint/2010/main" val="1111964406"/>
+        <p14:creationId xmlns:p14="http://schemas.microsoft.com/office/powerpoint/2010/main" val="478866761"/>
       </p:ext>
     </p:extLst>
   </p:cSld>
@@ -9231,7 +10217,7 @@
           <p:cNvPr id="2" name="Title 1">
             <a:extLst>
               <a:ext uri="{FF2B5EF4-FFF2-40B4-BE49-F238E27FC236}">
-                <a16:creationId xmlns:a16="http://schemas.microsoft.com/office/drawing/2014/main" id="{011CB86D-43EC-4B6A-8AE1-C469DF7F468D}"/>
+                <a16:creationId xmlns:a16="http://schemas.microsoft.com/office/drawing/2014/main" id="{985C501B-B7DA-4414-9449-FD5637CD5CDE}"/>
               </a:ext>
             </a:extLst>
           </p:cNvPr>
@@ -9239,55 +10225,2135 @@
             <a:spLocks noGrp="1"/>
           </p:cNvSpPr>
           <p:nvPr>
-            <p:ph type="ctrTitle"/>
+            <p:ph type="title"/>
           </p:nvPr>
         </p:nvSpPr>
-        <p:spPr/>
-        <p:txBody>
-          <a:bodyPr/>
+        <p:spPr>
+          <a:xfrm>
+            <a:off x="1863721" y="519863"/>
+            <a:ext cx="2036948" cy="996346"/>
+          </a:xfrm>
+        </p:spPr>
+        <p:txBody>
+          <a:bodyPr>
+            <a:normAutofit/>
+          </a:bodyPr>
           <a:lstStyle/>
           <a:p>
             <a:r>
-              <a:rPr lang="en-US" altLang="zh-CN" dirty="0"/>
-              <a:t>Java</a:t>
-            </a:r>
-            <a:r>
-              <a:rPr lang="zh-CN" altLang="en-US" dirty="0"/>
-              <a:t>简介</a:t>
-            </a:r>
-            <a:endParaRPr lang="en-US" dirty="0"/>
-          </a:p>
-        </p:txBody>
-      </p:sp>
-      <p:sp>
-        <p:nvSpPr>
-          <p:cNvPr id="3" name="Subtitle 2">
+              <a:rPr lang="en-US" sz="4400" b="1" kern="0" dirty="0">
+                <a:ln w="18415" cmpd="sng">
+                  <a:noFill/>
+                  <a:prstDash val="solid"/>
+                </a:ln>
+                <a:solidFill>
+                  <a:srgbClr val="826300"/>
+                </a:solidFill>
+                <a:effectLst>
+                  <a:outerShdw dist="38100" dir="5400000" algn="t" rotWithShape="0">
+                    <a:sysClr val="window" lastClr="FFFFFF">
+                      <a:alpha val="55000"/>
+                    </a:sysClr>
+                  </a:outerShdw>
+                </a:effectLst>
+                <a:latin typeface="Adidas Unity" pitchFamily="2" charset="0"/>
+                <a:ea typeface="微软雅黑" pitchFamily="34" charset="-122"/>
+                <a:cs typeface="Times New Roman" pitchFamily="18" charset="0"/>
+              </a:rPr>
+              <a:t>JVM</a:t>
+            </a:r>
+          </a:p>
+        </p:txBody>
+      </p:sp>
+      <p:sp>
+        <p:nvSpPr>
+          <p:cNvPr id="6" name="TextBox 5">
             <a:extLst>
               <a:ext uri="{FF2B5EF4-FFF2-40B4-BE49-F238E27FC236}">
-                <a16:creationId xmlns:a16="http://schemas.microsoft.com/office/drawing/2014/main" id="{8D779DD8-909C-4710-8DD2-9F872A3427AD}"/>
+                <a16:creationId xmlns:a16="http://schemas.microsoft.com/office/drawing/2014/main" id="{7FC832A6-1D25-4380-905B-40B28AFE7DA2}"/>
               </a:ext>
             </a:extLst>
           </p:cNvPr>
-          <p:cNvSpPr>
-            <a:spLocks noGrp="1"/>
-          </p:cNvSpPr>
-          <p:nvPr>
-            <p:ph type="subTitle" idx="1"/>
-          </p:nvPr>
-        </p:nvSpPr>
-        <p:spPr/>
-        <p:txBody>
-          <a:bodyPr/>
+          <p:cNvSpPr txBox="1"/>
+          <p:nvPr/>
+        </p:nvSpPr>
+        <p:spPr>
+          <a:xfrm>
+            <a:off x="5306327" y="2140331"/>
+            <a:ext cx="2263604" cy="535531"/>
+          </a:xfrm>
+          <a:prstGeom prst="rect">
+            <a:avLst/>
+          </a:prstGeom>
+          <a:noFill/>
+        </p:spPr>
+        <p:txBody>
+          <a:bodyPr wrap="square" rtlCol="0">
+            <a:spAutoFit/>
+          </a:bodyPr>
+          <a:lstStyle>
+            <a:defPPr>
+              <a:defRPr lang="en-US"/>
+            </a:defPPr>
+            <a:lvl1pPr>
+              <a:lnSpc>
+                <a:spcPct val="130000"/>
+              </a:lnSpc>
+              <a:defRPr sz="5400" b="1">
+                <a:solidFill>
+                  <a:schemeClr val="tx1">
+                    <a:lumMod val="65000"/>
+                    <a:lumOff val="35000"/>
+                  </a:schemeClr>
+                </a:solidFill>
+                <a:latin typeface="Agency FB" pitchFamily="34" charset="0"/>
+                <a:ea typeface="微软雅黑" pitchFamily="34" charset="-122"/>
+                <a:cs typeface="Calibri" pitchFamily="34" charset="0"/>
+              </a:defRPr>
+            </a:lvl1pPr>
+          </a:lstStyle>
+          <a:p>
+            <a:pPr marL="0" marR="0" lvl="0" indent="0" algn="ctr" defTabSz="914400" eaLnBrk="1" fontAlgn="auto" latinLnBrk="0" hangingPunct="1">
+              <a:lnSpc>
+                <a:spcPct val="80000"/>
+              </a:lnSpc>
+              <a:spcBef>
+                <a:spcPts val="0"/>
+              </a:spcBef>
+              <a:spcAft>
+                <a:spcPts val="0"/>
+              </a:spcAft>
+              <a:buClrTx/>
+              <a:buSzTx/>
+              <a:buFontTx/>
+              <a:buNone/>
+              <a:tabLst/>
+              <a:defRPr/>
+            </a:pPr>
+            <a:r>
+              <a:rPr lang="en-US" altLang="zh-CN" sz="3600" kern="0" dirty="0">
+                <a:solidFill>
+                  <a:sysClr val="windowText" lastClr="000000">
+                    <a:lumMod val="75000"/>
+                    <a:lumOff val="25000"/>
+                  </a:sysClr>
+                </a:solidFill>
+              </a:rPr>
+              <a:t>JVM </a:t>
+            </a:r>
+            <a:r>
+              <a:rPr lang="zh-CN" altLang="en-US" sz="3600" kern="0" dirty="0">
+                <a:solidFill>
+                  <a:sysClr val="windowText" lastClr="000000">
+                    <a:lumMod val="75000"/>
+                    <a:lumOff val="25000"/>
+                  </a:sysClr>
+                </a:solidFill>
+              </a:rPr>
+              <a:t>平台</a:t>
+            </a:r>
+            <a:endParaRPr kumimoji="0" lang="zh-CN" altLang="en-US" sz="3600" b="1" i="0" u="none" strike="noStrike" kern="0" cap="none" spc="0" normalizeH="0" baseline="0" noProof="0" dirty="0">
+              <a:ln>
+                <a:noFill/>
+              </a:ln>
+              <a:solidFill>
+                <a:sysClr val="windowText" lastClr="000000">
+                  <a:lumMod val="75000"/>
+                  <a:lumOff val="25000"/>
+                </a:sysClr>
+              </a:solidFill>
+              <a:effectLst/>
+              <a:uLnTx/>
+              <a:uFillTx/>
+              <a:latin typeface="Agency FB" pitchFamily="34" charset="0"/>
+              <a:ea typeface="微软雅黑" pitchFamily="34" charset="-122"/>
+              <a:cs typeface="Calibri" pitchFamily="34" charset="0"/>
+            </a:endParaRPr>
+          </a:p>
+        </p:txBody>
+      </p:sp>
+      <p:sp>
+        <p:nvSpPr>
+          <p:cNvPr id="7" name="矩形 14">
+            <a:extLst>
+              <a:ext uri="{FF2B5EF4-FFF2-40B4-BE49-F238E27FC236}">
+                <a16:creationId xmlns:a16="http://schemas.microsoft.com/office/drawing/2014/main" id="{B0413FE6-EA2B-4CDC-93E1-4C1F3EB7BE29}"/>
+              </a:ext>
+            </a:extLst>
+          </p:cNvPr>
+          <p:cNvSpPr/>
+          <p:nvPr/>
+        </p:nvSpPr>
+        <p:spPr>
+          <a:xfrm>
+            <a:off x="4457181" y="2032353"/>
+            <a:ext cx="180020" cy="1080120"/>
+          </a:xfrm>
+          <a:prstGeom prst="rect">
+            <a:avLst/>
+          </a:prstGeom>
+          <a:solidFill>
+            <a:sysClr val="window" lastClr="FFFFFF"/>
+          </a:solidFill>
+          <a:ln w="25400" cap="flat" cmpd="sng" algn="ctr">
+            <a:noFill/>
+            <a:prstDash val="solid"/>
+          </a:ln>
+          <a:effectLst>
+            <a:innerShdw blurRad="63500">
+              <a:prstClr val="black">
+                <a:alpha val="78000"/>
+              </a:prstClr>
+            </a:innerShdw>
+          </a:effectLst>
+        </p:spPr>
+        <p:txBody>
+          <a:bodyPr rtlCol="0" anchor="ctr"/>
           <a:lstStyle/>
           <a:p>
-            <a:endParaRPr lang="en-US"/>
-          </a:p>
-        </p:txBody>
-      </p:sp>
+            <a:pPr marL="0" marR="0" lvl="0" indent="0" algn="ctr" defTabSz="914400" eaLnBrk="1" fontAlgn="auto" latinLnBrk="0" hangingPunct="1">
+              <a:lnSpc>
+                <a:spcPct val="100000"/>
+              </a:lnSpc>
+              <a:spcBef>
+                <a:spcPts val="0"/>
+              </a:spcBef>
+              <a:spcAft>
+                <a:spcPts val="0"/>
+              </a:spcAft>
+              <a:buClrTx/>
+              <a:buSzTx/>
+              <a:buFontTx/>
+              <a:buNone/>
+              <a:tabLst/>
+              <a:defRPr/>
+            </a:pPr>
+            <a:endParaRPr kumimoji="0" lang="en-US" sz="1800" b="0" i="0" u="none" strike="noStrike" kern="0" cap="none" spc="0" normalizeH="0" baseline="0" noProof="0">
+              <a:ln>
+                <a:noFill/>
+              </a:ln>
+              <a:solidFill>
+                <a:sysClr val="window" lastClr="FFFFFF"/>
+              </a:solidFill>
+              <a:effectLst/>
+              <a:uLnTx/>
+              <a:uFillTx/>
+              <a:latin typeface="Calibri"/>
+              <a:ea typeface="+mn-ea"/>
+              <a:cs typeface="+mn-cs"/>
+            </a:endParaRPr>
+          </a:p>
+        </p:txBody>
+      </p:sp>
+      <p:sp>
+        <p:nvSpPr>
+          <p:cNvPr id="8" name="矩形 15">
+            <a:extLst>
+              <a:ext uri="{FF2B5EF4-FFF2-40B4-BE49-F238E27FC236}">
+                <a16:creationId xmlns:a16="http://schemas.microsoft.com/office/drawing/2014/main" id="{293C3639-3B5F-4602-A657-E88300B2AC03}"/>
+              </a:ext>
+            </a:extLst>
+          </p:cNvPr>
+          <p:cNvSpPr/>
+          <p:nvPr/>
+        </p:nvSpPr>
+        <p:spPr>
+          <a:xfrm>
+            <a:off x="8286081" y="2032353"/>
+            <a:ext cx="180020" cy="1080120"/>
+          </a:xfrm>
+          <a:prstGeom prst="rect">
+            <a:avLst/>
+          </a:prstGeom>
+          <a:solidFill>
+            <a:sysClr val="window" lastClr="FFFFFF"/>
+          </a:solidFill>
+          <a:ln w="25400" cap="flat" cmpd="sng" algn="ctr">
+            <a:noFill/>
+            <a:prstDash val="solid"/>
+          </a:ln>
+          <a:effectLst>
+            <a:innerShdw blurRad="63500">
+              <a:prstClr val="black">
+                <a:alpha val="78000"/>
+              </a:prstClr>
+            </a:innerShdw>
+          </a:effectLst>
+        </p:spPr>
+        <p:txBody>
+          <a:bodyPr rtlCol="0" anchor="ctr"/>
+          <a:lstStyle/>
+          <a:p>
+            <a:pPr marL="0" marR="0" lvl="0" indent="0" algn="ctr" defTabSz="914400" eaLnBrk="1" fontAlgn="auto" latinLnBrk="0" hangingPunct="1">
+              <a:lnSpc>
+                <a:spcPct val="100000"/>
+              </a:lnSpc>
+              <a:spcBef>
+                <a:spcPts val="0"/>
+              </a:spcBef>
+              <a:spcAft>
+                <a:spcPts val="0"/>
+              </a:spcAft>
+              <a:buClrTx/>
+              <a:buSzTx/>
+              <a:buFontTx/>
+              <a:buNone/>
+              <a:tabLst/>
+              <a:defRPr/>
+            </a:pPr>
+            <a:endParaRPr kumimoji="0" lang="en-US" sz="1800" b="0" i="0" u="none" strike="noStrike" kern="0" cap="none" spc="0" normalizeH="0" baseline="0" noProof="0">
+              <a:ln>
+                <a:noFill/>
+              </a:ln>
+              <a:solidFill>
+                <a:sysClr val="window" lastClr="FFFFFF"/>
+              </a:solidFill>
+              <a:effectLst/>
+              <a:uLnTx/>
+              <a:uFillTx/>
+              <a:latin typeface="Calibri"/>
+              <a:ea typeface="+mn-ea"/>
+              <a:cs typeface="+mn-cs"/>
+            </a:endParaRPr>
+          </a:p>
+        </p:txBody>
+      </p:sp>
+      <p:sp>
+        <p:nvSpPr>
+          <p:cNvPr id="9" name="矩形 16">
+            <a:extLst>
+              <a:ext uri="{FF2B5EF4-FFF2-40B4-BE49-F238E27FC236}">
+                <a16:creationId xmlns:a16="http://schemas.microsoft.com/office/drawing/2014/main" id="{792F34F1-15B4-4092-9773-D6575887E780}"/>
+              </a:ext>
+            </a:extLst>
+          </p:cNvPr>
+          <p:cNvSpPr/>
+          <p:nvPr/>
+        </p:nvSpPr>
+        <p:spPr>
+          <a:xfrm>
+            <a:off x="8286080" y="2117653"/>
+            <a:ext cx="3334901" cy="905752"/>
+          </a:xfrm>
+          <a:prstGeom prst="rect">
+            <a:avLst/>
+          </a:prstGeom>
+          <a:gradFill flip="none" rotWithShape="1">
+            <a:gsLst>
+              <a:gs pos="0">
+                <a:sysClr val="window" lastClr="FFFFFF">
+                  <a:lumMod val="65000"/>
+                </a:sysClr>
+              </a:gs>
+              <a:gs pos="9174">
+                <a:sysClr val="window" lastClr="FFFFFF">
+                  <a:lumMod val="95000"/>
+                </a:sysClr>
+              </a:gs>
+              <a:gs pos="62069">
+                <a:sysClr val="window" lastClr="FFFFFF">
+                  <a:lumMod val="85000"/>
+                </a:sysClr>
+              </a:gs>
+              <a:gs pos="17000">
+                <a:sysClr val="window" lastClr="FFFFFF">
+                  <a:lumMod val="65000"/>
+                </a:sysClr>
+              </a:gs>
+              <a:gs pos="100000">
+                <a:sysClr val="window" lastClr="FFFFFF">
+                  <a:lumMod val="65000"/>
+                </a:sysClr>
+              </a:gs>
+            </a:gsLst>
+            <a:lin ang="0" scaled="1"/>
+            <a:tileRect/>
+          </a:gradFill>
+          <a:ln w="25400" cap="flat" cmpd="sng" algn="ctr">
+            <a:noFill/>
+            <a:prstDash val="solid"/>
+          </a:ln>
+          <a:effectLst/>
+          <a:scene3d>
+            <a:camera prst="orthographicFront">
+              <a:rot lat="0" lon="0" rev="0"/>
+            </a:camera>
+            <a:lightRig rig="glow" dir="t">
+              <a:rot lat="0" lon="0" rev="4800000"/>
+            </a:lightRig>
+          </a:scene3d>
+          <a:sp3d prstMaterial="matte">
+            <a:bevelT w="38100" h="25400"/>
+          </a:sp3d>
+        </p:spPr>
+        <p:txBody>
+          <a:bodyPr rtlCol="0" anchor="ctr"/>
+          <a:lstStyle/>
+          <a:p>
+            <a:pPr marL="0" marR="0" lvl="0" indent="0" algn="ctr" defTabSz="914400" eaLnBrk="1" fontAlgn="auto" latinLnBrk="0" hangingPunct="1">
+              <a:lnSpc>
+                <a:spcPct val="100000"/>
+              </a:lnSpc>
+              <a:spcBef>
+                <a:spcPts val="0"/>
+              </a:spcBef>
+              <a:spcAft>
+                <a:spcPts val="0"/>
+              </a:spcAft>
+              <a:buClrTx/>
+              <a:buSzTx/>
+              <a:buFontTx/>
+              <a:buNone/>
+              <a:tabLst/>
+              <a:defRPr/>
+            </a:pPr>
+            <a:endParaRPr kumimoji="0" lang="en-US" sz="1800" b="0" i="0" u="none" strike="noStrike" kern="0" cap="none" spc="0" normalizeH="0" baseline="0" noProof="0">
+              <a:ln>
+                <a:noFill/>
+              </a:ln>
+              <a:solidFill>
+                <a:srgbClr val="DBD9BA"/>
+              </a:solidFill>
+              <a:effectLst/>
+              <a:uLnTx/>
+              <a:uFillTx/>
+              <a:latin typeface="Calibri"/>
+              <a:ea typeface="+mn-ea"/>
+              <a:cs typeface="+mn-cs"/>
+            </a:endParaRPr>
+          </a:p>
+        </p:txBody>
+      </p:sp>
+      <p:sp>
+        <p:nvSpPr>
+          <p:cNvPr id="10" name="矩形 17">
+            <a:extLst>
+              <a:ext uri="{FF2B5EF4-FFF2-40B4-BE49-F238E27FC236}">
+                <a16:creationId xmlns:a16="http://schemas.microsoft.com/office/drawing/2014/main" id="{A53FFD7A-A390-4FF3-85C4-6576479DFEB8}"/>
+              </a:ext>
+            </a:extLst>
+          </p:cNvPr>
+          <p:cNvSpPr/>
+          <p:nvPr/>
+        </p:nvSpPr>
+        <p:spPr>
+          <a:xfrm flipH="1">
+            <a:off x="1863721" y="2117653"/>
+            <a:ext cx="2749686" cy="905752"/>
+          </a:xfrm>
+          <a:prstGeom prst="rect">
+            <a:avLst/>
+          </a:prstGeom>
+          <a:gradFill flip="none" rotWithShape="1">
+            <a:gsLst>
+              <a:gs pos="0">
+                <a:sysClr val="window" lastClr="FFFFFF">
+                  <a:lumMod val="65000"/>
+                </a:sysClr>
+              </a:gs>
+              <a:gs pos="9174">
+                <a:sysClr val="window" lastClr="FFFFFF">
+                  <a:lumMod val="95000"/>
+                </a:sysClr>
+              </a:gs>
+              <a:gs pos="62069">
+                <a:sysClr val="window" lastClr="FFFFFF">
+                  <a:lumMod val="85000"/>
+                </a:sysClr>
+              </a:gs>
+              <a:gs pos="17000">
+                <a:sysClr val="window" lastClr="FFFFFF">
+                  <a:lumMod val="65000"/>
+                </a:sysClr>
+              </a:gs>
+              <a:gs pos="100000">
+                <a:sysClr val="window" lastClr="FFFFFF">
+                  <a:lumMod val="65000"/>
+                </a:sysClr>
+              </a:gs>
+            </a:gsLst>
+            <a:lin ang="0" scaled="1"/>
+            <a:tileRect/>
+          </a:gradFill>
+          <a:ln w="25400" cap="flat" cmpd="sng" algn="ctr">
+            <a:noFill/>
+            <a:prstDash val="solid"/>
+          </a:ln>
+          <a:effectLst/>
+          <a:scene3d>
+            <a:camera prst="orthographicFront">
+              <a:rot lat="0" lon="0" rev="0"/>
+            </a:camera>
+            <a:lightRig rig="glow" dir="t">
+              <a:rot lat="0" lon="0" rev="4800000"/>
+            </a:lightRig>
+          </a:scene3d>
+          <a:sp3d prstMaterial="matte">
+            <a:bevelT w="38100" h="25400"/>
+          </a:sp3d>
+        </p:spPr>
+        <p:txBody>
+          <a:bodyPr rtlCol="0" anchor="ctr"/>
+          <a:lstStyle/>
+          <a:p>
+            <a:pPr marL="0" marR="0" lvl="0" indent="0" algn="ctr" defTabSz="914400" eaLnBrk="1" fontAlgn="auto" latinLnBrk="0" hangingPunct="1">
+              <a:lnSpc>
+                <a:spcPct val="100000"/>
+              </a:lnSpc>
+              <a:spcBef>
+                <a:spcPts val="0"/>
+              </a:spcBef>
+              <a:spcAft>
+                <a:spcPts val="0"/>
+              </a:spcAft>
+              <a:buClrTx/>
+              <a:buSzTx/>
+              <a:buFontTx/>
+              <a:buNone/>
+              <a:tabLst/>
+              <a:defRPr/>
+            </a:pPr>
+            <a:endParaRPr kumimoji="0" lang="en-US" sz="1800" b="0" i="0" u="none" strike="noStrike" kern="0" cap="none" spc="0" normalizeH="0" baseline="0" noProof="0">
+              <a:ln>
+                <a:noFill/>
+              </a:ln>
+              <a:solidFill>
+                <a:srgbClr val="DBD9BA"/>
+              </a:solidFill>
+              <a:effectLst/>
+              <a:uLnTx/>
+              <a:uFillTx/>
+              <a:latin typeface="Calibri"/>
+              <a:ea typeface="+mn-ea"/>
+              <a:cs typeface="+mn-cs"/>
+            </a:endParaRPr>
+          </a:p>
+        </p:txBody>
+      </p:sp>
+      <p:sp>
+        <p:nvSpPr>
+          <p:cNvPr id="11" name="TextBox 10">
+            <a:extLst>
+              <a:ext uri="{FF2B5EF4-FFF2-40B4-BE49-F238E27FC236}">
+                <a16:creationId xmlns:a16="http://schemas.microsoft.com/office/drawing/2014/main" id="{433AEE69-CD52-4068-9A2A-9B866051B7A8}"/>
+              </a:ext>
+            </a:extLst>
+          </p:cNvPr>
+          <p:cNvSpPr txBox="1"/>
+          <p:nvPr/>
+        </p:nvSpPr>
+        <p:spPr>
+          <a:xfrm>
+            <a:off x="2276673" y="2341388"/>
+            <a:ext cx="1675022" cy="486287"/>
+          </a:xfrm>
+          <a:prstGeom prst="rect">
+            <a:avLst/>
+          </a:prstGeom>
+          <a:noFill/>
+        </p:spPr>
+        <p:txBody>
+          <a:bodyPr wrap="square" rtlCol="0">
+            <a:spAutoFit/>
+          </a:bodyPr>
+          <a:lstStyle>
+            <a:defPPr>
+              <a:defRPr lang="en-US"/>
+            </a:defPPr>
+            <a:lvl1pPr lvl="0">
+              <a:lnSpc>
+                <a:spcPct val="80000"/>
+              </a:lnSpc>
+              <a:defRPr sz="4400" b="1" kern="0">
+                <a:ln w="18415" cmpd="sng">
+                  <a:noFill/>
+                  <a:prstDash val="solid"/>
+                </a:ln>
+                <a:solidFill>
+                  <a:srgbClr val="FFC000"/>
+                </a:solidFill>
+                <a:latin typeface="Agency FB" pitchFamily="34" charset="0"/>
+                <a:ea typeface="微软雅黑" pitchFamily="34" charset="-122"/>
+              </a:defRPr>
+            </a:lvl1pPr>
+          </a:lstStyle>
+          <a:p>
+            <a:pPr marL="0" marR="0" lvl="0" indent="0" algn="ctr" defTabSz="914400" eaLnBrk="1" fontAlgn="auto" latinLnBrk="0" hangingPunct="1">
+              <a:lnSpc>
+                <a:spcPct val="80000"/>
+              </a:lnSpc>
+              <a:spcBef>
+                <a:spcPts val="0"/>
+              </a:spcBef>
+              <a:spcAft>
+                <a:spcPts val="0"/>
+              </a:spcAft>
+              <a:buClrTx/>
+              <a:buSzTx/>
+              <a:buFontTx/>
+              <a:buNone/>
+              <a:tabLst/>
+              <a:defRPr/>
+            </a:pPr>
+            <a:r>
+              <a:rPr lang="en-US" altLang="zh-CN" sz="3200" dirty="0">
+                <a:solidFill>
+                  <a:sysClr val="windowText" lastClr="000000">
+                    <a:lumMod val="75000"/>
+                    <a:lumOff val="25000"/>
+                  </a:sysClr>
+                </a:solidFill>
+                <a:effectLst>
+                  <a:outerShdw dist="38100" dir="5400000" algn="t" rotWithShape="0">
+                    <a:sysClr val="window" lastClr="FFFFFF">
+                      <a:alpha val="40000"/>
+                    </a:sysClr>
+                  </a:outerShdw>
+                </a:effectLst>
+              </a:rPr>
+              <a:t>JAVA</a:t>
+            </a:r>
+            <a:endParaRPr kumimoji="0" lang="zh-CN" altLang="en-US" sz="3200" b="1" i="0" u="none" strike="noStrike" kern="0" cap="none" spc="0" normalizeH="0" baseline="0" noProof="0" dirty="0">
+              <a:ln w="18415" cmpd="sng">
+                <a:noFill/>
+                <a:prstDash val="solid"/>
+              </a:ln>
+              <a:solidFill>
+                <a:sysClr val="windowText" lastClr="000000">
+                  <a:lumMod val="75000"/>
+                  <a:lumOff val="25000"/>
+                </a:sysClr>
+              </a:solidFill>
+              <a:effectLst>
+                <a:outerShdw dist="38100" dir="5400000" algn="t" rotWithShape="0">
+                  <a:sysClr val="window" lastClr="FFFFFF">
+                    <a:alpha val="40000"/>
+                  </a:sysClr>
+                </a:outerShdw>
+              </a:effectLst>
+              <a:uLnTx/>
+              <a:uFillTx/>
+              <a:latin typeface="Agency FB" pitchFamily="34" charset="0"/>
+              <a:ea typeface="微软雅黑" pitchFamily="34" charset="-122"/>
+            </a:endParaRPr>
+          </a:p>
+        </p:txBody>
+      </p:sp>
+      <p:sp>
+        <p:nvSpPr>
+          <p:cNvPr id="12" name="TextBox 11">
+            <a:extLst>
+              <a:ext uri="{FF2B5EF4-FFF2-40B4-BE49-F238E27FC236}">
+                <a16:creationId xmlns:a16="http://schemas.microsoft.com/office/drawing/2014/main" id="{7F2A5CA3-E053-402D-8EA3-562A64EE5ECA}"/>
+              </a:ext>
+            </a:extLst>
+          </p:cNvPr>
+          <p:cNvSpPr txBox="1"/>
+          <p:nvPr/>
+        </p:nvSpPr>
+        <p:spPr>
+          <a:xfrm>
+            <a:off x="9026211" y="2341388"/>
+            <a:ext cx="2345594" cy="486287"/>
+          </a:xfrm>
+          <a:prstGeom prst="rect">
+            <a:avLst/>
+          </a:prstGeom>
+          <a:noFill/>
+        </p:spPr>
+        <p:txBody>
+          <a:bodyPr wrap="square" rtlCol="0">
+            <a:spAutoFit/>
+          </a:bodyPr>
+          <a:lstStyle>
+            <a:defPPr>
+              <a:defRPr lang="en-US"/>
+            </a:defPPr>
+            <a:lvl1pPr marR="0" lvl="0" indent="0" algn="ctr" fontAlgn="auto">
+              <a:lnSpc>
+                <a:spcPct val="80000"/>
+              </a:lnSpc>
+              <a:spcBef>
+                <a:spcPts val="0"/>
+              </a:spcBef>
+              <a:spcAft>
+                <a:spcPts val="0"/>
+              </a:spcAft>
+              <a:buClrTx/>
+              <a:buSzTx/>
+              <a:buFontTx/>
+              <a:buNone/>
+              <a:tabLst/>
+              <a:defRPr kumimoji="0" sz="3200" b="1" i="0" u="none" strike="noStrike" kern="0" cap="none" spc="0" normalizeH="0" baseline="0">
+                <a:ln w="18415" cmpd="sng">
+                  <a:noFill/>
+                  <a:prstDash val="solid"/>
+                </a:ln>
+                <a:solidFill>
+                  <a:schemeClr val="tx1">
+                    <a:lumMod val="75000"/>
+                    <a:lumOff val="25000"/>
+                  </a:schemeClr>
+                </a:solidFill>
+                <a:effectLst>
+                  <a:outerShdw dist="38100" dir="5400000" algn="t" rotWithShape="0">
+                    <a:schemeClr val="bg1">
+                      <a:alpha val="40000"/>
+                    </a:schemeClr>
+                  </a:outerShdw>
+                </a:effectLst>
+                <a:uLnTx/>
+                <a:uFillTx/>
+                <a:latin typeface="Agency FB" pitchFamily="34" charset="0"/>
+                <a:ea typeface="微软雅黑" pitchFamily="34" charset="-122"/>
+              </a:defRPr>
+            </a:lvl1pPr>
+          </a:lstStyle>
+          <a:p>
+            <a:pPr marL="0" marR="0" lvl="0" indent="0" algn="ctr" defTabSz="914400" eaLnBrk="1" fontAlgn="auto" latinLnBrk="0" hangingPunct="1">
+              <a:lnSpc>
+                <a:spcPct val="80000"/>
+              </a:lnSpc>
+              <a:spcBef>
+                <a:spcPts val="0"/>
+              </a:spcBef>
+              <a:spcAft>
+                <a:spcPts val="0"/>
+              </a:spcAft>
+              <a:buClrTx/>
+              <a:buSzTx/>
+              <a:buFontTx/>
+              <a:buNone/>
+              <a:tabLst/>
+              <a:defRPr/>
+            </a:pPr>
+            <a:r>
+              <a:rPr kumimoji="0" lang="en-US" altLang="zh-CN" b="1" i="0" u="none" strike="noStrike" kern="0" cap="none" spc="0" normalizeH="0" baseline="0" noProof="0" dirty="0">
+                <a:ln w="18415" cmpd="sng">
+                  <a:noFill/>
+                  <a:prstDash val="solid"/>
+                </a:ln>
+                <a:solidFill>
+                  <a:sysClr val="windowText" lastClr="000000">
+                    <a:lumMod val="75000"/>
+                    <a:lumOff val="25000"/>
+                  </a:sysClr>
+                </a:solidFill>
+                <a:effectLst>
+                  <a:outerShdw dist="38100" dir="5400000" algn="t" rotWithShape="0">
+                    <a:sysClr val="window" lastClr="FFFFFF">
+                      <a:alpha val="40000"/>
+                    </a:sysClr>
+                  </a:outerShdw>
+                </a:effectLst>
+                <a:uLnTx/>
+                <a:uFillTx/>
+                <a:latin typeface="Agency FB" pitchFamily="34" charset="0"/>
+                <a:ea typeface="微软雅黑" pitchFamily="34" charset="-122"/>
+              </a:rPr>
+              <a:t>Groove, S</a:t>
+            </a:r>
+            <a:r>
+              <a:rPr lang="en-US" altLang="zh-CN" dirty="0" err="1">
+                <a:solidFill>
+                  <a:sysClr val="windowText" lastClr="000000">
+                    <a:lumMod val="75000"/>
+                    <a:lumOff val="25000"/>
+                  </a:sysClr>
+                </a:solidFill>
+                <a:effectLst>
+                  <a:outerShdw dist="38100" dir="5400000" algn="t" rotWithShape="0">
+                    <a:sysClr val="window" lastClr="FFFFFF">
+                      <a:alpha val="40000"/>
+                    </a:sysClr>
+                  </a:outerShdw>
+                </a:effectLst>
+              </a:rPr>
+              <a:t>cala</a:t>
+            </a:r>
+            <a:endParaRPr kumimoji="0" lang="zh-CN" altLang="en-US" b="1" i="0" u="none" strike="noStrike" kern="0" cap="none" spc="0" normalizeH="0" baseline="0" noProof="0" dirty="0">
+              <a:ln w="18415" cmpd="sng">
+                <a:noFill/>
+                <a:prstDash val="solid"/>
+              </a:ln>
+              <a:solidFill>
+                <a:sysClr val="windowText" lastClr="000000">
+                  <a:lumMod val="75000"/>
+                  <a:lumOff val="25000"/>
+                </a:sysClr>
+              </a:solidFill>
+              <a:effectLst>
+                <a:outerShdw dist="38100" dir="5400000" algn="t" rotWithShape="0">
+                  <a:sysClr val="window" lastClr="FFFFFF">
+                    <a:alpha val="40000"/>
+                  </a:sysClr>
+                </a:outerShdw>
+              </a:effectLst>
+              <a:uLnTx/>
+              <a:uFillTx/>
+              <a:latin typeface="Agency FB" pitchFamily="34" charset="0"/>
+              <a:ea typeface="微软雅黑" pitchFamily="34" charset="-122"/>
+            </a:endParaRPr>
+          </a:p>
+        </p:txBody>
+      </p:sp>
+      <p:sp>
+        <p:nvSpPr>
+          <p:cNvPr id="13" name="等腰三角形 21">
+            <a:extLst>
+              <a:ext uri="{FF2B5EF4-FFF2-40B4-BE49-F238E27FC236}">
+                <a16:creationId xmlns:a16="http://schemas.microsoft.com/office/drawing/2014/main" id="{7964A934-07FE-4AD8-A58F-0E3EA182AB50}"/>
+              </a:ext>
+            </a:extLst>
+          </p:cNvPr>
+          <p:cNvSpPr/>
+          <p:nvPr/>
+        </p:nvSpPr>
+        <p:spPr>
+          <a:xfrm rot="5400000">
+            <a:off x="3932813" y="2485304"/>
+            <a:ext cx="209956" cy="180997"/>
+          </a:xfrm>
+          <a:prstGeom prst="triangle">
+            <a:avLst/>
+          </a:prstGeom>
+          <a:solidFill>
+            <a:sysClr val="windowText" lastClr="000000">
+              <a:lumMod val="75000"/>
+              <a:lumOff val="25000"/>
+            </a:sysClr>
+          </a:solidFill>
+          <a:ln w="25400" cap="flat" cmpd="sng" algn="ctr">
+            <a:noFill/>
+            <a:prstDash val="solid"/>
+          </a:ln>
+          <a:effectLst>
+            <a:outerShdw dist="38100" dir="5400000" algn="t" rotWithShape="0">
+              <a:sysClr val="window" lastClr="FFFFFF">
+                <a:alpha val="40000"/>
+              </a:sysClr>
+            </a:outerShdw>
+          </a:effectLst>
+        </p:spPr>
+        <p:txBody>
+          <a:bodyPr rtlCol="0" anchor="ctr"/>
+          <a:lstStyle/>
+          <a:p>
+            <a:pPr marL="0" marR="0" lvl="0" indent="0" algn="ctr" defTabSz="914400" eaLnBrk="1" fontAlgn="auto" latinLnBrk="0" hangingPunct="1">
+              <a:lnSpc>
+                <a:spcPct val="100000"/>
+              </a:lnSpc>
+              <a:spcBef>
+                <a:spcPts val="0"/>
+              </a:spcBef>
+              <a:spcAft>
+                <a:spcPts val="0"/>
+              </a:spcAft>
+              <a:buClrTx/>
+              <a:buSzTx/>
+              <a:buFontTx/>
+              <a:buNone/>
+              <a:tabLst/>
+              <a:defRPr/>
+            </a:pPr>
+            <a:endParaRPr kumimoji="0" lang="en-US" sz="1800" b="0" i="0" u="none" strike="noStrike" kern="0" cap="none" spc="0" normalizeH="0" baseline="0" noProof="0">
+              <a:ln>
+                <a:noFill/>
+              </a:ln>
+              <a:solidFill>
+                <a:sysClr val="window" lastClr="FFFFFF"/>
+              </a:solidFill>
+              <a:effectLst/>
+              <a:uLnTx/>
+              <a:uFillTx/>
+              <a:latin typeface="Calibri"/>
+              <a:ea typeface="+mn-ea"/>
+              <a:cs typeface="+mn-cs"/>
+            </a:endParaRPr>
+          </a:p>
+        </p:txBody>
+      </p:sp>
+      <p:sp>
+        <p:nvSpPr>
+          <p:cNvPr id="14" name="等腰三角形 22">
+            <a:extLst>
+              <a:ext uri="{FF2B5EF4-FFF2-40B4-BE49-F238E27FC236}">
+                <a16:creationId xmlns:a16="http://schemas.microsoft.com/office/drawing/2014/main" id="{3AFD096C-E858-411C-94BC-D3C77B64D7A3}"/>
+              </a:ext>
+            </a:extLst>
+          </p:cNvPr>
+          <p:cNvSpPr/>
+          <p:nvPr/>
+        </p:nvSpPr>
+        <p:spPr>
+          <a:xfrm rot="16200000" flipH="1">
+            <a:off x="8799360" y="2480385"/>
+            <a:ext cx="209956" cy="180997"/>
+          </a:xfrm>
+          <a:prstGeom prst="triangle">
+            <a:avLst/>
+          </a:prstGeom>
+          <a:solidFill>
+            <a:sysClr val="windowText" lastClr="000000">
+              <a:lumMod val="75000"/>
+              <a:lumOff val="25000"/>
+            </a:sysClr>
+          </a:solidFill>
+          <a:ln w="25400" cap="flat" cmpd="sng" algn="ctr">
+            <a:noFill/>
+            <a:prstDash val="solid"/>
+          </a:ln>
+          <a:effectLst>
+            <a:outerShdw dist="38100" dir="5400000" algn="t" rotWithShape="0">
+              <a:sysClr val="window" lastClr="FFFFFF">
+                <a:alpha val="40000"/>
+              </a:sysClr>
+            </a:outerShdw>
+          </a:effectLst>
+        </p:spPr>
+        <p:txBody>
+          <a:bodyPr rtlCol="0" anchor="ctr"/>
+          <a:lstStyle/>
+          <a:p>
+            <a:pPr marL="0" marR="0" lvl="0" indent="0" algn="ctr" defTabSz="914400" eaLnBrk="1" fontAlgn="auto" latinLnBrk="0" hangingPunct="1">
+              <a:lnSpc>
+                <a:spcPct val="100000"/>
+              </a:lnSpc>
+              <a:spcBef>
+                <a:spcPts val="0"/>
+              </a:spcBef>
+              <a:spcAft>
+                <a:spcPts val="0"/>
+              </a:spcAft>
+              <a:buClrTx/>
+              <a:buSzTx/>
+              <a:buFontTx/>
+              <a:buNone/>
+              <a:tabLst/>
+              <a:defRPr/>
+            </a:pPr>
+            <a:endParaRPr kumimoji="0" lang="en-US" sz="1800" b="0" i="0" u="none" strike="noStrike" kern="0" cap="none" spc="0" normalizeH="0" baseline="0" noProof="0">
+              <a:ln>
+                <a:noFill/>
+              </a:ln>
+              <a:solidFill>
+                <a:sysClr val="window" lastClr="FFFFFF"/>
+              </a:solidFill>
+              <a:effectLst/>
+              <a:uLnTx/>
+              <a:uFillTx/>
+              <a:latin typeface="Calibri"/>
+              <a:ea typeface="+mn-ea"/>
+              <a:cs typeface="+mn-cs"/>
+            </a:endParaRPr>
+          </a:p>
+        </p:txBody>
+      </p:sp>
+      <p:sp>
+        <p:nvSpPr>
+          <p:cNvPr id="17" name="圆角矩形 29">
+            <a:extLst>
+              <a:ext uri="{FF2B5EF4-FFF2-40B4-BE49-F238E27FC236}">
+                <a16:creationId xmlns:a16="http://schemas.microsoft.com/office/drawing/2014/main" id="{3D871442-1C01-4BA0-AC88-C8F88E4C3E45}"/>
+              </a:ext>
+            </a:extLst>
+          </p:cNvPr>
+          <p:cNvSpPr/>
+          <p:nvPr/>
+        </p:nvSpPr>
+        <p:spPr>
+          <a:xfrm>
+            <a:off x="3785823" y="3660042"/>
+            <a:ext cx="1835122" cy="2191950"/>
+          </a:xfrm>
+          <a:prstGeom prst="roundRect">
+            <a:avLst>
+              <a:gd name="adj" fmla="val 6426"/>
+            </a:avLst>
+          </a:prstGeom>
+          <a:solidFill>
+            <a:sysClr val="windowText" lastClr="000000">
+              <a:lumMod val="85000"/>
+              <a:lumOff val="15000"/>
+            </a:sysClr>
+          </a:solidFill>
+          <a:ln w="25400" cap="flat" cmpd="sng" algn="ctr">
+            <a:solidFill>
+              <a:sysClr val="windowText" lastClr="000000">
+                <a:lumMod val="65000"/>
+                <a:lumOff val="35000"/>
+              </a:sysClr>
+            </a:solidFill>
+            <a:prstDash val="solid"/>
+          </a:ln>
+          <a:effectLst>
+            <a:reflection blurRad="6350" stA="52000" endA="300" endPos="35000" dir="5400000" sy="-100000" algn="bl" rotWithShape="0"/>
+          </a:effectLst>
+        </p:spPr>
+        <p:txBody>
+          <a:bodyPr rot="0" spcFirstLastPara="0" vertOverflow="overflow" horzOverflow="overflow" vert="horz" wrap="square" lIns="91440" tIns="45720" rIns="91440" bIns="45720" numCol="1" spcCol="0" rtlCol="0" fromWordArt="0" anchor="ctr" anchorCtr="0" forceAA="0" compatLnSpc="1">
+            <a:prstTxWarp prst="textNoShape">
+              <a:avLst/>
+            </a:prstTxWarp>
+            <a:noAutofit/>
+          </a:bodyPr>
+          <a:lstStyle/>
+          <a:p>
+            <a:pPr marL="0" marR="0" lvl="0" indent="0" algn="ctr" defTabSz="914400" eaLnBrk="1" fontAlgn="auto" latinLnBrk="0" hangingPunct="1">
+              <a:lnSpc>
+                <a:spcPct val="100000"/>
+              </a:lnSpc>
+              <a:spcBef>
+                <a:spcPts val="0"/>
+              </a:spcBef>
+              <a:spcAft>
+                <a:spcPts val="0"/>
+              </a:spcAft>
+              <a:buClrTx/>
+              <a:buSzTx/>
+              <a:buFontTx/>
+              <a:buNone/>
+              <a:tabLst/>
+              <a:defRPr/>
+            </a:pPr>
+            <a:endParaRPr kumimoji="0" lang="en-US" sz="1800" b="0" i="0" u="none" strike="noStrike" kern="0" cap="none" spc="0" normalizeH="0" baseline="0" noProof="0">
+              <a:ln>
+                <a:noFill/>
+              </a:ln>
+              <a:solidFill>
+                <a:sysClr val="window" lastClr="FFFFFF"/>
+              </a:solidFill>
+              <a:effectLst/>
+              <a:uLnTx/>
+              <a:uFillTx/>
+              <a:latin typeface="Calibri"/>
+              <a:ea typeface="+mn-ea"/>
+              <a:cs typeface="+mn-cs"/>
+            </a:endParaRPr>
+          </a:p>
+        </p:txBody>
+      </p:sp>
+      <p:sp>
+        <p:nvSpPr>
+          <p:cNvPr id="18" name="圆角矩形 30">
+            <a:extLst>
+              <a:ext uri="{FF2B5EF4-FFF2-40B4-BE49-F238E27FC236}">
+                <a16:creationId xmlns:a16="http://schemas.microsoft.com/office/drawing/2014/main" id="{4D82DDDB-0441-4639-9281-358AF0410A10}"/>
+              </a:ext>
+            </a:extLst>
+          </p:cNvPr>
+          <p:cNvSpPr/>
+          <p:nvPr/>
+        </p:nvSpPr>
+        <p:spPr>
+          <a:xfrm>
+            <a:off x="7454219" y="3660042"/>
+            <a:ext cx="1835122" cy="2191950"/>
+          </a:xfrm>
+          <a:prstGeom prst="roundRect">
+            <a:avLst>
+              <a:gd name="adj" fmla="val 6426"/>
+            </a:avLst>
+          </a:prstGeom>
+          <a:solidFill>
+            <a:sysClr val="windowText" lastClr="000000">
+              <a:lumMod val="85000"/>
+              <a:lumOff val="15000"/>
+            </a:sysClr>
+          </a:solidFill>
+          <a:ln w="25400" cap="flat" cmpd="sng" algn="ctr">
+            <a:solidFill>
+              <a:sysClr val="windowText" lastClr="000000">
+                <a:lumMod val="65000"/>
+                <a:lumOff val="35000"/>
+              </a:sysClr>
+            </a:solidFill>
+            <a:prstDash val="solid"/>
+          </a:ln>
+          <a:effectLst>
+            <a:reflection blurRad="6350" stA="52000" endA="300" endPos="35000" dir="5400000" sy="-100000" algn="bl" rotWithShape="0"/>
+          </a:effectLst>
+        </p:spPr>
+        <p:txBody>
+          <a:bodyPr rot="0" spcFirstLastPara="0" vertOverflow="overflow" horzOverflow="overflow" vert="horz" wrap="square" lIns="91440" tIns="45720" rIns="91440" bIns="45720" numCol="1" spcCol="0" rtlCol="0" fromWordArt="0" anchor="ctr" anchorCtr="0" forceAA="0" compatLnSpc="1">
+            <a:prstTxWarp prst="textNoShape">
+              <a:avLst/>
+            </a:prstTxWarp>
+            <a:noAutofit/>
+          </a:bodyPr>
+          <a:lstStyle/>
+          <a:p>
+            <a:pPr marL="0" marR="0" lvl="0" indent="0" algn="ctr" defTabSz="914400" eaLnBrk="1" fontAlgn="auto" latinLnBrk="0" hangingPunct="1">
+              <a:lnSpc>
+                <a:spcPct val="100000"/>
+              </a:lnSpc>
+              <a:spcBef>
+                <a:spcPts val="0"/>
+              </a:spcBef>
+              <a:spcAft>
+                <a:spcPts val="0"/>
+              </a:spcAft>
+              <a:buClrTx/>
+              <a:buSzTx/>
+              <a:buFontTx/>
+              <a:buNone/>
+              <a:tabLst/>
+              <a:defRPr/>
+            </a:pPr>
+            <a:endParaRPr kumimoji="0" lang="en-US" sz="1800" b="0" i="0" u="none" strike="noStrike" kern="0" cap="none" spc="0" normalizeH="0" baseline="0" noProof="0" dirty="0">
+              <a:ln>
+                <a:noFill/>
+              </a:ln>
+              <a:solidFill>
+                <a:sysClr val="window" lastClr="FFFFFF"/>
+              </a:solidFill>
+              <a:effectLst/>
+              <a:uLnTx/>
+              <a:uFillTx/>
+              <a:latin typeface="Calibri"/>
+              <a:ea typeface="+mn-ea"/>
+              <a:cs typeface="+mn-cs"/>
+            </a:endParaRPr>
+          </a:p>
+        </p:txBody>
+      </p:sp>
+      <p:sp>
+        <p:nvSpPr>
+          <p:cNvPr id="19" name="圆角矩形 17">
+            <a:extLst>
+              <a:ext uri="{FF2B5EF4-FFF2-40B4-BE49-F238E27FC236}">
+                <a16:creationId xmlns:a16="http://schemas.microsoft.com/office/drawing/2014/main" id="{51004E05-C163-4823-9103-C0D1C90AACAD}"/>
+              </a:ext>
+            </a:extLst>
+          </p:cNvPr>
+          <p:cNvSpPr/>
+          <p:nvPr/>
+        </p:nvSpPr>
+        <p:spPr>
+          <a:xfrm>
+            <a:off x="3785823" y="3655429"/>
+            <a:ext cx="1835122" cy="1079709"/>
+          </a:xfrm>
+          <a:custGeom>
+            <a:avLst/>
+            <a:gdLst/>
+            <a:ahLst/>
+            <a:cxnLst/>
+            <a:rect l="l" t="t" r="r" b="b"/>
+            <a:pathLst>
+              <a:path w="2592288" h="1525193">
+                <a:moveTo>
+                  <a:pt x="166580" y="0"/>
+                </a:moveTo>
+                <a:lnTo>
+                  <a:pt x="2425708" y="0"/>
+                </a:lnTo>
+                <a:cubicBezTo>
+                  <a:pt x="2517708" y="0"/>
+                  <a:pt x="2592288" y="74580"/>
+                  <a:pt x="2592288" y="166580"/>
+                </a:cubicBezTo>
+                <a:lnTo>
+                  <a:pt x="2592288" y="1525193"/>
+                </a:lnTo>
+                <a:lnTo>
+                  <a:pt x="0" y="1525193"/>
+                </a:lnTo>
+                <a:lnTo>
+                  <a:pt x="0" y="166580"/>
+                </a:lnTo>
+                <a:cubicBezTo>
+                  <a:pt x="0" y="74580"/>
+                  <a:pt x="74580" y="0"/>
+                  <a:pt x="166580" y="0"/>
+                </a:cubicBezTo>
+                <a:close/>
+              </a:path>
+            </a:pathLst>
+          </a:custGeom>
+          <a:gradFill flip="none" rotWithShape="1">
+            <a:gsLst>
+              <a:gs pos="8000">
+                <a:sysClr val="windowText" lastClr="000000">
+                  <a:lumMod val="65000"/>
+                  <a:lumOff val="35000"/>
+                </a:sysClr>
+              </a:gs>
+              <a:gs pos="54000">
+                <a:sysClr val="windowText" lastClr="000000">
+                  <a:lumMod val="85000"/>
+                  <a:lumOff val="15000"/>
+                </a:sysClr>
+              </a:gs>
+              <a:gs pos="100000">
+                <a:sysClr val="window" lastClr="FFFFFF">
+                  <a:lumMod val="75000"/>
+                  <a:alpha val="24000"/>
+                </a:sysClr>
+              </a:gs>
+              <a:gs pos="25000">
+                <a:sysClr val="window" lastClr="FFFFFF">
+                  <a:lumMod val="65000"/>
+                  <a:alpha val="29000"/>
+                </a:sysClr>
+              </a:gs>
+            </a:gsLst>
+            <a:path path="rect">
+              <a:fillToRect l="100000" b="100000"/>
+            </a:path>
+            <a:tileRect t="-100000" r="-100000"/>
+          </a:gradFill>
+          <a:ln w="25400" cap="flat" cmpd="sng" algn="ctr">
+            <a:noFill/>
+            <a:prstDash val="solid"/>
+          </a:ln>
+          <a:effectLst/>
+        </p:spPr>
+        <p:txBody>
+          <a:bodyPr rot="0" spcFirstLastPara="0" vertOverflow="overflow" horzOverflow="overflow" vert="horz" wrap="square" lIns="91440" tIns="45720" rIns="91440" bIns="45720" numCol="1" spcCol="0" rtlCol="0" fromWordArt="0" anchor="ctr" anchorCtr="0" forceAA="0" compatLnSpc="1">
+            <a:prstTxWarp prst="textNoShape">
+              <a:avLst/>
+            </a:prstTxWarp>
+            <a:noAutofit/>
+          </a:bodyPr>
+          <a:lstStyle/>
+          <a:p>
+            <a:pPr marL="0" marR="0" lvl="0" indent="0" algn="ctr" defTabSz="914400" eaLnBrk="1" fontAlgn="auto" latinLnBrk="0" hangingPunct="1">
+              <a:lnSpc>
+                <a:spcPct val="100000"/>
+              </a:lnSpc>
+              <a:spcBef>
+                <a:spcPts val="0"/>
+              </a:spcBef>
+              <a:spcAft>
+                <a:spcPts val="0"/>
+              </a:spcAft>
+              <a:buClrTx/>
+              <a:buSzTx/>
+              <a:buFontTx/>
+              <a:buNone/>
+              <a:tabLst/>
+              <a:defRPr/>
+            </a:pPr>
+            <a:endParaRPr kumimoji="0" lang="en-US" sz="1800" b="0" i="0" u="none" strike="noStrike" kern="0" cap="none" spc="0" normalizeH="0" baseline="0" noProof="0">
+              <a:ln>
+                <a:noFill/>
+              </a:ln>
+              <a:solidFill>
+                <a:sysClr val="window" lastClr="FFFFFF"/>
+              </a:solidFill>
+              <a:effectLst/>
+              <a:uLnTx/>
+              <a:uFillTx/>
+              <a:latin typeface="Calibri"/>
+              <a:ea typeface="+mn-ea"/>
+              <a:cs typeface="+mn-cs"/>
+            </a:endParaRPr>
+          </a:p>
+        </p:txBody>
+      </p:sp>
+      <p:sp>
+        <p:nvSpPr>
+          <p:cNvPr id="20" name="圆角矩形 17">
+            <a:extLst>
+              <a:ext uri="{FF2B5EF4-FFF2-40B4-BE49-F238E27FC236}">
+                <a16:creationId xmlns:a16="http://schemas.microsoft.com/office/drawing/2014/main" id="{396F8E45-8C87-4583-A0C8-DED872912C27}"/>
+              </a:ext>
+            </a:extLst>
+          </p:cNvPr>
+          <p:cNvSpPr/>
+          <p:nvPr/>
+        </p:nvSpPr>
+        <p:spPr>
+          <a:xfrm>
+            <a:off x="7454219" y="3676308"/>
+            <a:ext cx="1835122" cy="1079709"/>
+          </a:xfrm>
+          <a:custGeom>
+            <a:avLst/>
+            <a:gdLst/>
+            <a:ahLst/>
+            <a:cxnLst/>
+            <a:rect l="l" t="t" r="r" b="b"/>
+            <a:pathLst>
+              <a:path w="2592288" h="1525193">
+                <a:moveTo>
+                  <a:pt x="166580" y="0"/>
+                </a:moveTo>
+                <a:lnTo>
+                  <a:pt x="2425708" y="0"/>
+                </a:lnTo>
+                <a:cubicBezTo>
+                  <a:pt x="2517708" y="0"/>
+                  <a:pt x="2592288" y="74580"/>
+                  <a:pt x="2592288" y="166580"/>
+                </a:cubicBezTo>
+                <a:lnTo>
+                  <a:pt x="2592288" y="1525193"/>
+                </a:lnTo>
+                <a:lnTo>
+                  <a:pt x="0" y="1525193"/>
+                </a:lnTo>
+                <a:lnTo>
+                  <a:pt x="0" y="166580"/>
+                </a:lnTo>
+                <a:cubicBezTo>
+                  <a:pt x="0" y="74580"/>
+                  <a:pt x="74580" y="0"/>
+                  <a:pt x="166580" y="0"/>
+                </a:cubicBezTo>
+                <a:close/>
+              </a:path>
+            </a:pathLst>
+          </a:custGeom>
+          <a:gradFill flip="none" rotWithShape="1">
+            <a:gsLst>
+              <a:gs pos="8000">
+                <a:sysClr val="windowText" lastClr="000000">
+                  <a:lumMod val="65000"/>
+                  <a:lumOff val="35000"/>
+                </a:sysClr>
+              </a:gs>
+              <a:gs pos="54000">
+                <a:sysClr val="windowText" lastClr="000000">
+                  <a:lumMod val="85000"/>
+                  <a:lumOff val="15000"/>
+                </a:sysClr>
+              </a:gs>
+              <a:gs pos="100000">
+                <a:sysClr val="window" lastClr="FFFFFF">
+                  <a:lumMod val="75000"/>
+                  <a:alpha val="24000"/>
+                </a:sysClr>
+              </a:gs>
+              <a:gs pos="25000">
+                <a:sysClr val="window" lastClr="FFFFFF">
+                  <a:lumMod val="65000"/>
+                  <a:alpha val="29000"/>
+                </a:sysClr>
+              </a:gs>
+            </a:gsLst>
+            <a:path path="rect">
+              <a:fillToRect l="100000" b="100000"/>
+            </a:path>
+            <a:tileRect t="-100000" r="-100000"/>
+          </a:gradFill>
+          <a:ln w="25400" cap="flat" cmpd="sng" algn="ctr">
+            <a:noFill/>
+            <a:prstDash val="solid"/>
+          </a:ln>
+          <a:effectLst/>
+        </p:spPr>
+        <p:txBody>
+          <a:bodyPr rot="0" spcFirstLastPara="0" vertOverflow="overflow" horzOverflow="overflow" vert="horz" wrap="square" lIns="91440" tIns="45720" rIns="91440" bIns="45720" numCol="1" spcCol="0" rtlCol="0" fromWordArt="0" anchor="ctr" anchorCtr="0" forceAA="0" compatLnSpc="1">
+            <a:prstTxWarp prst="textNoShape">
+              <a:avLst/>
+            </a:prstTxWarp>
+            <a:noAutofit/>
+          </a:bodyPr>
+          <a:lstStyle/>
+          <a:p>
+            <a:pPr marL="0" marR="0" lvl="0" indent="0" algn="ctr" defTabSz="914400" eaLnBrk="1" fontAlgn="auto" latinLnBrk="0" hangingPunct="1">
+              <a:lnSpc>
+                <a:spcPct val="100000"/>
+              </a:lnSpc>
+              <a:spcBef>
+                <a:spcPts val="0"/>
+              </a:spcBef>
+              <a:spcAft>
+                <a:spcPts val="0"/>
+              </a:spcAft>
+              <a:buClrTx/>
+              <a:buSzTx/>
+              <a:buFontTx/>
+              <a:buNone/>
+              <a:tabLst/>
+              <a:defRPr/>
+            </a:pPr>
+            <a:endParaRPr kumimoji="0" lang="en-US" sz="1800" b="0" i="0" u="none" strike="noStrike" kern="0" cap="none" spc="0" normalizeH="0" baseline="0" noProof="0">
+              <a:ln>
+                <a:noFill/>
+              </a:ln>
+              <a:solidFill>
+                <a:sysClr val="window" lastClr="FFFFFF"/>
+              </a:solidFill>
+              <a:effectLst/>
+              <a:uLnTx/>
+              <a:uFillTx/>
+              <a:latin typeface="Calibri"/>
+              <a:ea typeface="+mn-ea"/>
+              <a:cs typeface="+mn-cs"/>
+            </a:endParaRPr>
+          </a:p>
+        </p:txBody>
+      </p:sp>
+      <p:sp>
+        <p:nvSpPr>
+          <p:cNvPr id="21" name="圆角矩形 10">
+            <a:extLst>
+              <a:ext uri="{FF2B5EF4-FFF2-40B4-BE49-F238E27FC236}">
+                <a16:creationId xmlns:a16="http://schemas.microsoft.com/office/drawing/2014/main" id="{824C75F1-3EB4-4EF6-BBB2-DCB0F2796B80}"/>
+              </a:ext>
+            </a:extLst>
+          </p:cNvPr>
+          <p:cNvSpPr/>
+          <p:nvPr/>
+        </p:nvSpPr>
+        <p:spPr>
+          <a:xfrm>
+            <a:off x="4983204" y="3650378"/>
+            <a:ext cx="3137460" cy="2191950"/>
+          </a:xfrm>
+          <a:custGeom>
+            <a:avLst/>
+            <a:gdLst/>
+            <a:ahLst/>
+            <a:cxnLst/>
+            <a:rect l="l" t="t" r="r" b="b"/>
+            <a:pathLst>
+              <a:path w="4431968" h="3096344">
+                <a:moveTo>
+                  <a:pt x="1087936" y="0"/>
+                </a:moveTo>
+                <a:lnTo>
+                  <a:pt x="3347064" y="0"/>
+                </a:lnTo>
+                <a:cubicBezTo>
+                  <a:pt x="3439064" y="0"/>
+                  <a:pt x="3513644" y="74580"/>
+                  <a:pt x="3513644" y="166580"/>
+                </a:cubicBezTo>
+                <a:lnTo>
+                  <a:pt x="3513644" y="1288893"/>
+                </a:lnTo>
+                <a:cubicBezTo>
+                  <a:pt x="3533780" y="1348375"/>
+                  <a:pt x="3599073" y="1406682"/>
+                  <a:pt x="3686877" y="1439616"/>
+                </a:cubicBezTo>
+                <a:cubicBezTo>
+                  <a:pt x="3752028" y="1464054"/>
+                  <a:pt x="3817029" y="1469817"/>
+                  <a:pt x="3868444" y="1458115"/>
+                </a:cubicBezTo>
+                <a:cubicBezTo>
+                  <a:pt x="3902404" y="1342696"/>
+                  <a:pt x="4009446" y="1259067"/>
+                  <a:pt x="4136021" y="1259067"/>
+                </a:cubicBezTo>
+                <a:cubicBezTo>
+                  <a:pt x="4233444" y="1259067"/>
+                  <a:pt x="4319296" y="1308611"/>
+                  <a:pt x="4369676" y="1383931"/>
+                </a:cubicBezTo>
+                <a:cubicBezTo>
+                  <a:pt x="4408794" y="1427426"/>
+                  <a:pt x="4431968" y="1485093"/>
+                  <a:pt x="4431968" y="1548172"/>
+                </a:cubicBezTo>
+                <a:cubicBezTo>
+                  <a:pt x="4431968" y="1644547"/>
+                  <a:pt x="4377873" y="1728287"/>
+                  <a:pt x="4297838" y="1769649"/>
+                </a:cubicBezTo>
+                <a:cubicBezTo>
+                  <a:pt x="4252315" y="1802442"/>
+                  <a:pt x="4196390" y="1821465"/>
+                  <a:pt x="4136021" y="1821465"/>
+                </a:cubicBezTo>
+                <a:cubicBezTo>
+                  <a:pt x="4014931" y="1821465"/>
+                  <a:pt x="3911717" y="1744927"/>
+                  <a:pt x="3873048" y="1637247"/>
+                </a:cubicBezTo>
+                <a:cubicBezTo>
+                  <a:pt x="3827849" y="1622474"/>
+                  <a:pt x="3772083" y="1618289"/>
+                  <a:pt x="3713445" y="1627378"/>
+                </a:cubicBezTo>
+                <a:cubicBezTo>
+                  <a:pt x="3622832" y="1641424"/>
+                  <a:pt x="3548351" y="1683602"/>
+                  <a:pt x="3513644" y="1735150"/>
+                </a:cubicBezTo>
+                <a:lnTo>
+                  <a:pt x="3513644" y="2929764"/>
+                </a:lnTo>
+                <a:cubicBezTo>
+                  <a:pt x="3513644" y="3021764"/>
+                  <a:pt x="3439064" y="3096344"/>
+                  <a:pt x="3347064" y="3096344"/>
+                </a:cubicBezTo>
+                <a:lnTo>
+                  <a:pt x="1087936" y="3096344"/>
+                </a:lnTo>
+                <a:cubicBezTo>
+                  <a:pt x="995936" y="3096344"/>
+                  <a:pt x="921356" y="3021764"/>
+                  <a:pt x="921356" y="2929764"/>
+                </a:cubicBezTo>
+                <a:lnTo>
+                  <a:pt x="921356" y="1739827"/>
+                </a:lnTo>
+                <a:cubicBezTo>
+                  <a:pt x="888117" y="1686184"/>
+                  <a:pt x="811882" y="1641849"/>
+                  <a:pt x="718523" y="1627378"/>
+                </a:cubicBezTo>
+                <a:cubicBezTo>
+                  <a:pt x="659885" y="1618289"/>
+                  <a:pt x="604119" y="1622474"/>
+                  <a:pt x="558920" y="1637247"/>
+                </a:cubicBezTo>
+                <a:cubicBezTo>
+                  <a:pt x="520251" y="1744927"/>
+                  <a:pt x="417037" y="1821465"/>
+                  <a:pt x="295947" y="1821465"/>
+                </a:cubicBezTo>
+                <a:cubicBezTo>
+                  <a:pt x="235578" y="1821465"/>
+                  <a:pt x="179653" y="1802442"/>
+                  <a:pt x="134130" y="1769649"/>
+                </a:cubicBezTo>
+                <a:cubicBezTo>
+                  <a:pt x="54095" y="1728287"/>
+                  <a:pt x="0" y="1644547"/>
+                  <a:pt x="0" y="1548172"/>
+                </a:cubicBezTo>
+                <a:cubicBezTo>
+                  <a:pt x="0" y="1485093"/>
+                  <a:pt x="23174" y="1427426"/>
+                  <a:pt x="62292" y="1383931"/>
+                </a:cubicBezTo>
+                <a:cubicBezTo>
+                  <a:pt x="112672" y="1308611"/>
+                  <a:pt x="198524" y="1259067"/>
+                  <a:pt x="295947" y="1259067"/>
+                </a:cubicBezTo>
+                <a:cubicBezTo>
+                  <a:pt x="422522" y="1259067"/>
+                  <a:pt x="529564" y="1342696"/>
+                  <a:pt x="563524" y="1458115"/>
+                </a:cubicBezTo>
+                <a:cubicBezTo>
+                  <a:pt x="614939" y="1469817"/>
+                  <a:pt x="679940" y="1464054"/>
+                  <a:pt x="745091" y="1439616"/>
+                </a:cubicBezTo>
+                <a:cubicBezTo>
+                  <a:pt x="836964" y="1405155"/>
+                  <a:pt x="904191" y="1342916"/>
+                  <a:pt x="921356" y="1280963"/>
+                </a:cubicBezTo>
+                <a:lnTo>
+                  <a:pt x="921356" y="166580"/>
+                </a:lnTo>
+                <a:cubicBezTo>
+                  <a:pt x="921356" y="74580"/>
+                  <a:pt x="995936" y="0"/>
+                  <a:pt x="1087936" y="0"/>
+                </a:cubicBezTo>
+                <a:close/>
+              </a:path>
+            </a:pathLst>
+          </a:custGeom>
+          <a:gradFill flip="none" rotWithShape="1">
+            <a:gsLst>
+              <a:gs pos="48000">
+                <a:srgbClr val="BCE43C"/>
+              </a:gs>
+              <a:gs pos="100000">
+                <a:srgbClr val="8AC930"/>
+              </a:gs>
+              <a:gs pos="0">
+                <a:srgbClr val="97DD43">
+                  <a:shade val="67500"/>
+                  <a:satMod val="115000"/>
+                </a:srgbClr>
+              </a:gs>
+            </a:gsLst>
+            <a:lin ang="5400000" scaled="1"/>
+            <a:tileRect/>
+          </a:gradFill>
+          <a:ln w="25400" cap="flat" cmpd="sng" algn="ctr">
+            <a:noFill/>
+            <a:prstDash val="solid"/>
+          </a:ln>
+          <a:effectLst>
+            <a:outerShdw blurRad="44450" dist="27940" dir="5400000" algn="ctr">
+              <a:srgbClr val="000000">
+                <a:alpha val="32000"/>
+              </a:srgbClr>
+            </a:outerShdw>
+            <a:reflection blurRad="6350" stA="52000" endA="300" endPos="35000" dir="5400000" sy="-100000" algn="bl" rotWithShape="0"/>
+          </a:effectLst>
+          <a:scene3d>
+            <a:camera prst="orthographicFront">
+              <a:rot lat="0" lon="0" rev="0"/>
+            </a:camera>
+            <a:lightRig rig="balanced" dir="t">
+              <a:rot lat="0" lon="0" rev="8700000"/>
+            </a:lightRig>
+          </a:scene3d>
+          <a:sp3d>
+            <a:bevelT w="190500" h="38100"/>
+          </a:sp3d>
+        </p:spPr>
+        <p:txBody>
+          <a:bodyPr rot="0" spcFirstLastPara="0" vertOverflow="overflow" horzOverflow="overflow" vert="horz" wrap="square" lIns="91440" tIns="45720" rIns="91440" bIns="45720" numCol="1" spcCol="0" rtlCol="0" fromWordArt="0" anchor="ctr" anchorCtr="0" forceAA="0" compatLnSpc="1">
+            <a:prstTxWarp prst="textNoShape">
+              <a:avLst/>
+            </a:prstTxWarp>
+            <a:noAutofit/>
+          </a:bodyPr>
+          <a:lstStyle/>
+          <a:p>
+            <a:pPr marL="0" marR="0" lvl="0" indent="0" algn="ctr" defTabSz="914400" eaLnBrk="1" fontAlgn="auto" latinLnBrk="0" hangingPunct="1">
+              <a:lnSpc>
+                <a:spcPct val="100000"/>
+              </a:lnSpc>
+              <a:spcBef>
+                <a:spcPts val="0"/>
+              </a:spcBef>
+              <a:spcAft>
+                <a:spcPts val="0"/>
+              </a:spcAft>
+              <a:buClrTx/>
+              <a:buSzTx/>
+              <a:buFontTx/>
+              <a:buNone/>
+              <a:tabLst/>
+              <a:defRPr/>
+            </a:pPr>
+            <a:endParaRPr kumimoji="0" lang="en-US" sz="1800" b="0" i="0" u="none" strike="noStrike" kern="0" cap="none" spc="0" normalizeH="0" baseline="0" noProof="0">
+              <a:ln>
+                <a:noFill/>
+              </a:ln>
+              <a:solidFill>
+                <a:sysClr val="window" lastClr="FFFFFF"/>
+              </a:solidFill>
+              <a:effectLst/>
+              <a:uLnTx/>
+              <a:uFillTx/>
+              <a:latin typeface="Calibri"/>
+              <a:ea typeface="+mn-ea"/>
+              <a:cs typeface="+mn-cs"/>
+            </a:endParaRPr>
+          </a:p>
+        </p:txBody>
+      </p:sp>
+      <p:sp>
+        <p:nvSpPr>
+          <p:cNvPr id="22" name="圆角矩形 10">
+            <a:extLst>
+              <a:ext uri="{FF2B5EF4-FFF2-40B4-BE49-F238E27FC236}">
+                <a16:creationId xmlns:a16="http://schemas.microsoft.com/office/drawing/2014/main" id="{8406D89D-90EC-473E-8450-C725E4710D1F}"/>
+              </a:ext>
+            </a:extLst>
+          </p:cNvPr>
+          <p:cNvSpPr/>
+          <p:nvPr/>
+        </p:nvSpPr>
+        <p:spPr>
+          <a:xfrm>
+            <a:off x="4988655" y="3660818"/>
+            <a:ext cx="3135546" cy="1085535"/>
+          </a:xfrm>
+          <a:custGeom>
+            <a:avLst/>
+            <a:gdLst/>
+            <a:ahLst/>
+            <a:cxnLst/>
+            <a:rect l="l" t="t" r="r" b="b"/>
+            <a:pathLst>
+              <a:path w="4429264" h="1533424">
+                <a:moveTo>
+                  <a:pt x="1086584" y="0"/>
+                </a:moveTo>
+                <a:lnTo>
+                  <a:pt x="3345712" y="0"/>
+                </a:lnTo>
+                <a:cubicBezTo>
+                  <a:pt x="3437712" y="0"/>
+                  <a:pt x="3512292" y="74580"/>
+                  <a:pt x="3512292" y="166580"/>
+                </a:cubicBezTo>
+                <a:lnTo>
+                  <a:pt x="3512292" y="1288893"/>
+                </a:lnTo>
+                <a:cubicBezTo>
+                  <a:pt x="3532428" y="1348375"/>
+                  <a:pt x="3597721" y="1406682"/>
+                  <a:pt x="3685525" y="1439616"/>
+                </a:cubicBezTo>
+                <a:cubicBezTo>
+                  <a:pt x="3750676" y="1464054"/>
+                  <a:pt x="3815677" y="1469817"/>
+                  <a:pt x="3867092" y="1458115"/>
+                </a:cubicBezTo>
+                <a:cubicBezTo>
+                  <a:pt x="3901052" y="1342696"/>
+                  <a:pt x="4008094" y="1259067"/>
+                  <a:pt x="4134669" y="1259067"/>
+                </a:cubicBezTo>
+                <a:cubicBezTo>
+                  <a:pt x="4232092" y="1259067"/>
+                  <a:pt x="4317944" y="1308611"/>
+                  <a:pt x="4368324" y="1383931"/>
+                </a:cubicBezTo>
+                <a:cubicBezTo>
+                  <a:pt x="4404361" y="1424000"/>
+                  <a:pt x="4426866" y="1476096"/>
+                  <a:pt x="4429264" y="1533424"/>
+                </a:cubicBezTo>
+                <a:lnTo>
+                  <a:pt x="0" y="1533424"/>
+                </a:lnTo>
+                <a:cubicBezTo>
+                  <a:pt x="2398" y="1476096"/>
+                  <a:pt x="24903" y="1424000"/>
+                  <a:pt x="60940" y="1383931"/>
+                </a:cubicBezTo>
+                <a:cubicBezTo>
+                  <a:pt x="111320" y="1308611"/>
+                  <a:pt x="197172" y="1259067"/>
+                  <a:pt x="294595" y="1259067"/>
+                </a:cubicBezTo>
+                <a:cubicBezTo>
+                  <a:pt x="421170" y="1259067"/>
+                  <a:pt x="528212" y="1342696"/>
+                  <a:pt x="562172" y="1458115"/>
+                </a:cubicBezTo>
+                <a:cubicBezTo>
+                  <a:pt x="613587" y="1469817"/>
+                  <a:pt x="678588" y="1464054"/>
+                  <a:pt x="743739" y="1439616"/>
+                </a:cubicBezTo>
+                <a:cubicBezTo>
+                  <a:pt x="835612" y="1405155"/>
+                  <a:pt x="902839" y="1342916"/>
+                  <a:pt x="920004" y="1280963"/>
+                </a:cubicBezTo>
+                <a:lnTo>
+                  <a:pt x="920004" y="166580"/>
+                </a:lnTo>
+                <a:cubicBezTo>
+                  <a:pt x="920004" y="74580"/>
+                  <a:pt x="994584" y="0"/>
+                  <a:pt x="1086584" y="0"/>
+                </a:cubicBezTo>
+                <a:close/>
+              </a:path>
+            </a:pathLst>
+          </a:custGeom>
+          <a:gradFill flip="none" rotWithShape="1">
+            <a:gsLst>
+              <a:gs pos="45000">
+                <a:srgbClr val="99BE24"/>
+              </a:gs>
+              <a:gs pos="54000">
+                <a:srgbClr val="95BC1A"/>
+              </a:gs>
+              <a:gs pos="100000">
+                <a:srgbClr val="D1ED47"/>
+              </a:gs>
+              <a:gs pos="25000">
+                <a:srgbClr val="D1ED47"/>
+              </a:gs>
+            </a:gsLst>
+            <a:path path="rect">
+              <a:fillToRect l="100000" b="100000"/>
+            </a:path>
+            <a:tileRect t="-100000" r="-100000"/>
+          </a:gradFill>
+          <a:ln w="25400" cap="flat" cmpd="sng" algn="ctr">
+            <a:noFill/>
+            <a:prstDash val="solid"/>
+          </a:ln>
+          <a:effectLst/>
+        </p:spPr>
+        <p:txBody>
+          <a:bodyPr rot="0" spcFirstLastPara="0" vertOverflow="overflow" horzOverflow="overflow" vert="horz" wrap="square" lIns="91440" tIns="45720" rIns="91440" bIns="45720" numCol="1" spcCol="0" rtlCol="0" fromWordArt="0" anchor="ctr" anchorCtr="0" forceAA="0" compatLnSpc="1">
+            <a:prstTxWarp prst="textNoShape">
+              <a:avLst/>
+            </a:prstTxWarp>
+            <a:noAutofit/>
+          </a:bodyPr>
+          <a:lstStyle/>
+          <a:p>
+            <a:pPr marL="0" marR="0" lvl="0" indent="0" algn="ctr" defTabSz="914400" eaLnBrk="1" fontAlgn="auto" latinLnBrk="0" hangingPunct="1">
+              <a:lnSpc>
+                <a:spcPct val="100000"/>
+              </a:lnSpc>
+              <a:spcBef>
+                <a:spcPts val="0"/>
+              </a:spcBef>
+              <a:spcAft>
+                <a:spcPts val="0"/>
+              </a:spcAft>
+              <a:buClrTx/>
+              <a:buSzTx/>
+              <a:buFontTx/>
+              <a:buNone/>
+              <a:tabLst/>
+              <a:defRPr/>
+            </a:pPr>
+            <a:endParaRPr kumimoji="0" lang="en-US" sz="1800" b="0" i="0" u="none" strike="noStrike" kern="0" cap="none" spc="0" normalizeH="0" baseline="0" noProof="0">
+              <a:ln>
+                <a:noFill/>
+              </a:ln>
+              <a:solidFill>
+                <a:sysClr val="window" lastClr="FFFFFF"/>
+              </a:solidFill>
+              <a:effectLst/>
+              <a:uLnTx/>
+              <a:uFillTx/>
+              <a:latin typeface="Calibri"/>
+              <a:ea typeface="+mn-ea"/>
+              <a:cs typeface="+mn-cs"/>
+            </a:endParaRPr>
+          </a:p>
+        </p:txBody>
+      </p:sp>
+      <p:sp>
+        <p:nvSpPr>
+          <p:cNvPr id="25" name="TextBox 24">
+            <a:extLst>
+              <a:ext uri="{FF2B5EF4-FFF2-40B4-BE49-F238E27FC236}">
+                <a16:creationId xmlns:a16="http://schemas.microsoft.com/office/drawing/2014/main" id="{25C22150-7958-4F2F-866D-428CF7ECC331}"/>
+              </a:ext>
+            </a:extLst>
+          </p:cNvPr>
+          <p:cNvSpPr txBox="1"/>
+          <p:nvPr/>
+        </p:nvSpPr>
+        <p:spPr>
+          <a:xfrm>
+            <a:off x="3814527" y="4056828"/>
+            <a:ext cx="1726631" cy="584775"/>
+          </a:xfrm>
+          <a:prstGeom prst="rect">
+            <a:avLst/>
+          </a:prstGeom>
+          <a:noFill/>
+        </p:spPr>
+        <p:txBody>
+          <a:bodyPr wrap="square" rtlCol="0">
+            <a:spAutoFit/>
+          </a:bodyPr>
+          <a:lstStyle>
+            <a:defPPr>
+              <a:defRPr lang="en-US"/>
+            </a:defPPr>
+            <a:lvl1pPr marR="0" lvl="0" indent="0" algn="ctr" fontAlgn="auto">
+              <a:lnSpc>
+                <a:spcPct val="80000"/>
+              </a:lnSpc>
+              <a:spcBef>
+                <a:spcPts val="0"/>
+              </a:spcBef>
+              <a:spcAft>
+                <a:spcPts val="0"/>
+              </a:spcAft>
+              <a:buClrTx/>
+              <a:buSzTx/>
+              <a:buFontTx/>
+              <a:buNone/>
+              <a:tabLst/>
+              <a:defRPr kumimoji="0" sz="4000" b="1" i="0" u="none" strike="noStrike" kern="0" cap="none" spc="0" normalizeH="0" baseline="0">
+                <a:ln w="18415" cmpd="sng">
+                  <a:noFill/>
+                  <a:prstDash val="solid"/>
+                </a:ln>
+                <a:solidFill>
+                  <a:schemeClr val="bg1"/>
+                </a:solidFill>
+                <a:uLnTx/>
+                <a:uFillTx/>
+                <a:latin typeface="Agency FB" pitchFamily="34" charset="0"/>
+                <a:ea typeface="微软雅黑" pitchFamily="34" charset="-122"/>
+              </a:defRPr>
+            </a:lvl1pPr>
+          </a:lstStyle>
+          <a:p>
+            <a:pPr marL="0" marR="0" lvl="0" indent="0" algn="ctr" defTabSz="914400" eaLnBrk="1" fontAlgn="auto" latinLnBrk="0" hangingPunct="1">
+              <a:lnSpc>
+                <a:spcPct val="80000"/>
+              </a:lnSpc>
+              <a:spcBef>
+                <a:spcPts val="0"/>
+              </a:spcBef>
+              <a:spcAft>
+                <a:spcPts val="0"/>
+              </a:spcAft>
+              <a:buClrTx/>
+              <a:buSzTx/>
+              <a:buFontTx/>
+              <a:buNone/>
+              <a:tabLst/>
+              <a:defRPr/>
+            </a:pPr>
+            <a:r>
+              <a:rPr lang="en-US" altLang="zh-CN" dirty="0"/>
+              <a:t>Windows</a:t>
+            </a:r>
+            <a:endParaRPr kumimoji="0" lang="zh-CN" altLang="en-US" b="1" i="0" u="none" strike="noStrike" kern="0" cap="none" spc="0" normalizeH="0" baseline="0" noProof="0" dirty="0">
+              <a:ln w="18415" cmpd="sng">
+                <a:noFill/>
+                <a:prstDash val="solid"/>
+              </a:ln>
+              <a:uLnTx/>
+              <a:uFillTx/>
+              <a:latin typeface="Agency FB" pitchFamily="34" charset="0"/>
+              <a:ea typeface="微软雅黑" pitchFamily="34" charset="-122"/>
+            </a:endParaRPr>
+          </a:p>
+        </p:txBody>
+      </p:sp>
+      <p:sp>
+        <p:nvSpPr>
+          <p:cNvPr id="28" name="TextBox 27">
+            <a:extLst>
+              <a:ext uri="{FF2B5EF4-FFF2-40B4-BE49-F238E27FC236}">
+                <a16:creationId xmlns:a16="http://schemas.microsoft.com/office/drawing/2014/main" id="{7E604EAD-2290-4BD6-B31B-D24BA3854E28}"/>
+              </a:ext>
+            </a:extLst>
+          </p:cNvPr>
+          <p:cNvSpPr txBox="1"/>
+          <p:nvPr/>
+        </p:nvSpPr>
+        <p:spPr>
+          <a:xfrm>
+            <a:off x="5834400" y="4229786"/>
+            <a:ext cx="1435067" cy="584775"/>
+          </a:xfrm>
+          <a:prstGeom prst="rect">
+            <a:avLst/>
+          </a:prstGeom>
+          <a:noFill/>
+        </p:spPr>
+        <p:txBody>
+          <a:bodyPr wrap="square" rtlCol="0">
+            <a:spAutoFit/>
+          </a:bodyPr>
+          <a:lstStyle>
+            <a:defPPr>
+              <a:defRPr lang="en-US"/>
+            </a:defPPr>
+            <a:lvl1pPr marR="0" lvl="0" indent="0" algn="ctr" fontAlgn="auto">
+              <a:lnSpc>
+                <a:spcPct val="80000"/>
+              </a:lnSpc>
+              <a:spcBef>
+                <a:spcPts val="0"/>
+              </a:spcBef>
+              <a:spcAft>
+                <a:spcPts val="0"/>
+              </a:spcAft>
+              <a:buClrTx/>
+              <a:buSzTx/>
+              <a:buFontTx/>
+              <a:buNone/>
+              <a:tabLst/>
+              <a:defRPr kumimoji="0" sz="4000" b="1" i="0" u="none" strike="noStrike" kern="0" cap="none" spc="0" normalizeH="0" baseline="0">
+                <a:ln w="18415" cmpd="sng">
+                  <a:noFill/>
+                  <a:prstDash val="solid"/>
+                </a:ln>
+                <a:solidFill>
+                  <a:schemeClr val="bg1"/>
+                </a:solidFill>
+                <a:uLnTx/>
+                <a:uFillTx/>
+                <a:latin typeface="Agency FB" pitchFamily="34" charset="0"/>
+                <a:ea typeface="微软雅黑" pitchFamily="34" charset="-122"/>
+              </a:defRPr>
+            </a:lvl1pPr>
+          </a:lstStyle>
+          <a:p>
+            <a:pPr marL="0" marR="0" lvl="0" indent="0" algn="ctr" defTabSz="914400" eaLnBrk="1" fontAlgn="auto" latinLnBrk="0" hangingPunct="1">
+              <a:lnSpc>
+                <a:spcPct val="80000"/>
+              </a:lnSpc>
+              <a:spcBef>
+                <a:spcPts val="0"/>
+              </a:spcBef>
+              <a:spcAft>
+                <a:spcPts val="0"/>
+              </a:spcAft>
+              <a:buClrTx/>
+              <a:buSzTx/>
+              <a:buFontTx/>
+              <a:buNone/>
+              <a:tabLst/>
+              <a:defRPr/>
+            </a:pPr>
+            <a:r>
+              <a:rPr lang="en-US" altLang="zh-CN" dirty="0">
+                <a:solidFill>
+                  <a:sysClr val="windowText" lastClr="000000">
+                    <a:lumMod val="85000"/>
+                    <a:lumOff val="15000"/>
+                  </a:sysClr>
+                </a:solidFill>
+              </a:rPr>
+              <a:t>Linux</a:t>
+            </a:r>
+            <a:endParaRPr kumimoji="0" lang="zh-CN" altLang="en-US" b="1" i="0" u="none" strike="noStrike" kern="0" cap="none" spc="0" normalizeH="0" baseline="0" noProof="0" dirty="0">
+              <a:ln w="18415" cmpd="sng">
+                <a:noFill/>
+                <a:prstDash val="solid"/>
+              </a:ln>
+              <a:solidFill>
+                <a:sysClr val="windowText" lastClr="000000">
+                  <a:lumMod val="85000"/>
+                  <a:lumOff val="15000"/>
+                </a:sysClr>
+              </a:solidFill>
+              <a:effectLst/>
+              <a:uLnTx/>
+              <a:uFillTx/>
+              <a:latin typeface="Agency FB" pitchFamily="34" charset="0"/>
+              <a:ea typeface="微软雅黑" pitchFamily="34" charset="-122"/>
+            </a:endParaRPr>
+          </a:p>
+        </p:txBody>
+      </p:sp>
+      <p:sp>
+        <p:nvSpPr>
+          <p:cNvPr id="31" name="TextBox 30">
+            <a:extLst>
+              <a:ext uri="{FF2B5EF4-FFF2-40B4-BE49-F238E27FC236}">
+                <a16:creationId xmlns:a16="http://schemas.microsoft.com/office/drawing/2014/main" id="{FB436AF7-DC3C-4B8A-BC23-3DDB743BBD4A}"/>
+              </a:ext>
+            </a:extLst>
+          </p:cNvPr>
+          <p:cNvSpPr txBox="1"/>
+          <p:nvPr/>
+        </p:nvSpPr>
+        <p:spPr>
+          <a:xfrm>
+            <a:off x="7569931" y="4043801"/>
+            <a:ext cx="1848682" cy="584775"/>
+          </a:xfrm>
+          <a:prstGeom prst="rect">
+            <a:avLst/>
+          </a:prstGeom>
+          <a:noFill/>
+        </p:spPr>
+        <p:txBody>
+          <a:bodyPr wrap="square" rtlCol="0">
+            <a:spAutoFit/>
+          </a:bodyPr>
+          <a:lstStyle>
+            <a:defPPr>
+              <a:defRPr lang="en-US"/>
+            </a:defPPr>
+            <a:lvl1pPr marR="0" lvl="0" indent="0" algn="ctr" fontAlgn="auto">
+              <a:lnSpc>
+                <a:spcPct val="80000"/>
+              </a:lnSpc>
+              <a:spcBef>
+                <a:spcPts val="0"/>
+              </a:spcBef>
+              <a:spcAft>
+                <a:spcPts val="0"/>
+              </a:spcAft>
+              <a:buClrTx/>
+              <a:buSzTx/>
+              <a:buFontTx/>
+              <a:buNone/>
+              <a:tabLst/>
+              <a:defRPr kumimoji="0" sz="4000" b="1" i="0" u="none" strike="noStrike" kern="0" cap="none" spc="0" normalizeH="0" baseline="0">
+                <a:ln w="18415" cmpd="sng">
+                  <a:noFill/>
+                  <a:prstDash val="solid"/>
+                </a:ln>
+                <a:solidFill>
+                  <a:schemeClr val="bg1"/>
+                </a:solidFill>
+                <a:uLnTx/>
+                <a:uFillTx/>
+                <a:latin typeface="Agency FB" pitchFamily="34" charset="0"/>
+                <a:ea typeface="微软雅黑" pitchFamily="34" charset="-122"/>
+              </a:defRPr>
+            </a:lvl1pPr>
+          </a:lstStyle>
+          <a:p>
+            <a:pPr marL="0" marR="0" lvl="0" indent="0" algn="ctr" defTabSz="914400" eaLnBrk="1" fontAlgn="auto" latinLnBrk="0" hangingPunct="1">
+              <a:lnSpc>
+                <a:spcPct val="80000"/>
+              </a:lnSpc>
+              <a:spcBef>
+                <a:spcPts val="0"/>
+              </a:spcBef>
+              <a:spcAft>
+                <a:spcPts val="0"/>
+              </a:spcAft>
+              <a:buClrTx/>
+              <a:buSzTx/>
+              <a:buFontTx/>
+              <a:buNone/>
+              <a:tabLst/>
+              <a:defRPr/>
+            </a:pPr>
+            <a:r>
+              <a:rPr lang="en-US" altLang="zh-CN" dirty="0"/>
+              <a:t>MacOS</a:t>
+            </a:r>
+            <a:endParaRPr kumimoji="0" lang="zh-CN" altLang="en-US" b="1" i="0" u="none" strike="noStrike" kern="0" cap="none" spc="0" normalizeH="0" baseline="0" noProof="0" dirty="0">
+              <a:ln w="18415" cmpd="sng">
+                <a:noFill/>
+                <a:prstDash val="solid"/>
+              </a:ln>
+              <a:uLnTx/>
+              <a:uFillTx/>
+              <a:latin typeface="Agency FB" pitchFamily="34" charset="0"/>
+              <a:ea typeface="微软雅黑" pitchFamily="34" charset="-122"/>
+            </a:endParaRPr>
+          </a:p>
+        </p:txBody>
+      </p:sp>
+      <p:pic>
+        <p:nvPicPr>
+          <p:cNvPr id="5" name="图片 12">
+            <a:extLst>
+              <a:ext uri="{FF2B5EF4-FFF2-40B4-BE49-F238E27FC236}">
+                <a16:creationId xmlns:a16="http://schemas.microsoft.com/office/drawing/2014/main" id="{581B8971-F4DC-42B6-BAA1-B9DAC6E68550}"/>
+              </a:ext>
+            </a:extLst>
+          </p:cNvPr>
+          <p:cNvPicPr>
+            <a:picLocks noChangeAspect="1"/>
+          </p:cNvPicPr>
+          <p:nvPr/>
+        </p:nvPicPr>
+        <p:blipFill>
+          <a:blip r:embed="rId3">
+            <a:extLst>
+              <a:ext uri="{28A0092B-C50C-407E-A947-70E740481C1C}">
+                <a14:useLocalDpi xmlns:a14="http://schemas.microsoft.com/office/drawing/2010/main" val="0"/>
+              </a:ext>
+            </a:extLst>
+          </a:blip>
+          <a:stretch>
+            <a:fillRect/>
+          </a:stretch>
+        </p:blipFill>
+        <p:spPr>
+          <a:xfrm>
+            <a:off x="4137533" y="705501"/>
+            <a:ext cx="4644932" cy="3312369"/>
+          </a:xfrm>
+          <a:prstGeom prst="rect">
+            <a:avLst/>
+          </a:prstGeom>
+        </p:spPr>
+      </p:pic>
     </p:spTree>
     <p:extLst>
       <p:ext uri="{BB962C8B-B14F-4D97-AF65-F5344CB8AC3E}">
-        <p14:creationId xmlns:p14="http://schemas.microsoft.com/office/powerpoint/2010/main" val="478866761"/>
+        <p14:creationId xmlns:p14="http://schemas.microsoft.com/office/powerpoint/2010/main" val="4240959211"/>
       </p:ext>
     </p:extLst>
   </p:cSld>
@@ -9314,12 +12380,500 @@
           <a:chExt cx="0" cy="0"/>
         </a:xfrm>
       </p:grpSpPr>
-      <p:sp>
-        <p:nvSpPr>
-          <p:cNvPr id="2" name="Title 1">
+      <p:pic>
+        <p:nvPicPr>
+          <p:cNvPr id="4" name="图片 10">
             <a:extLst>
               <a:ext uri="{FF2B5EF4-FFF2-40B4-BE49-F238E27FC236}">
-                <a16:creationId xmlns:a16="http://schemas.microsoft.com/office/drawing/2014/main" id="{FF1D7500-C961-48C8-ADE8-58518A731FD3}"/>
+                <a16:creationId xmlns:a16="http://schemas.microsoft.com/office/drawing/2014/main" id="{1D215F80-8419-4B72-AA93-FE8769D79741}"/>
+              </a:ext>
+            </a:extLst>
+          </p:cNvPr>
+          <p:cNvPicPr>
+            <a:picLocks noChangeAspect="1"/>
+          </p:cNvPicPr>
+          <p:nvPr/>
+        </p:nvPicPr>
+        <p:blipFill rotWithShape="1">
+          <a:blip r:embed="rId2">
+            <a:extLst>
+              <a:ext uri="{28A0092B-C50C-407E-A947-70E740481C1C}">
+                <a14:useLocalDpi xmlns:a14="http://schemas.microsoft.com/office/drawing/2010/main" val="0"/>
+              </a:ext>
+            </a:extLst>
+          </a:blip>
+          <a:srcRect l="7820" r="3663"/>
+          <a:stretch/>
+        </p:blipFill>
+        <p:spPr>
+          <a:xfrm>
+            <a:off x="2116493" y="2544425"/>
+            <a:ext cx="9145674" cy="2845645"/>
+          </a:xfrm>
+          <a:prstGeom prst="rect">
+            <a:avLst/>
+          </a:prstGeom>
+        </p:spPr>
+      </p:pic>
+      <p:pic>
+        <p:nvPicPr>
+          <p:cNvPr id="5" name="图片 11">
+            <a:extLst>
+              <a:ext uri="{FF2B5EF4-FFF2-40B4-BE49-F238E27FC236}">
+                <a16:creationId xmlns:a16="http://schemas.microsoft.com/office/drawing/2014/main" id="{3417AE46-6F0B-43D9-9984-018588DCC153}"/>
+              </a:ext>
+            </a:extLst>
+          </p:cNvPr>
+          <p:cNvPicPr>
+            <a:picLocks noChangeAspect="1"/>
+          </p:cNvPicPr>
+          <p:nvPr/>
+        </p:nvPicPr>
+        <p:blipFill rotWithShape="1">
+          <a:blip r:embed="rId3">
+            <a:extLst>
+              <a:ext uri="{28A0092B-C50C-407E-A947-70E740481C1C}">
+                <a14:useLocalDpi xmlns:a14="http://schemas.microsoft.com/office/drawing/2010/main" val="0"/>
+              </a:ext>
+            </a:extLst>
+          </a:blip>
+          <a:srcRect l="3990" r="3990"/>
+          <a:stretch/>
+        </p:blipFill>
+        <p:spPr>
+          <a:xfrm>
+            <a:off x="2116493" y="2967899"/>
+            <a:ext cx="9144000" cy="2744739"/>
+          </a:xfrm>
+          <a:prstGeom prst="rect">
+            <a:avLst/>
+          </a:prstGeom>
+        </p:spPr>
+      </p:pic>
+      <p:sp>
+        <p:nvSpPr>
+          <p:cNvPr id="6" name="TextBox 5">
+            <a:extLst>
+              <a:ext uri="{FF2B5EF4-FFF2-40B4-BE49-F238E27FC236}">
+                <a16:creationId xmlns:a16="http://schemas.microsoft.com/office/drawing/2014/main" id="{AD073E44-6D5A-41BC-B26F-C4C3CD791CC9}"/>
+              </a:ext>
+            </a:extLst>
+          </p:cNvPr>
+          <p:cNvSpPr txBox="1"/>
+          <p:nvPr/>
+        </p:nvSpPr>
+        <p:spPr>
+          <a:xfrm rot="18954485">
+            <a:off x="2976306" y="3291589"/>
+            <a:ext cx="1762957" cy="395173"/>
+          </a:xfrm>
+          <a:prstGeom prst="rect">
+            <a:avLst/>
+          </a:prstGeom>
+          <a:noFill/>
+        </p:spPr>
+        <p:txBody>
+          <a:bodyPr wrap="square" rtlCol="0">
+            <a:spAutoFit/>
+          </a:bodyPr>
+          <a:lstStyle>
+            <a:defPPr>
+              <a:defRPr lang="en-US"/>
+            </a:defPPr>
+            <a:lvl1pPr lvl="0">
+              <a:lnSpc>
+                <a:spcPct val="80000"/>
+              </a:lnSpc>
+              <a:defRPr sz="4400" b="1" kern="0">
+                <a:ln w="18415" cmpd="sng">
+                  <a:noFill/>
+                  <a:prstDash val="solid"/>
+                </a:ln>
+                <a:solidFill>
+                  <a:srgbClr val="FFC000"/>
+                </a:solidFill>
+                <a:latin typeface="Agency FB" pitchFamily="34" charset="0"/>
+                <a:ea typeface="微软雅黑" pitchFamily="34" charset="-122"/>
+              </a:defRPr>
+            </a:lvl1pPr>
+          </a:lstStyle>
+          <a:p>
+            <a:pPr marL="0" marR="0" lvl="0" indent="0" algn="ctr" defTabSz="914400" eaLnBrk="1" fontAlgn="auto" latinLnBrk="0" hangingPunct="1">
+              <a:lnSpc>
+                <a:spcPct val="80000"/>
+              </a:lnSpc>
+              <a:spcBef>
+                <a:spcPts val="0"/>
+              </a:spcBef>
+              <a:spcAft>
+                <a:spcPts val="0"/>
+              </a:spcAft>
+              <a:buClrTx/>
+              <a:buSzTx/>
+              <a:buFontTx/>
+              <a:buNone/>
+              <a:tabLst/>
+              <a:defRPr/>
+            </a:pPr>
+            <a:r>
+              <a:rPr kumimoji="0" lang="zh-CN" altLang="en-US" sz="2400" b="1" i="0" u="none" strike="noStrike" kern="0" cap="none" spc="0" normalizeH="0" baseline="0" noProof="0" dirty="0">
+                <a:ln w="18415" cmpd="sng">
+                  <a:noFill/>
+                  <a:prstDash val="solid"/>
+                </a:ln>
+                <a:solidFill>
+                  <a:srgbClr val="0070C0"/>
+                </a:solidFill>
+                <a:effectLst>
+                  <a:outerShdw dist="38100" dir="5400000" algn="t" rotWithShape="0">
+                    <a:sysClr val="window" lastClr="FFFFFF">
+                      <a:alpha val="55000"/>
+                    </a:sysClr>
+                  </a:outerShdw>
+                </a:effectLst>
+                <a:uLnTx/>
+                <a:uFillTx/>
+                <a:latin typeface="Adidas Unity" pitchFamily="2" charset="0"/>
+                <a:ea typeface="微软雅黑" pitchFamily="34" charset="-122"/>
+                <a:cs typeface="Times New Roman" pitchFamily="18" charset="0"/>
+              </a:rPr>
+              <a:t>工具包</a:t>
+            </a:r>
+          </a:p>
+        </p:txBody>
+      </p:sp>
+      <p:sp>
+        <p:nvSpPr>
+          <p:cNvPr id="7" name="TextBox 6">
+            <a:extLst>
+              <a:ext uri="{FF2B5EF4-FFF2-40B4-BE49-F238E27FC236}">
+                <a16:creationId xmlns:a16="http://schemas.microsoft.com/office/drawing/2014/main" id="{7DA911A4-AE94-4BB9-981F-1FA6055762B8}"/>
+              </a:ext>
+            </a:extLst>
+          </p:cNvPr>
+          <p:cNvSpPr txBox="1"/>
+          <p:nvPr/>
+        </p:nvSpPr>
+        <p:spPr>
+          <a:xfrm rot="2658244">
+            <a:off x="9092357" y="3770525"/>
+            <a:ext cx="1762957" cy="393441"/>
+          </a:xfrm>
+          <a:prstGeom prst="rect">
+            <a:avLst/>
+          </a:prstGeom>
+          <a:noFill/>
+        </p:spPr>
+        <p:txBody>
+          <a:bodyPr wrap="square" rtlCol="0">
+            <a:spAutoFit/>
+          </a:bodyPr>
+          <a:lstStyle>
+            <a:defPPr>
+              <a:defRPr lang="en-US"/>
+            </a:defPPr>
+            <a:lvl1pPr lvl="0">
+              <a:lnSpc>
+                <a:spcPct val="80000"/>
+              </a:lnSpc>
+              <a:defRPr sz="4400" b="1" kern="0">
+                <a:ln w="18415" cmpd="sng">
+                  <a:noFill/>
+                  <a:prstDash val="solid"/>
+                </a:ln>
+                <a:solidFill>
+                  <a:srgbClr val="FFC000"/>
+                </a:solidFill>
+                <a:latin typeface="Agency FB" pitchFamily="34" charset="0"/>
+                <a:ea typeface="微软雅黑" pitchFamily="34" charset="-122"/>
+              </a:defRPr>
+            </a:lvl1pPr>
+          </a:lstStyle>
+          <a:p>
+            <a:pPr marL="0" marR="0" lvl="0" indent="0" algn="ctr" defTabSz="914400" eaLnBrk="1" fontAlgn="auto" latinLnBrk="0" hangingPunct="1">
+              <a:lnSpc>
+                <a:spcPct val="80000"/>
+              </a:lnSpc>
+              <a:spcBef>
+                <a:spcPts val="0"/>
+              </a:spcBef>
+              <a:spcAft>
+                <a:spcPts val="0"/>
+              </a:spcAft>
+              <a:buClrTx/>
+              <a:buSzTx/>
+              <a:buFontTx/>
+              <a:buNone/>
+              <a:tabLst/>
+              <a:defRPr/>
+            </a:pPr>
+            <a:r>
+              <a:rPr lang="zh-CN" altLang="en-US" sz="2400" dirty="0">
+                <a:solidFill>
+                  <a:srgbClr val="9BBB59">
+                    <a:lumMod val="50000"/>
+                  </a:srgbClr>
+                </a:solidFill>
+                <a:effectLst>
+                  <a:outerShdw dist="38100" dir="5400000" algn="t" rotWithShape="0">
+                    <a:sysClr val="window" lastClr="FFFFFF">
+                      <a:alpha val="55000"/>
+                    </a:sysClr>
+                  </a:outerShdw>
+                </a:effectLst>
+                <a:latin typeface="Adidas Unity" pitchFamily="2" charset="0"/>
+                <a:cs typeface="Times New Roman" pitchFamily="18" charset="0"/>
+              </a:rPr>
+              <a:t>运行环境</a:t>
+            </a:r>
+            <a:endParaRPr kumimoji="0" lang="zh-CN" altLang="en-US" sz="2400" b="1" i="0" u="none" strike="noStrike" kern="0" cap="none" spc="0" normalizeH="0" baseline="0" noProof="0" dirty="0">
+              <a:ln w="18415" cmpd="sng">
+                <a:noFill/>
+                <a:prstDash val="solid"/>
+              </a:ln>
+              <a:solidFill>
+                <a:srgbClr val="9BBB59">
+                  <a:lumMod val="50000"/>
+                </a:srgbClr>
+              </a:solidFill>
+              <a:effectLst>
+                <a:outerShdw dist="38100" dir="5400000" algn="t" rotWithShape="0">
+                  <a:sysClr val="window" lastClr="FFFFFF">
+                    <a:alpha val="55000"/>
+                  </a:sysClr>
+                </a:outerShdw>
+              </a:effectLst>
+              <a:uLnTx/>
+              <a:uFillTx/>
+              <a:latin typeface="Adidas Unity" pitchFamily="2" charset="0"/>
+              <a:ea typeface="微软雅黑" pitchFamily="34" charset="-122"/>
+              <a:cs typeface="Times New Roman" pitchFamily="18" charset="0"/>
+            </a:endParaRPr>
+          </a:p>
+        </p:txBody>
+      </p:sp>
+      <p:sp>
+        <p:nvSpPr>
+          <p:cNvPr id="8" name="TextBox 7">
+            <a:extLst>
+              <a:ext uri="{FF2B5EF4-FFF2-40B4-BE49-F238E27FC236}">
+                <a16:creationId xmlns:a16="http://schemas.microsoft.com/office/drawing/2014/main" id="{F00C7FA7-B6AE-4FF6-989D-D4F6045524E9}"/>
+              </a:ext>
+            </a:extLst>
+          </p:cNvPr>
+          <p:cNvSpPr txBox="1"/>
+          <p:nvPr/>
+        </p:nvSpPr>
+        <p:spPr>
+          <a:xfrm>
+            <a:off x="4224512" y="3768561"/>
+            <a:ext cx="1030393" cy="584775"/>
+          </a:xfrm>
+          <a:prstGeom prst="rect">
+            <a:avLst/>
+          </a:prstGeom>
+          <a:noFill/>
+        </p:spPr>
+        <p:txBody>
+          <a:bodyPr wrap="square" rtlCol="0">
+            <a:spAutoFit/>
+          </a:bodyPr>
+          <a:lstStyle>
+            <a:defPPr>
+              <a:defRPr lang="en-US"/>
+            </a:defPPr>
+            <a:lvl1pPr lvl="0">
+              <a:lnSpc>
+                <a:spcPct val="80000"/>
+              </a:lnSpc>
+              <a:defRPr sz="4400" b="1" kern="0">
+                <a:ln w="18415" cmpd="sng">
+                  <a:noFill/>
+                  <a:prstDash val="solid"/>
+                </a:ln>
+                <a:solidFill>
+                  <a:srgbClr val="FFC000"/>
+                </a:solidFill>
+                <a:latin typeface="Agency FB" pitchFamily="34" charset="0"/>
+                <a:ea typeface="微软雅黑" pitchFamily="34" charset="-122"/>
+              </a:defRPr>
+            </a:lvl1pPr>
+          </a:lstStyle>
+          <a:p>
+            <a:pPr marL="0" marR="0" lvl="0" indent="0" algn="ctr" defTabSz="914400" eaLnBrk="1" fontAlgn="auto" latinLnBrk="0" hangingPunct="1">
+              <a:lnSpc>
+                <a:spcPct val="80000"/>
+              </a:lnSpc>
+              <a:spcBef>
+                <a:spcPts val="0"/>
+              </a:spcBef>
+              <a:spcAft>
+                <a:spcPts val="0"/>
+              </a:spcAft>
+              <a:buClrTx/>
+              <a:buSzTx/>
+              <a:buFontTx/>
+              <a:buNone/>
+              <a:tabLst/>
+              <a:defRPr/>
+            </a:pPr>
+            <a:r>
+              <a:rPr lang="en-US" altLang="zh-CN" sz="4000" dirty="0">
+                <a:solidFill>
+                  <a:srgbClr val="0070C0"/>
+                </a:solidFill>
+                <a:effectLst>
+                  <a:outerShdw dist="38100" dir="5400000" algn="t" rotWithShape="0">
+                    <a:sysClr val="window" lastClr="FFFFFF">
+                      <a:alpha val="55000"/>
+                    </a:sysClr>
+                  </a:outerShdw>
+                </a:effectLst>
+                <a:latin typeface="Adidas Unity" pitchFamily="2" charset="0"/>
+                <a:cs typeface="Times New Roman" pitchFamily="18" charset="0"/>
+              </a:rPr>
+              <a:t>JDK</a:t>
+            </a:r>
+            <a:endParaRPr kumimoji="0" lang="zh-CN" altLang="en-US" sz="4000" b="1" i="0" u="none" strike="noStrike" kern="0" cap="none" spc="0" normalizeH="0" baseline="0" noProof="0" dirty="0">
+              <a:ln w="18415" cmpd="sng">
+                <a:noFill/>
+                <a:prstDash val="solid"/>
+              </a:ln>
+              <a:solidFill>
+                <a:srgbClr val="0070C0"/>
+              </a:solidFill>
+              <a:effectLst>
+                <a:outerShdw dist="38100" dir="5400000" algn="t" rotWithShape="0">
+                  <a:sysClr val="window" lastClr="FFFFFF">
+                    <a:alpha val="55000"/>
+                  </a:sysClr>
+                </a:outerShdw>
+              </a:effectLst>
+              <a:uLnTx/>
+              <a:uFillTx/>
+              <a:latin typeface="Adidas Unity" pitchFamily="2" charset="0"/>
+              <a:ea typeface="微软雅黑" pitchFamily="34" charset="-122"/>
+              <a:cs typeface="Times New Roman" pitchFamily="18" charset="0"/>
+            </a:endParaRPr>
+          </a:p>
+        </p:txBody>
+      </p:sp>
+      <p:sp>
+        <p:nvSpPr>
+          <p:cNvPr id="9" name="TextBox 8">
+            <a:extLst>
+              <a:ext uri="{FF2B5EF4-FFF2-40B4-BE49-F238E27FC236}">
+                <a16:creationId xmlns:a16="http://schemas.microsoft.com/office/drawing/2014/main" id="{26D7D2D6-90C1-46B1-9CAA-89E1723E601C}"/>
+              </a:ext>
+            </a:extLst>
+          </p:cNvPr>
+          <p:cNvSpPr txBox="1"/>
+          <p:nvPr/>
+        </p:nvSpPr>
+        <p:spPr>
+          <a:xfrm>
+            <a:off x="8910567" y="4047882"/>
+            <a:ext cx="968614" cy="584775"/>
+          </a:xfrm>
+          <a:prstGeom prst="rect">
+            <a:avLst/>
+          </a:prstGeom>
+          <a:noFill/>
+        </p:spPr>
+        <p:txBody>
+          <a:bodyPr wrap="square" rtlCol="0">
+            <a:spAutoFit/>
+          </a:bodyPr>
+          <a:lstStyle>
+            <a:defPPr>
+              <a:defRPr lang="en-US"/>
+            </a:defPPr>
+            <a:lvl1pPr lvl="0">
+              <a:lnSpc>
+                <a:spcPct val="80000"/>
+              </a:lnSpc>
+              <a:defRPr sz="4400" b="1" kern="0">
+                <a:ln w="18415" cmpd="sng">
+                  <a:noFill/>
+                  <a:prstDash val="solid"/>
+                </a:ln>
+                <a:solidFill>
+                  <a:srgbClr val="FFC000"/>
+                </a:solidFill>
+                <a:latin typeface="Agency FB" pitchFamily="34" charset="0"/>
+                <a:ea typeface="微软雅黑" pitchFamily="34" charset="-122"/>
+              </a:defRPr>
+            </a:lvl1pPr>
+          </a:lstStyle>
+          <a:p>
+            <a:pPr marL="0" marR="0" lvl="0" indent="0" algn="ctr" defTabSz="914400" eaLnBrk="1" fontAlgn="auto" latinLnBrk="0" hangingPunct="1">
+              <a:lnSpc>
+                <a:spcPct val="80000"/>
+              </a:lnSpc>
+              <a:spcBef>
+                <a:spcPts val="0"/>
+              </a:spcBef>
+              <a:spcAft>
+                <a:spcPts val="0"/>
+              </a:spcAft>
+              <a:buClrTx/>
+              <a:buSzTx/>
+              <a:buFontTx/>
+              <a:buNone/>
+              <a:tabLst/>
+              <a:defRPr/>
+            </a:pPr>
+            <a:r>
+              <a:rPr lang="en-US" altLang="zh-CN" sz="4000" dirty="0">
+                <a:solidFill>
+                  <a:srgbClr val="9BBB59">
+                    <a:lumMod val="50000"/>
+                  </a:srgbClr>
+                </a:solidFill>
+                <a:effectLst>
+                  <a:outerShdw dist="38100" dir="5400000" algn="t" rotWithShape="0">
+                    <a:sysClr val="window" lastClr="FFFFFF">
+                      <a:alpha val="55000"/>
+                    </a:sysClr>
+                  </a:outerShdw>
+                </a:effectLst>
+                <a:latin typeface="Adidas Unity" pitchFamily="2" charset="0"/>
+                <a:cs typeface="Times New Roman" pitchFamily="18" charset="0"/>
+              </a:rPr>
+              <a:t>JRE</a:t>
+            </a:r>
+            <a:endParaRPr kumimoji="0" lang="zh-CN" altLang="en-US" sz="4000" b="1" i="0" u="none" strike="noStrike" kern="0" cap="none" spc="0" normalizeH="0" baseline="0" noProof="0" dirty="0">
+              <a:ln w="18415" cmpd="sng">
+                <a:noFill/>
+                <a:prstDash val="solid"/>
+              </a:ln>
+              <a:solidFill>
+                <a:srgbClr val="9BBB59">
+                  <a:lumMod val="50000"/>
+                </a:srgbClr>
+              </a:solidFill>
+              <a:effectLst>
+                <a:outerShdw dist="38100" dir="5400000" algn="t" rotWithShape="0">
+                  <a:sysClr val="window" lastClr="FFFFFF">
+                    <a:alpha val="55000"/>
+                  </a:sysClr>
+                </a:outerShdw>
+              </a:effectLst>
+              <a:uLnTx/>
+              <a:uFillTx/>
+              <a:latin typeface="Adidas Unity" pitchFamily="2" charset="0"/>
+              <a:ea typeface="微软雅黑" pitchFamily="34" charset="-122"/>
+              <a:cs typeface="Times New Roman" pitchFamily="18" charset="0"/>
+            </a:endParaRPr>
+          </a:p>
+        </p:txBody>
+      </p:sp>
+      <p:sp>
+        <p:nvSpPr>
+          <p:cNvPr id="12" name="Title 1">
+            <a:extLst>
+              <a:ext uri="{FF2B5EF4-FFF2-40B4-BE49-F238E27FC236}">
+                <a16:creationId xmlns:a16="http://schemas.microsoft.com/office/drawing/2014/main" id="{D0088131-D552-4D59-A9E3-F1E9A3C430CF}"/>
               </a:ext>
             </a:extLst>
           </p:cNvPr>
@@ -9330,94 +12884,47 @@
             <p:ph type="title"/>
           </p:nvPr>
         </p:nvSpPr>
-        <p:spPr/>
-        <p:txBody>
-          <a:bodyPr/>
+        <p:spPr>
+          <a:xfrm>
+            <a:off x="1863721" y="519863"/>
+            <a:ext cx="2592532" cy="996346"/>
+          </a:xfrm>
+        </p:spPr>
+        <p:txBody>
+          <a:bodyPr>
+            <a:normAutofit/>
+          </a:bodyPr>
           <a:lstStyle/>
           <a:p>
             <a:r>
-              <a:rPr lang="en-US" altLang="zh-CN" dirty="0"/>
-              <a:t>Java</a:t>
-            </a:r>
-            <a:r>
-              <a:rPr lang="zh-CN" altLang="en-US" dirty="0"/>
-              <a:t>简介</a:t>
-            </a:r>
-            <a:endParaRPr lang="en-US" dirty="0"/>
-          </a:p>
-        </p:txBody>
-      </p:sp>
-      <p:sp>
-        <p:nvSpPr>
-          <p:cNvPr id="3" name="Content Placeholder 2">
-            <a:extLst>
-              <a:ext uri="{FF2B5EF4-FFF2-40B4-BE49-F238E27FC236}">
-                <a16:creationId xmlns:a16="http://schemas.microsoft.com/office/drawing/2014/main" id="{99987350-8F9A-4130-921C-47EA98223562}"/>
-              </a:ext>
-            </a:extLst>
-          </p:cNvPr>
-          <p:cNvSpPr>
-            <a:spLocks noGrp="1"/>
-          </p:cNvSpPr>
-          <p:nvPr>
-            <p:ph idx="1"/>
-          </p:nvPr>
-        </p:nvSpPr>
-        <p:spPr/>
-        <p:txBody>
-          <a:bodyPr/>
-          <a:lstStyle/>
-          <a:p>
-            <a:r>
-              <a:rPr lang="en-US" dirty="0"/>
-              <a:t>JVM</a:t>
-            </a:r>
-          </a:p>
-          <a:p>
-            <a:r>
-              <a:rPr lang="en-US" altLang="zh-CN" dirty="0"/>
-              <a:t>java</a:t>
-            </a:r>
-            <a:r>
-              <a:rPr lang="zh-CN" altLang="en-US" dirty="0"/>
-              <a:t>程序运行过程</a:t>
-            </a:r>
-            <a:endParaRPr lang="en-US" altLang="zh-CN" dirty="0"/>
-          </a:p>
-          <a:p>
-            <a:r>
-              <a:rPr lang="en-US" altLang="zh-CN" dirty="0"/>
-              <a:t>JDK</a:t>
-            </a:r>
-            <a:r>
-              <a:rPr lang="zh-CN" altLang="en-US" dirty="0"/>
-              <a:t>和</a:t>
-            </a:r>
-            <a:r>
-              <a:rPr lang="en-US" altLang="zh-CN" dirty="0"/>
-              <a:t>JRE</a:t>
-            </a:r>
-          </a:p>
-          <a:p>
-            <a:r>
-              <a:rPr lang="zh-CN" altLang="en-US" dirty="0"/>
-              <a:t>跨平台</a:t>
-            </a:r>
-            <a:endParaRPr lang="en-US" altLang="zh-CN" dirty="0"/>
-          </a:p>
-          <a:p>
-            <a:r>
-              <a:rPr lang="zh-CN" altLang="en-US" dirty="0"/>
-              <a:t>面向对象</a:t>
-            </a:r>
-            <a:endParaRPr lang="en-US" altLang="zh-CN" dirty="0"/>
+              <a:rPr lang="en-US" sz="4400" b="1" kern="0" dirty="0">
+                <a:ln w="18415" cmpd="sng">
+                  <a:noFill/>
+                  <a:prstDash val="solid"/>
+                </a:ln>
+                <a:solidFill>
+                  <a:srgbClr val="826300"/>
+                </a:solidFill>
+                <a:effectLst>
+                  <a:outerShdw dist="38100" dir="5400000" algn="t" rotWithShape="0">
+                    <a:sysClr val="window" lastClr="FFFFFF">
+                      <a:alpha val="55000"/>
+                    </a:sysClr>
+                  </a:outerShdw>
+                </a:effectLst>
+                <a:latin typeface="Adidas Unity" pitchFamily="2" charset="0"/>
+                <a:ea typeface="微软雅黑" pitchFamily="34" charset="-122"/>
+                <a:cs typeface="Times New Roman" pitchFamily="18" charset="0"/>
+              </a:rPr>
+              <a:t>JDK &amp; JRE</a:t>
+            </a:r>
           </a:p>
         </p:txBody>
       </p:sp>
     </p:spTree>
     <p:extLst>
       <p:ext uri="{BB962C8B-B14F-4D97-AF65-F5344CB8AC3E}">
-        <p14:creationId xmlns:p14="http://schemas.microsoft.com/office/powerpoint/2010/main" val="400496305"/>
+        <p14:creationId xmlns:p14="http://schemas.microsoft.com/office/powerpoint/2010/main" val="2798089207"/>
       </p:ext>
     </p:extLst>
   </p:cSld>
@@ -9501,7 +13008,7 @@
             <p:ph idx="1"/>
             <p:extLst>
               <p:ext uri="{D42A27DB-BD31-4B8C-83A1-F6EECF244321}">
-                <p14:modId xmlns:p14="http://schemas.microsoft.com/office/powerpoint/2010/main" val="1658378787"/>
+                <p14:modId xmlns:p14="http://schemas.microsoft.com/office/powerpoint/2010/main" val="2572814240"/>
               </p:ext>
             </p:extLst>
           </p:nvPr>
@@ -9800,14 +13307,33 @@
                     <a:bodyPr/>
                     <a:lstStyle/>
                     <a:p>
-                      <a:pPr algn="ctr" fontAlgn="ctr"/>
-                      <a:endParaRPr lang="en-US" sz="2000" b="0" i="0" u="none" strike="noStrike" dirty="0">
-                        <a:solidFill>
-                          <a:srgbClr val="333333"/>
-                        </a:solidFill>
-                        <a:effectLst/>
-                        <a:latin typeface="Georgia" panose="02040502050405020303" pitchFamily="18" charset="0"/>
-                      </a:endParaRPr>
+                      <a:pPr marL="0" marR="0" lvl="0" indent="0" algn="ctr" defTabSz="457200" rtl="0" eaLnBrk="1" fontAlgn="ctr" latinLnBrk="0" hangingPunct="1">
+                        <a:lnSpc>
+                          <a:spcPct val="100000"/>
+                        </a:lnSpc>
+                        <a:spcBef>
+                          <a:spcPts val="0"/>
+                        </a:spcBef>
+                        <a:spcAft>
+                          <a:spcPts val="0"/>
+                        </a:spcAft>
+                        <a:buClrTx/>
+                        <a:buSzTx/>
+                        <a:buFontTx/>
+                        <a:buNone/>
+                        <a:tabLst/>
+                        <a:defRPr/>
+                      </a:pPr>
+                      <a:r>
+                        <a:rPr lang="en-US" sz="2000" b="0" i="0" u="none" strike="noStrike" dirty="0">
+                          <a:solidFill>
+                            <a:srgbClr val="333333"/>
+                          </a:solidFill>
+                          <a:effectLst/>
+                          <a:latin typeface="Georgia" panose="02040502050405020303" pitchFamily="18" charset="0"/>
+                        </a:rPr>
+                        <a:t>Visual Studio(VS)</a:t>
+                      </a:r>
                     </a:p>
                   </a:txBody>
                   <a:tcPr marL="6350" marR="6350" marT="19050" marB="19050" anchor="ctr"/>
@@ -9882,14 +13408,33 @@
                     <a:bodyPr/>
                     <a:lstStyle/>
                     <a:p>
-                      <a:pPr algn="ctr" fontAlgn="ctr"/>
-                      <a:endParaRPr lang="en-US" sz="2000" b="0" i="0" u="none" strike="noStrike" dirty="0">
-                        <a:solidFill>
-                          <a:srgbClr val="333333"/>
-                        </a:solidFill>
-                        <a:effectLst/>
-                        <a:latin typeface="Georgia" panose="02040502050405020303" pitchFamily="18" charset="0"/>
-                      </a:endParaRPr>
+                      <a:pPr marL="0" marR="0" lvl="0" indent="0" algn="ctr" defTabSz="457200" rtl="0" eaLnBrk="1" fontAlgn="ctr" latinLnBrk="0" hangingPunct="1">
+                        <a:lnSpc>
+                          <a:spcPct val="100000"/>
+                        </a:lnSpc>
+                        <a:spcBef>
+                          <a:spcPts val="0"/>
+                        </a:spcBef>
+                        <a:spcAft>
+                          <a:spcPts val="0"/>
+                        </a:spcAft>
+                        <a:buClrTx/>
+                        <a:buSzTx/>
+                        <a:buFontTx/>
+                        <a:buNone/>
+                        <a:tabLst/>
+                        <a:defRPr/>
+                      </a:pPr>
+                      <a:r>
+                        <a:rPr lang="en-US" sz="2000" b="0" i="0" u="none" strike="noStrike" dirty="0">
+                          <a:solidFill>
+                            <a:srgbClr val="333333"/>
+                          </a:solidFill>
+                          <a:effectLst/>
+                          <a:latin typeface="Georgia" panose="02040502050405020303" pitchFamily="18" charset="0"/>
+                        </a:rPr>
+                        <a:t>Visual Studio(VS)</a:t>
+                      </a:r>
                     </a:p>
                   </a:txBody>
                   <a:tcPr marL="6350" marR="6350" marT="19050" marB="19050" anchor="ctr"/>
@@ -10040,14 +13585,33 @@
                     <a:bodyPr/>
                     <a:lstStyle/>
                     <a:p>
-                      <a:pPr algn="ctr" fontAlgn="ctr"/>
-                      <a:endParaRPr lang="en-US" sz="2000" b="0" i="0" u="none" strike="noStrike" dirty="0">
-                        <a:solidFill>
-                          <a:srgbClr val="333333"/>
-                        </a:solidFill>
-                        <a:effectLst/>
-                        <a:latin typeface="Georgia" panose="02040502050405020303" pitchFamily="18" charset="0"/>
-                      </a:endParaRPr>
+                      <a:pPr marL="0" marR="0" lvl="0" indent="0" algn="ctr" defTabSz="457200" rtl="0" eaLnBrk="1" fontAlgn="ctr" latinLnBrk="0" hangingPunct="1">
+                        <a:lnSpc>
+                          <a:spcPct val="100000"/>
+                        </a:lnSpc>
+                        <a:spcBef>
+                          <a:spcPts val="0"/>
+                        </a:spcBef>
+                        <a:spcAft>
+                          <a:spcPts val="0"/>
+                        </a:spcAft>
+                        <a:buClrTx/>
+                        <a:buSzTx/>
+                        <a:buFontTx/>
+                        <a:buNone/>
+                        <a:tabLst/>
+                        <a:defRPr/>
+                      </a:pPr>
+                      <a:r>
+                        <a:rPr lang="en-US" sz="2000" b="0" i="0" u="none" strike="noStrike" dirty="0">
+                          <a:solidFill>
+                            <a:srgbClr val="333333"/>
+                          </a:solidFill>
+                          <a:effectLst/>
+                          <a:latin typeface="Georgia" panose="02040502050405020303" pitchFamily="18" charset="0"/>
+                        </a:rPr>
+                        <a:t>Visual Studio(VS)</a:t>
+                      </a:r>
                     </a:p>
                   </a:txBody>
                   <a:tcPr marL="6350" marR="6350" marT="19050" marB="19050" anchor="ctr"/>
@@ -10677,7 +14241,7 @@
             <p:ph idx="1"/>
             <p:extLst>
               <p:ext uri="{D42A27DB-BD31-4B8C-83A1-F6EECF244321}">
-                <p14:modId xmlns:p14="http://schemas.microsoft.com/office/powerpoint/2010/main" val="2680247637"/>
+                <p14:modId xmlns:p14="http://schemas.microsoft.com/office/powerpoint/2010/main" val="3601752207"/>
               </p:ext>
             </p:extLst>
           </p:nvPr>
@@ -10821,6 +14385,26 @@
                     <a:lstStyle/>
                     <a:p>
                       <a:pPr algn="l" fontAlgn="ctr"/>
+                      <a:r>
+                        <a:rPr lang="en-US" sz="2000" b="0" i="0" u="none" strike="noStrike" dirty="0">
+                          <a:solidFill>
+                            <a:srgbClr val="333333"/>
+                          </a:solidFill>
+                          <a:effectLst/>
+                          <a:latin typeface="Georgia" panose="02040502050405020303" pitchFamily="18" charset="0"/>
+                        </a:rPr>
+                        <a:t>Unity </a:t>
+                      </a:r>
+                      <a:r>
+                        <a:rPr lang="en-US" altLang="zh-CN" sz="2000" b="0" i="0" u="none" strike="noStrike" dirty="0">
+                          <a:solidFill>
+                            <a:srgbClr val="333333"/>
+                          </a:solidFill>
+                          <a:effectLst/>
+                          <a:latin typeface="Georgia" panose="02040502050405020303" pitchFamily="18" charset="0"/>
+                        </a:rPr>
+                        <a:t>/ Castle Windsor</a:t>
+                      </a:r>
                       <a:endParaRPr lang="en-US" sz="2000" b="0" i="0" u="none" strike="noStrike" dirty="0">
                         <a:solidFill>
                           <a:srgbClr val="333333"/>
@@ -10869,18 +14453,24 @@
                     <a:p>
                       <a:pPr algn="ctr" fontAlgn="ctr"/>
                       <a:r>
-                        <a:rPr lang="en-US" sz="2400" b="1" u="none" strike="noStrike">
+                        <a:rPr lang="en-US" sz="2400" b="1" u="none" strike="noStrike" dirty="0">
                           <a:effectLst/>
                         </a:rPr>
                         <a:t>Web</a:t>
                       </a:r>
                       <a:r>
-                        <a:rPr lang="zh-CN" altLang="en-US" sz="2400" b="1" u="none" strike="noStrike">
+                        <a:rPr lang="zh-CN" altLang="en-US" sz="2400" b="1" u="none" strike="noStrike" dirty="0">
                           <a:effectLst/>
                         </a:rPr>
-                        <a:t>核心</a:t>
+                        <a:t> </a:t>
                       </a:r>
-                      <a:endParaRPr lang="zh-CN" altLang="en-US" sz="2400" b="1" i="0" u="none" strike="noStrike">
+                      <a:r>
+                        <a:rPr lang="en-US" altLang="zh-CN" sz="2400" b="1" u="none" strike="noStrike" dirty="0">
+                          <a:effectLst/>
+                        </a:rPr>
+                        <a:t>Core</a:t>
+                      </a:r>
+                      <a:endParaRPr lang="zh-CN" altLang="en-US" sz="2400" b="1" i="0" u="none" strike="noStrike" dirty="0">
                         <a:solidFill>
                           <a:srgbClr val="333333"/>
                         </a:solidFill>
@@ -10921,12 +14511,12 @@
                     <a:p>
                       <a:pPr algn="l" fontAlgn="ctr"/>
                       <a:r>
-                        <a:rPr lang="en-US" sz="2000" u="none" strike="noStrike">
+                        <a:rPr lang="en-US" sz="2000" u="none" strike="noStrike" dirty="0">
                           <a:effectLst/>
                         </a:rPr>
                         <a:t>Servlet / JSP</a:t>
                       </a:r>
-                      <a:endParaRPr lang="en-US" sz="2000" b="0" i="0" u="none" strike="noStrike">
+                      <a:endParaRPr lang="en-US" sz="2000" b="0" i="0" u="none" strike="noStrike" dirty="0">
                         <a:solidFill>
                           <a:srgbClr val="333333"/>
                         </a:solidFill>
@@ -11003,12 +14593,12 @@
                     <a:p>
                       <a:pPr algn="l" fontAlgn="ctr"/>
                       <a:r>
-                        <a:rPr lang="en-US" sz="2000" u="none" strike="noStrike">
+                        <a:rPr lang="en-US" sz="2000" u="none" strike="noStrike" dirty="0">
                           <a:effectLst/>
                         </a:rPr>
                         <a:t>Spring MVC</a:t>
                       </a:r>
-                      <a:endParaRPr lang="en-US" sz="2000" b="0" i="0" u="none" strike="noStrike">
+                      <a:endParaRPr lang="en-US" sz="2000" b="0" i="0" u="none" strike="noStrike" dirty="0">
                         <a:solidFill>
                           <a:srgbClr val="333333"/>
                         </a:solidFill>
@@ -11132,12 +14722,12 @@
                     <a:p>
                       <a:pPr algn="l" fontAlgn="ctr"/>
                       <a:r>
-                        <a:rPr lang="en-US" sz="2000" u="none" strike="noStrike">
+                        <a:rPr lang="en-US" sz="2000" u="none" strike="noStrike" dirty="0">
                           <a:effectLst/>
                         </a:rPr>
-                        <a:t> </a:t>
+                        <a:t> ADO.NET</a:t>
                       </a:r>
-                      <a:endParaRPr lang="en-US" sz="2000" b="0" i="0" u="none" strike="noStrike">
+                      <a:endParaRPr lang="en-US" sz="2000" b="0" i="0" u="none" strike="noStrike" dirty="0">
                         <a:solidFill>
                           <a:srgbClr val="333333"/>
                         </a:solidFill>
@@ -11170,7 +14760,7 @@
                         <a:rPr lang="en-US" altLang="zh-CN" sz="2000" u="none" strike="noStrike" dirty="0">
                           <a:effectLst/>
                         </a:rPr>
-                        <a:t>/Oracle JDBC</a:t>
+                        <a:t>/JDBC</a:t>
                       </a:r>
                       <a:endParaRPr lang="en-US" sz="2000" b="0" i="0" u="none" strike="noStrike" dirty="0">
                         <a:solidFill>
@@ -11218,20 +14808,19 @@
                     <a:bodyPr/>
                     <a:lstStyle/>
                     <a:p>
-                      <a:pPr algn="l" fontAlgn="b"/>
+                      <a:pPr marL="0" algn="l" defTabSz="457200" rtl="0" eaLnBrk="1" fontAlgn="ctr" latinLnBrk="0" hangingPunct="1"/>
                       <a:r>
-                        <a:rPr lang="en-US" sz="2000" u="none" strike="noStrike">
+                        <a:rPr lang="en-US" sz="2000" u="none" strike="noStrike" kern="1200" dirty="0">
+                          <a:solidFill>
+                            <a:schemeClr val="dk1"/>
+                          </a:solidFill>
                           <a:effectLst/>
+                          <a:latin typeface="+mn-lt"/>
+                          <a:ea typeface="+mn-ea"/>
+                          <a:cs typeface="+mn-cs"/>
                         </a:rPr>
-                        <a:t> </a:t>
+                        <a:t>log4net</a:t>
                       </a:r>
-                      <a:endParaRPr lang="en-US" sz="2000" b="0" i="0" u="none" strike="noStrike">
-                        <a:solidFill>
-                          <a:srgbClr val="000000"/>
-                        </a:solidFill>
-                        <a:effectLst/>
-                        <a:latin typeface="Calibri" panose="020F0502020204030204" pitchFamily="34" charset="0"/>
-                      </a:endParaRPr>
                     </a:p>
                   </a:txBody>
                   <a:tcPr marL="6350" marR="6350" marT="6350" marB="0" anchor="b"/>
@@ -11246,7 +14835,7 @@
                         <a:rPr lang="en-US" sz="2000" u="none" strike="noStrike" dirty="0">
                           <a:effectLst/>
                         </a:rPr>
-                        <a:t>logback4j</a:t>
+                        <a:t>Logback4j</a:t>
                       </a:r>
                       <a:endParaRPr lang="en-US" sz="2000" b="0" i="0" u="none" strike="noStrike" dirty="0">
                         <a:solidFill>
@@ -11448,49 +15037,13 @@
           </a:p>
           <a:p>
             <a:r>
-              <a:rPr lang="en-US" altLang="zh-CN" dirty="0"/>
+              <a:rPr lang="en-US" altLang="zh-CN"/>
               <a:t>GIT</a:t>
             </a:r>
-          </a:p>
-          <a:p>
-            <a:r>
-              <a:rPr lang="en-US" altLang="zh-CN" dirty="0"/>
-              <a:t>Maven</a:t>
-            </a:r>
-            <a:endParaRPr lang="en-US" dirty="0"/>
-          </a:p>
-        </p:txBody>
-      </p:sp>
-      <p:pic>
-        <p:nvPicPr>
-          <p:cNvPr id="4" name="Picture 3">
-            <a:extLst>
-              <a:ext uri="{FF2B5EF4-FFF2-40B4-BE49-F238E27FC236}">
-                <a16:creationId xmlns:a16="http://schemas.microsoft.com/office/drawing/2014/main" id="{6B2B7BFB-14A6-450C-898C-157CCCE15EF5}"/>
-              </a:ext>
-            </a:extLst>
-          </p:cNvPr>
-          <p:cNvPicPr>
-            <a:picLocks noChangeAspect="1"/>
-          </p:cNvPicPr>
-          <p:nvPr/>
-        </p:nvPicPr>
-        <p:blipFill>
-          <a:blip r:embed="rId2"/>
-          <a:stretch>
-            <a:fillRect/>
-          </a:stretch>
-        </p:blipFill>
-        <p:spPr>
-          <a:xfrm>
-            <a:off x="2586085" y="3538440"/>
-            <a:ext cx="8918527" cy="1985668"/>
-          </a:xfrm>
-          <a:prstGeom prst="rect">
-            <a:avLst/>
-          </a:prstGeom>
-        </p:spPr>
-      </p:pic>
+            <a:endParaRPr lang="en-US" altLang="zh-CN" dirty="0"/>
+          </a:p>
+        </p:txBody>
+      </p:sp>
     </p:spTree>
     <p:extLst>
       <p:ext uri="{BB962C8B-B14F-4D97-AF65-F5344CB8AC3E}">

--- a/201805/JAVA 基础介绍.pptx
+++ b/201805/JAVA 基础介绍.pptx
@@ -5,7 +5,7 @@
     <p:sldMasterId id="2147483648" r:id="rId1"/>
   </p:sldMasterIdLst>
   <p:notesMasterIdLst>
-    <p:notesMasterId r:id="rId17"/>
+    <p:notesMasterId r:id="rId15"/>
   </p:notesMasterIdLst>
   <p:sldIdLst>
     <p:sldId id="277" r:id="rId2"/>
@@ -13,16 +13,14 @@
     <p:sldId id="278" r:id="rId4"/>
     <p:sldId id="279" r:id="rId5"/>
     <p:sldId id="259" r:id="rId6"/>
-    <p:sldId id="260" r:id="rId7"/>
-    <p:sldId id="261" r:id="rId8"/>
-    <p:sldId id="264" r:id="rId9"/>
-    <p:sldId id="273" r:id="rId10"/>
-    <p:sldId id="271" r:id="rId11"/>
+    <p:sldId id="261" r:id="rId7"/>
+    <p:sldId id="264" r:id="rId8"/>
+    <p:sldId id="273" r:id="rId9"/>
+    <p:sldId id="280" r:id="rId10"/>
+    <p:sldId id="281" r:id="rId11"/>
     <p:sldId id="265" r:id="rId12"/>
-    <p:sldId id="275" r:id="rId13"/>
-    <p:sldId id="276" r:id="rId14"/>
-    <p:sldId id="274" r:id="rId15"/>
-    <p:sldId id="269" r:id="rId16"/>
+    <p:sldId id="282" r:id="rId13"/>
+    <p:sldId id="269" r:id="rId14"/>
   </p:sldIdLst>
   <p:sldSz cx="12192000" cy="6858000"/>
   <p:notesSz cx="6858000" cy="9144000"/>
@@ -215,7 +213,7 @@
           <a:p>
             <a:fld id="{820C2EA8-DE5A-4AA6-B918-4FCC223A8B73}" type="datetimeFigureOut">
               <a:rPr lang="en-US" smtClean="0"/>
-              <a:t>5/29/2018</a:t>
+              <a:t>6/4/2018</a:t>
             </a:fld>
             <a:endParaRPr lang="en-US"/>
           </a:p>
@@ -610,64 +608,6 @@
           <a:bodyPr/>
           <a:lstStyle/>
           <a:p>
-            <a:pPr marL="57150" lvl="0" indent="0">
-              <a:buNone/>
-            </a:pPr>
-            <a:r>
-              <a:rPr lang="en-US" altLang="zh-CN" dirty="0" err="1"/>
-              <a:t>GroupId</a:t>
-            </a:r>
-            <a:r>
-              <a:rPr lang="en-US" altLang="zh-CN" dirty="0"/>
-              <a:t>  </a:t>
-            </a:r>
-            <a:r>
-              <a:rPr lang="zh-CN" altLang="en-US" dirty="0"/>
-              <a:t>组织标识，必须</a:t>
-            </a:r>
-            <a:r>
-              <a:rPr lang="en-US" altLang="zh-CN" dirty="0"/>
-              <a:t>java</a:t>
-            </a:r>
-            <a:r>
-              <a:rPr lang="zh-CN" altLang="en-US" dirty="0"/>
-              <a:t>包的前缀保持一致</a:t>
-            </a:r>
-            <a:endParaRPr lang="en-US" altLang="zh-CN" dirty="0"/>
-          </a:p>
-          <a:p>
-            <a:pPr marL="57150" lvl="0" indent="0">
-              <a:buNone/>
-            </a:pPr>
-            <a:r>
-              <a:rPr lang="en-US" altLang="zh-CN" dirty="0" err="1"/>
-              <a:t>ArtifactId</a:t>
-            </a:r>
-            <a:r>
-              <a:rPr lang="en-US" altLang="zh-CN" dirty="0"/>
-              <a:t> </a:t>
-            </a:r>
-            <a:r>
-              <a:rPr lang="zh-CN" altLang="en-US" dirty="0"/>
-              <a:t>工程名，以横线（减号）为单词分隔符，所有单词都小写，必须使用字母开头</a:t>
-            </a:r>
-            <a:endParaRPr lang="en-US" altLang="zh-CN" dirty="0"/>
-          </a:p>
-          <a:p>
-            <a:pPr marL="57150" lvl="0" indent="0">
-              <a:buNone/>
-            </a:pPr>
-            <a:r>
-              <a:rPr lang="en-US" altLang="zh-CN" dirty="0"/>
-              <a:t>Version </a:t>
-            </a:r>
-            <a:r>
-              <a:rPr lang="zh-CN" altLang="en-US" dirty="0"/>
-              <a:t>版本号</a:t>
-            </a:r>
-            <a:endParaRPr lang="en-US" altLang="zh-CN" dirty="0"/>
-          </a:p>
-          <a:p>
             <a:endParaRPr lang="en-US" dirty="0"/>
           </a:p>
         </p:txBody>
@@ -689,7 +629,7 @@
           <a:p>
             <a:fld id="{11532156-F9B5-41E3-ADB7-D297B9458FA2}" type="slidenum">
               <a:rPr lang="en-US" smtClean="0"/>
-              <a:t>12</a:t>
+              <a:t>10</a:t>
             </a:fld>
             <a:endParaRPr lang="en-US"/>
           </a:p>
@@ -698,7 +638,7 @@
     </p:spTree>
     <p:extLst>
       <p:ext uri="{BB962C8B-B14F-4D97-AF65-F5344CB8AC3E}">
-        <p14:creationId xmlns:p14="http://schemas.microsoft.com/office/powerpoint/2010/main" val="2007225177"/>
+        <p14:creationId xmlns:p14="http://schemas.microsoft.com/office/powerpoint/2010/main" val="913065341"/>
       </p:ext>
     </p:extLst>
   </p:cSld>
@@ -752,64 +692,6 @@
           <a:bodyPr/>
           <a:lstStyle/>
           <a:p>
-            <a:pPr marL="57150" lvl="0" indent="0">
-              <a:buNone/>
-            </a:pPr>
-            <a:r>
-              <a:rPr lang="en-US" altLang="zh-CN" dirty="0" err="1"/>
-              <a:t>GroupId</a:t>
-            </a:r>
-            <a:r>
-              <a:rPr lang="en-US" altLang="zh-CN" dirty="0"/>
-              <a:t>  </a:t>
-            </a:r>
-            <a:r>
-              <a:rPr lang="zh-CN" altLang="en-US" dirty="0"/>
-              <a:t>组织标识，必须</a:t>
-            </a:r>
-            <a:r>
-              <a:rPr lang="en-US" altLang="zh-CN" dirty="0"/>
-              <a:t>java</a:t>
-            </a:r>
-            <a:r>
-              <a:rPr lang="zh-CN" altLang="en-US" dirty="0"/>
-              <a:t>包的前缀保持一致</a:t>
-            </a:r>
-            <a:endParaRPr lang="en-US" altLang="zh-CN" dirty="0"/>
-          </a:p>
-          <a:p>
-            <a:pPr marL="57150" lvl="0" indent="0">
-              <a:buNone/>
-            </a:pPr>
-            <a:r>
-              <a:rPr lang="en-US" altLang="zh-CN" dirty="0" err="1"/>
-              <a:t>ArtifactId</a:t>
-            </a:r>
-            <a:r>
-              <a:rPr lang="en-US" altLang="zh-CN" dirty="0"/>
-              <a:t> </a:t>
-            </a:r>
-            <a:r>
-              <a:rPr lang="zh-CN" altLang="en-US" dirty="0"/>
-              <a:t>工程名，以横线（减号）为单词分隔符，所有单词都小写，必须使用字母开头</a:t>
-            </a:r>
-            <a:endParaRPr lang="en-US" altLang="zh-CN" dirty="0"/>
-          </a:p>
-          <a:p>
-            <a:pPr marL="57150" lvl="0" indent="0">
-              <a:buNone/>
-            </a:pPr>
-            <a:r>
-              <a:rPr lang="en-US" altLang="zh-CN" dirty="0"/>
-              <a:t>Version </a:t>
-            </a:r>
-            <a:r>
-              <a:rPr lang="zh-CN" altLang="en-US" dirty="0"/>
-              <a:t>版本号</a:t>
-            </a:r>
-            <a:endParaRPr lang="en-US" altLang="zh-CN" dirty="0"/>
-          </a:p>
-          <a:p>
             <a:endParaRPr lang="en-US" dirty="0"/>
           </a:p>
         </p:txBody>
@@ -831,7 +713,7 @@
           <a:p>
             <a:fld id="{11532156-F9B5-41E3-ADB7-D297B9458FA2}" type="slidenum">
               <a:rPr lang="en-US" smtClean="0"/>
-              <a:t>13</a:t>
+              <a:t>11</a:t>
             </a:fld>
             <a:endParaRPr lang="en-US"/>
           </a:p>
@@ -840,7 +722,7 @@
     </p:spTree>
     <p:extLst>
       <p:ext uri="{BB962C8B-B14F-4D97-AF65-F5344CB8AC3E}">
-        <p14:creationId xmlns:p14="http://schemas.microsoft.com/office/powerpoint/2010/main" val="331803734"/>
+        <p14:creationId xmlns:p14="http://schemas.microsoft.com/office/powerpoint/2010/main" val="3387967395"/>
       </p:ext>
     </p:extLst>
   </p:cSld>
@@ -1039,7 +921,7 @@
             <a:fld id="{B61BEF0D-F0BB-DE4B-95CE-6DB70DBA9567}" type="datetimeFigureOut">
               <a:rPr lang="en-US" dirty="0"/>
               <a:pPr/>
-              <a:t>5/29/2018</a:t>
+              <a:t>6/4/2018</a:t>
             </a:fld>
             <a:endParaRPr lang="en-US" dirty="0"/>
           </a:p>
@@ -1374,7 +1256,7 @@
             <a:fld id="{B61BEF0D-F0BB-DE4B-95CE-6DB70DBA9567}" type="datetimeFigureOut">
               <a:rPr lang="en-US" dirty="0"/>
               <a:pPr/>
-              <a:t>5/29/2018</a:t>
+              <a:t>6/4/2018</a:t>
             </a:fld>
             <a:endParaRPr lang="en-US" dirty="0"/>
           </a:p>
@@ -1772,7 +1654,7 @@
             <a:fld id="{B61BEF0D-F0BB-DE4B-95CE-6DB70DBA9567}" type="datetimeFigureOut">
               <a:rPr lang="en-US" dirty="0"/>
               <a:pPr/>
-              <a:t>5/29/2018</a:t>
+              <a:t>6/4/2018</a:t>
             </a:fld>
             <a:endParaRPr lang="en-US" dirty="0"/>
           </a:p>
@@ -2105,7 +1987,7 @@
             <a:fld id="{B61BEF0D-F0BB-DE4B-95CE-6DB70DBA9567}" type="datetimeFigureOut">
               <a:rPr lang="en-US" dirty="0"/>
               <a:pPr/>
-              <a:t>5/29/2018</a:t>
+              <a:t>6/4/2018</a:t>
             </a:fld>
             <a:endParaRPr lang="en-US" dirty="0"/>
           </a:p>
@@ -2422,7 +2304,7 @@
             <a:fld id="{B61BEF0D-F0BB-DE4B-95CE-6DB70DBA9567}" type="datetimeFigureOut">
               <a:rPr lang="en-US" dirty="0"/>
               <a:pPr/>
-              <a:t>5/29/2018</a:t>
+              <a:t>6/4/2018</a:t>
             </a:fld>
             <a:endParaRPr lang="en-US" dirty="0"/>
           </a:p>
@@ -2815,7 +2697,7 @@
             <a:fld id="{B61BEF0D-F0BB-DE4B-95CE-6DB70DBA9567}" type="datetimeFigureOut">
               <a:rPr lang="en-US" dirty="0"/>
               <a:pPr/>
-              <a:t>5/29/2018</a:t>
+              <a:t>6/4/2018</a:t>
             </a:fld>
             <a:endParaRPr lang="en-US" dirty="0"/>
           </a:p>
@@ -3069,7 +2951,7 @@
             <a:fld id="{B61BEF0D-F0BB-DE4B-95CE-6DB70DBA9567}" type="datetimeFigureOut">
               <a:rPr lang="en-US" dirty="0"/>
               <a:pPr/>
-              <a:t>5/29/2018</a:t>
+              <a:t>6/4/2018</a:t>
             </a:fld>
             <a:endParaRPr lang="en-US" dirty="0"/>
           </a:p>
@@ -3328,7 +3210,7 @@
             <a:fld id="{B61BEF0D-F0BB-DE4B-95CE-6DB70DBA9567}" type="datetimeFigureOut">
               <a:rPr lang="en-US" dirty="0"/>
               <a:pPr/>
-              <a:t>5/29/2018</a:t>
+              <a:t>6/4/2018</a:t>
             </a:fld>
             <a:endParaRPr lang="en-US" dirty="0"/>
           </a:p>
@@ -3587,7 +3469,7 @@
             <a:fld id="{B61BEF0D-F0BB-DE4B-95CE-6DB70DBA9567}" type="datetimeFigureOut">
               <a:rPr lang="en-US" dirty="0"/>
               <a:pPr/>
-              <a:t>5/29/2018</a:t>
+              <a:t>6/4/2018</a:t>
             </a:fld>
             <a:endParaRPr lang="en-US" dirty="0"/>
           </a:p>
@@ -3913,7 +3795,7 @@
             <a:fld id="{B61BEF0D-F0BB-DE4B-95CE-6DB70DBA9567}" type="datetimeFigureOut">
               <a:rPr lang="en-US" dirty="0"/>
               <a:pPr/>
-              <a:t>5/29/2018</a:t>
+              <a:t>6/4/2018</a:t>
             </a:fld>
             <a:endParaRPr lang="en-US" dirty="0"/>
           </a:p>
@@ -4233,7 +4115,7 @@
             <a:fld id="{B61BEF0D-F0BB-DE4B-95CE-6DB70DBA9567}" type="datetimeFigureOut">
               <a:rPr lang="en-US" dirty="0"/>
               <a:pPr/>
-              <a:t>5/29/2018</a:t>
+              <a:t>6/4/2018</a:t>
             </a:fld>
             <a:endParaRPr lang="en-US" dirty="0"/>
           </a:p>
@@ -4687,7 +4569,7 @@
             <a:fld id="{B61BEF0D-F0BB-DE4B-95CE-6DB70DBA9567}" type="datetimeFigureOut">
               <a:rPr lang="en-US" dirty="0"/>
               <a:pPr/>
-              <a:t>5/29/2018</a:t>
+              <a:t>6/4/2018</a:t>
             </a:fld>
             <a:endParaRPr lang="en-US" dirty="0"/>
           </a:p>
@@ -4889,7 +4771,7 @@
             <a:fld id="{B61BEF0D-F0BB-DE4B-95CE-6DB70DBA9567}" type="datetimeFigureOut">
               <a:rPr lang="en-US" dirty="0"/>
               <a:pPr/>
-              <a:t>5/29/2018</a:t>
+              <a:t>6/4/2018</a:t>
             </a:fld>
             <a:endParaRPr lang="en-US" dirty="0"/>
           </a:p>
@@ -5063,7 +4945,7 @@
             <a:fld id="{B61BEF0D-F0BB-DE4B-95CE-6DB70DBA9567}" type="datetimeFigureOut">
               <a:rPr lang="en-US" dirty="0"/>
               <a:pPr/>
-              <a:t>5/29/2018</a:t>
+              <a:t>6/4/2018</a:t>
             </a:fld>
             <a:endParaRPr lang="en-US" dirty="0"/>
           </a:p>
@@ -5393,7 +5275,7 @@
             <a:fld id="{B61BEF0D-F0BB-DE4B-95CE-6DB70DBA9567}" type="datetimeFigureOut">
               <a:rPr lang="en-US" dirty="0"/>
               <a:pPr/>
-              <a:t>5/29/2018</a:t>
+              <a:t>6/4/2018</a:t>
             </a:fld>
             <a:endParaRPr lang="en-US" dirty="0"/>
           </a:p>
@@ -5735,7 +5617,7 @@
             <a:fld id="{B61BEF0D-F0BB-DE4B-95CE-6DB70DBA9567}" type="datetimeFigureOut">
               <a:rPr lang="en-US" dirty="0"/>
               <a:pPr/>
-              <a:t>5/29/2018</a:t>
+              <a:t>6/4/2018</a:t>
             </a:fld>
             <a:endParaRPr lang="en-US" dirty="0"/>
           </a:p>
@@ -7849,7 +7731,7 @@
             <a:fld id="{B61BEF0D-F0BB-DE4B-95CE-6DB70DBA9567}" type="datetimeFigureOut">
               <a:rPr lang="en-US" dirty="0"/>
               <a:pPr/>
-              <a:t>5/29/2018</a:t>
+              <a:t>6/4/2018</a:t>
             </a:fld>
             <a:endParaRPr lang="en-US" dirty="0"/>
           </a:p>
@@ -9111,7 +8993,24 @@
                 <a:latin typeface="Adidas Unity" pitchFamily="2" charset="0"/>
                 <a:cs typeface="Times New Roman" pitchFamily="18" charset="0"/>
               </a:rPr>
-              <a:t>Hello World</a:t>
+              <a:t>Hello World </a:t>
+            </a:r>
+            <a:r>
+              <a:rPr lang="zh-CN" altLang="en-US" sz="2400" dirty="0">
+                <a:solidFill>
+                  <a:srgbClr val="826300"/>
+                </a:solidFill>
+                <a:effectLst>
+                  <a:outerShdw dist="38100" dir="5400000" algn="t" rotWithShape="0">
+                    <a:sysClr val="window" lastClr="FFFFFF">
+                      <a:alpha val="55000"/>
+                    </a:sysClr>
+                  </a:outerShdw>
+                </a:effectLst>
+                <a:latin typeface="Adidas Unity" pitchFamily="2" charset="0"/>
+                <a:cs typeface="Times New Roman" pitchFamily="18" charset="0"/>
+              </a:rPr>
+              <a:t>演示</a:t>
             </a:r>
             <a:endParaRPr kumimoji="0" lang="zh-CN" altLang="en-US" sz="2400" b="1" i="0" u="none" strike="noStrike" kern="0" cap="none" spc="0" normalizeH="0" baseline="0" noProof="0" dirty="0">
               <a:ln w="18415" cmpd="sng">
@@ -9280,104 +9179,1490 @@
       </p:grpSpPr>
       <p:sp>
         <p:nvSpPr>
-          <p:cNvPr id="2" name="Title 1">
+          <p:cNvPr id="4" name="矩形 2">
             <a:extLst>
               <a:ext uri="{FF2B5EF4-FFF2-40B4-BE49-F238E27FC236}">
-                <a16:creationId xmlns:a16="http://schemas.microsoft.com/office/drawing/2014/main" id="{96303D23-BD36-4951-9A74-A2D5B5539140}"/>
+                <a16:creationId xmlns:a16="http://schemas.microsoft.com/office/drawing/2014/main" id="{E20B75AF-FCC4-4EBD-A881-AAF8C633AC3C}"/>
               </a:ext>
             </a:extLst>
           </p:cNvPr>
-          <p:cNvSpPr>
-            <a:spLocks noGrp="1"/>
-          </p:cNvSpPr>
-          <p:nvPr>
-            <p:ph type="title"/>
-          </p:nvPr>
+          <p:cNvSpPr/>
+          <p:nvPr/>
         </p:nvSpPr>
-        <p:spPr/>
+        <p:spPr>
+          <a:xfrm rot="10760111">
+            <a:off x="5808682" y="562606"/>
+            <a:ext cx="6369355" cy="2984460"/>
+          </a:xfrm>
+          <a:custGeom>
+            <a:avLst/>
+            <a:gdLst/>
+            <a:ahLst/>
+            <a:cxnLst/>
+            <a:rect l="l" t="t" r="r" b="b"/>
+            <a:pathLst>
+              <a:path w="6369355" h="2984460">
+                <a:moveTo>
+                  <a:pt x="870848" y="2984460"/>
+                </a:moveTo>
+                <a:cubicBezTo>
+                  <a:pt x="545440" y="2984460"/>
+                  <a:pt x="244360" y="2880302"/>
+                  <a:pt x="0" y="2702296"/>
+                </a:cubicBezTo>
+                <a:lnTo>
+                  <a:pt x="28329" y="260980"/>
+                </a:lnTo>
+                <a:cubicBezTo>
+                  <a:pt x="267879" y="96193"/>
+                  <a:pt x="558130" y="0"/>
+                  <a:pt x="870848" y="0"/>
+                </a:cubicBezTo>
+                <a:cubicBezTo>
+                  <a:pt x="1477591" y="0"/>
+                  <a:pt x="1999759" y="362118"/>
+                  <a:pt x="2231906" y="882522"/>
+                </a:cubicBezTo>
+                <a:lnTo>
+                  <a:pt x="2232027" y="882522"/>
+                </a:lnTo>
+                <a:cubicBezTo>
+                  <a:pt x="2506442" y="1118497"/>
+                  <a:pt x="3001303" y="1275163"/>
+                  <a:pt x="3566014" y="1275163"/>
+                </a:cubicBezTo>
+                <a:cubicBezTo>
+                  <a:pt x="4077780" y="1275163"/>
+                  <a:pt x="4532179" y="1146498"/>
+                  <a:pt x="4816150" y="945345"/>
+                </a:cubicBezTo>
+                <a:cubicBezTo>
+                  <a:pt x="4980451" y="794089"/>
+                  <a:pt x="5199938" y="702334"/>
+                  <a:pt x="5440856" y="702334"/>
+                </a:cubicBezTo>
+                <a:cubicBezTo>
+                  <a:pt x="5953652" y="702334"/>
+                  <a:pt x="6369355" y="1118037"/>
+                  <a:pt x="6369355" y="1630833"/>
+                </a:cubicBezTo>
+                <a:cubicBezTo>
+                  <a:pt x="6369355" y="2143629"/>
+                  <a:pt x="5953652" y="2559331"/>
+                  <a:pt x="5440856" y="2559331"/>
+                </a:cubicBezTo>
+                <a:cubicBezTo>
+                  <a:pt x="5253492" y="2559331"/>
+                  <a:pt x="5079091" y="2503835"/>
+                  <a:pt x="4933500" y="2407913"/>
+                </a:cubicBezTo>
+                <a:lnTo>
+                  <a:pt x="4928005" y="2407913"/>
+                </a:lnTo>
+                <a:lnTo>
+                  <a:pt x="4921492" y="2400586"/>
+                </a:lnTo>
+                <a:cubicBezTo>
+                  <a:pt x="4854758" y="2355487"/>
+                  <a:pt x="4794210" y="2301929"/>
+                  <a:pt x="4742042" y="2240876"/>
+                </a:cubicBezTo>
+                <a:cubicBezTo>
+                  <a:pt x="4458486" y="2037053"/>
+                  <a:pt x="4001024" y="1906391"/>
+                  <a:pt x="3485305" y="1906391"/>
+                </a:cubicBezTo>
+                <a:cubicBezTo>
+                  <a:pt x="2862059" y="1906391"/>
+                  <a:pt x="2323895" y="2097219"/>
+                  <a:pt x="2072746" y="2374000"/>
+                </a:cubicBezTo>
+                <a:cubicBezTo>
+                  <a:pt x="1802480" y="2744580"/>
+                  <a:pt x="1364677" y="2984460"/>
+                  <a:pt x="870848" y="2984460"/>
+                </a:cubicBezTo>
+                <a:close/>
+              </a:path>
+            </a:pathLst>
+          </a:custGeom>
+          <a:gradFill flip="none" rotWithShape="1">
+            <a:gsLst>
+              <a:gs pos="0">
+                <a:srgbClr val="527D0D"/>
+              </a:gs>
+              <a:gs pos="31000">
+                <a:srgbClr val="84A810"/>
+              </a:gs>
+              <a:gs pos="83000">
+                <a:srgbClr val="BADB13"/>
+              </a:gs>
+            </a:gsLst>
+            <a:lin ang="8100000" scaled="1"/>
+            <a:tileRect/>
+          </a:gradFill>
+          <a:ln w="25400" cap="flat" cmpd="sng" algn="ctr">
+            <a:noFill/>
+            <a:prstDash val="solid"/>
+          </a:ln>
+          <a:effectLst>
+            <a:outerShdw blurRad="50800" dist="38100" dir="2700000" algn="tl" rotWithShape="0">
+              <a:prstClr val="black">
+                <a:alpha val="40000"/>
+              </a:prstClr>
+            </a:outerShdw>
+          </a:effectLst>
+          <a:scene3d>
+            <a:camera prst="orthographicFront">
+              <a:rot lat="0" lon="0" rev="0"/>
+            </a:camera>
+            <a:lightRig rig="balanced" dir="t">
+              <a:rot lat="0" lon="0" rev="8700000"/>
+            </a:lightRig>
+          </a:scene3d>
+          <a:sp3d>
+            <a:bevelT w="152400" h="19050"/>
+          </a:sp3d>
+        </p:spPr>
         <p:txBody>
-          <a:bodyPr/>
+          <a:bodyPr rtlCol="0" anchor="ctr"/>
           <a:lstStyle/>
           <a:p>
-            <a:r>
-              <a:rPr lang="en-US" dirty="0"/>
-              <a:t>IDEA</a:t>
-            </a:r>
+            <a:pPr marL="0" marR="0" lvl="0" indent="0" algn="ctr" defTabSz="914400" eaLnBrk="1" fontAlgn="auto" latinLnBrk="0" hangingPunct="1">
+              <a:lnSpc>
+                <a:spcPct val="100000"/>
+              </a:lnSpc>
+              <a:spcBef>
+                <a:spcPts val="0"/>
+              </a:spcBef>
+              <a:spcAft>
+                <a:spcPts val="0"/>
+              </a:spcAft>
+              <a:buClrTx/>
+              <a:buSzTx/>
+              <a:buFontTx/>
+              <a:buNone/>
+              <a:tabLst/>
+              <a:defRPr/>
+            </a:pPr>
+            <a:endParaRPr kumimoji="0" lang="zh-CN" altLang="en-US" sz="1800" b="0" i="0" u="none" strike="noStrike" kern="0" cap="none" spc="0" normalizeH="0" baseline="0" noProof="0">
+              <a:ln>
+                <a:noFill/>
+              </a:ln>
+              <a:solidFill>
+                <a:sysClr val="window" lastClr="FFFFFF"/>
+              </a:solidFill>
+              <a:effectLst/>
+              <a:uLnTx/>
+              <a:uFillTx/>
+              <a:latin typeface="Calibri"/>
+              <a:ea typeface="宋体"/>
+              <a:cs typeface="+mn-cs"/>
+            </a:endParaRPr>
           </a:p>
         </p:txBody>
       </p:sp>
       <p:sp>
         <p:nvSpPr>
-          <p:cNvPr id="3" name="Content Placeholder 2">
+          <p:cNvPr id="5" name="椭圆 3">
             <a:extLst>
               <a:ext uri="{FF2B5EF4-FFF2-40B4-BE49-F238E27FC236}">
-                <a16:creationId xmlns:a16="http://schemas.microsoft.com/office/drawing/2014/main" id="{F9A2D2DE-DEEF-4EA4-B541-D43E992D3BDD}"/>
+                <a16:creationId xmlns:a16="http://schemas.microsoft.com/office/drawing/2014/main" id="{CA44B214-3B46-43A3-9D2F-E90CC89F3F30}"/>
               </a:ext>
             </a:extLst>
           </p:cNvPr>
-          <p:cNvSpPr>
-            <a:spLocks noGrp="1"/>
-          </p:cNvSpPr>
-          <p:nvPr>
-            <p:ph idx="1"/>
-          </p:nvPr>
+          <p:cNvSpPr/>
+          <p:nvPr/>
         </p:nvSpPr>
-        <p:spPr/>
+        <p:spPr>
+          <a:xfrm rot="10760111">
+            <a:off x="9983233" y="677352"/>
+            <a:ext cx="2193066" cy="2719176"/>
+          </a:xfrm>
+          <a:custGeom>
+            <a:avLst/>
+            <a:gdLst/>
+            <a:ahLst/>
+            <a:cxnLst/>
+            <a:rect l="l" t="t" r="r" b="b"/>
+            <a:pathLst>
+              <a:path w="2193066" h="2719176">
+                <a:moveTo>
+                  <a:pt x="833478" y="2719176"/>
+                </a:moveTo>
+                <a:cubicBezTo>
+                  <a:pt x="519030" y="2719176"/>
+                  <a:pt x="229514" y="2612426"/>
+                  <a:pt x="0" y="2432153"/>
+                </a:cubicBezTo>
+                <a:lnTo>
+                  <a:pt x="25110" y="268247"/>
+                </a:lnTo>
+                <a:cubicBezTo>
+                  <a:pt x="250297" y="99235"/>
+                  <a:pt x="530298" y="0"/>
+                  <a:pt x="833478" y="0"/>
+                </a:cubicBezTo>
+                <a:cubicBezTo>
+                  <a:pt x="1584358" y="0"/>
+                  <a:pt x="2193066" y="608708"/>
+                  <a:pt x="2193066" y="1359588"/>
+                </a:cubicBezTo>
+                <a:cubicBezTo>
+                  <a:pt x="2193066" y="2110468"/>
+                  <a:pt x="1584358" y="2719176"/>
+                  <a:pt x="833478" y="2719176"/>
+                </a:cubicBezTo>
+                <a:close/>
+              </a:path>
+            </a:pathLst>
+          </a:custGeom>
+          <a:gradFill flip="none" rotWithShape="1">
+            <a:gsLst>
+              <a:gs pos="0">
+                <a:srgbClr val="82AA1E"/>
+              </a:gs>
+              <a:gs pos="18000">
+                <a:srgbClr val="A7D23A">
+                  <a:shade val="67500"/>
+                  <a:satMod val="115000"/>
+                </a:srgbClr>
+              </a:gs>
+              <a:gs pos="55000">
+                <a:srgbClr val="D5EE96"/>
+              </a:gs>
+            </a:gsLst>
+            <a:lin ang="10800000" scaled="1"/>
+            <a:tileRect/>
+          </a:gradFill>
+          <a:ln w="25400" cap="flat" cmpd="sng" algn="ctr">
+            <a:noFill/>
+            <a:prstDash val="solid"/>
+          </a:ln>
+          <a:effectLst>
+            <a:innerShdw blurRad="114300">
+              <a:prstClr val="black"/>
+            </a:innerShdw>
+          </a:effectLst>
+        </p:spPr>
         <p:txBody>
-          <a:bodyPr/>
+          <a:bodyPr rtlCol="0" anchor="ctr"/>
           <a:lstStyle/>
           <a:p>
+            <a:pPr marL="0" marR="0" lvl="0" indent="0" algn="ctr" defTabSz="914400" eaLnBrk="1" fontAlgn="auto" latinLnBrk="0" hangingPunct="1">
+              <a:lnSpc>
+                <a:spcPct val="100000"/>
+              </a:lnSpc>
+              <a:spcBef>
+                <a:spcPts val="0"/>
+              </a:spcBef>
+              <a:spcAft>
+                <a:spcPts val="0"/>
+              </a:spcAft>
+              <a:buClrTx/>
+              <a:buSzTx/>
+              <a:buFontTx/>
+              <a:buNone/>
+              <a:tabLst/>
+              <a:defRPr/>
+            </a:pPr>
+            <a:endParaRPr kumimoji="0" lang="zh-CN" altLang="en-US" sz="1800" b="0" i="0" u="none" strike="noStrike" kern="0" cap="none" spc="0" normalizeH="0" baseline="0" noProof="0">
+              <a:ln>
+                <a:noFill/>
+              </a:ln>
+              <a:solidFill>
+                <a:sysClr val="window" lastClr="FFFFFF"/>
+              </a:solidFill>
+              <a:effectLst/>
+              <a:uLnTx/>
+              <a:uFillTx/>
+              <a:latin typeface="Calibri"/>
+              <a:ea typeface="宋体"/>
+              <a:cs typeface="+mn-cs"/>
+            </a:endParaRPr>
+          </a:p>
+        </p:txBody>
+      </p:sp>
+      <p:sp>
+        <p:nvSpPr>
+          <p:cNvPr id="6" name="椭圆 20">
+            <a:extLst>
+              <a:ext uri="{FF2B5EF4-FFF2-40B4-BE49-F238E27FC236}">
+                <a16:creationId xmlns:a16="http://schemas.microsoft.com/office/drawing/2014/main" id="{531E94E2-0D34-40BC-9215-FA0E8D61AE9C}"/>
+              </a:ext>
+            </a:extLst>
+          </p:cNvPr>
+          <p:cNvSpPr/>
+          <p:nvPr/>
+        </p:nvSpPr>
+        <p:spPr>
+          <a:xfrm rot="10760111">
+            <a:off x="5973966" y="1183633"/>
+            <a:ext cx="1525391" cy="1525391"/>
+          </a:xfrm>
+          <a:prstGeom prst="ellipse">
+            <a:avLst/>
+          </a:prstGeom>
+          <a:gradFill flip="none" rotWithShape="1">
+            <a:gsLst>
+              <a:gs pos="1000">
+                <a:srgbClr val="7B9A16"/>
+              </a:gs>
+              <a:gs pos="0">
+                <a:srgbClr val="A7D23A"/>
+              </a:gs>
+              <a:gs pos="100000">
+                <a:srgbClr val="A7D23A"/>
+              </a:gs>
+            </a:gsLst>
+            <a:path path="rect">
+              <a:fillToRect l="50000" t="50000" r="50000" b="50000"/>
+            </a:path>
+            <a:tileRect/>
+          </a:gradFill>
+          <a:ln w="12700" cap="flat" cmpd="sng" algn="ctr">
+            <a:solidFill>
+              <a:srgbClr val="527D0D"/>
+            </a:solidFill>
+            <a:prstDash val="solid"/>
+          </a:ln>
+          <a:effectLst>
+            <a:innerShdw blurRad="304800">
+              <a:srgbClr val="172303"/>
+            </a:innerShdw>
+          </a:effectLst>
+        </p:spPr>
+        <p:txBody>
+          <a:bodyPr rtlCol="0" anchor="ctr"/>
+          <a:lstStyle/>
+          <a:p>
+            <a:pPr marL="0" marR="0" lvl="0" indent="0" algn="ctr" defTabSz="914400" eaLnBrk="1" fontAlgn="auto" latinLnBrk="0" hangingPunct="1">
+              <a:lnSpc>
+                <a:spcPct val="100000"/>
+              </a:lnSpc>
+              <a:spcBef>
+                <a:spcPts val="0"/>
+              </a:spcBef>
+              <a:spcAft>
+                <a:spcPts val="0"/>
+              </a:spcAft>
+              <a:buClrTx/>
+              <a:buSzTx/>
+              <a:buFontTx/>
+              <a:buNone/>
+              <a:tabLst/>
+              <a:defRPr/>
+            </a:pPr>
+            <a:endParaRPr kumimoji="0" lang="zh-CN" altLang="en-US" sz="1800" b="0" i="0" u="none" strike="noStrike" kern="0" cap="none" spc="0" normalizeH="0" baseline="0" noProof="0">
+              <a:ln>
+                <a:noFill/>
+              </a:ln>
+              <a:solidFill>
+                <a:sysClr val="window" lastClr="FFFFFF"/>
+              </a:solidFill>
+              <a:effectLst/>
+              <a:uLnTx/>
+              <a:uFillTx/>
+              <a:latin typeface="Calibri"/>
+              <a:ea typeface="宋体"/>
+              <a:cs typeface="+mn-cs"/>
+            </a:endParaRPr>
+          </a:p>
+        </p:txBody>
+      </p:sp>
+      <p:sp>
+        <p:nvSpPr>
+          <p:cNvPr id="7" name="椭圆 10">
+            <a:extLst>
+              <a:ext uri="{FF2B5EF4-FFF2-40B4-BE49-F238E27FC236}">
+                <a16:creationId xmlns:a16="http://schemas.microsoft.com/office/drawing/2014/main" id="{5ACE61F3-BA14-40BA-8784-EF23CD9FE84B}"/>
+              </a:ext>
+            </a:extLst>
+          </p:cNvPr>
+          <p:cNvSpPr/>
+          <p:nvPr/>
+        </p:nvSpPr>
+        <p:spPr>
+          <a:xfrm rot="8029126">
+            <a:off x="6226368" y="1819418"/>
+            <a:ext cx="1525391" cy="762696"/>
+          </a:xfrm>
+          <a:custGeom>
+            <a:avLst/>
+            <a:gdLst/>
+            <a:ahLst/>
+            <a:cxnLst/>
+            <a:rect l="l" t="t" r="r" b="b"/>
+            <a:pathLst>
+              <a:path w="1656184" h="828092">
+                <a:moveTo>
+                  <a:pt x="828092" y="0"/>
+                </a:moveTo>
+                <a:cubicBezTo>
+                  <a:pt x="1285435" y="0"/>
+                  <a:pt x="1656184" y="370749"/>
+                  <a:pt x="1656184" y="828092"/>
+                </a:cubicBezTo>
+                <a:lnTo>
+                  <a:pt x="0" y="828092"/>
+                </a:lnTo>
+                <a:cubicBezTo>
+                  <a:pt x="0" y="370749"/>
+                  <a:pt x="370749" y="0"/>
+                  <a:pt x="828092" y="0"/>
+                </a:cubicBezTo>
+                <a:close/>
+              </a:path>
+            </a:pathLst>
+          </a:custGeom>
+          <a:gradFill flip="none" rotWithShape="1">
+            <a:gsLst>
+              <a:gs pos="0">
+                <a:sysClr val="window" lastClr="FFFFFF">
+                  <a:alpha val="25000"/>
+                </a:sysClr>
+              </a:gs>
+              <a:gs pos="100000">
+                <a:sysClr val="window" lastClr="FFFFFF">
+                  <a:shade val="100000"/>
+                  <a:satMod val="115000"/>
+                  <a:alpha val="0"/>
+                </a:sysClr>
+              </a:gs>
+            </a:gsLst>
+            <a:lin ang="0" scaled="1"/>
+            <a:tileRect/>
+          </a:gradFill>
+          <a:ln w="25400" cap="flat" cmpd="sng" algn="ctr">
+            <a:noFill/>
+            <a:prstDash val="solid"/>
+          </a:ln>
+          <a:effectLst/>
+        </p:spPr>
+        <p:txBody>
+          <a:bodyPr rtlCol="0" anchor="ctr"/>
+          <a:lstStyle/>
+          <a:p>
+            <a:pPr marL="0" marR="0" lvl="0" indent="0" algn="ctr" defTabSz="914400" eaLnBrk="1" fontAlgn="auto" latinLnBrk="0" hangingPunct="1">
+              <a:lnSpc>
+                <a:spcPct val="100000"/>
+              </a:lnSpc>
+              <a:spcBef>
+                <a:spcPts val="0"/>
+              </a:spcBef>
+              <a:spcAft>
+                <a:spcPts val="0"/>
+              </a:spcAft>
+              <a:buClrTx/>
+              <a:buSzTx/>
+              <a:buFontTx/>
+              <a:buNone/>
+              <a:tabLst/>
+              <a:defRPr/>
+            </a:pPr>
+            <a:endParaRPr kumimoji="0" lang="zh-CN" altLang="en-US" sz="1800" b="0" i="0" u="none" strike="noStrike" kern="0" cap="none" spc="0" normalizeH="0" baseline="0" noProof="0">
+              <a:ln>
+                <a:noFill/>
+              </a:ln>
+              <a:solidFill>
+                <a:sysClr val="window" lastClr="FFFFFF"/>
+              </a:solidFill>
+              <a:effectLst/>
+              <a:uLnTx/>
+              <a:uFillTx/>
+              <a:latin typeface="Calibri"/>
+              <a:ea typeface="宋体"/>
+              <a:cs typeface="+mn-cs"/>
+            </a:endParaRPr>
+          </a:p>
+        </p:txBody>
+      </p:sp>
+      <p:sp>
+        <p:nvSpPr>
+          <p:cNvPr id="8" name="矩形 2">
+            <a:extLst>
+              <a:ext uri="{FF2B5EF4-FFF2-40B4-BE49-F238E27FC236}">
+                <a16:creationId xmlns:a16="http://schemas.microsoft.com/office/drawing/2014/main" id="{50A0D930-A9AE-4779-8ACF-6D98DC37B070}"/>
+              </a:ext>
+            </a:extLst>
+          </p:cNvPr>
+          <p:cNvSpPr/>
+          <p:nvPr/>
+        </p:nvSpPr>
+        <p:spPr>
+          <a:xfrm rot="10839889" flipH="1">
+            <a:off x="2991630" y="2532879"/>
+            <a:ext cx="6369355" cy="2984460"/>
+          </a:xfrm>
+          <a:custGeom>
+            <a:avLst/>
+            <a:gdLst/>
+            <a:ahLst/>
+            <a:cxnLst/>
+            <a:rect l="l" t="t" r="r" b="b"/>
+            <a:pathLst>
+              <a:path w="6369355" h="2984460">
+                <a:moveTo>
+                  <a:pt x="870848" y="2984460"/>
+                </a:moveTo>
+                <a:cubicBezTo>
+                  <a:pt x="545440" y="2984460"/>
+                  <a:pt x="244360" y="2880302"/>
+                  <a:pt x="0" y="2702296"/>
+                </a:cubicBezTo>
+                <a:lnTo>
+                  <a:pt x="28329" y="260980"/>
+                </a:lnTo>
+                <a:cubicBezTo>
+                  <a:pt x="267879" y="96193"/>
+                  <a:pt x="558130" y="0"/>
+                  <a:pt x="870848" y="0"/>
+                </a:cubicBezTo>
+                <a:cubicBezTo>
+                  <a:pt x="1477591" y="0"/>
+                  <a:pt x="1999759" y="362118"/>
+                  <a:pt x="2231906" y="882522"/>
+                </a:cubicBezTo>
+                <a:lnTo>
+                  <a:pt x="2232027" y="882522"/>
+                </a:lnTo>
+                <a:cubicBezTo>
+                  <a:pt x="2506442" y="1118497"/>
+                  <a:pt x="3001303" y="1275163"/>
+                  <a:pt x="3566014" y="1275163"/>
+                </a:cubicBezTo>
+                <a:cubicBezTo>
+                  <a:pt x="4077780" y="1275163"/>
+                  <a:pt x="4532179" y="1146498"/>
+                  <a:pt x="4816150" y="945345"/>
+                </a:cubicBezTo>
+                <a:cubicBezTo>
+                  <a:pt x="4980451" y="794089"/>
+                  <a:pt x="5199938" y="702334"/>
+                  <a:pt x="5440856" y="702334"/>
+                </a:cubicBezTo>
+                <a:cubicBezTo>
+                  <a:pt x="5953652" y="702334"/>
+                  <a:pt x="6369355" y="1118037"/>
+                  <a:pt x="6369355" y="1630833"/>
+                </a:cubicBezTo>
+                <a:cubicBezTo>
+                  <a:pt x="6369355" y="2143629"/>
+                  <a:pt x="5953652" y="2559331"/>
+                  <a:pt x="5440856" y="2559331"/>
+                </a:cubicBezTo>
+                <a:cubicBezTo>
+                  <a:pt x="5253492" y="2559331"/>
+                  <a:pt x="5079091" y="2503835"/>
+                  <a:pt x="4933500" y="2407913"/>
+                </a:cubicBezTo>
+                <a:lnTo>
+                  <a:pt x="4928005" y="2407913"/>
+                </a:lnTo>
+                <a:lnTo>
+                  <a:pt x="4921492" y="2400586"/>
+                </a:lnTo>
+                <a:cubicBezTo>
+                  <a:pt x="4854758" y="2355487"/>
+                  <a:pt x="4794210" y="2301929"/>
+                  <a:pt x="4742042" y="2240876"/>
+                </a:cubicBezTo>
+                <a:cubicBezTo>
+                  <a:pt x="4458486" y="2037053"/>
+                  <a:pt x="4001024" y="1906391"/>
+                  <a:pt x="3485305" y="1906391"/>
+                </a:cubicBezTo>
+                <a:cubicBezTo>
+                  <a:pt x="2862059" y="1906391"/>
+                  <a:pt x="2323895" y="2097219"/>
+                  <a:pt x="2072746" y="2374000"/>
+                </a:cubicBezTo>
+                <a:cubicBezTo>
+                  <a:pt x="1802480" y="2744580"/>
+                  <a:pt x="1364677" y="2984460"/>
+                  <a:pt x="870848" y="2984460"/>
+                </a:cubicBezTo>
+                <a:close/>
+              </a:path>
+            </a:pathLst>
+          </a:custGeom>
+          <a:gradFill flip="none" rotWithShape="1">
+            <a:gsLst>
+              <a:gs pos="0">
+                <a:srgbClr val="F79646">
+                  <a:lumMod val="75000"/>
+                </a:srgbClr>
+              </a:gs>
+              <a:gs pos="31000">
+                <a:srgbClr val="FFC000"/>
+              </a:gs>
+              <a:gs pos="83000">
+                <a:srgbClr val="FFFF00"/>
+              </a:gs>
+            </a:gsLst>
+            <a:lin ang="8100000" scaled="1"/>
+            <a:tileRect/>
+          </a:gradFill>
+          <a:ln w="25400" cap="flat" cmpd="sng" algn="ctr">
+            <a:noFill/>
+            <a:prstDash val="solid"/>
+          </a:ln>
+          <a:effectLst>
+            <a:outerShdw blurRad="50800" dist="38100" dir="2700000" algn="tl" rotWithShape="0">
+              <a:prstClr val="black">
+                <a:alpha val="40000"/>
+              </a:prstClr>
+            </a:outerShdw>
+          </a:effectLst>
+          <a:scene3d>
+            <a:camera prst="orthographicFront">
+              <a:rot lat="0" lon="0" rev="0"/>
+            </a:camera>
+            <a:lightRig rig="balanced" dir="t">
+              <a:rot lat="0" lon="0" rev="8700000"/>
+            </a:lightRig>
+          </a:scene3d>
+          <a:sp3d>
+            <a:bevelT w="152400" h="19050"/>
+          </a:sp3d>
+        </p:spPr>
+        <p:txBody>
+          <a:bodyPr rtlCol="0" anchor="ctr"/>
+          <a:lstStyle/>
+          <a:p>
+            <a:pPr marL="0" marR="0" lvl="0" indent="0" algn="ctr" defTabSz="914400" eaLnBrk="1" fontAlgn="auto" latinLnBrk="0" hangingPunct="1">
+              <a:lnSpc>
+                <a:spcPct val="100000"/>
+              </a:lnSpc>
+              <a:spcBef>
+                <a:spcPts val="0"/>
+              </a:spcBef>
+              <a:spcAft>
+                <a:spcPts val="0"/>
+              </a:spcAft>
+              <a:buClrTx/>
+              <a:buSzTx/>
+              <a:buFontTx/>
+              <a:buNone/>
+              <a:tabLst/>
+              <a:defRPr/>
+            </a:pPr>
+            <a:endParaRPr kumimoji="0" lang="zh-CN" altLang="en-US" sz="1800" b="0" i="0" u="none" strike="noStrike" kern="0" cap="none" spc="0" normalizeH="0" baseline="0" noProof="0">
+              <a:ln>
+                <a:noFill/>
+              </a:ln>
+              <a:solidFill>
+                <a:sysClr val="window" lastClr="FFFFFF"/>
+              </a:solidFill>
+              <a:effectLst/>
+              <a:uLnTx/>
+              <a:uFillTx/>
+              <a:latin typeface="Calibri"/>
+              <a:ea typeface="宋体"/>
+              <a:cs typeface="+mn-cs"/>
+            </a:endParaRPr>
+          </a:p>
+        </p:txBody>
+      </p:sp>
+      <p:sp>
+        <p:nvSpPr>
+          <p:cNvPr id="9" name="椭圆 3">
+            <a:extLst>
+              <a:ext uri="{FF2B5EF4-FFF2-40B4-BE49-F238E27FC236}">
+                <a16:creationId xmlns:a16="http://schemas.microsoft.com/office/drawing/2014/main" id="{AD59D738-2040-4155-86A6-C4FDFE7EDCA5}"/>
+              </a:ext>
+            </a:extLst>
+          </p:cNvPr>
+          <p:cNvSpPr/>
+          <p:nvPr/>
+        </p:nvSpPr>
+        <p:spPr>
+          <a:xfrm rot="10839889" flipH="1">
+            <a:off x="2993368" y="2647625"/>
+            <a:ext cx="2193066" cy="2719176"/>
+          </a:xfrm>
+          <a:custGeom>
+            <a:avLst/>
+            <a:gdLst/>
+            <a:ahLst/>
+            <a:cxnLst/>
+            <a:rect l="l" t="t" r="r" b="b"/>
+            <a:pathLst>
+              <a:path w="2193066" h="2719176">
+                <a:moveTo>
+                  <a:pt x="833478" y="2719176"/>
+                </a:moveTo>
+                <a:cubicBezTo>
+                  <a:pt x="519030" y="2719176"/>
+                  <a:pt x="229514" y="2612426"/>
+                  <a:pt x="0" y="2432153"/>
+                </a:cubicBezTo>
+                <a:lnTo>
+                  <a:pt x="25110" y="268247"/>
+                </a:lnTo>
+                <a:cubicBezTo>
+                  <a:pt x="250297" y="99235"/>
+                  <a:pt x="530298" y="0"/>
+                  <a:pt x="833478" y="0"/>
+                </a:cubicBezTo>
+                <a:cubicBezTo>
+                  <a:pt x="1584358" y="0"/>
+                  <a:pt x="2193066" y="608708"/>
+                  <a:pt x="2193066" y="1359588"/>
+                </a:cubicBezTo>
+                <a:cubicBezTo>
+                  <a:pt x="2193066" y="2110468"/>
+                  <a:pt x="1584358" y="2719176"/>
+                  <a:pt x="833478" y="2719176"/>
+                </a:cubicBezTo>
+                <a:close/>
+              </a:path>
+            </a:pathLst>
+          </a:custGeom>
+          <a:gradFill flip="none" rotWithShape="1">
+            <a:gsLst>
+              <a:gs pos="0">
+                <a:srgbClr val="F79646">
+                  <a:lumMod val="75000"/>
+                </a:srgbClr>
+              </a:gs>
+              <a:gs pos="18000">
+                <a:srgbClr val="FFC000"/>
+              </a:gs>
+              <a:gs pos="55000">
+                <a:srgbClr val="FFE697"/>
+              </a:gs>
+            </a:gsLst>
+            <a:lin ang="10800000" scaled="1"/>
+            <a:tileRect/>
+          </a:gradFill>
+          <a:ln w="25400" cap="flat" cmpd="sng" algn="ctr">
+            <a:noFill/>
+            <a:prstDash val="solid"/>
+          </a:ln>
+          <a:effectLst>
+            <a:innerShdw blurRad="114300">
+              <a:prstClr val="black"/>
+            </a:innerShdw>
+          </a:effectLst>
+        </p:spPr>
+        <p:txBody>
+          <a:bodyPr rtlCol="0" anchor="ctr"/>
+          <a:lstStyle/>
+          <a:p>
+            <a:pPr marL="0" marR="0" lvl="0" indent="0" algn="ctr" defTabSz="914400" eaLnBrk="1" fontAlgn="auto" latinLnBrk="0" hangingPunct="1">
+              <a:lnSpc>
+                <a:spcPct val="100000"/>
+              </a:lnSpc>
+              <a:spcBef>
+                <a:spcPts val="0"/>
+              </a:spcBef>
+              <a:spcAft>
+                <a:spcPts val="0"/>
+              </a:spcAft>
+              <a:buClrTx/>
+              <a:buSzTx/>
+              <a:buFontTx/>
+              <a:buNone/>
+              <a:tabLst/>
+              <a:defRPr/>
+            </a:pPr>
+            <a:endParaRPr kumimoji="0" lang="zh-CN" altLang="en-US" sz="1800" b="0" i="0" u="none" strike="noStrike" kern="0" cap="none" spc="0" normalizeH="0" baseline="0" noProof="0">
+              <a:ln>
+                <a:noFill/>
+              </a:ln>
+              <a:solidFill>
+                <a:sysClr val="window" lastClr="FFFFFF"/>
+              </a:solidFill>
+              <a:effectLst/>
+              <a:uLnTx/>
+              <a:uFillTx/>
+              <a:latin typeface="Calibri"/>
+              <a:ea typeface="宋体"/>
+              <a:cs typeface="+mn-cs"/>
+            </a:endParaRPr>
+          </a:p>
+        </p:txBody>
+      </p:sp>
+      <p:sp>
+        <p:nvSpPr>
+          <p:cNvPr id="10" name="椭圆 24">
+            <a:extLst>
+              <a:ext uri="{FF2B5EF4-FFF2-40B4-BE49-F238E27FC236}">
+                <a16:creationId xmlns:a16="http://schemas.microsoft.com/office/drawing/2014/main" id="{7E5CDD87-2A28-4A5C-A600-29050E8ED92D}"/>
+              </a:ext>
+            </a:extLst>
+          </p:cNvPr>
+          <p:cNvSpPr/>
+          <p:nvPr/>
+        </p:nvSpPr>
+        <p:spPr>
+          <a:xfrm rot="10839889" flipH="1">
+            <a:off x="7670310" y="3153906"/>
+            <a:ext cx="1525391" cy="1525391"/>
+          </a:xfrm>
+          <a:prstGeom prst="ellipse">
+            <a:avLst/>
+          </a:prstGeom>
+          <a:gradFill flip="none" rotWithShape="1">
+            <a:gsLst>
+              <a:gs pos="2000">
+                <a:srgbClr val="FFFF00"/>
+              </a:gs>
+              <a:gs pos="0">
+                <a:srgbClr val="FFC000"/>
+              </a:gs>
+              <a:gs pos="100000">
+                <a:srgbClr val="FFC000"/>
+              </a:gs>
+            </a:gsLst>
+            <a:path path="rect">
+              <a:fillToRect l="50000" t="50000" r="50000" b="50000"/>
+            </a:path>
+            <a:tileRect/>
+          </a:gradFill>
+          <a:ln w="12700" cap="flat" cmpd="sng" algn="ctr">
+            <a:solidFill>
+              <a:srgbClr val="C09200"/>
+            </a:solidFill>
+            <a:prstDash val="solid"/>
+          </a:ln>
+          <a:effectLst>
+            <a:innerShdw blurRad="304800">
+              <a:srgbClr val="172303"/>
+            </a:innerShdw>
+          </a:effectLst>
+        </p:spPr>
+        <p:txBody>
+          <a:bodyPr rtlCol="0" anchor="ctr"/>
+          <a:lstStyle/>
+          <a:p>
+            <a:pPr marL="0" marR="0" lvl="0" indent="0" algn="ctr" defTabSz="914400" eaLnBrk="1" fontAlgn="auto" latinLnBrk="0" hangingPunct="1">
+              <a:lnSpc>
+                <a:spcPct val="100000"/>
+              </a:lnSpc>
+              <a:spcBef>
+                <a:spcPts val="0"/>
+              </a:spcBef>
+              <a:spcAft>
+                <a:spcPts val="0"/>
+              </a:spcAft>
+              <a:buClrTx/>
+              <a:buSzTx/>
+              <a:buFontTx/>
+              <a:buNone/>
+              <a:tabLst/>
+              <a:defRPr/>
+            </a:pPr>
+            <a:endParaRPr kumimoji="0" lang="zh-CN" altLang="en-US" sz="1800" b="0" i="0" u="none" strike="noStrike" kern="0" cap="none" spc="0" normalizeH="0" baseline="0" noProof="0">
+              <a:ln>
+                <a:noFill/>
+              </a:ln>
+              <a:solidFill>
+                <a:sysClr val="window" lastClr="FFFFFF"/>
+              </a:solidFill>
+              <a:effectLst/>
+              <a:uLnTx/>
+              <a:uFillTx/>
+              <a:latin typeface="Calibri"/>
+              <a:ea typeface="宋体"/>
+              <a:cs typeface="+mn-cs"/>
+            </a:endParaRPr>
+          </a:p>
+        </p:txBody>
+      </p:sp>
+      <p:sp>
+        <p:nvSpPr>
+          <p:cNvPr id="11" name="椭圆 10">
+            <a:extLst>
+              <a:ext uri="{FF2B5EF4-FFF2-40B4-BE49-F238E27FC236}">
+                <a16:creationId xmlns:a16="http://schemas.microsoft.com/office/drawing/2014/main" id="{6F17A239-9452-480A-9E34-7C7736726B9C}"/>
+              </a:ext>
+            </a:extLst>
+          </p:cNvPr>
+          <p:cNvSpPr/>
+          <p:nvPr/>
+        </p:nvSpPr>
+        <p:spPr>
+          <a:xfrm rot="13570874" flipH="1">
+            <a:off x="7417908" y="3789691"/>
+            <a:ext cx="1525391" cy="762696"/>
+          </a:xfrm>
+          <a:custGeom>
+            <a:avLst/>
+            <a:gdLst/>
+            <a:ahLst/>
+            <a:cxnLst/>
+            <a:rect l="l" t="t" r="r" b="b"/>
+            <a:pathLst>
+              <a:path w="1656184" h="828092">
+                <a:moveTo>
+                  <a:pt x="828092" y="0"/>
+                </a:moveTo>
+                <a:cubicBezTo>
+                  <a:pt x="1285435" y="0"/>
+                  <a:pt x="1656184" y="370749"/>
+                  <a:pt x="1656184" y="828092"/>
+                </a:cubicBezTo>
+                <a:lnTo>
+                  <a:pt x="0" y="828092"/>
+                </a:lnTo>
+                <a:cubicBezTo>
+                  <a:pt x="0" y="370749"/>
+                  <a:pt x="370749" y="0"/>
+                  <a:pt x="828092" y="0"/>
+                </a:cubicBezTo>
+                <a:close/>
+              </a:path>
+            </a:pathLst>
+          </a:custGeom>
+          <a:gradFill flip="none" rotWithShape="1">
+            <a:gsLst>
+              <a:gs pos="0">
+                <a:sysClr val="window" lastClr="FFFFFF">
+                  <a:alpha val="25000"/>
+                </a:sysClr>
+              </a:gs>
+              <a:gs pos="100000">
+                <a:sysClr val="window" lastClr="FFFFFF">
+                  <a:shade val="100000"/>
+                  <a:satMod val="115000"/>
+                  <a:alpha val="0"/>
+                </a:sysClr>
+              </a:gs>
+            </a:gsLst>
+            <a:lin ang="0" scaled="1"/>
+            <a:tileRect/>
+          </a:gradFill>
+          <a:ln w="25400" cap="flat" cmpd="sng" algn="ctr">
+            <a:noFill/>
+            <a:prstDash val="solid"/>
+          </a:ln>
+          <a:effectLst/>
+        </p:spPr>
+        <p:txBody>
+          <a:bodyPr rtlCol="0" anchor="ctr"/>
+          <a:lstStyle/>
+          <a:p>
+            <a:pPr marL="0" marR="0" lvl="0" indent="0" algn="ctr" defTabSz="914400" eaLnBrk="1" fontAlgn="auto" latinLnBrk="0" hangingPunct="1">
+              <a:lnSpc>
+                <a:spcPct val="100000"/>
+              </a:lnSpc>
+              <a:spcBef>
+                <a:spcPts val="0"/>
+              </a:spcBef>
+              <a:spcAft>
+                <a:spcPts val="0"/>
+              </a:spcAft>
+              <a:buClrTx/>
+              <a:buSzTx/>
+              <a:buFontTx/>
+              <a:buNone/>
+              <a:tabLst/>
+              <a:defRPr/>
+            </a:pPr>
+            <a:endParaRPr kumimoji="0" lang="zh-CN" altLang="en-US" sz="1800" b="0" i="0" u="none" strike="noStrike" kern="0" cap="none" spc="0" normalizeH="0" baseline="0" noProof="0">
+              <a:ln>
+                <a:noFill/>
+              </a:ln>
+              <a:solidFill>
+                <a:sysClr val="window" lastClr="FFFFFF"/>
+              </a:solidFill>
+              <a:effectLst/>
+              <a:uLnTx/>
+              <a:uFillTx/>
+              <a:latin typeface="Calibri"/>
+              <a:ea typeface="宋体"/>
+              <a:cs typeface="+mn-cs"/>
+            </a:endParaRPr>
+          </a:p>
+        </p:txBody>
+      </p:sp>
+      <p:sp>
+        <p:nvSpPr>
+          <p:cNvPr id="13" name="TextBox 12">
+            <a:extLst>
+              <a:ext uri="{FF2B5EF4-FFF2-40B4-BE49-F238E27FC236}">
+                <a16:creationId xmlns:a16="http://schemas.microsoft.com/office/drawing/2014/main" id="{CB0812C3-578D-4229-9AD3-E0C3F312DBEE}"/>
+              </a:ext>
+            </a:extLst>
+          </p:cNvPr>
+          <p:cNvSpPr txBox="1"/>
+          <p:nvPr/>
+        </p:nvSpPr>
+        <p:spPr>
+          <a:xfrm>
+            <a:off x="5921127" y="1752429"/>
+            <a:ext cx="1937687" cy="387798"/>
+          </a:xfrm>
+          <a:prstGeom prst="rect">
+            <a:avLst/>
+          </a:prstGeom>
+          <a:noFill/>
+        </p:spPr>
+        <p:txBody>
+          <a:bodyPr wrap="square" rtlCol="0">
+            <a:spAutoFit/>
+          </a:bodyPr>
+          <a:lstStyle/>
+          <a:p>
+            <a:pPr marL="0" marR="0" lvl="0" indent="0" defTabSz="914400" eaLnBrk="1" fontAlgn="auto" latinLnBrk="0" hangingPunct="1">
+              <a:lnSpc>
+                <a:spcPct val="80000"/>
+              </a:lnSpc>
+              <a:spcBef>
+                <a:spcPts val="0"/>
+              </a:spcBef>
+              <a:spcAft>
+                <a:spcPts val="0"/>
+              </a:spcAft>
+              <a:buClrTx/>
+              <a:buSzTx/>
+              <a:buFontTx/>
+              <a:buNone/>
+              <a:tabLst/>
+              <a:defRPr/>
+            </a:pPr>
             <a:r>
-              <a:rPr lang="zh-CN" altLang="en-US" dirty="0"/>
-              <a:t>插件安装</a:t>
+              <a:rPr lang="en-US" altLang="zh-CN" sz="2400" b="1" kern="0" dirty="0">
+                <a:solidFill>
+                  <a:schemeClr val="accent1"/>
+                </a:solidFill>
+                <a:effectLst>
+                  <a:outerShdw blurRad="50800" dist="38100" dir="5400000" algn="t" rotWithShape="0">
+                    <a:prstClr val="black">
+                      <a:alpha val="40000"/>
+                    </a:prstClr>
+                  </a:outerShdw>
+                </a:effectLst>
+                <a:latin typeface="Agency FB" pitchFamily="34" charset="0"/>
+                <a:ea typeface="微软雅黑" pitchFamily="34" charset="-122"/>
+              </a:rPr>
+              <a:t>Settings</a:t>
             </a:r>
-            <a:endParaRPr lang="en-US" altLang="zh-CN" dirty="0"/>
-          </a:p>
-          <a:p>
             <a:r>
-              <a:rPr lang="en-US" altLang="zh-CN" dirty="0"/>
+              <a:rPr lang="zh-CN" altLang="en-US" sz="2400" b="1" kern="0" dirty="0">
+                <a:solidFill>
+                  <a:schemeClr val="accent1"/>
+                </a:solidFill>
+                <a:effectLst>
+                  <a:outerShdw blurRad="50800" dist="38100" dir="5400000" algn="t" rotWithShape="0">
+                    <a:prstClr val="black">
+                      <a:alpha val="40000"/>
+                    </a:prstClr>
+                  </a:outerShdw>
+                </a:effectLst>
+                <a:latin typeface="Agency FB" pitchFamily="34" charset="0"/>
+                <a:ea typeface="微软雅黑" pitchFamily="34" charset="-122"/>
+              </a:rPr>
+              <a:t>文件</a:t>
+            </a:r>
+            <a:endParaRPr kumimoji="0" lang="zh-CN" altLang="en-US" sz="2400" b="1" i="0" u="none" strike="noStrike" kern="0" cap="none" spc="0" normalizeH="0" baseline="0" noProof="0" dirty="0">
+              <a:ln>
+                <a:noFill/>
+              </a:ln>
+              <a:solidFill>
+                <a:schemeClr val="accent1"/>
+              </a:solidFill>
+              <a:effectLst>
+                <a:outerShdw blurRad="50800" dist="38100" dir="5400000" algn="t" rotWithShape="0">
+                  <a:prstClr val="black">
+                    <a:alpha val="40000"/>
+                  </a:prstClr>
+                </a:outerShdw>
+              </a:effectLst>
+              <a:uLnTx/>
+              <a:uFillTx/>
+              <a:latin typeface="Agency FB" pitchFamily="34" charset="0"/>
+              <a:ea typeface="微软雅黑" pitchFamily="34" charset="-122"/>
+            </a:endParaRPr>
+          </a:p>
+        </p:txBody>
+      </p:sp>
+      <p:sp>
+        <p:nvSpPr>
+          <p:cNvPr id="15" name="TextBox 14">
+            <a:extLst>
+              <a:ext uri="{FF2B5EF4-FFF2-40B4-BE49-F238E27FC236}">
+                <a16:creationId xmlns:a16="http://schemas.microsoft.com/office/drawing/2014/main" id="{7FA4F027-1B52-40A6-B67B-8BD3DB1C06D8}"/>
+              </a:ext>
+            </a:extLst>
+          </p:cNvPr>
+          <p:cNvSpPr txBox="1"/>
+          <p:nvPr/>
+        </p:nvSpPr>
+        <p:spPr>
+          <a:xfrm>
+            <a:off x="10034051" y="1843041"/>
+            <a:ext cx="2177972" cy="387798"/>
+          </a:xfrm>
+          <a:prstGeom prst="rect">
+            <a:avLst/>
+          </a:prstGeom>
+          <a:noFill/>
+        </p:spPr>
+        <p:txBody>
+          <a:bodyPr wrap="square" rtlCol="0">
+            <a:spAutoFit/>
+          </a:bodyPr>
+          <a:lstStyle/>
+          <a:p>
+            <a:pPr marL="0" marR="0" lvl="0" indent="0" defTabSz="914400" eaLnBrk="1" fontAlgn="auto" latinLnBrk="0" hangingPunct="1">
+              <a:lnSpc>
+                <a:spcPct val="80000"/>
+              </a:lnSpc>
+              <a:spcBef>
+                <a:spcPts val="0"/>
+              </a:spcBef>
+              <a:spcAft>
+                <a:spcPts val="0"/>
+              </a:spcAft>
+              <a:buClrTx/>
+              <a:buSzTx/>
+              <a:buFontTx/>
+              <a:buNone/>
+              <a:tabLst/>
+              <a:defRPr/>
+            </a:pPr>
+            <a:r>
+              <a:rPr lang="en-US" altLang="zh-CN" sz="2400" b="1" kern="0" dirty="0">
+                <a:solidFill>
+                  <a:schemeClr val="accent1"/>
+                </a:solidFill>
+                <a:effectLst>
+                  <a:outerShdw blurRad="50800" dist="38100" dir="5400000" algn="t" rotWithShape="0">
+                    <a:prstClr val="black">
+                      <a:alpha val="40000"/>
+                    </a:prstClr>
+                  </a:outerShdw>
+                </a:effectLst>
+                <a:latin typeface="Agency FB" pitchFamily="34" charset="0"/>
+                <a:ea typeface="微软雅黑" pitchFamily="34" charset="-122"/>
+              </a:rPr>
               <a:t>Maven</a:t>
             </a:r>
             <a:r>
-              <a:rPr lang="zh-CN" altLang="en-US" dirty="0"/>
-              <a:t>配置</a:t>
+              <a:rPr lang="zh-CN" altLang="en-US" sz="2400" b="1" kern="0" dirty="0">
+                <a:solidFill>
+                  <a:schemeClr val="accent1"/>
+                </a:solidFill>
+                <a:effectLst>
+                  <a:outerShdw blurRad="50800" dist="38100" dir="5400000" algn="t" rotWithShape="0">
+                    <a:prstClr val="black">
+                      <a:alpha val="40000"/>
+                    </a:prstClr>
+                  </a:outerShdw>
+                </a:effectLst>
+                <a:latin typeface="Agency FB" pitchFamily="34" charset="0"/>
+                <a:ea typeface="微软雅黑" pitchFamily="34" charset="-122"/>
+              </a:rPr>
+              <a:t>仓库配置</a:t>
             </a:r>
-            <a:endParaRPr lang="en-US" altLang="zh-CN" dirty="0"/>
-          </a:p>
-          <a:p>
+            <a:endParaRPr kumimoji="0" lang="zh-CN" altLang="en-US" sz="2400" b="1" i="0" u="none" strike="noStrike" kern="0" cap="none" spc="0" normalizeH="0" baseline="0" noProof="0" dirty="0">
+              <a:ln>
+                <a:noFill/>
+              </a:ln>
+              <a:solidFill>
+                <a:schemeClr val="accent1"/>
+              </a:solidFill>
+              <a:effectLst>
+                <a:outerShdw blurRad="50800" dist="38100" dir="5400000" algn="t" rotWithShape="0">
+                  <a:prstClr val="black">
+                    <a:alpha val="40000"/>
+                  </a:prstClr>
+                </a:outerShdw>
+              </a:effectLst>
+              <a:uLnTx/>
+              <a:uFillTx/>
+              <a:latin typeface="Agency FB" pitchFamily="34" charset="0"/>
+              <a:ea typeface="微软雅黑" pitchFamily="34" charset="-122"/>
+            </a:endParaRPr>
+          </a:p>
+        </p:txBody>
+      </p:sp>
+      <p:sp>
+        <p:nvSpPr>
+          <p:cNvPr id="17" name="TextBox 16">
+            <a:extLst>
+              <a:ext uri="{FF2B5EF4-FFF2-40B4-BE49-F238E27FC236}">
+                <a16:creationId xmlns:a16="http://schemas.microsoft.com/office/drawing/2014/main" id="{9E9A0568-D282-456F-A2FA-9E68B871F6AC}"/>
+              </a:ext>
+            </a:extLst>
+          </p:cNvPr>
+          <p:cNvSpPr txBox="1"/>
+          <p:nvPr/>
+        </p:nvSpPr>
+        <p:spPr>
+          <a:xfrm>
+            <a:off x="7771932" y="3731596"/>
+            <a:ext cx="1322145" cy="387798"/>
+          </a:xfrm>
+          <a:prstGeom prst="rect">
+            <a:avLst/>
+          </a:prstGeom>
+          <a:noFill/>
+        </p:spPr>
+        <p:txBody>
+          <a:bodyPr wrap="square" rtlCol="0">
+            <a:spAutoFit/>
+          </a:bodyPr>
+          <a:lstStyle/>
+          <a:p>
+            <a:pPr marL="0" marR="0" lvl="0" indent="0" defTabSz="914400" eaLnBrk="1" fontAlgn="auto" latinLnBrk="0" hangingPunct="1">
+              <a:lnSpc>
+                <a:spcPct val="80000"/>
+              </a:lnSpc>
+              <a:spcBef>
+                <a:spcPts val="0"/>
+              </a:spcBef>
+              <a:spcAft>
+                <a:spcPts val="0"/>
+              </a:spcAft>
+              <a:buClrTx/>
+              <a:buSzTx/>
+              <a:buFontTx/>
+              <a:buNone/>
+              <a:tabLst/>
+              <a:defRPr/>
+            </a:pPr>
             <a:r>
-              <a:rPr lang="en-US" altLang="zh-CN" dirty="0"/>
-              <a:t>Git</a:t>
+              <a:rPr lang="en-US" altLang="zh-CN" sz="2400" b="1" kern="0" dirty="0">
+                <a:solidFill>
+                  <a:schemeClr val="accent1"/>
+                </a:solidFill>
+                <a:effectLst>
+                  <a:outerShdw blurRad="50800" dist="38100" dir="5400000" algn="t" rotWithShape="0">
+                    <a:prstClr val="black">
+                      <a:alpha val="40000"/>
+                    </a:prstClr>
+                  </a:outerShdw>
+                </a:effectLst>
+                <a:latin typeface="Agency FB" pitchFamily="34" charset="0"/>
+                <a:ea typeface="微软雅黑" pitchFamily="34" charset="-122"/>
+              </a:rPr>
+              <a:t>POM</a:t>
             </a:r>
             <a:r>
-              <a:rPr lang="zh-CN" altLang="en-US" dirty="0"/>
-              <a:t>配置</a:t>
+              <a:rPr lang="zh-CN" altLang="en-US" sz="2400" b="1" kern="0" dirty="0">
+                <a:solidFill>
+                  <a:schemeClr val="accent1"/>
+                </a:solidFill>
+                <a:effectLst>
+                  <a:outerShdw blurRad="50800" dist="38100" dir="5400000" algn="t" rotWithShape="0">
+                    <a:prstClr val="black">
+                      <a:alpha val="40000"/>
+                    </a:prstClr>
+                  </a:outerShdw>
+                </a:effectLst>
+                <a:latin typeface="Agency FB" pitchFamily="34" charset="0"/>
+                <a:ea typeface="微软雅黑" pitchFamily="34" charset="-122"/>
+              </a:rPr>
+              <a:t>文件</a:t>
             </a:r>
-            <a:endParaRPr lang="en-US" altLang="zh-CN" dirty="0"/>
-          </a:p>
-          <a:p>
+            <a:endParaRPr kumimoji="0" lang="zh-CN" altLang="en-US" sz="2400" b="1" i="0" u="none" strike="noStrike" kern="0" cap="none" spc="0" normalizeH="0" baseline="0" noProof="0" dirty="0">
+              <a:ln>
+                <a:noFill/>
+              </a:ln>
+              <a:solidFill>
+                <a:schemeClr val="accent1"/>
+              </a:solidFill>
+              <a:effectLst>
+                <a:outerShdw blurRad="50800" dist="38100" dir="5400000" algn="t" rotWithShape="0">
+                  <a:prstClr val="black">
+                    <a:alpha val="40000"/>
+                  </a:prstClr>
+                </a:outerShdw>
+              </a:effectLst>
+              <a:uLnTx/>
+              <a:uFillTx/>
+              <a:latin typeface="Agency FB" pitchFamily="34" charset="0"/>
+              <a:ea typeface="微软雅黑" pitchFamily="34" charset="-122"/>
+            </a:endParaRPr>
+          </a:p>
+        </p:txBody>
+      </p:sp>
+      <p:sp>
+        <p:nvSpPr>
+          <p:cNvPr id="18" name="TextBox 17">
+            <a:extLst>
+              <a:ext uri="{FF2B5EF4-FFF2-40B4-BE49-F238E27FC236}">
+                <a16:creationId xmlns:a16="http://schemas.microsoft.com/office/drawing/2014/main" id="{69FE0682-701F-4FE1-9A6C-E9D9925F187B}"/>
+              </a:ext>
+            </a:extLst>
+          </p:cNvPr>
+          <p:cNvSpPr txBox="1"/>
+          <p:nvPr/>
+        </p:nvSpPr>
+        <p:spPr>
+          <a:xfrm>
+            <a:off x="3293848" y="3836094"/>
+            <a:ext cx="2016224" cy="387798"/>
+          </a:xfrm>
+          <a:prstGeom prst="rect">
+            <a:avLst/>
+          </a:prstGeom>
+          <a:noFill/>
+        </p:spPr>
+        <p:txBody>
+          <a:bodyPr wrap="square" rtlCol="0">
+            <a:spAutoFit/>
+          </a:bodyPr>
+          <a:lstStyle/>
+          <a:p>
+            <a:pPr marL="0" marR="0" lvl="0" indent="0" defTabSz="914400" eaLnBrk="1" fontAlgn="auto" latinLnBrk="0" hangingPunct="1">
+              <a:lnSpc>
+                <a:spcPct val="80000"/>
+              </a:lnSpc>
+              <a:spcBef>
+                <a:spcPts val="0"/>
+              </a:spcBef>
+              <a:spcAft>
+                <a:spcPts val="0"/>
+              </a:spcAft>
+              <a:buClrTx/>
+              <a:buSzTx/>
+              <a:buFontTx/>
+              <a:buNone/>
+              <a:tabLst/>
+              <a:defRPr/>
+            </a:pPr>
             <a:r>
-              <a:rPr lang="en-US" altLang="zh-CN" dirty="0" err="1"/>
-              <a:t>Jdk</a:t>
+              <a:rPr kumimoji="0" lang="zh-CN" altLang="en-US" sz="2400" b="1" i="0" u="none" strike="noStrike" kern="0" cap="none" spc="0" normalizeH="0" baseline="0" noProof="0" dirty="0">
+                <a:ln>
+                  <a:noFill/>
+                </a:ln>
+                <a:solidFill>
+                  <a:schemeClr val="accent1"/>
+                </a:solidFill>
+                <a:effectLst>
+                  <a:outerShdw blurRad="50800" dist="38100" dir="5400000" algn="t" rotWithShape="0">
+                    <a:prstClr val="black">
+                      <a:alpha val="40000"/>
+                    </a:prstClr>
+                  </a:outerShdw>
+                </a:effectLst>
+                <a:uLnTx/>
+                <a:uFillTx/>
+                <a:latin typeface="Agency FB" pitchFamily="34" charset="0"/>
+                <a:ea typeface="微软雅黑" pitchFamily="34" charset="-122"/>
+              </a:rPr>
+              <a:t>依赖配置</a:t>
+            </a:r>
+          </a:p>
+        </p:txBody>
+      </p:sp>
+      <p:sp>
+        <p:nvSpPr>
+          <p:cNvPr id="20" name="TextBox 19">
+            <a:extLst>
+              <a:ext uri="{FF2B5EF4-FFF2-40B4-BE49-F238E27FC236}">
+                <a16:creationId xmlns:a16="http://schemas.microsoft.com/office/drawing/2014/main" id="{2C465023-745E-44B0-80F5-17D51E6A6995}"/>
+              </a:ext>
+            </a:extLst>
+          </p:cNvPr>
+          <p:cNvSpPr txBox="1"/>
+          <p:nvPr/>
+        </p:nvSpPr>
+        <p:spPr>
+          <a:xfrm>
+            <a:off x="5935597" y="5379433"/>
+            <a:ext cx="5688632" cy="972574"/>
+          </a:xfrm>
+          <a:prstGeom prst="rect">
+            <a:avLst/>
+          </a:prstGeom>
+          <a:noFill/>
+        </p:spPr>
+        <p:txBody>
+          <a:bodyPr wrap="square" rtlCol="0">
+            <a:spAutoFit/>
+          </a:bodyPr>
+          <a:lstStyle>
+            <a:defPPr>
+              <a:defRPr lang="en-US"/>
+            </a:defPPr>
+            <a:lvl1pPr>
+              <a:lnSpc>
+                <a:spcPct val="130000"/>
+              </a:lnSpc>
+              <a:defRPr sz="5400" b="1">
+                <a:solidFill>
+                  <a:schemeClr val="tx1">
+                    <a:lumMod val="65000"/>
+                    <a:lumOff val="35000"/>
+                  </a:schemeClr>
+                </a:solidFill>
+                <a:latin typeface="Agency FB" pitchFamily="34" charset="0"/>
+                <a:ea typeface="微软雅黑" pitchFamily="34" charset="-122"/>
+                <a:cs typeface="Calibri" pitchFamily="34" charset="0"/>
+              </a:defRPr>
+            </a:lvl1pPr>
+          </a:lstStyle>
+          <a:p>
+            <a:pPr marL="0" marR="0" lvl="0" indent="0" algn="ctr" defTabSz="914400" eaLnBrk="1" fontAlgn="auto" latinLnBrk="0" hangingPunct="1">
+              <a:lnSpc>
+                <a:spcPct val="130000"/>
+              </a:lnSpc>
+              <a:spcBef>
+                <a:spcPts val="0"/>
+              </a:spcBef>
+              <a:spcAft>
+                <a:spcPts val="0"/>
+              </a:spcAft>
+              <a:buClrTx/>
+              <a:buSzTx/>
+              <a:buFontTx/>
+              <a:buNone/>
+              <a:tabLst/>
+              <a:defRPr/>
+            </a:pPr>
+            <a:r>
+              <a:rPr kumimoji="0" lang="en-US" altLang="zh-CN" sz="4400" b="1" i="0" u="none" strike="noStrike" kern="0" cap="none" spc="0" normalizeH="0" baseline="0" noProof="0" dirty="0">
+                <a:ln>
+                  <a:noFill/>
+                </a:ln>
+                <a:solidFill>
+                  <a:sysClr val="windowText" lastClr="000000">
+                    <a:lumMod val="65000"/>
+                    <a:lumOff val="35000"/>
+                  </a:sysClr>
+                </a:solidFill>
+                <a:effectLst/>
+                <a:uLnTx/>
+                <a:uFillTx/>
+                <a:latin typeface="Agency FB" pitchFamily="34" charset="0"/>
+                <a:ea typeface="微软雅黑" pitchFamily="34" charset="-122"/>
+                <a:cs typeface="Calibri" pitchFamily="34" charset="0"/>
+              </a:rPr>
+              <a:t>Maven </a:t>
             </a:r>
             <a:r>
-              <a:rPr lang="zh-CN" altLang="en-US" dirty="0"/>
-              <a:t>配置</a:t>
+              <a:rPr kumimoji="0" lang="zh-CN" altLang="en-US" sz="4400" b="1" i="0" u="none" strike="noStrike" kern="0" cap="none" spc="0" normalizeH="0" baseline="0" noProof="0" dirty="0">
+                <a:ln>
+                  <a:noFill/>
+                </a:ln>
+                <a:solidFill>
+                  <a:sysClr val="windowText" lastClr="000000">
+                    <a:lumMod val="65000"/>
+                    <a:lumOff val="35000"/>
+                  </a:sysClr>
+                </a:solidFill>
+                <a:effectLst/>
+                <a:uLnTx/>
+                <a:uFillTx/>
+                <a:latin typeface="Agency FB" pitchFamily="34" charset="0"/>
+                <a:ea typeface="微软雅黑" pitchFamily="34" charset="-122"/>
+                <a:cs typeface="Calibri" pitchFamily="34" charset="0"/>
+              </a:rPr>
+              <a:t>配置文件</a:t>
             </a:r>
-            <a:endParaRPr lang="en-US" altLang="zh-CN" dirty="0"/>
-          </a:p>
-          <a:p>
-            <a:pPr marL="0" indent="0">
-              <a:buNone/>
-            </a:pPr>
-            <a:endParaRPr lang="en-US" altLang="zh-CN" dirty="0"/>
           </a:p>
         </p:txBody>
       </p:sp>
     </p:spTree>
     <p:extLst>
       <p:ext uri="{BB962C8B-B14F-4D97-AF65-F5344CB8AC3E}">
-        <p14:creationId xmlns:p14="http://schemas.microsoft.com/office/powerpoint/2010/main" val="55914345"/>
+        <p14:creationId xmlns:p14="http://schemas.microsoft.com/office/powerpoint/2010/main" val="3508328493"/>
       </p:ext>
     </p:extLst>
   </p:cSld>
@@ -9404,6 +10689,42 @@
           <a:chExt cx="0" cy="0"/>
         </a:xfrm>
       </p:grpSpPr>
+      <p:pic>
+        <p:nvPicPr>
+          <p:cNvPr id="5" name="图片 16">
+            <a:extLst>
+              <a:ext uri="{FF2B5EF4-FFF2-40B4-BE49-F238E27FC236}">
+                <a16:creationId xmlns:a16="http://schemas.microsoft.com/office/drawing/2014/main" id="{698117D2-7A74-4356-B887-0E69CD161DEC}"/>
+              </a:ext>
+            </a:extLst>
+          </p:cNvPr>
+          <p:cNvPicPr>
+            <a:picLocks noChangeAspect="1"/>
+          </p:cNvPicPr>
+          <p:nvPr/>
+        </p:nvPicPr>
+        <p:blipFill>
+          <a:blip r:embed="rId3">
+            <a:extLst>
+              <a:ext uri="{28A0092B-C50C-407E-A947-70E740481C1C}">
+                <a14:useLocalDpi xmlns:a14="http://schemas.microsoft.com/office/drawing/2010/main" val="0"/>
+              </a:ext>
+            </a:extLst>
+          </a:blip>
+          <a:stretch>
+            <a:fillRect/>
+          </a:stretch>
+        </p:blipFill>
+        <p:spPr>
+          <a:xfrm rot="987617">
+            <a:off x="2285510" y="3324828"/>
+            <a:ext cx="5593519" cy="2104926"/>
+          </a:xfrm>
+          <a:prstGeom prst="rect">
+            <a:avLst/>
+          </a:prstGeom>
+        </p:spPr>
+      </p:pic>
       <p:sp>
         <p:nvSpPr>
           <p:cNvPr id="2" name="Title 1">
@@ -9420,20 +10741,79 @@
             <p:ph type="ctrTitle"/>
           </p:nvPr>
         </p:nvSpPr>
-        <p:spPr/>
+        <p:spPr>
+          <a:xfrm>
+            <a:off x="2589213" y="3349128"/>
+            <a:ext cx="8915399" cy="1428253"/>
+          </a:xfrm>
+        </p:spPr>
         <p:txBody>
           <a:bodyPr/>
           <a:lstStyle/>
           <a:p>
             <a:r>
-              <a:rPr lang="en-US" altLang="zh-CN" dirty="0"/>
+              <a:rPr lang="en-US" altLang="zh-CN" sz="6000" b="1" kern="0" dirty="0">
+                <a:ln w="18415" cmpd="sng">
+                  <a:noFill/>
+                  <a:prstDash val="solid"/>
+                </a:ln>
+                <a:solidFill>
+                  <a:srgbClr val="826300"/>
+                </a:solidFill>
+                <a:effectLst>
+                  <a:outerShdw dist="38100" dir="5400000" algn="t" rotWithShape="0">
+                    <a:sysClr val="window" lastClr="FFFFFF">
+                      <a:alpha val="55000"/>
+                    </a:sysClr>
+                  </a:outerShdw>
+                </a:effectLst>
+                <a:latin typeface="Adidas Unity" pitchFamily="2" charset="0"/>
+                <a:ea typeface="微软雅黑" pitchFamily="34" charset="-122"/>
+                <a:cs typeface="Times New Roman" pitchFamily="18" charset="0"/>
+              </a:rPr>
               <a:t>Hello World</a:t>
             </a:r>
             <a:r>
-              <a:rPr lang="zh-CN" altLang="en-US" dirty="0"/>
+              <a:rPr lang="zh-CN" altLang="en-US" sz="6000" b="1" kern="0" dirty="0">
+                <a:ln w="18415" cmpd="sng">
+                  <a:noFill/>
+                  <a:prstDash val="solid"/>
+                </a:ln>
+                <a:solidFill>
+                  <a:srgbClr val="826300"/>
+                </a:solidFill>
+                <a:effectLst>
+                  <a:outerShdw dist="38100" dir="5400000" algn="t" rotWithShape="0">
+                    <a:sysClr val="window" lastClr="FFFFFF">
+                      <a:alpha val="55000"/>
+                    </a:sysClr>
+                  </a:outerShdw>
+                </a:effectLst>
+                <a:latin typeface="Adidas Unity" pitchFamily="2" charset="0"/>
+                <a:ea typeface="微软雅黑" pitchFamily="34" charset="-122"/>
+                <a:cs typeface="Times New Roman" pitchFamily="18" charset="0"/>
+              </a:rPr>
               <a:t>演示</a:t>
             </a:r>
-            <a:endParaRPr lang="en-US" altLang="zh-CN" dirty="0"/>
+            <a:endParaRPr lang="en-US" altLang="zh-CN" sz="6000" b="1" kern="0" dirty="0">
+              <a:ln w="18415" cmpd="sng">
+                <a:noFill/>
+                <a:prstDash val="solid"/>
+              </a:ln>
+              <a:solidFill>
+                <a:srgbClr val="826300"/>
+              </a:solidFill>
+              <a:effectLst>
+                <a:outerShdw dist="38100" dir="5400000" algn="t" rotWithShape="0">
+                  <a:sysClr val="window" lastClr="FFFFFF">
+                    <a:alpha val="55000"/>
+                  </a:sysClr>
+                </a:outerShdw>
+              </a:effectLst>
+              <a:latin typeface="Adidas Unity" pitchFamily="2" charset="0"/>
+              <a:ea typeface="微软雅黑" pitchFamily="34" charset="-122"/>
+              <a:cs typeface="Times New Roman" pitchFamily="18" charset="0"/>
+            </a:endParaRPr>
           </a:p>
         </p:txBody>
       </p:sp>
@@ -9458,7 +10838,7 @@
           <a:bodyPr/>
           <a:lstStyle/>
           <a:p>
-            <a:endParaRPr lang="en-US"/>
+            <a:endParaRPr lang="en-US" dirty="0"/>
           </a:p>
         </p:txBody>
       </p:sp>
@@ -9494,132 +10874,447 @@
       </p:grpSpPr>
       <p:sp>
         <p:nvSpPr>
-          <p:cNvPr id="2" name="Title 1">
+          <p:cNvPr id="4" name="矩形 9">
             <a:extLst>
               <a:ext uri="{FF2B5EF4-FFF2-40B4-BE49-F238E27FC236}">
-                <a16:creationId xmlns:a16="http://schemas.microsoft.com/office/drawing/2014/main" id="{9293D386-A54D-4454-AAB4-0D824D2FC0A8}"/>
+                <a16:creationId xmlns:a16="http://schemas.microsoft.com/office/drawing/2014/main" id="{84028B55-4577-46B3-B9F1-84997C24E968}"/>
               </a:ext>
             </a:extLst>
           </p:cNvPr>
-          <p:cNvSpPr>
-            <a:spLocks noGrp="1"/>
-          </p:cNvSpPr>
-          <p:nvPr>
-            <p:ph type="title"/>
-          </p:nvPr>
+          <p:cNvSpPr/>
+          <p:nvPr/>
         </p:nvSpPr>
-        <p:spPr/>
+        <p:spPr>
+          <a:xfrm>
+            <a:off x="1972020" y="2017804"/>
+            <a:ext cx="9144000" cy="288032"/>
+          </a:xfrm>
+          <a:prstGeom prst="rect">
+            <a:avLst/>
+          </a:prstGeom>
+          <a:solidFill>
+            <a:sysClr val="windowText" lastClr="000000">
+              <a:lumMod val="75000"/>
+              <a:lumOff val="25000"/>
+            </a:sysClr>
+          </a:solidFill>
+          <a:ln w="25400" cap="flat" cmpd="sng" algn="ctr">
+            <a:noFill/>
+            <a:prstDash val="solid"/>
+          </a:ln>
+          <a:effectLst/>
+        </p:spPr>
         <p:txBody>
-          <a:bodyPr/>
+          <a:bodyPr rot="0" spcFirstLastPara="0" vertOverflow="overflow" horzOverflow="overflow" vert="horz" wrap="square" lIns="91440" tIns="45720" rIns="91440" bIns="45720" numCol="1" spcCol="0" rtlCol="0" fromWordArt="0" anchor="ctr" anchorCtr="0" forceAA="0" compatLnSpc="1">
+            <a:prstTxWarp prst="textNoShape">
+              <a:avLst/>
+            </a:prstTxWarp>
+            <a:noAutofit/>
+          </a:bodyPr>
           <a:lstStyle/>
           <a:p>
+            <a:pPr marL="0" marR="0" lvl="0" indent="0" algn="ctr" defTabSz="914400" eaLnBrk="1" fontAlgn="auto" latinLnBrk="0" hangingPunct="1">
+              <a:lnSpc>
+                <a:spcPct val="100000"/>
+              </a:lnSpc>
+              <a:spcBef>
+                <a:spcPts val="0"/>
+              </a:spcBef>
+              <a:spcAft>
+                <a:spcPts val="0"/>
+              </a:spcAft>
+              <a:buClrTx/>
+              <a:buSzTx/>
+              <a:buFontTx/>
+              <a:buNone/>
+              <a:tabLst/>
+              <a:defRPr/>
+            </a:pPr>
+            <a:endParaRPr kumimoji="0" lang="zh-CN" altLang="en-US" sz="1800" b="0" i="0" u="none" strike="noStrike" kern="0" cap="none" spc="0" normalizeH="0" baseline="0" noProof="0">
+              <a:ln>
+                <a:noFill/>
+              </a:ln>
+              <a:solidFill>
+                <a:sysClr val="window" lastClr="FFFFFF"/>
+              </a:solidFill>
+              <a:effectLst/>
+              <a:uLnTx/>
+              <a:uFillTx/>
+              <a:latin typeface="Calibri"/>
+              <a:ea typeface="宋体"/>
+              <a:cs typeface="+mn-cs"/>
+            </a:endParaRPr>
+          </a:p>
+        </p:txBody>
+      </p:sp>
+      <p:pic>
+        <p:nvPicPr>
+          <p:cNvPr id="5" name="图片 10">
+            <a:extLst>
+              <a:ext uri="{FF2B5EF4-FFF2-40B4-BE49-F238E27FC236}">
+                <a16:creationId xmlns:a16="http://schemas.microsoft.com/office/drawing/2014/main" id="{23A8FA3B-CFB9-4B71-BC07-02DF3F958E7E}"/>
+              </a:ext>
+            </a:extLst>
+          </p:cNvPr>
+          <p:cNvPicPr>
+            <a:picLocks noChangeAspect="1"/>
+          </p:cNvPicPr>
+          <p:nvPr/>
+        </p:nvPicPr>
+        <p:blipFill>
+          <a:blip r:embed="rId2" cstate="print">
+            <a:extLst>
+              <a:ext uri="{28A0092B-C50C-407E-A947-70E740481C1C}">
+                <a14:useLocalDpi xmlns:a14="http://schemas.microsoft.com/office/drawing/2010/main" val="0"/>
+              </a:ext>
+            </a:extLst>
+          </a:blip>
+          <a:stretch>
+            <a:fillRect/>
+          </a:stretch>
+        </p:blipFill>
+        <p:spPr>
+          <a:xfrm>
+            <a:off x="6853990" y="2017804"/>
+            <a:ext cx="3218422" cy="2965459"/>
+          </a:xfrm>
+          <a:prstGeom prst="rect">
+            <a:avLst/>
+          </a:prstGeom>
+        </p:spPr>
+      </p:pic>
+      <p:pic>
+        <p:nvPicPr>
+          <p:cNvPr id="6" name="图片 11">
+            <a:extLst>
+              <a:ext uri="{FF2B5EF4-FFF2-40B4-BE49-F238E27FC236}">
+                <a16:creationId xmlns:a16="http://schemas.microsoft.com/office/drawing/2014/main" id="{FE210903-9981-49A1-A856-208B6717C27F}"/>
+              </a:ext>
+            </a:extLst>
+          </p:cNvPr>
+          <p:cNvPicPr>
+            <a:picLocks noChangeAspect="1"/>
+          </p:cNvPicPr>
+          <p:nvPr/>
+        </p:nvPicPr>
+        <p:blipFill>
+          <a:blip r:embed="rId2" cstate="print">
+            <a:extLst>
+              <a:ext uri="{28A0092B-C50C-407E-A947-70E740481C1C}">
+                <a14:useLocalDpi xmlns:a14="http://schemas.microsoft.com/office/drawing/2010/main" val="0"/>
+              </a:ext>
+            </a:extLst>
+          </a:blip>
+          <a:stretch>
+            <a:fillRect/>
+          </a:stretch>
+        </p:blipFill>
+        <p:spPr>
+          <a:xfrm>
+            <a:off x="3015628" y="2017804"/>
+            <a:ext cx="3218422" cy="2965459"/>
+          </a:xfrm>
+          <a:prstGeom prst="rect">
+            <a:avLst/>
+          </a:prstGeom>
+        </p:spPr>
+      </p:pic>
+      <p:sp>
+        <p:nvSpPr>
+          <p:cNvPr id="7" name="TextBox 6">
+            <a:extLst>
+              <a:ext uri="{FF2B5EF4-FFF2-40B4-BE49-F238E27FC236}">
+                <a16:creationId xmlns:a16="http://schemas.microsoft.com/office/drawing/2014/main" id="{23BC0CC5-585B-4614-B194-9DAF166A6483}"/>
+              </a:ext>
+            </a:extLst>
+          </p:cNvPr>
+          <p:cNvSpPr txBox="1"/>
+          <p:nvPr/>
+        </p:nvSpPr>
+        <p:spPr>
+          <a:xfrm>
+            <a:off x="3951732" y="963009"/>
+            <a:ext cx="4883146" cy="707886"/>
+          </a:xfrm>
+          <a:prstGeom prst="rect">
+            <a:avLst/>
+          </a:prstGeom>
+          <a:noFill/>
+        </p:spPr>
+        <p:txBody>
+          <a:bodyPr wrap="square" rtlCol="0">
+            <a:spAutoFit/>
+          </a:bodyPr>
+          <a:lstStyle>
+            <a:defPPr>
+              <a:defRPr lang="en-US"/>
+            </a:defPPr>
+            <a:lvl1pPr>
+              <a:lnSpc>
+                <a:spcPct val="130000"/>
+              </a:lnSpc>
+              <a:defRPr sz="5400" b="1">
+                <a:solidFill>
+                  <a:schemeClr val="tx1">
+                    <a:lumMod val="65000"/>
+                    <a:lumOff val="35000"/>
+                  </a:schemeClr>
+                </a:solidFill>
+                <a:latin typeface="Agency FB" pitchFamily="34" charset="0"/>
+                <a:ea typeface="微软雅黑" pitchFamily="34" charset="-122"/>
+                <a:cs typeface="Calibri" pitchFamily="34" charset="0"/>
+              </a:defRPr>
+            </a:lvl1pPr>
+          </a:lstStyle>
+          <a:p>
+            <a:pPr marL="0" marR="0" lvl="0" indent="0" algn="ctr" defTabSz="914400" eaLnBrk="1" fontAlgn="auto" latinLnBrk="0" hangingPunct="1">
+              <a:lnSpc>
+                <a:spcPct val="100000"/>
+              </a:lnSpc>
+              <a:spcBef>
+                <a:spcPts val="0"/>
+              </a:spcBef>
+              <a:spcAft>
+                <a:spcPts val="0"/>
+              </a:spcAft>
+              <a:buClrTx/>
+              <a:buSzTx/>
+              <a:buFontTx/>
+              <a:buNone/>
+              <a:tabLst/>
+              <a:defRPr/>
+            </a:pPr>
             <a:r>
-              <a:rPr lang="zh-CN" altLang="en-US" dirty="0"/>
-              <a:t>创建工程中的规范</a:t>
+              <a:rPr kumimoji="0" lang="zh-CN" altLang="en-US" sz="4000" b="1" i="0" u="none" strike="noStrike" kern="0" cap="none" spc="0" normalizeH="0" baseline="0" noProof="0" dirty="0">
+                <a:ln>
+                  <a:noFill/>
+                </a:ln>
+                <a:solidFill>
+                  <a:sysClr val="windowText" lastClr="000000">
+                    <a:lumMod val="75000"/>
+                    <a:lumOff val="25000"/>
+                  </a:sysClr>
+                </a:solidFill>
+                <a:effectLst/>
+                <a:uLnTx/>
+                <a:uFillTx/>
+                <a:latin typeface="Agency FB" pitchFamily="34" charset="0"/>
+                <a:ea typeface="微软雅黑" pitchFamily="34" charset="-122"/>
+                <a:cs typeface="Calibri" pitchFamily="34" charset="0"/>
+              </a:rPr>
+              <a:t>演示</a:t>
             </a:r>
-            <a:endParaRPr lang="en-US" dirty="0"/>
           </a:p>
         </p:txBody>
       </p:sp>
       <p:sp>
         <p:nvSpPr>
-          <p:cNvPr id="3" name="Content Placeholder 2">
+          <p:cNvPr id="8" name="TextBox 7">
             <a:extLst>
               <a:ext uri="{FF2B5EF4-FFF2-40B4-BE49-F238E27FC236}">
-                <a16:creationId xmlns:a16="http://schemas.microsoft.com/office/drawing/2014/main" id="{FE62CFC8-ADF6-4AEB-A801-67C42F7F05DD}"/>
+                <a16:creationId xmlns:a16="http://schemas.microsoft.com/office/drawing/2014/main" id="{462FBECF-171E-4DFA-81B6-DAB5827BF7B0}"/>
               </a:ext>
             </a:extLst>
           </p:cNvPr>
-          <p:cNvSpPr>
-            <a:spLocks noGrp="1"/>
-          </p:cNvSpPr>
-          <p:nvPr>
-            <p:ph idx="1"/>
-          </p:nvPr>
+          <p:cNvSpPr txBox="1"/>
+          <p:nvPr/>
         </p:nvSpPr>
-        <p:spPr/>
+        <p:spPr>
+          <a:xfrm rot="21324496">
+            <a:off x="3028063" y="3748539"/>
+            <a:ext cx="3180129" cy="584775"/>
+          </a:xfrm>
+          <a:prstGeom prst="rect">
+            <a:avLst/>
+          </a:prstGeom>
+          <a:noFill/>
+        </p:spPr>
         <p:txBody>
-          <a:bodyPr>
-            <a:normAutofit/>
+          <a:bodyPr wrap="square" rtlCol="0">
+            <a:spAutoFit/>
           </a:bodyPr>
-          <a:lstStyle/>
-          <a:p>
+          <a:lstStyle>
+            <a:defPPr>
+              <a:defRPr lang="en-US"/>
+            </a:defPPr>
+            <a:lvl1pPr lvl="0">
+              <a:lnSpc>
+                <a:spcPct val="80000"/>
+              </a:lnSpc>
+              <a:defRPr sz="4400" b="1" kern="0">
+                <a:ln w="18415" cmpd="sng">
+                  <a:noFill/>
+                  <a:prstDash val="solid"/>
+                </a:ln>
+                <a:solidFill>
+                  <a:srgbClr val="FFC000"/>
+                </a:solidFill>
+                <a:latin typeface="Agency FB" pitchFamily="34" charset="0"/>
+                <a:ea typeface="微软雅黑" pitchFamily="34" charset="-122"/>
+              </a:defRPr>
+            </a:lvl1pPr>
+          </a:lstStyle>
+          <a:p>
+            <a:pPr marL="0" marR="0" lvl="0" indent="0" algn="ctr" defTabSz="914400" eaLnBrk="1" fontAlgn="auto" latinLnBrk="0" hangingPunct="1">
+              <a:lnSpc>
+                <a:spcPct val="80000"/>
+              </a:lnSpc>
+              <a:spcBef>
+                <a:spcPts val="0"/>
+              </a:spcBef>
+              <a:spcAft>
+                <a:spcPts val="0"/>
+              </a:spcAft>
+              <a:buClrTx/>
+              <a:buSzTx/>
+              <a:buFontTx/>
+              <a:buNone/>
+              <a:tabLst/>
+              <a:defRPr/>
+            </a:pPr>
             <a:r>
-              <a:rPr lang="en-US" altLang="zh-CN" dirty="0"/>
-              <a:t>Maven</a:t>
+              <a:rPr kumimoji="0" lang="zh-CN" altLang="en-US" sz="4000" b="1" i="0" u="none" strike="noStrike" kern="0" cap="none" spc="0" normalizeH="0" baseline="0" noProof="0" dirty="0">
+                <a:ln w="18415" cmpd="sng">
+                  <a:noFill/>
+                  <a:prstDash val="solid"/>
+                </a:ln>
+                <a:solidFill>
+                  <a:sysClr val="window" lastClr="FFFFFF"/>
+                </a:solidFill>
+                <a:effectLst/>
+                <a:uLnTx/>
+                <a:uFillTx/>
+                <a:latin typeface="Agency FB" pitchFamily="34" charset="0"/>
+                <a:ea typeface="微软雅黑" pitchFamily="34" charset="-122"/>
+              </a:rPr>
+              <a:t>提供</a:t>
             </a:r>
             <a:r>
-              <a:rPr lang="zh-CN" altLang="en-US" dirty="0"/>
-              <a:t>坐标</a:t>
-            </a:r>
-            <a:endParaRPr lang="en-US" altLang="zh-CN" dirty="0"/>
-          </a:p>
-          <a:p>
-            <a:r>
-              <a:rPr lang="en-US" altLang="zh-CN" dirty="0"/>
-              <a:t>Maven</a:t>
+              <a:rPr kumimoji="0" lang="en-US" altLang="zh-CN" sz="4000" b="1" i="0" u="none" strike="noStrike" kern="0" cap="none" spc="0" normalizeH="0" baseline="0" noProof="0" dirty="0">
+                <a:ln w="18415" cmpd="sng">
+                  <a:noFill/>
+                  <a:prstDash val="solid"/>
+                </a:ln>
+                <a:solidFill>
+                  <a:sysClr val="window" lastClr="FFFFFF"/>
+                </a:solidFill>
+                <a:effectLst/>
+                <a:uLnTx/>
+                <a:uFillTx/>
+                <a:latin typeface="Agency FB" pitchFamily="34" charset="0"/>
+                <a:ea typeface="微软雅黑" pitchFamily="34" charset="-122"/>
+              </a:rPr>
+              <a:t>Rest</a:t>
             </a:r>
             <a:r>
-              <a:rPr lang="zh-CN" altLang="en-US" dirty="0"/>
-              <a:t>工程命名规范</a:t>
+              <a:rPr kumimoji="0" lang="zh-CN" altLang="en-US" sz="4000" b="1" i="0" u="none" strike="noStrike" kern="0" cap="none" spc="0" normalizeH="0" baseline="0" noProof="0" dirty="0">
+                <a:ln w="18415" cmpd="sng">
+                  <a:noFill/>
+                  <a:prstDash val="solid"/>
+                </a:ln>
+                <a:solidFill>
+                  <a:sysClr val="window" lastClr="FFFFFF"/>
+                </a:solidFill>
+                <a:effectLst/>
+                <a:uLnTx/>
+                <a:uFillTx/>
+                <a:latin typeface="Agency FB" pitchFamily="34" charset="0"/>
+                <a:ea typeface="微软雅黑" pitchFamily="34" charset="-122"/>
+              </a:rPr>
+              <a:t>服务</a:t>
             </a:r>
-            <a:endParaRPr lang="en-US" altLang="zh-CN" dirty="0"/>
-          </a:p>
-          <a:p>
+          </a:p>
+        </p:txBody>
+      </p:sp>
+      <p:sp>
+        <p:nvSpPr>
+          <p:cNvPr id="10" name="TextBox 9">
+            <a:extLst>
+              <a:ext uri="{FF2B5EF4-FFF2-40B4-BE49-F238E27FC236}">
+                <a16:creationId xmlns:a16="http://schemas.microsoft.com/office/drawing/2014/main" id="{9D59C021-C905-467D-A304-C747EC40C7C1}"/>
+              </a:ext>
+            </a:extLst>
+          </p:cNvPr>
+          <p:cNvSpPr txBox="1"/>
+          <p:nvPr/>
+        </p:nvSpPr>
+        <p:spPr>
+          <a:xfrm rot="21324496">
+            <a:off x="7042058" y="3748538"/>
+            <a:ext cx="2842285" cy="584775"/>
+          </a:xfrm>
+          <a:prstGeom prst="rect">
+            <a:avLst/>
+          </a:prstGeom>
+          <a:noFill/>
+        </p:spPr>
+        <p:txBody>
+          <a:bodyPr wrap="square" rtlCol="0">
+            <a:spAutoFit/>
+          </a:bodyPr>
+          <a:lstStyle>
+            <a:defPPr>
+              <a:defRPr lang="en-US"/>
+            </a:defPPr>
+            <a:lvl1pPr lvl="0">
+              <a:lnSpc>
+                <a:spcPct val="80000"/>
+              </a:lnSpc>
+              <a:defRPr sz="4400" b="1" kern="0">
+                <a:ln w="18415" cmpd="sng">
+                  <a:noFill/>
+                  <a:prstDash val="solid"/>
+                </a:ln>
+                <a:solidFill>
+                  <a:srgbClr val="FFC000"/>
+                </a:solidFill>
+                <a:latin typeface="Agency FB" pitchFamily="34" charset="0"/>
+                <a:ea typeface="微软雅黑" pitchFamily="34" charset="-122"/>
+              </a:defRPr>
+            </a:lvl1pPr>
+          </a:lstStyle>
+          <a:p>
+            <a:pPr marL="0" marR="0" lvl="0" indent="0" algn="ctr" defTabSz="914400" eaLnBrk="1" fontAlgn="auto" latinLnBrk="0" hangingPunct="1">
+              <a:lnSpc>
+                <a:spcPct val="80000"/>
+              </a:lnSpc>
+              <a:spcBef>
+                <a:spcPts val="0"/>
+              </a:spcBef>
+              <a:spcAft>
+                <a:spcPts val="0"/>
+              </a:spcAft>
+              <a:buClrTx/>
+              <a:buSzTx/>
+              <a:buFontTx/>
+              <a:buNone/>
+              <a:tabLst/>
+              <a:defRPr/>
+            </a:pPr>
             <a:r>
-              <a:rPr lang="zh-CN" altLang="en-US" dirty="0"/>
-              <a:t>父</a:t>
+              <a:rPr kumimoji="0" lang="zh-CN" altLang="en-US" sz="4000" b="1" i="0" u="none" strike="noStrike" kern="0" cap="none" spc="0" normalizeH="0" baseline="0" noProof="0" dirty="0">
+                <a:ln w="18415" cmpd="sng">
+                  <a:noFill/>
+                  <a:prstDash val="solid"/>
+                </a:ln>
+                <a:solidFill>
+                  <a:sysClr val="window" lastClr="FFFFFF"/>
+                </a:solidFill>
+                <a:effectLst/>
+                <a:uLnTx/>
+                <a:uFillTx/>
+                <a:latin typeface="Agency FB" pitchFamily="34" charset="0"/>
+                <a:ea typeface="微软雅黑" pitchFamily="34" charset="-122"/>
+              </a:rPr>
+              <a:t>访问数据库</a:t>
             </a:r>
-            <a:r>
-              <a:rPr lang="en-US" altLang="zh-CN" dirty="0"/>
-              <a:t>POM</a:t>
-            </a:r>
-            <a:r>
-              <a:rPr lang="zh-CN" altLang="en-US" dirty="0"/>
-              <a:t>文件依赖</a:t>
-            </a:r>
-            <a:endParaRPr lang="en-US" altLang="zh-CN" dirty="0"/>
-          </a:p>
-          <a:p>
-            <a:endParaRPr lang="en-US" altLang="zh-CN" dirty="0"/>
-          </a:p>
-          <a:p>
-            <a:endParaRPr lang="en-US" altLang="zh-CN" dirty="0"/>
-          </a:p>
-          <a:p>
-            <a:pPr marL="0" indent="0">
-              <a:buNone/>
-            </a:pPr>
-            <a:endParaRPr lang="en-US" altLang="zh-CN" dirty="0"/>
-          </a:p>
-          <a:p>
-            <a:pPr marL="514350" lvl="1" indent="0">
-              <a:buNone/>
-            </a:pPr>
-            <a:endParaRPr lang="en-US" altLang="zh-CN" dirty="0"/>
-          </a:p>
-          <a:p>
-            <a:pPr lvl="1"/>
-            <a:endParaRPr lang="en-US" altLang="zh-CN" dirty="0"/>
-          </a:p>
-          <a:p>
-            <a:pPr marL="514350" lvl="1" indent="0">
-              <a:buNone/>
-            </a:pPr>
-            <a:endParaRPr lang="en-US" altLang="zh-CN" dirty="0"/>
-          </a:p>
-          <a:p>
-            <a:pPr marL="514350" lvl="1" indent="0">
-              <a:buNone/>
-            </a:pPr>
-            <a:endParaRPr lang="en-US" altLang="zh-CN" dirty="0"/>
           </a:p>
         </p:txBody>
       </p:sp>
     </p:spTree>
     <p:extLst>
       <p:ext uri="{BB962C8B-B14F-4D97-AF65-F5344CB8AC3E}">
-        <p14:creationId xmlns:p14="http://schemas.microsoft.com/office/powerpoint/2010/main" val="878392717"/>
+        <p14:creationId xmlns:p14="http://schemas.microsoft.com/office/powerpoint/2010/main" val="1367190312"/>
       </p:ext>
     </p:extLst>
   </p:cSld>
@@ -9630,307 +11325,6 @@
 </file>
 
 <file path=ppt/slides/slide13.xml><?xml version="1.0" encoding="utf-8"?>
-<p:sld xmlns:a="http://schemas.openxmlformats.org/drawingml/2006/main" xmlns:r="http://schemas.openxmlformats.org/officeDocument/2006/relationships" xmlns:p="http://schemas.openxmlformats.org/presentationml/2006/main">
-  <p:cSld>
-    <p:spTree>
-      <p:nvGrpSpPr>
-        <p:cNvPr id="1" name=""/>
-        <p:cNvGrpSpPr/>
-        <p:nvPr/>
-      </p:nvGrpSpPr>
-      <p:grpSpPr>
-        <a:xfrm>
-          <a:off x="0" y="0"/>
-          <a:ext cx="0" cy="0"/>
-          <a:chOff x="0" y="0"/>
-          <a:chExt cx="0" cy="0"/>
-        </a:xfrm>
-      </p:grpSpPr>
-      <p:sp>
-        <p:nvSpPr>
-          <p:cNvPr id="2" name="Title 1">
-            <a:extLst>
-              <a:ext uri="{FF2B5EF4-FFF2-40B4-BE49-F238E27FC236}">
-                <a16:creationId xmlns:a16="http://schemas.microsoft.com/office/drawing/2014/main" id="{9293D386-A54D-4454-AAB4-0D824D2FC0A8}"/>
-              </a:ext>
-            </a:extLst>
-          </p:cNvPr>
-          <p:cNvSpPr>
-            <a:spLocks noGrp="1"/>
-          </p:cNvSpPr>
-          <p:nvPr>
-            <p:ph type="title"/>
-          </p:nvPr>
-        </p:nvSpPr>
-        <p:spPr/>
-        <p:txBody>
-          <a:bodyPr/>
-          <a:lstStyle/>
-          <a:p>
-            <a:r>
-              <a:rPr lang="en-US" altLang="zh-CN" dirty="0"/>
-              <a:t>Web</a:t>
-            </a:r>
-            <a:r>
-              <a:rPr lang="zh-CN" altLang="en-US" dirty="0"/>
-              <a:t>工程中的规范</a:t>
-            </a:r>
-            <a:endParaRPr lang="en-US" dirty="0"/>
-          </a:p>
-        </p:txBody>
-      </p:sp>
-      <p:sp>
-        <p:nvSpPr>
-          <p:cNvPr id="3" name="Content Placeholder 2">
-            <a:extLst>
-              <a:ext uri="{FF2B5EF4-FFF2-40B4-BE49-F238E27FC236}">
-                <a16:creationId xmlns:a16="http://schemas.microsoft.com/office/drawing/2014/main" id="{FE62CFC8-ADF6-4AEB-A801-67C42F7F05DD}"/>
-              </a:ext>
-            </a:extLst>
-          </p:cNvPr>
-          <p:cNvSpPr>
-            <a:spLocks noGrp="1"/>
-          </p:cNvSpPr>
-          <p:nvPr>
-            <p:ph idx="1"/>
-          </p:nvPr>
-        </p:nvSpPr>
-        <p:spPr>
-          <a:xfrm>
-            <a:off x="2589212" y="2133600"/>
-            <a:ext cx="8915400" cy="3777622"/>
-          </a:xfrm>
-        </p:spPr>
-        <p:txBody>
-          <a:bodyPr>
-            <a:normAutofit/>
-          </a:bodyPr>
-          <a:lstStyle/>
-          <a:p>
-            <a:r>
-              <a:rPr lang="zh-CN" altLang="en-US" dirty="0"/>
-              <a:t>基础包名为</a:t>
-            </a:r>
-            <a:r>
-              <a:rPr lang="en-US" altLang="zh-CN" dirty="0"/>
-              <a:t>Maven</a:t>
-            </a:r>
-            <a:r>
-              <a:rPr lang="zh-CN" altLang="en-US" dirty="0"/>
-              <a:t>的</a:t>
-            </a:r>
-            <a:r>
-              <a:rPr lang="en-US" altLang="zh-CN" dirty="0" err="1"/>
-              <a:t>groupId</a:t>
-            </a:r>
-            <a:endParaRPr lang="en-US" altLang="zh-CN" dirty="0"/>
-          </a:p>
-          <a:p>
-            <a:r>
-              <a:rPr lang="zh-CN" altLang="en-US" dirty="0"/>
-              <a:t>目录结构</a:t>
-            </a:r>
-            <a:endParaRPr lang="en-US" altLang="zh-CN" dirty="0"/>
-          </a:p>
-          <a:p>
-            <a:r>
-              <a:rPr lang="zh-CN" altLang="en-US" dirty="0"/>
-              <a:t>类命名</a:t>
-            </a:r>
-            <a:endParaRPr lang="en-US" altLang="zh-CN" dirty="0"/>
-          </a:p>
-          <a:p>
-            <a:r>
-              <a:rPr lang="zh-CN" altLang="en-US" dirty="0"/>
-              <a:t>方法命名</a:t>
-            </a:r>
-            <a:endParaRPr lang="en-US" altLang="zh-CN" dirty="0"/>
-          </a:p>
-          <a:p>
-            <a:endParaRPr lang="en-US" altLang="zh-CN" dirty="0"/>
-          </a:p>
-          <a:p>
-            <a:pPr marL="514350" lvl="1" indent="0">
-              <a:buNone/>
-            </a:pPr>
-            <a:endParaRPr lang="en-US" altLang="zh-CN" dirty="0"/>
-          </a:p>
-          <a:p>
-            <a:pPr marL="514350" lvl="1" indent="0">
-              <a:buNone/>
-            </a:pPr>
-            <a:endParaRPr lang="en-US" altLang="zh-CN" dirty="0"/>
-          </a:p>
-        </p:txBody>
-      </p:sp>
-    </p:spTree>
-    <p:extLst>
-      <p:ext uri="{BB962C8B-B14F-4D97-AF65-F5344CB8AC3E}">
-        <p14:creationId xmlns:p14="http://schemas.microsoft.com/office/powerpoint/2010/main" val="2845039073"/>
-      </p:ext>
-    </p:extLst>
-  </p:cSld>
-  <p:clrMapOvr>
-    <a:masterClrMapping/>
-  </p:clrMapOvr>
-</p:sld>
-</file>
-
-<file path=ppt/slides/slide14.xml><?xml version="1.0" encoding="utf-8"?>
-<p:sld xmlns:a="http://schemas.openxmlformats.org/drawingml/2006/main" xmlns:r="http://schemas.openxmlformats.org/officeDocument/2006/relationships" xmlns:p="http://schemas.openxmlformats.org/presentationml/2006/main">
-  <p:cSld>
-    <p:spTree>
-      <p:nvGrpSpPr>
-        <p:cNvPr id="1" name=""/>
-        <p:cNvGrpSpPr/>
-        <p:nvPr/>
-      </p:nvGrpSpPr>
-      <p:grpSpPr>
-        <a:xfrm>
-          <a:off x="0" y="0"/>
-          <a:ext cx="0" cy="0"/>
-          <a:chOff x="0" y="0"/>
-          <a:chExt cx="0" cy="0"/>
-        </a:xfrm>
-      </p:grpSpPr>
-      <p:sp>
-        <p:nvSpPr>
-          <p:cNvPr id="2" name="Title 1">
-            <a:extLst>
-              <a:ext uri="{FF2B5EF4-FFF2-40B4-BE49-F238E27FC236}">
-                <a16:creationId xmlns:a16="http://schemas.microsoft.com/office/drawing/2014/main" id="{9AA53D2D-6B3C-4BC5-9B62-4D435EEAD482}"/>
-              </a:ext>
-            </a:extLst>
-          </p:cNvPr>
-          <p:cNvSpPr>
-            <a:spLocks noGrp="1"/>
-          </p:cNvSpPr>
-          <p:nvPr>
-            <p:ph type="title"/>
-          </p:nvPr>
-        </p:nvSpPr>
-        <p:spPr/>
-        <p:txBody>
-          <a:bodyPr/>
-          <a:lstStyle/>
-          <a:p>
-            <a:r>
-              <a:rPr lang="zh-CN" altLang="en-US" dirty="0"/>
-              <a:t>数据库访问中的规范</a:t>
-            </a:r>
-            <a:endParaRPr lang="en-US" dirty="0"/>
-          </a:p>
-        </p:txBody>
-      </p:sp>
-      <p:sp>
-        <p:nvSpPr>
-          <p:cNvPr id="3" name="Content Placeholder 2">
-            <a:extLst>
-              <a:ext uri="{FF2B5EF4-FFF2-40B4-BE49-F238E27FC236}">
-                <a16:creationId xmlns:a16="http://schemas.microsoft.com/office/drawing/2014/main" id="{D588CEDD-16F0-43F7-8870-62CCFB565DD2}"/>
-              </a:ext>
-            </a:extLst>
-          </p:cNvPr>
-          <p:cNvSpPr>
-            <a:spLocks noGrp="1"/>
-          </p:cNvSpPr>
-          <p:nvPr>
-            <p:ph idx="1"/>
-          </p:nvPr>
-        </p:nvSpPr>
-        <p:spPr/>
-        <p:txBody>
-          <a:bodyPr/>
-          <a:lstStyle/>
-          <a:p>
-            <a:r>
-              <a:rPr lang="en-US" altLang="zh-CN" dirty="0"/>
-              <a:t>Maven </a:t>
-            </a:r>
-            <a:r>
-              <a:rPr lang="zh-CN" altLang="en-US" dirty="0"/>
-              <a:t>追加新模块 ，命名为 </a:t>
-            </a:r>
-            <a:r>
-              <a:rPr lang="en-US" altLang="zh-CN" dirty="0"/>
-              <a:t>XX-module</a:t>
-            </a:r>
-          </a:p>
-          <a:p>
-            <a:r>
-              <a:rPr lang="zh-CN" altLang="en-US" dirty="0"/>
-              <a:t>包名规范， </a:t>
-            </a:r>
-            <a:r>
-              <a:rPr lang="en-US" altLang="zh-CN" dirty="0" err="1"/>
-              <a:t>com.Accenture</a:t>
-            </a:r>
-            <a:r>
-              <a:rPr lang="en-US" altLang="zh-CN" dirty="0"/>
-              <a:t>.**.module</a:t>
-            </a:r>
-          </a:p>
-          <a:p>
-            <a:r>
-              <a:rPr lang="zh-CN" altLang="en-US" dirty="0"/>
-              <a:t>显示加上必要注解 </a:t>
-            </a:r>
-            <a:r>
-              <a:rPr lang="en-US" altLang="zh-CN" dirty="0"/>
-              <a:t>@</a:t>
-            </a:r>
-            <a:r>
-              <a:rPr lang="en-US" altLang="zh-CN" dirty="0" err="1"/>
-              <a:t>RequestMapping</a:t>
-            </a:r>
-            <a:r>
-              <a:rPr lang="zh-CN" altLang="en-US" dirty="0"/>
-              <a:t>， </a:t>
-            </a:r>
-            <a:r>
-              <a:rPr lang="en-US" altLang="zh-CN" dirty="0"/>
-              <a:t>@</a:t>
-            </a:r>
-            <a:r>
-              <a:rPr lang="en-US" altLang="zh-CN" dirty="0" err="1"/>
-              <a:t>RequestParam</a:t>
-            </a:r>
-            <a:r>
-              <a:rPr lang="zh-CN" altLang="en-US" dirty="0"/>
-              <a:t>，</a:t>
-            </a:r>
-            <a:r>
-              <a:rPr lang="en-US" altLang="zh-CN" dirty="0"/>
-              <a:t>@</a:t>
-            </a:r>
-            <a:r>
-              <a:rPr lang="en-US" altLang="zh-CN" dirty="0" err="1"/>
-              <a:t>RequestBody</a:t>
-            </a:r>
-            <a:endParaRPr lang="en-US" altLang="zh-CN" dirty="0"/>
-          </a:p>
-          <a:p>
-            <a:endParaRPr lang="en-US" altLang="zh-CN" dirty="0"/>
-          </a:p>
-          <a:p>
-            <a:endParaRPr lang="en-US" dirty="0"/>
-          </a:p>
-        </p:txBody>
-      </p:sp>
-    </p:spTree>
-    <p:extLst>
-      <p:ext uri="{BB962C8B-B14F-4D97-AF65-F5344CB8AC3E}">
-        <p14:creationId xmlns:p14="http://schemas.microsoft.com/office/powerpoint/2010/main" val="3895947814"/>
-      </p:ext>
-    </p:extLst>
-  </p:cSld>
-  <p:clrMapOvr>
-    <a:masterClrMapping/>
-  </p:clrMapOvr>
-</p:sld>
-</file>
-
-<file path=ppt/slides/slide15.xml><?xml version="1.0" encoding="utf-8"?>
 <p:sld xmlns:a="http://schemas.openxmlformats.org/drawingml/2006/main" xmlns:r="http://schemas.openxmlformats.org/officeDocument/2006/relationships" xmlns:p="http://schemas.openxmlformats.org/presentationml/2006/main">
   <p:cSld>
     <p:spTree>
@@ -13684,511 +15078,6 @@
           <p:cNvPr id="2" name="Title 1">
             <a:extLst>
               <a:ext uri="{FF2B5EF4-FFF2-40B4-BE49-F238E27FC236}">
-                <a16:creationId xmlns:a16="http://schemas.microsoft.com/office/drawing/2014/main" id="{DF1D3C3E-0F49-41CF-AF46-59ED720A8169}"/>
-              </a:ext>
-            </a:extLst>
-          </p:cNvPr>
-          <p:cNvSpPr>
-            <a:spLocks noGrp="1"/>
-          </p:cNvSpPr>
-          <p:nvPr>
-            <p:ph type="title"/>
-          </p:nvPr>
-        </p:nvSpPr>
-        <p:spPr/>
-        <p:txBody>
-          <a:bodyPr/>
-          <a:lstStyle/>
-          <a:p>
-            <a:r>
-              <a:rPr lang="en-US" dirty="0"/>
-              <a:t>.NET</a:t>
-            </a:r>
-            <a:r>
-              <a:rPr lang="zh-CN" altLang="en-US" dirty="0"/>
-              <a:t>和</a:t>
-            </a:r>
-            <a:r>
-              <a:rPr lang="en-US" altLang="zh-CN" dirty="0"/>
-              <a:t>Java</a:t>
-            </a:r>
-            <a:r>
-              <a:rPr lang="zh-CN" altLang="en-US" dirty="0"/>
-              <a:t>对比（文件相关）</a:t>
-            </a:r>
-            <a:endParaRPr lang="en-US" dirty="0"/>
-          </a:p>
-        </p:txBody>
-      </p:sp>
-      <p:graphicFrame>
-        <p:nvGraphicFramePr>
-          <p:cNvPr id="4" name="Content Placeholder 3">
-            <a:extLst>
-              <a:ext uri="{FF2B5EF4-FFF2-40B4-BE49-F238E27FC236}">
-                <a16:creationId xmlns:a16="http://schemas.microsoft.com/office/drawing/2014/main" id="{997BC92E-D0CA-4308-ACB0-5593423BAE2D}"/>
-              </a:ext>
-            </a:extLst>
-          </p:cNvPr>
-          <p:cNvGraphicFramePr>
-            <a:graphicFrameLocks noGrp="1"/>
-          </p:cNvGraphicFramePr>
-          <p:nvPr>
-            <p:ph idx="1"/>
-            <p:extLst>
-              <p:ext uri="{D42A27DB-BD31-4B8C-83A1-F6EECF244321}">
-                <p14:modId xmlns:p14="http://schemas.microsoft.com/office/powerpoint/2010/main" val="518760356"/>
-              </p:ext>
-            </p:extLst>
-          </p:nvPr>
-        </p:nvGraphicFramePr>
-        <p:xfrm>
-          <a:off x="2592924" y="2205872"/>
-          <a:ext cx="8911687" cy="3308808"/>
-        </p:xfrm>
-        <a:graphic>
-          <a:graphicData uri="http://schemas.openxmlformats.org/drawingml/2006/table">
-            <a:tbl>
-              <a:tblPr>
-                <a:tableStyleId>{5C22544A-7EE6-4342-B048-85BDC9FD1C3A}</a:tableStyleId>
-              </a:tblPr>
-              <a:tblGrid>
-                <a:gridCol w="1683895">
-                  <a:extLst>
-                    <a:ext uri="{9D8B030D-6E8A-4147-A177-3AD203B41FA5}">
-                      <a16:colId xmlns:a16="http://schemas.microsoft.com/office/drawing/2014/main" val="1615629386"/>
-                    </a:ext>
-                  </a:extLst>
-                </a:gridCol>
-                <a:gridCol w="3330612">
-                  <a:extLst>
-                    <a:ext uri="{9D8B030D-6E8A-4147-A177-3AD203B41FA5}">
-                      <a16:colId xmlns:a16="http://schemas.microsoft.com/office/drawing/2014/main" val="2152498109"/>
-                    </a:ext>
-                  </a:extLst>
-                </a:gridCol>
-                <a:gridCol w="3897180">
-                  <a:extLst>
-                    <a:ext uri="{9D8B030D-6E8A-4147-A177-3AD203B41FA5}">
-                      <a16:colId xmlns:a16="http://schemas.microsoft.com/office/drawing/2014/main" val="3557215048"/>
-                    </a:ext>
-                  </a:extLst>
-                </a:gridCol>
-              </a:tblGrid>
-              <a:tr h="653054">
-                <a:tc>
-                  <a:txBody>
-                    <a:bodyPr/>
-                    <a:lstStyle/>
-                    <a:p>
-                      <a:pPr algn="l" fontAlgn="b"/>
-                      <a:endParaRPr lang="en-US" sz="2400" b="0" i="0" u="none" strike="noStrike">
-                        <a:solidFill>
-                          <a:srgbClr val="000000"/>
-                        </a:solidFill>
-                        <a:effectLst/>
-                        <a:latin typeface="Calibri" panose="020F0502020204030204" pitchFamily="34" charset="0"/>
-                      </a:endParaRPr>
-                    </a:p>
-                  </a:txBody>
-                  <a:tcPr marL="6350" marR="6350" marT="6350" marB="0" anchor="b"/>
-                </a:tc>
-                <a:tc>
-                  <a:txBody>
-                    <a:bodyPr/>
-                    <a:lstStyle/>
-                    <a:p>
-                      <a:pPr algn="ctr" fontAlgn="ctr"/>
-                      <a:r>
-                        <a:rPr lang="en-US" sz="2400" b="1" u="none" strike="noStrike" dirty="0">
-                          <a:effectLst/>
-                        </a:rPr>
-                        <a:t>.NET</a:t>
-                      </a:r>
-                      <a:endParaRPr lang="en-US" sz="2400" b="1" i="0" u="none" strike="noStrike" dirty="0">
-                        <a:solidFill>
-                          <a:srgbClr val="333333"/>
-                        </a:solidFill>
-                        <a:effectLst/>
-                        <a:latin typeface="Georgia" panose="02040502050405020303" pitchFamily="18" charset="0"/>
-                      </a:endParaRPr>
-                    </a:p>
-                  </a:txBody>
-                  <a:tcPr marL="6350" marR="6350" marT="6350" marB="0" anchor="ctr"/>
-                </a:tc>
-                <a:tc>
-                  <a:txBody>
-                    <a:bodyPr/>
-                    <a:lstStyle/>
-                    <a:p>
-                      <a:pPr algn="ctr" fontAlgn="ctr"/>
-                      <a:r>
-                        <a:rPr lang="en-US" sz="2400" b="1" u="none" strike="noStrike" dirty="0">
-                          <a:effectLst/>
-                        </a:rPr>
-                        <a:t>Java</a:t>
-                      </a:r>
-                      <a:endParaRPr lang="en-US" sz="2400" b="1" i="0" u="none" strike="noStrike" dirty="0">
-                        <a:solidFill>
-                          <a:srgbClr val="333333"/>
-                        </a:solidFill>
-                        <a:effectLst/>
-                        <a:latin typeface="Georgia" panose="02040502050405020303" pitchFamily="18" charset="0"/>
-                      </a:endParaRPr>
-                    </a:p>
-                  </a:txBody>
-                  <a:tcPr marL="6350" marR="6350" marT="6350" marB="0" anchor="ctr"/>
-                </a:tc>
-                <a:extLst>
-                  <a:ext uri="{0D108BD9-81ED-4DB2-BD59-A6C34878D82A}">
-                    <a16:rowId xmlns:a16="http://schemas.microsoft.com/office/drawing/2014/main" val="3548883154"/>
-                  </a:ext>
-                </a:extLst>
-              </a:tr>
-              <a:tr h="653054">
-                <a:tc>
-                  <a:txBody>
-                    <a:bodyPr/>
-                    <a:lstStyle/>
-                    <a:p>
-                      <a:pPr algn="ctr" fontAlgn="ctr"/>
-                      <a:r>
-                        <a:rPr lang="zh-CN" altLang="en-US" sz="2400" b="1" u="none" strike="noStrike">
-                          <a:effectLst/>
-                        </a:rPr>
-                        <a:t>类的组织</a:t>
-                      </a:r>
-                      <a:endParaRPr lang="zh-CN" altLang="en-US" sz="2400" b="1" i="0" u="none" strike="noStrike">
-                        <a:solidFill>
-                          <a:srgbClr val="333333"/>
-                        </a:solidFill>
-                        <a:effectLst/>
-                        <a:latin typeface="Georgia" panose="02040502050405020303" pitchFamily="18" charset="0"/>
-                      </a:endParaRPr>
-                    </a:p>
-                  </a:txBody>
-                  <a:tcPr marL="6350" marR="6350" marT="19050" marB="19050" anchor="ctr"/>
-                </a:tc>
-                <a:tc>
-                  <a:txBody>
-                    <a:bodyPr/>
-                    <a:lstStyle/>
-                    <a:p>
-                      <a:pPr algn="l" fontAlgn="ctr"/>
-                      <a:r>
-                        <a:rPr lang="en-US" sz="2000" u="none" strike="noStrike">
-                          <a:effectLst/>
-                        </a:rPr>
-                        <a:t>namespace：</a:t>
-                      </a:r>
-                      <a:r>
-                        <a:rPr lang="zh-CN" altLang="en-US" sz="2000" u="none" strike="noStrike">
-                          <a:effectLst/>
-                        </a:rPr>
-                        <a:t>命名空间，</a:t>
-                      </a:r>
-                      <a:r>
-                        <a:rPr lang="en-US" sz="2000" u="none" strike="noStrike">
-                          <a:effectLst/>
-                        </a:rPr>
-                        <a:t>name</a:t>
-                      </a:r>
-                      <a:r>
-                        <a:rPr lang="zh-CN" altLang="en-US" sz="2000" u="none" strike="noStrike">
-                          <a:effectLst/>
-                        </a:rPr>
-                        <a:t>跟目录无关</a:t>
-                      </a:r>
-                      <a:endParaRPr lang="zh-CN" altLang="en-US" sz="2000" b="0" i="0" u="none" strike="noStrike">
-                        <a:solidFill>
-                          <a:srgbClr val="333333"/>
-                        </a:solidFill>
-                        <a:effectLst/>
-                        <a:latin typeface="Georgia" panose="02040502050405020303" pitchFamily="18" charset="0"/>
-                      </a:endParaRPr>
-                    </a:p>
-                  </a:txBody>
-                  <a:tcPr marL="6350" marR="6350" marT="19050" marB="19050" anchor="ctr"/>
-                </a:tc>
-                <a:tc>
-                  <a:txBody>
-                    <a:bodyPr/>
-                    <a:lstStyle/>
-                    <a:p>
-                      <a:pPr algn="l" fontAlgn="ctr"/>
-                      <a:r>
-                        <a:rPr lang="en-US" sz="2000" u="none" strike="noStrike">
-                          <a:effectLst/>
-                        </a:rPr>
-                        <a:t>Package：name</a:t>
-                      </a:r>
-                      <a:r>
-                        <a:rPr lang="zh-CN" altLang="en-US" sz="2000" u="none" strike="noStrike">
-                          <a:effectLst/>
-                        </a:rPr>
-                        <a:t>跟目录名一致</a:t>
-                      </a:r>
-                      <a:endParaRPr lang="zh-CN" altLang="en-US" sz="2000" b="0" i="0" u="none" strike="noStrike">
-                        <a:solidFill>
-                          <a:srgbClr val="333333"/>
-                        </a:solidFill>
-                        <a:effectLst/>
-                        <a:latin typeface="Georgia" panose="02040502050405020303" pitchFamily="18" charset="0"/>
-                      </a:endParaRPr>
-                    </a:p>
-                  </a:txBody>
-                  <a:tcPr marL="6350" marR="6350" marT="19050" marB="19050" anchor="ctr"/>
-                </a:tc>
-                <a:extLst>
-                  <a:ext uri="{0D108BD9-81ED-4DB2-BD59-A6C34878D82A}">
-                    <a16:rowId xmlns:a16="http://schemas.microsoft.com/office/drawing/2014/main" val="1602901691"/>
-                  </a:ext>
-                </a:extLst>
-              </a:tr>
-              <a:tr h="1197267">
-                <a:tc>
-                  <a:txBody>
-                    <a:bodyPr/>
-                    <a:lstStyle/>
-                    <a:p>
-                      <a:pPr algn="ctr" fontAlgn="ctr"/>
-                      <a:r>
-                        <a:rPr lang="zh-CN" altLang="en-US" sz="2400" b="1" u="none" strike="noStrike">
-                          <a:effectLst/>
-                        </a:rPr>
-                        <a:t>类</a:t>
-                      </a:r>
-                      <a:endParaRPr lang="zh-CN" altLang="en-US" sz="2400" b="1" i="0" u="none" strike="noStrike">
-                        <a:solidFill>
-                          <a:srgbClr val="333333"/>
-                        </a:solidFill>
-                        <a:effectLst/>
-                        <a:latin typeface="Georgia" panose="02040502050405020303" pitchFamily="18" charset="0"/>
-                      </a:endParaRPr>
-                    </a:p>
-                  </a:txBody>
-                  <a:tcPr marL="6350" marR="6350" marT="19050" marB="19050" anchor="ctr"/>
-                </a:tc>
-                <a:tc>
-                  <a:txBody>
-                    <a:bodyPr/>
-                    <a:lstStyle/>
-                    <a:p>
-                      <a:pPr algn="l" fontAlgn="ctr"/>
-                      <a:r>
-                        <a:rPr lang="en-US" altLang="zh-CN" sz="2000" u="none" strike="noStrike">
-                          <a:effectLst/>
-                        </a:rPr>
-                        <a:t>.cs</a:t>
-                      </a:r>
-                      <a:r>
-                        <a:rPr lang="zh-CN" altLang="en-US" sz="2000" u="none" strike="noStrike">
-                          <a:effectLst/>
-                        </a:rPr>
-                        <a:t>文件：类名跟文件名无关</a:t>
-                      </a:r>
-                      <a:endParaRPr lang="zh-CN" altLang="en-US" sz="2000" b="0" i="0" u="none" strike="noStrike">
-                        <a:solidFill>
-                          <a:srgbClr val="333333"/>
-                        </a:solidFill>
-                        <a:effectLst/>
-                        <a:latin typeface="Georgia" panose="02040502050405020303" pitchFamily="18" charset="0"/>
-                      </a:endParaRPr>
-                    </a:p>
-                  </a:txBody>
-                  <a:tcPr marL="6350" marR="6350" marT="19050" marB="19050" anchor="ctr"/>
-                </a:tc>
-                <a:tc>
-                  <a:txBody>
-                    <a:bodyPr/>
-                    <a:lstStyle/>
-                    <a:p>
-                      <a:pPr algn="l" fontAlgn="ctr"/>
-                      <a:r>
-                        <a:rPr lang="en-US" altLang="zh-CN" sz="2000" u="none" strike="noStrike" dirty="0">
-                          <a:effectLst/>
-                        </a:rPr>
-                        <a:t>.java</a:t>
-                      </a:r>
-                      <a:r>
-                        <a:rPr lang="zh-CN" altLang="en-US" sz="2000" u="none" strike="noStrike" dirty="0">
-                          <a:effectLst/>
-                        </a:rPr>
-                        <a:t>文件：</a:t>
-                      </a:r>
-                      <a:r>
-                        <a:rPr lang="en-US" altLang="zh-CN" sz="2000" u="none" strike="noStrike" dirty="0">
-                          <a:effectLst/>
-                        </a:rPr>
-                        <a:t>public</a:t>
-                      </a:r>
-                      <a:r>
-                        <a:rPr lang="zh-CN" altLang="en-US" sz="2000" u="none" strike="noStrike" dirty="0">
-                          <a:effectLst/>
-                        </a:rPr>
-                        <a:t>类名跟文件名有关，但一个类文件只能定义一个</a:t>
-                      </a:r>
-                      <a:r>
-                        <a:rPr lang="en-US" altLang="zh-CN" sz="2000" u="none" strike="noStrike" dirty="0">
-                          <a:effectLst/>
-                        </a:rPr>
-                        <a:t>public</a:t>
-                      </a:r>
-                      <a:r>
-                        <a:rPr lang="zh-CN" altLang="en-US" sz="2000" u="none" strike="noStrike" dirty="0">
-                          <a:effectLst/>
-                        </a:rPr>
-                        <a:t>类</a:t>
-                      </a:r>
-                      <a:endParaRPr lang="zh-CN" altLang="en-US" sz="2000" b="0" i="0" u="none" strike="noStrike" dirty="0">
-                        <a:solidFill>
-                          <a:srgbClr val="333333"/>
-                        </a:solidFill>
-                        <a:effectLst/>
-                        <a:latin typeface="Georgia" panose="02040502050405020303" pitchFamily="18" charset="0"/>
-                      </a:endParaRPr>
-                    </a:p>
-                  </a:txBody>
-                  <a:tcPr marL="6350" marR="6350" marT="19050" marB="19050" anchor="ctr"/>
-                </a:tc>
-                <a:extLst>
-                  <a:ext uri="{0D108BD9-81ED-4DB2-BD59-A6C34878D82A}">
-                    <a16:rowId xmlns:a16="http://schemas.microsoft.com/office/drawing/2014/main" val="2446380649"/>
-                  </a:ext>
-                </a:extLst>
-              </a:tr>
-              <a:tr h="805433">
-                <a:tc>
-                  <a:txBody>
-                    <a:bodyPr/>
-                    <a:lstStyle/>
-                    <a:p>
-                      <a:pPr algn="ctr" fontAlgn="ctr"/>
-                      <a:r>
-                        <a:rPr lang="zh-CN" altLang="en-US" sz="2400" b="1" u="none" strike="noStrike" dirty="0">
-                          <a:effectLst/>
-                        </a:rPr>
-                        <a:t>打包输出</a:t>
-                      </a:r>
-                      <a:endParaRPr lang="zh-CN" altLang="en-US" sz="2400" b="1" i="0" u="none" strike="noStrike" dirty="0">
-                        <a:solidFill>
-                          <a:srgbClr val="333333"/>
-                        </a:solidFill>
-                        <a:effectLst/>
-                        <a:latin typeface="Georgia" panose="02040502050405020303" pitchFamily="18" charset="0"/>
-                      </a:endParaRPr>
-                    </a:p>
-                  </a:txBody>
-                  <a:tcPr marL="6350" marR="6350" marT="19050" marB="19050" anchor="ctr"/>
-                </a:tc>
-                <a:tc>
-                  <a:txBody>
-                    <a:bodyPr/>
-                    <a:lstStyle/>
-                    <a:p>
-                      <a:pPr algn="l" fontAlgn="ctr"/>
-                      <a:r>
-                        <a:rPr lang="en-US" sz="2000" u="none" strike="noStrike">
-                          <a:effectLst/>
-                        </a:rPr>
-                        <a:t>.dll，.exe</a:t>
-                      </a:r>
-                      <a:r>
-                        <a:rPr lang="zh-CN" altLang="en-US" sz="2000" u="none" strike="noStrike">
-                          <a:effectLst/>
-                        </a:rPr>
-                        <a:t>文件</a:t>
-                      </a:r>
-                      <a:endParaRPr lang="zh-CN" altLang="en-US" sz="2000" b="0" i="0" u="none" strike="noStrike">
-                        <a:solidFill>
-                          <a:srgbClr val="333333"/>
-                        </a:solidFill>
-                        <a:effectLst/>
-                        <a:latin typeface="Georgia" panose="02040502050405020303" pitchFamily="18" charset="0"/>
-                      </a:endParaRPr>
-                    </a:p>
-                  </a:txBody>
-                  <a:tcPr marL="6350" marR="6350" marT="19050" marB="19050" anchor="ctr"/>
-                </a:tc>
-                <a:tc>
-                  <a:txBody>
-                    <a:bodyPr/>
-                    <a:lstStyle/>
-                    <a:p>
-                      <a:pPr algn="l" fontAlgn="ctr"/>
-                      <a:r>
-                        <a:rPr lang="en-US" sz="2000" u="none" strike="noStrike" dirty="0">
-                          <a:effectLst/>
-                        </a:rPr>
-                        <a:t>.</a:t>
-                      </a:r>
-                      <a:r>
-                        <a:rPr lang="en-US" sz="2000" u="none" strike="noStrike" dirty="0" err="1">
-                          <a:effectLst/>
-                        </a:rPr>
-                        <a:t>jar，.war</a:t>
-                      </a:r>
-                      <a:r>
-                        <a:rPr lang="zh-CN" altLang="en-US" sz="2000" u="none" strike="noStrike" dirty="0">
-                          <a:effectLst/>
-                        </a:rPr>
-                        <a:t>文件</a:t>
-                      </a:r>
-                      <a:endParaRPr lang="zh-CN" altLang="en-US" sz="2000" b="0" i="0" u="none" strike="noStrike" dirty="0">
-                        <a:solidFill>
-                          <a:srgbClr val="333333"/>
-                        </a:solidFill>
-                        <a:effectLst/>
-                        <a:latin typeface="Georgia" panose="02040502050405020303" pitchFamily="18" charset="0"/>
-                      </a:endParaRPr>
-                    </a:p>
-                  </a:txBody>
-                  <a:tcPr marL="6350" marR="6350" marT="19050" marB="19050" anchor="ctr"/>
-                </a:tc>
-                <a:extLst>
-                  <a:ext uri="{0D108BD9-81ED-4DB2-BD59-A6C34878D82A}">
-                    <a16:rowId xmlns:a16="http://schemas.microsoft.com/office/drawing/2014/main" val="3008336462"/>
-                  </a:ext>
-                </a:extLst>
-              </a:tr>
-            </a:tbl>
-          </a:graphicData>
-        </a:graphic>
-      </p:graphicFrame>
-    </p:spTree>
-    <p:extLst>
-      <p:ext uri="{BB962C8B-B14F-4D97-AF65-F5344CB8AC3E}">
-        <p14:creationId xmlns:p14="http://schemas.microsoft.com/office/powerpoint/2010/main" val="104756124"/>
-      </p:ext>
-    </p:extLst>
-  </p:cSld>
-  <p:clrMapOvr>
-    <a:masterClrMapping/>
-  </p:clrMapOvr>
-</p:sld>
-</file>
-
-<file path=ppt/slides/slide7.xml><?xml version="1.0" encoding="utf-8"?>
-<p:sld xmlns:a="http://schemas.openxmlformats.org/drawingml/2006/main" xmlns:r="http://schemas.openxmlformats.org/officeDocument/2006/relationships" xmlns:p="http://schemas.openxmlformats.org/presentationml/2006/main">
-  <p:cSld>
-    <p:spTree>
-      <p:nvGrpSpPr>
-        <p:cNvPr id="1" name=""/>
-        <p:cNvGrpSpPr/>
-        <p:nvPr/>
-      </p:nvGrpSpPr>
-      <p:grpSpPr>
-        <a:xfrm>
-          <a:off x="0" y="0"/>
-          <a:ext cx="0" cy="0"/>
-          <a:chOff x="0" y="0"/>
-          <a:chExt cx="0" cy="0"/>
-        </a:xfrm>
-      </p:grpSpPr>
-      <p:sp>
-        <p:nvSpPr>
-          <p:cNvPr id="2" name="Title 1">
-            <a:extLst>
-              <a:ext uri="{FF2B5EF4-FFF2-40B4-BE49-F238E27FC236}">
                 <a16:creationId xmlns:a16="http://schemas.microsoft.com/office/drawing/2014/main" id="{7F9DC8F8-8D48-493A-B6A2-B83FE7BE0C6C}"/>
               </a:ext>
             </a:extLst>
@@ -14871,9 +15760,14 @@
 </p:sld>
 </file>
 
-<file path=ppt/slides/slide8.xml><?xml version="1.0" encoding="utf-8"?>
+<file path=ppt/slides/slide7.xml><?xml version="1.0" encoding="utf-8"?>
 <p:sld xmlns:a="http://schemas.openxmlformats.org/drawingml/2006/main" xmlns:r="http://schemas.openxmlformats.org/officeDocument/2006/relationships" xmlns:p="http://schemas.openxmlformats.org/presentationml/2006/main">
   <p:cSld>
+    <p:bg>
+      <p:bgRef idx="1002">
+        <a:schemeClr val="bg2"/>
+      </p:bgRef>
+    </p:bg>
     <p:spTree>
       <p:nvGrpSpPr>
         <p:cNvPr id="1" name=""/>
@@ -14888,6 +15782,42 @@
           <a:chExt cx="0" cy="0"/>
         </a:xfrm>
       </p:grpSpPr>
+      <p:pic>
+        <p:nvPicPr>
+          <p:cNvPr id="4" name="图片 15">
+            <a:extLst>
+              <a:ext uri="{FF2B5EF4-FFF2-40B4-BE49-F238E27FC236}">
+                <a16:creationId xmlns:a16="http://schemas.microsoft.com/office/drawing/2014/main" id="{2039264A-0FBB-4C5E-8FF4-09DA9E34F12A}"/>
+              </a:ext>
+            </a:extLst>
+          </p:cNvPr>
+          <p:cNvPicPr>
+            <a:picLocks noChangeAspect="1"/>
+          </p:cNvPicPr>
+          <p:nvPr/>
+        </p:nvPicPr>
+        <p:blipFill>
+          <a:blip r:embed="rId3">
+            <a:extLst>
+              <a:ext uri="{28A0092B-C50C-407E-A947-70E740481C1C}">
+                <a14:useLocalDpi xmlns:a14="http://schemas.microsoft.com/office/drawing/2010/main" val="0"/>
+              </a:ext>
+            </a:extLst>
+          </a:blip>
+          <a:stretch>
+            <a:fillRect/>
+          </a:stretch>
+        </p:blipFill>
+        <p:spPr>
+          <a:xfrm>
+            <a:off x="2390909" y="3065072"/>
+            <a:ext cx="5593519" cy="2104926"/>
+          </a:xfrm>
+          <a:prstGeom prst="rect">
+            <a:avLst/>
+          </a:prstGeom>
+        </p:spPr>
+      </p:pic>
       <p:sp>
         <p:nvSpPr>
           <p:cNvPr id="2" name="Title 1">
@@ -14906,14 +15836,52 @@
         </p:nvSpPr>
         <p:spPr/>
         <p:txBody>
-          <a:bodyPr/>
+          <a:bodyPr>
+            <a:normAutofit/>
+          </a:bodyPr>
           <a:lstStyle/>
           <a:p>
             <a:r>
-              <a:rPr lang="zh-CN" altLang="en-US" dirty="0"/>
+              <a:rPr lang="zh-CN" altLang="en-US" sz="6000" b="1" kern="0" dirty="0">
+                <a:ln w="18415" cmpd="sng">
+                  <a:noFill/>
+                  <a:prstDash val="solid"/>
+                </a:ln>
+                <a:solidFill>
+                  <a:srgbClr val="826300"/>
+                </a:solidFill>
+                <a:effectLst>
+                  <a:outerShdw dist="38100" dir="5400000" algn="t" rotWithShape="0">
+                    <a:sysClr val="window" lastClr="FFFFFF">
+                      <a:alpha val="55000"/>
+                    </a:sysClr>
+                  </a:outerShdw>
+                </a:effectLst>
+                <a:latin typeface="Adidas Unity" pitchFamily="2" charset="0"/>
+                <a:ea typeface="微软雅黑" pitchFamily="34" charset="-122"/>
+                <a:cs typeface="Times New Roman" pitchFamily="18" charset="0"/>
+              </a:rPr>
               <a:t>开发工具介绍</a:t>
             </a:r>
-            <a:endParaRPr lang="en-US" dirty="0"/>
+            <a:endParaRPr lang="en-US" sz="6000" b="1" kern="0" dirty="0">
+              <a:ln w="18415" cmpd="sng">
+                <a:noFill/>
+                <a:prstDash val="solid"/>
+              </a:ln>
+              <a:solidFill>
+                <a:srgbClr val="826300"/>
+              </a:solidFill>
+              <a:effectLst>
+                <a:outerShdw dist="38100" dir="5400000" algn="t" rotWithShape="0">
+                  <a:sysClr val="window" lastClr="FFFFFF">
+                    <a:alpha val="55000"/>
+                  </a:sysClr>
+                </a:outerShdw>
+              </a:effectLst>
+              <a:latin typeface="Adidas Unity" pitchFamily="2" charset="0"/>
+              <a:ea typeface="微软雅黑" pitchFamily="34" charset="-122"/>
+              <a:cs typeface="Times New Roman" pitchFamily="18" charset="0"/>
+            </a:endParaRPr>
           </a:p>
         </p:txBody>
       </p:sp>
@@ -14946,6 +15914,1135 @@
     <p:extLst>
       <p:ext uri="{BB962C8B-B14F-4D97-AF65-F5344CB8AC3E}">
         <p14:creationId xmlns:p14="http://schemas.microsoft.com/office/powerpoint/2010/main" val="111701178"/>
+      </p:ext>
+    </p:extLst>
+  </p:cSld>
+  <p:clrMapOvr>
+    <a:overrideClrMapping bg1="lt1" tx1="dk1" bg2="lt2" tx2="dk2" accent1="accent1" accent2="accent2" accent3="accent3" accent4="accent4" accent5="accent5" accent6="accent6" hlink="hlink" folHlink="folHlink"/>
+  </p:clrMapOvr>
+</p:sld>
+</file>
+
+<file path=ppt/slides/slide8.xml><?xml version="1.0" encoding="utf-8"?>
+<p:sld xmlns:a="http://schemas.openxmlformats.org/drawingml/2006/main" xmlns:r="http://schemas.openxmlformats.org/officeDocument/2006/relationships" xmlns:p="http://schemas.openxmlformats.org/presentationml/2006/main">
+  <p:cSld>
+    <p:spTree>
+      <p:nvGrpSpPr>
+        <p:cNvPr id="1" name=""/>
+        <p:cNvGrpSpPr/>
+        <p:nvPr/>
+      </p:nvGrpSpPr>
+      <p:grpSpPr>
+        <a:xfrm>
+          <a:off x="0" y="0"/>
+          <a:ext cx="0" cy="0"/>
+          <a:chOff x="0" y="0"/>
+          <a:chExt cx="0" cy="0"/>
+        </a:xfrm>
+      </p:grpSpPr>
+      <p:sp>
+        <p:nvSpPr>
+          <p:cNvPr id="28" name="椭圆 5">
+            <a:extLst>
+              <a:ext uri="{FF2B5EF4-FFF2-40B4-BE49-F238E27FC236}">
+                <a16:creationId xmlns:a16="http://schemas.microsoft.com/office/drawing/2014/main" id="{A5C671C9-7D20-4E39-A2D9-19F0F0175978}"/>
+              </a:ext>
+            </a:extLst>
+          </p:cNvPr>
+          <p:cNvSpPr/>
+          <p:nvPr/>
+        </p:nvSpPr>
+        <p:spPr>
+          <a:xfrm>
+            <a:off x="3317064" y="546992"/>
+            <a:ext cx="6912769" cy="6089734"/>
+          </a:xfrm>
+          <a:custGeom>
+            <a:avLst/>
+            <a:gdLst/>
+            <a:ahLst/>
+            <a:cxnLst/>
+            <a:rect l="l" t="t" r="r" b="b"/>
+            <a:pathLst>
+              <a:path w="6912769" h="6089734">
+                <a:moveTo>
+                  <a:pt x="3764909" y="0"/>
+                </a:moveTo>
+                <a:cubicBezTo>
+                  <a:pt x="4237931" y="0"/>
+                  <a:pt x="4621392" y="383461"/>
+                  <a:pt x="4621392" y="856483"/>
+                </a:cubicBezTo>
+                <a:cubicBezTo>
+                  <a:pt x="4621392" y="1026036"/>
+                  <a:pt x="4572124" y="1184082"/>
+                  <a:pt x="4485571" y="1316093"/>
+                </a:cubicBezTo>
+                <a:cubicBezTo>
+                  <a:pt x="4470939" y="1373207"/>
+                  <a:pt x="4464497" y="1433015"/>
+                  <a:pt x="4464498" y="1494327"/>
+                </a:cubicBezTo>
+                <a:cubicBezTo>
+                  <a:pt x="4464497" y="1781751"/>
+                  <a:pt x="4606078" y="2036107"/>
+                  <a:pt x="4823400" y="2191321"/>
+                </a:cubicBezTo>
+                <a:cubicBezTo>
+                  <a:pt x="4928645" y="2170522"/>
+                  <a:pt x="5037408" y="2160240"/>
+                  <a:pt x="5148572" y="2160240"/>
+                </a:cubicBezTo>
+                <a:cubicBezTo>
+                  <a:pt x="6122911" y="2160240"/>
+                  <a:pt x="6912768" y="2950097"/>
+                  <a:pt x="6912769" y="3924437"/>
+                </a:cubicBezTo>
+                <a:cubicBezTo>
+                  <a:pt x="6912768" y="4898776"/>
+                  <a:pt x="6122911" y="5688633"/>
+                  <a:pt x="5148572" y="5688632"/>
+                </a:cubicBezTo>
+                <a:cubicBezTo>
+                  <a:pt x="4556463" y="5688632"/>
+                  <a:pt x="4032484" y="5396936"/>
+                  <a:pt x="3713821" y="4948458"/>
+                </a:cubicBezTo>
+                <a:cubicBezTo>
+                  <a:pt x="3491247" y="4965066"/>
+                  <a:pt x="3297520" y="5077621"/>
+                  <a:pt x="3173879" y="5245106"/>
+                </a:cubicBezTo>
+                <a:cubicBezTo>
+                  <a:pt x="3183827" y="5291492"/>
+                  <a:pt x="3188921" y="5339618"/>
+                  <a:pt x="3188921" y="5388934"/>
+                </a:cubicBezTo>
+                <a:cubicBezTo>
+                  <a:pt x="3188921" y="5775975"/>
+                  <a:pt x="2875162" y="6089734"/>
+                  <a:pt x="2488121" y="6089734"/>
+                </a:cubicBezTo>
+                <a:cubicBezTo>
+                  <a:pt x="2101080" y="6089734"/>
+                  <a:pt x="1787321" y="5775975"/>
+                  <a:pt x="1787321" y="5388934"/>
+                </a:cubicBezTo>
+                <a:cubicBezTo>
+                  <a:pt x="1787321" y="5001893"/>
+                  <a:pt x="2101080" y="4688134"/>
+                  <a:pt x="2488121" y="4688134"/>
+                </a:cubicBezTo>
+                <a:cubicBezTo>
+                  <a:pt x="2635159" y="4688134"/>
+                  <a:pt x="2771620" y="4733418"/>
+                  <a:pt x="2884043" y="4811201"/>
+                </a:cubicBezTo>
+                <a:cubicBezTo>
+                  <a:pt x="2914250" y="4814490"/>
+                  <a:pt x="2944955" y="4814801"/>
+                  <a:pt x="2975973" y="4813444"/>
+                </a:cubicBezTo>
+                <a:cubicBezTo>
+                  <a:pt x="3184937" y="4804308"/>
+                  <a:pt x="3373132" y="4721030"/>
+                  <a:pt x="3514676" y="4588357"/>
+                </a:cubicBezTo>
+                <a:cubicBezTo>
+                  <a:pt x="3454027" y="4441211"/>
+                  <a:pt x="3413232" y="4283927"/>
+                  <a:pt x="3396003" y="4119705"/>
+                </a:cubicBezTo>
+                <a:cubicBezTo>
+                  <a:pt x="3254976" y="3944748"/>
+                  <a:pt x="3037773" y="3791168"/>
+                  <a:pt x="2773195" y="3694649"/>
+                </a:cubicBezTo>
+                <a:cubicBezTo>
+                  <a:pt x="2506500" y="3597358"/>
+                  <a:pt x="2239301" y="3575422"/>
+                  <a:pt x="2017711" y="3619922"/>
+                </a:cubicBezTo>
+                <a:cubicBezTo>
+                  <a:pt x="1804376" y="3809802"/>
+                  <a:pt x="1523103" y="3924436"/>
+                  <a:pt x="1215055" y="3924436"/>
+                </a:cubicBezTo>
+                <a:cubicBezTo>
+                  <a:pt x="543999" y="3924436"/>
+                  <a:pt x="0" y="3380437"/>
+                  <a:pt x="0" y="2709381"/>
+                </a:cubicBezTo>
+                <a:cubicBezTo>
+                  <a:pt x="0" y="2038325"/>
+                  <a:pt x="543999" y="1494326"/>
+                  <a:pt x="1215055" y="1494326"/>
+                </a:cubicBezTo>
+                <a:cubicBezTo>
+                  <a:pt x="1886111" y="1494326"/>
+                  <a:pt x="2430110" y="2038325"/>
+                  <a:pt x="2430110" y="2709381"/>
+                </a:cubicBezTo>
+                <a:cubicBezTo>
+                  <a:pt x="2430110" y="2795522"/>
+                  <a:pt x="2421146" y="2879570"/>
+                  <a:pt x="2403799" y="2960579"/>
+                </a:cubicBezTo>
+                <a:cubicBezTo>
+                  <a:pt x="2581600" y="3153530"/>
+                  <a:pt x="2836772" y="3272985"/>
+                  <a:pt x="3119844" y="3272985"/>
+                </a:cubicBezTo>
+                <a:cubicBezTo>
+                  <a:pt x="3276769" y="3272985"/>
+                  <a:pt x="3425120" y="3236274"/>
+                  <a:pt x="3555940" y="3169384"/>
+                </a:cubicBezTo>
+                <a:cubicBezTo>
+                  <a:pt x="3711816" y="2838517"/>
+                  <a:pt x="3967920" y="2564428"/>
+                  <a:pt x="4285333" y="2386242"/>
+                </a:cubicBezTo>
+                <a:cubicBezTo>
+                  <a:pt x="4295661" y="2343537"/>
+                  <a:pt x="4299667" y="2298969"/>
+                  <a:pt x="4299667" y="2253465"/>
+                </a:cubicBezTo>
+                <a:cubicBezTo>
+                  <a:pt x="4299667" y="2018828"/>
+                  <a:pt x="4193158" y="1809068"/>
+                  <a:pt x="4024014" y="1672845"/>
+                </a:cubicBezTo>
+                <a:cubicBezTo>
+                  <a:pt x="3942321" y="1698979"/>
+                  <a:pt x="3855249" y="1712966"/>
+                  <a:pt x="3764909" y="1712966"/>
+                </a:cubicBezTo>
+                <a:cubicBezTo>
+                  <a:pt x="3291887" y="1712966"/>
+                  <a:pt x="2908426" y="1329505"/>
+                  <a:pt x="2908426" y="856483"/>
+                </a:cubicBezTo>
+                <a:cubicBezTo>
+                  <a:pt x="2908426" y="383461"/>
+                  <a:pt x="3291887" y="0"/>
+                  <a:pt x="3764909" y="0"/>
+                </a:cubicBezTo>
+                <a:close/>
+              </a:path>
+            </a:pathLst>
+          </a:custGeom>
+          <a:solidFill>
+            <a:srgbClr val="E75A57"/>
+          </a:solidFill>
+          <a:ln w="57150" cap="flat" cmpd="sng" algn="ctr">
+            <a:solidFill>
+              <a:srgbClr val="FFDE75"/>
+            </a:solidFill>
+            <a:prstDash val="solid"/>
+          </a:ln>
+          <a:effectLst>
+            <a:innerShdw blurRad="215900" dist="203200" dir="18900000">
+              <a:prstClr val="black">
+                <a:alpha val="36000"/>
+              </a:prstClr>
+            </a:innerShdw>
+          </a:effectLst>
+        </p:spPr>
+        <p:txBody>
+          <a:bodyPr rot="0" spcFirstLastPara="0" vertOverflow="overflow" horzOverflow="overflow" vert="horz" wrap="square" lIns="91440" tIns="45720" rIns="91440" bIns="45720" numCol="1" spcCol="0" rtlCol="0" fromWordArt="0" anchor="ctr" anchorCtr="0" forceAA="0" compatLnSpc="1">
+            <a:prstTxWarp prst="textNoShape">
+              <a:avLst/>
+            </a:prstTxWarp>
+            <a:noAutofit/>
+          </a:bodyPr>
+          <a:lstStyle/>
+          <a:p>
+            <a:pPr marL="0" marR="0" lvl="0" indent="0" algn="ctr" defTabSz="914400" eaLnBrk="1" fontAlgn="auto" latinLnBrk="0" hangingPunct="1">
+              <a:lnSpc>
+                <a:spcPct val="100000"/>
+              </a:lnSpc>
+              <a:spcBef>
+                <a:spcPts val="0"/>
+              </a:spcBef>
+              <a:spcAft>
+                <a:spcPts val="0"/>
+              </a:spcAft>
+              <a:buClrTx/>
+              <a:buSzTx/>
+              <a:buFontTx/>
+              <a:buNone/>
+              <a:tabLst/>
+              <a:defRPr/>
+            </a:pPr>
+            <a:endParaRPr kumimoji="0" lang="en-US" sz="1800" b="0" i="0" u="none" strike="noStrike" kern="0" cap="none" spc="0" normalizeH="0" baseline="0" noProof="0">
+              <a:ln>
+                <a:noFill/>
+              </a:ln>
+              <a:solidFill>
+                <a:sysClr val="window" lastClr="FFFFFF"/>
+              </a:solidFill>
+              <a:effectLst/>
+              <a:uLnTx/>
+              <a:uFillTx/>
+              <a:latin typeface="Calibri"/>
+              <a:ea typeface="+mn-ea"/>
+              <a:cs typeface="+mn-cs"/>
+            </a:endParaRPr>
+          </a:p>
+        </p:txBody>
+      </p:sp>
+      <p:sp>
+        <p:nvSpPr>
+          <p:cNvPr id="29" name="椭圆 14">
+            <a:extLst>
+              <a:ext uri="{FF2B5EF4-FFF2-40B4-BE49-F238E27FC236}">
+                <a16:creationId xmlns:a16="http://schemas.microsoft.com/office/drawing/2014/main" id="{7FDF33DB-A82D-402F-9C9F-685322E350EC}"/>
+              </a:ext>
+            </a:extLst>
+          </p:cNvPr>
+          <p:cNvSpPr/>
+          <p:nvPr/>
+        </p:nvSpPr>
+        <p:spPr>
+          <a:xfrm>
+            <a:off x="7066746" y="3093032"/>
+            <a:ext cx="2808312" cy="2808312"/>
+          </a:xfrm>
+          <a:prstGeom prst="ellipse">
+            <a:avLst/>
+          </a:prstGeom>
+          <a:pattFill prst="lgCheck">
+            <a:fgClr>
+              <a:srgbClr val="FFF5D5"/>
+            </a:fgClr>
+            <a:bgClr>
+              <a:srgbClr val="FFDE75"/>
+            </a:bgClr>
+          </a:pattFill>
+          <a:ln w="25400" cap="flat" cmpd="sng" algn="ctr">
+            <a:solidFill>
+              <a:sysClr val="windowText" lastClr="000000">
+                <a:lumMod val="75000"/>
+                <a:lumOff val="25000"/>
+              </a:sysClr>
+            </a:solidFill>
+            <a:prstDash val="solid"/>
+          </a:ln>
+          <a:effectLst>
+            <a:innerShdw blurRad="63500" dist="139700" dir="18900000">
+              <a:prstClr val="black">
+                <a:alpha val="23000"/>
+              </a:prstClr>
+            </a:innerShdw>
+          </a:effectLst>
+        </p:spPr>
+        <p:txBody>
+          <a:bodyPr rot="0" spcFirstLastPara="0" vertOverflow="overflow" horzOverflow="overflow" vert="horz" wrap="square" lIns="91440" tIns="45720" rIns="91440" bIns="45720" numCol="1" spcCol="0" rtlCol="0" fromWordArt="0" anchor="ctr" anchorCtr="0" forceAA="0" compatLnSpc="1">
+            <a:prstTxWarp prst="textNoShape">
+              <a:avLst/>
+            </a:prstTxWarp>
+            <a:noAutofit/>
+          </a:bodyPr>
+          <a:lstStyle/>
+          <a:p>
+            <a:pPr marL="0" marR="0" lvl="0" indent="0" algn="ctr" defTabSz="914400" eaLnBrk="1" fontAlgn="auto" latinLnBrk="0" hangingPunct="1">
+              <a:lnSpc>
+                <a:spcPct val="100000"/>
+              </a:lnSpc>
+              <a:spcBef>
+                <a:spcPts val="0"/>
+              </a:spcBef>
+              <a:spcAft>
+                <a:spcPts val="0"/>
+              </a:spcAft>
+              <a:buClrTx/>
+              <a:buSzTx/>
+              <a:buFontTx/>
+              <a:buNone/>
+              <a:tabLst/>
+              <a:defRPr/>
+            </a:pPr>
+            <a:endParaRPr kumimoji="0" lang="en-US" sz="1800" b="1" i="0" u="none" strike="noStrike" kern="0" cap="none" spc="0" normalizeH="0" baseline="0" noProof="0">
+              <a:ln w="12700">
+                <a:solidFill>
+                  <a:srgbClr val="1F497D">
+                    <a:satMod val="155000"/>
+                  </a:srgbClr>
+                </a:solidFill>
+                <a:prstDash val="solid"/>
+              </a:ln>
+              <a:solidFill>
+                <a:srgbClr val="EEECE1">
+                  <a:tint val="85000"/>
+                  <a:satMod val="155000"/>
+                </a:srgbClr>
+              </a:solidFill>
+              <a:effectLst>
+                <a:outerShdw blurRad="41275" dist="20320" dir="1800000" algn="tl" rotWithShape="0">
+                  <a:srgbClr val="000000">
+                    <a:alpha val="40000"/>
+                  </a:srgbClr>
+                </a:outerShdw>
+              </a:effectLst>
+              <a:uLnTx/>
+              <a:uFillTx/>
+              <a:latin typeface="Calibri"/>
+              <a:ea typeface="+mn-ea"/>
+              <a:cs typeface="+mn-cs"/>
+            </a:endParaRPr>
+          </a:p>
+        </p:txBody>
+      </p:sp>
+      <p:sp>
+        <p:nvSpPr>
+          <p:cNvPr id="30" name="椭圆 15">
+            <a:extLst>
+              <a:ext uri="{FF2B5EF4-FFF2-40B4-BE49-F238E27FC236}">
+                <a16:creationId xmlns:a16="http://schemas.microsoft.com/office/drawing/2014/main" id="{E5B70FA0-98BF-479A-9DBF-FE4C07DDCF7C}"/>
+              </a:ext>
+            </a:extLst>
+          </p:cNvPr>
+          <p:cNvSpPr/>
+          <p:nvPr/>
+        </p:nvSpPr>
+        <p:spPr>
+          <a:xfrm>
+            <a:off x="6439380" y="749036"/>
+            <a:ext cx="1306247" cy="1306247"/>
+          </a:xfrm>
+          <a:prstGeom prst="ellipse">
+            <a:avLst/>
+          </a:prstGeom>
+          <a:pattFill prst="lgCheck">
+            <a:fgClr>
+              <a:srgbClr val="FFF5D5"/>
+            </a:fgClr>
+            <a:bgClr>
+              <a:srgbClr val="FFDE75"/>
+            </a:bgClr>
+          </a:pattFill>
+          <a:ln w="25400" cap="flat" cmpd="sng" algn="ctr">
+            <a:solidFill>
+              <a:sysClr val="windowText" lastClr="000000">
+                <a:lumMod val="75000"/>
+                <a:lumOff val="25000"/>
+              </a:sysClr>
+            </a:solidFill>
+            <a:prstDash val="solid"/>
+          </a:ln>
+          <a:effectLst>
+            <a:innerShdw blurRad="63500" dist="139700" dir="18900000">
+              <a:prstClr val="black">
+                <a:alpha val="23000"/>
+              </a:prstClr>
+            </a:innerShdw>
+          </a:effectLst>
+        </p:spPr>
+        <p:txBody>
+          <a:bodyPr rot="0" spcFirstLastPara="0" vertOverflow="overflow" horzOverflow="overflow" vert="horz" wrap="square" lIns="91440" tIns="45720" rIns="91440" bIns="45720" numCol="1" spcCol="0" rtlCol="0" fromWordArt="0" anchor="ctr" anchorCtr="0" forceAA="0" compatLnSpc="1">
+            <a:prstTxWarp prst="textNoShape">
+              <a:avLst/>
+            </a:prstTxWarp>
+            <a:noAutofit/>
+          </a:bodyPr>
+          <a:lstStyle/>
+          <a:p>
+            <a:pPr marL="0" marR="0" lvl="0" indent="0" algn="ctr" defTabSz="914400" eaLnBrk="1" fontAlgn="auto" latinLnBrk="0" hangingPunct="1">
+              <a:lnSpc>
+                <a:spcPct val="100000"/>
+              </a:lnSpc>
+              <a:spcBef>
+                <a:spcPts val="0"/>
+              </a:spcBef>
+              <a:spcAft>
+                <a:spcPts val="0"/>
+              </a:spcAft>
+              <a:buClrTx/>
+              <a:buSzTx/>
+              <a:buFontTx/>
+              <a:buNone/>
+              <a:tabLst/>
+              <a:defRPr/>
+            </a:pPr>
+            <a:endParaRPr kumimoji="0" lang="en-US" sz="1800" b="1" i="0" u="none" strike="noStrike" kern="0" cap="none" spc="0" normalizeH="0" baseline="0" noProof="0">
+              <a:ln w="12700">
+                <a:solidFill>
+                  <a:srgbClr val="1F497D">
+                    <a:satMod val="155000"/>
+                  </a:srgbClr>
+                </a:solidFill>
+                <a:prstDash val="solid"/>
+              </a:ln>
+              <a:solidFill>
+                <a:srgbClr val="EEECE1">
+                  <a:tint val="85000"/>
+                  <a:satMod val="155000"/>
+                </a:srgbClr>
+              </a:solidFill>
+              <a:effectLst>
+                <a:outerShdw blurRad="41275" dist="20320" dir="1800000" algn="tl" rotWithShape="0">
+                  <a:srgbClr val="000000">
+                    <a:alpha val="40000"/>
+                  </a:srgbClr>
+                </a:outerShdw>
+              </a:effectLst>
+              <a:uLnTx/>
+              <a:uFillTx/>
+              <a:latin typeface="Calibri"/>
+              <a:ea typeface="+mn-ea"/>
+              <a:cs typeface="+mn-cs"/>
+            </a:endParaRPr>
+          </a:p>
+        </p:txBody>
+      </p:sp>
+      <p:sp>
+        <p:nvSpPr>
+          <p:cNvPr id="31" name="椭圆 16">
+            <a:extLst>
+              <a:ext uri="{FF2B5EF4-FFF2-40B4-BE49-F238E27FC236}">
+                <a16:creationId xmlns:a16="http://schemas.microsoft.com/office/drawing/2014/main" id="{EAADB744-422C-4FF2-8045-E571EABCD943}"/>
+              </a:ext>
+            </a:extLst>
+          </p:cNvPr>
+          <p:cNvSpPr/>
+          <p:nvPr/>
+        </p:nvSpPr>
+        <p:spPr>
+          <a:xfrm>
+            <a:off x="3566459" y="2282799"/>
+            <a:ext cx="1944216" cy="1944216"/>
+          </a:xfrm>
+          <a:prstGeom prst="ellipse">
+            <a:avLst/>
+          </a:prstGeom>
+          <a:pattFill prst="lgCheck">
+            <a:fgClr>
+              <a:srgbClr val="FFF5D5"/>
+            </a:fgClr>
+            <a:bgClr>
+              <a:srgbClr val="FFDE75"/>
+            </a:bgClr>
+          </a:pattFill>
+          <a:ln w="25400" cap="flat" cmpd="sng" algn="ctr">
+            <a:solidFill>
+              <a:sysClr val="windowText" lastClr="000000">
+                <a:lumMod val="75000"/>
+                <a:lumOff val="25000"/>
+              </a:sysClr>
+            </a:solidFill>
+            <a:prstDash val="solid"/>
+          </a:ln>
+          <a:effectLst>
+            <a:innerShdw blurRad="63500" dist="139700" dir="18900000">
+              <a:prstClr val="black">
+                <a:alpha val="23000"/>
+              </a:prstClr>
+            </a:innerShdw>
+          </a:effectLst>
+        </p:spPr>
+        <p:txBody>
+          <a:bodyPr rot="0" spcFirstLastPara="0" vertOverflow="overflow" horzOverflow="overflow" vert="horz" wrap="square" lIns="91440" tIns="45720" rIns="91440" bIns="45720" numCol="1" spcCol="0" rtlCol="0" fromWordArt="0" anchor="ctr" anchorCtr="0" forceAA="0" compatLnSpc="1">
+            <a:prstTxWarp prst="textNoShape">
+              <a:avLst/>
+            </a:prstTxWarp>
+            <a:noAutofit/>
+          </a:bodyPr>
+          <a:lstStyle/>
+          <a:p>
+            <a:pPr marL="0" marR="0" lvl="0" indent="0" algn="ctr" defTabSz="914400" eaLnBrk="1" fontAlgn="auto" latinLnBrk="0" hangingPunct="1">
+              <a:lnSpc>
+                <a:spcPct val="100000"/>
+              </a:lnSpc>
+              <a:spcBef>
+                <a:spcPts val="0"/>
+              </a:spcBef>
+              <a:spcAft>
+                <a:spcPts val="0"/>
+              </a:spcAft>
+              <a:buClrTx/>
+              <a:buSzTx/>
+              <a:buFontTx/>
+              <a:buNone/>
+              <a:tabLst/>
+              <a:defRPr/>
+            </a:pPr>
+            <a:endParaRPr kumimoji="0" lang="en-US" sz="1800" b="1" i="0" u="none" strike="noStrike" kern="0" cap="none" spc="0" normalizeH="0" baseline="0" noProof="0">
+              <a:ln w="12700">
+                <a:solidFill>
+                  <a:srgbClr val="1F497D">
+                    <a:satMod val="155000"/>
+                  </a:srgbClr>
+                </a:solidFill>
+                <a:prstDash val="solid"/>
+              </a:ln>
+              <a:solidFill>
+                <a:srgbClr val="EEECE1">
+                  <a:tint val="85000"/>
+                  <a:satMod val="155000"/>
+                </a:srgbClr>
+              </a:solidFill>
+              <a:effectLst>
+                <a:outerShdw blurRad="41275" dist="20320" dir="1800000" algn="tl" rotWithShape="0">
+                  <a:srgbClr val="000000">
+                    <a:alpha val="40000"/>
+                  </a:srgbClr>
+                </a:outerShdw>
+              </a:effectLst>
+              <a:uLnTx/>
+              <a:uFillTx/>
+              <a:latin typeface="Calibri"/>
+              <a:ea typeface="+mn-ea"/>
+              <a:cs typeface="+mn-cs"/>
+            </a:endParaRPr>
+          </a:p>
+        </p:txBody>
+      </p:sp>
+      <p:sp>
+        <p:nvSpPr>
+          <p:cNvPr id="32" name="椭圆 17">
+            <a:extLst>
+              <a:ext uri="{FF2B5EF4-FFF2-40B4-BE49-F238E27FC236}">
+                <a16:creationId xmlns:a16="http://schemas.microsoft.com/office/drawing/2014/main" id="{84098331-487B-4185-AF42-4AB6053988F3}"/>
+              </a:ext>
+            </a:extLst>
+          </p:cNvPr>
+          <p:cNvSpPr/>
+          <p:nvPr/>
+        </p:nvSpPr>
+        <p:spPr>
+          <a:xfrm>
+            <a:off x="5261280" y="5407534"/>
+            <a:ext cx="1080120" cy="1080120"/>
+          </a:xfrm>
+          <a:prstGeom prst="ellipse">
+            <a:avLst/>
+          </a:prstGeom>
+          <a:pattFill prst="lgCheck">
+            <a:fgClr>
+              <a:srgbClr val="FFF5D5"/>
+            </a:fgClr>
+            <a:bgClr>
+              <a:srgbClr val="FFDE75"/>
+            </a:bgClr>
+          </a:pattFill>
+          <a:ln w="25400" cap="flat" cmpd="sng" algn="ctr">
+            <a:solidFill>
+              <a:sysClr val="windowText" lastClr="000000">
+                <a:lumMod val="75000"/>
+                <a:lumOff val="25000"/>
+              </a:sysClr>
+            </a:solidFill>
+            <a:prstDash val="solid"/>
+          </a:ln>
+          <a:effectLst>
+            <a:innerShdw blurRad="63500" dist="139700" dir="18900000">
+              <a:prstClr val="black">
+                <a:alpha val="23000"/>
+              </a:prstClr>
+            </a:innerShdw>
+          </a:effectLst>
+        </p:spPr>
+        <p:txBody>
+          <a:bodyPr rot="0" spcFirstLastPara="0" vertOverflow="overflow" horzOverflow="overflow" vert="horz" wrap="square" lIns="91440" tIns="45720" rIns="91440" bIns="45720" numCol="1" spcCol="0" rtlCol="0" fromWordArt="0" anchor="ctr" anchorCtr="0" forceAA="0" compatLnSpc="1">
+            <a:prstTxWarp prst="textNoShape">
+              <a:avLst/>
+            </a:prstTxWarp>
+            <a:noAutofit/>
+          </a:bodyPr>
+          <a:lstStyle/>
+          <a:p>
+            <a:pPr marL="0" marR="0" lvl="0" indent="0" algn="ctr" defTabSz="914400" eaLnBrk="1" fontAlgn="auto" latinLnBrk="0" hangingPunct="1">
+              <a:lnSpc>
+                <a:spcPct val="100000"/>
+              </a:lnSpc>
+              <a:spcBef>
+                <a:spcPts val="0"/>
+              </a:spcBef>
+              <a:spcAft>
+                <a:spcPts val="0"/>
+              </a:spcAft>
+              <a:buClrTx/>
+              <a:buSzTx/>
+              <a:buFontTx/>
+              <a:buNone/>
+              <a:tabLst/>
+              <a:defRPr/>
+            </a:pPr>
+            <a:endParaRPr kumimoji="0" lang="en-US" sz="1800" b="1" i="0" u="none" strike="noStrike" kern="0" cap="none" spc="0" normalizeH="0" baseline="0" noProof="0">
+              <a:ln w="12700">
+                <a:solidFill>
+                  <a:srgbClr val="1F497D">
+                    <a:satMod val="155000"/>
+                  </a:srgbClr>
+                </a:solidFill>
+                <a:prstDash val="solid"/>
+              </a:ln>
+              <a:solidFill>
+                <a:srgbClr val="EEECE1">
+                  <a:tint val="85000"/>
+                  <a:satMod val="155000"/>
+                </a:srgbClr>
+              </a:solidFill>
+              <a:effectLst>
+                <a:outerShdw blurRad="41275" dist="20320" dir="1800000" algn="tl" rotWithShape="0">
+                  <a:srgbClr val="000000">
+                    <a:alpha val="40000"/>
+                  </a:srgbClr>
+                </a:outerShdw>
+              </a:effectLst>
+              <a:uLnTx/>
+              <a:uFillTx/>
+              <a:latin typeface="Calibri"/>
+              <a:ea typeface="+mn-ea"/>
+              <a:cs typeface="+mn-cs"/>
+            </a:endParaRPr>
+          </a:p>
+        </p:txBody>
+      </p:sp>
+      <p:sp>
+        <p:nvSpPr>
+          <p:cNvPr id="33" name="TextBox 32">
+            <a:extLst>
+              <a:ext uri="{FF2B5EF4-FFF2-40B4-BE49-F238E27FC236}">
+                <a16:creationId xmlns:a16="http://schemas.microsoft.com/office/drawing/2014/main" id="{CE4436F1-51F1-409C-980E-ECF8893DDA44}"/>
+              </a:ext>
+            </a:extLst>
+          </p:cNvPr>
+          <p:cNvSpPr txBox="1"/>
+          <p:nvPr/>
+        </p:nvSpPr>
+        <p:spPr>
+          <a:xfrm>
+            <a:off x="7426786" y="4112467"/>
+            <a:ext cx="2088232" cy="769441"/>
+          </a:xfrm>
+          <a:prstGeom prst="rect">
+            <a:avLst/>
+          </a:prstGeom>
+          <a:noFill/>
+        </p:spPr>
+        <p:txBody>
+          <a:bodyPr wrap="square" rtlCol="0">
+            <a:spAutoFit/>
+          </a:bodyPr>
+          <a:lstStyle>
+            <a:defPPr>
+              <a:defRPr lang="en-US"/>
+            </a:defPPr>
+            <a:lvl1pPr lvl="0">
+              <a:lnSpc>
+                <a:spcPct val="80000"/>
+              </a:lnSpc>
+              <a:defRPr sz="4400" b="1" kern="0">
+                <a:ln w="18415" cmpd="sng">
+                  <a:noFill/>
+                  <a:prstDash val="solid"/>
+                </a:ln>
+                <a:solidFill>
+                  <a:srgbClr val="FFC000"/>
+                </a:solidFill>
+                <a:latin typeface="Agency FB" pitchFamily="34" charset="0"/>
+                <a:ea typeface="微软雅黑" pitchFamily="34" charset="-122"/>
+              </a:defRPr>
+            </a:lvl1pPr>
+          </a:lstStyle>
+          <a:p>
+            <a:pPr marL="0" marR="0" lvl="0" indent="0" algn="ctr" defTabSz="914400" eaLnBrk="1" fontAlgn="auto" latinLnBrk="0" hangingPunct="1">
+              <a:lnSpc>
+                <a:spcPct val="100000"/>
+              </a:lnSpc>
+              <a:spcBef>
+                <a:spcPts val="0"/>
+              </a:spcBef>
+              <a:spcAft>
+                <a:spcPts val="0"/>
+              </a:spcAft>
+              <a:buClrTx/>
+              <a:buSzTx/>
+              <a:buFontTx/>
+              <a:buNone/>
+              <a:tabLst/>
+              <a:defRPr/>
+            </a:pPr>
+            <a:r>
+              <a:rPr lang="zh-CN" altLang="en-US" dirty="0">
+                <a:solidFill>
+                  <a:sysClr val="windowText" lastClr="000000">
+                    <a:lumMod val="75000"/>
+                    <a:lumOff val="25000"/>
+                  </a:sysClr>
+                </a:solidFill>
+                <a:effectLst>
+                  <a:outerShdw dist="38100" dir="5400000" algn="t" rotWithShape="0">
+                    <a:sysClr val="window" lastClr="FFFFFF"/>
+                  </a:outerShdw>
+                </a:effectLst>
+              </a:rPr>
+              <a:t>配置</a:t>
+            </a:r>
+            <a:r>
+              <a:rPr lang="en-US" altLang="zh-CN" dirty="0">
+                <a:solidFill>
+                  <a:sysClr val="windowText" lastClr="000000">
+                    <a:lumMod val="75000"/>
+                    <a:lumOff val="25000"/>
+                  </a:sysClr>
+                </a:solidFill>
+                <a:effectLst>
+                  <a:outerShdw dist="38100" dir="5400000" algn="t" rotWithShape="0">
+                    <a:sysClr val="window" lastClr="FFFFFF"/>
+                  </a:outerShdw>
+                </a:effectLst>
+              </a:rPr>
+              <a:t>IDE</a:t>
+            </a:r>
+          </a:p>
+        </p:txBody>
+      </p:sp>
+      <p:sp>
+        <p:nvSpPr>
+          <p:cNvPr id="34" name="TextBox 33">
+            <a:extLst>
+              <a:ext uri="{FF2B5EF4-FFF2-40B4-BE49-F238E27FC236}">
+                <a16:creationId xmlns:a16="http://schemas.microsoft.com/office/drawing/2014/main" id="{8C987285-770C-4367-90C8-62B84FAC17B5}"/>
+              </a:ext>
+            </a:extLst>
+          </p:cNvPr>
+          <p:cNvSpPr txBox="1"/>
+          <p:nvPr/>
+        </p:nvSpPr>
+        <p:spPr>
+          <a:xfrm>
+            <a:off x="6506197" y="1183637"/>
+            <a:ext cx="1060909" cy="437043"/>
+          </a:xfrm>
+          <a:prstGeom prst="rect">
+            <a:avLst/>
+          </a:prstGeom>
+          <a:noFill/>
+        </p:spPr>
+        <p:txBody>
+          <a:bodyPr wrap="square" rtlCol="0">
+            <a:spAutoFit/>
+          </a:bodyPr>
+          <a:lstStyle>
+            <a:defPPr>
+              <a:defRPr lang="en-US"/>
+            </a:defPPr>
+            <a:lvl1pPr lvl="0" algn="ctr">
+              <a:lnSpc>
+                <a:spcPct val="100000"/>
+              </a:lnSpc>
+              <a:defRPr sz="4400" b="1" kern="0">
+                <a:ln w="18415" cmpd="sng">
+                  <a:noFill/>
+                  <a:prstDash val="solid"/>
+                </a:ln>
+                <a:solidFill>
+                  <a:schemeClr val="tx1">
+                    <a:lumMod val="75000"/>
+                    <a:lumOff val="25000"/>
+                  </a:schemeClr>
+                </a:solidFill>
+                <a:effectLst>
+                  <a:outerShdw dist="38100" dir="5400000" algn="t" rotWithShape="0">
+                    <a:schemeClr val="bg1"/>
+                  </a:outerShdw>
+                </a:effectLst>
+                <a:latin typeface="Agency FB" pitchFamily="34" charset="0"/>
+                <a:ea typeface="微软雅黑" pitchFamily="34" charset="-122"/>
+              </a:defRPr>
+            </a:lvl1pPr>
+          </a:lstStyle>
+          <a:p>
+            <a:pPr marL="0" marR="0" lvl="0" indent="0" algn="ctr" defTabSz="914400" eaLnBrk="1" fontAlgn="auto" latinLnBrk="0" hangingPunct="1">
+              <a:lnSpc>
+                <a:spcPct val="80000"/>
+              </a:lnSpc>
+              <a:spcBef>
+                <a:spcPts val="0"/>
+              </a:spcBef>
+              <a:spcAft>
+                <a:spcPts val="0"/>
+              </a:spcAft>
+              <a:buClrTx/>
+              <a:buSzTx/>
+              <a:buFontTx/>
+              <a:buNone/>
+              <a:tabLst/>
+              <a:defRPr/>
+            </a:pPr>
+            <a:r>
+              <a:rPr lang="en-US" altLang="zh-CN" sz="2800" dirty="0">
+                <a:solidFill>
+                  <a:sysClr val="windowText" lastClr="000000">
+                    <a:lumMod val="75000"/>
+                    <a:lumOff val="25000"/>
+                  </a:sysClr>
+                </a:solidFill>
+                <a:effectLst>
+                  <a:outerShdw dist="38100" dir="5400000" algn="t" rotWithShape="0">
+                    <a:sysClr val="window" lastClr="FFFFFF"/>
+                  </a:outerShdw>
+                </a:effectLst>
+              </a:rPr>
+              <a:t>JDK 1.8</a:t>
+            </a:r>
+            <a:endParaRPr kumimoji="0" lang="zh-CN" altLang="en-US" sz="2800" b="1" i="0" u="none" strike="noStrike" kern="0" cap="none" spc="0" normalizeH="0" baseline="0" noProof="0" dirty="0">
+              <a:ln w="18415" cmpd="sng">
+                <a:noFill/>
+                <a:prstDash val="solid"/>
+              </a:ln>
+              <a:solidFill>
+                <a:sysClr val="windowText" lastClr="000000">
+                  <a:lumMod val="75000"/>
+                  <a:lumOff val="25000"/>
+                </a:sysClr>
+              </a:solidFill>
+              <a:effectLst>
+                <a:outerShdw dist="38100" dir="5400000" algn="t" rotWithShape="0">
+                  <a:sysClr val="window" lastClr="FFFFFF"/>
+                </a:outerShdw>
+              </a:effectLst>
+              <a:uLnTx/>
+              <a:uFillTx/>
+              <a:latin typeface="Agency FB" pitchFamily="34" charset="0"/>
+              <a:ea typeface="微软雅黑" pitchFamily="34" charset="-122"/>
+            </a:endParaRPr>
+          </a:p>
+        </p:txBody>
+      </p:sp>
+      <p:sp>
+        <p:nvSpPr>
+          <p:cNvPr id="35" name="TextBox 34">
+            <a:extLst>
+              <a:ext uri="{FF2B5EF4-FFF2-40B4-BE49-F238E27FC236}">
+                <a16:creationId xmlns:a16="http://schemas.microsoft.com/office/drawing/2014/main" id="{A7D2E553-A0A7-4B76-9EEC-F98021D09D47}"/>
+              </a:ext>
+            </a:extLst>
+          </p:cNvPr>
+          <p:cNvSpPr txBox="1"/>
+          <p:nvPr/>
+        </p:nvSpPr>
+        <p:spPr>
+          <a:xfrm>
+            <a:off x="3771059" y="2962519"/>
+            <a:ext cx="1456313" cy="584775"/>
+          </a:xfrm>
+          <a:prstGeom prst="rect">
+            <a:avLst/>
+          </a:prstGeom>
+          <a:noFill/>
+        </p:spPr>
+        <p:txBody>
+          <a:bodyPr wrap="square" rtlCol="0">
+            <a:spAutoFit/>
+          </a:bodyPr>
+          <a:lstStyle>
+            <a:defPPr>
+              <a:defRPr lang="en-US"/>
+            </a:defPPr>
+            <a:lvl1pPr lvl="0" algn="ctr">
+              <a:lnSpc>
+                <a:spcPct val="100000"/>
+              </a:lnSpc>
+              <a:defRPr sz="4400" b="1" kern="0">
+                <a:ln w="18415" cmpd="sng">
+                  <a:noFill/>
+                  <a:prstDash val="solid"/>
+                </a:ln>
+                <a:solidFill>
+                  <a:schemeClr val="tx1">
+                    <a:lumMod val="75000"/>
+                    <a:lumOff val="25000"/>
+                  </a:schemeClr>
+                </a:solidFill>
+                <a:effectLst>
+                  <a:outerShdw dist="38100" dir="5400000" algn="t" rotWithShape="0">
+                    <a:schemeClr val="bg1"/>
+                  </a:outerShdw>
+                </a:effectLst>
+                <a:latin typeface="Agency FB" pitchFamily="34" charset="0"/>
+                <a:ea typeface="微软雅黑" pitchFamily="34" charset="-122"/>
+              </a:defRPr>
+            </a:lvl1pPr>
+          </a:lstStyle>
+          <a:p>
+            <a:pPr marL="0" marR="0" lvl="0" indent="0" algn="ctr" defTabSz="914400" eaLnBrk="1" fontAlgn="auto" latinLnBrk="0" hangingPunct="1">
+              <a:lnSpc>
+                <a:spcPct val="80000"/>
+              </a:lnSpc>
+              <a:spcBef>
+                <a:spcPts val="0"/>
+              </a:spcBef>
+              <a:spcAft>
+                <a:spcPts val="0"/>
+              </a:spcAft>
+              <a:buClrTx/>
+              <a:buSzTx/>
+              <a:buFontTx/>
+              <a:buNone/>
+              <a:tabLst/>
+              <a:defRPr/>
+            </a:pPr>
+            <a:r>
+              <a:rPr lang="en-US" altLang="zh-CN" sz="4000" dirty="0">
+                <a:solidFill>
+                  <a:sysClr val="windowText" lastClr="000000">
+                    <a:lumMod val="75000"/>
+                    <a:lumOff val="25000"/>
+                  </a:sysClr>
+                </a:solidFill>
+                <a:effectLst>
+                  <a:outerShdw dist="38100" dir="5400000" algn="t" rotWithShape="0">
+                    <a:sysClr val="window" lastClr="FFFFFF"/>
+                  </a:outerShdw>
+                </a:effectLst>
+              </a:rPr>
+              <a:t>MAVEN</a:t>
+            </a:r>
+            <a:endParaRPr kumimoji="0" lang="zh-CN" altLang="en-US" sz="4000" b="1" i="0" u="none" strike="noStrike" kern="0" cap="none" spc="0" normalizeH="0" baseline="0" noProof="0" dirty="0">
+              <a:ln w="18415" cmpd="sng">
+                <a:noFill/>
+                <a:prstDash val="solid"/>
+              </a:ln>
+              <a:solidFill>
+                <a:sysClr val="windowText" lastClr="000000">
+                  <a:lumMod val="75000"/>
+                  <a:lumOff val="25000"/>
+                </a:sysClr>
+              </a:solidFill>
+              <a:effectLst>
+                <a:outerShdw dist="38100" dir="5400000" algn="t" rotWithShape="0">
+                  <a:sysClr val="window" lastClr="FFFFFF"/>
+                </a:outerShdw>
+              </a:effectLst>
+              <a:uLnTx/>
+              <a:uFillTx/>
+              <a:latin typeface="Agency FB" pitchFamily="34" charset="0"/>
+              <a:ea typeface="微软雅黑" pitchFamily="34" charset="-122"/>
+            </a:endParaRPr>
+          </a:p>
+        </p:txBody>
+      </p:sp>
+      <p:sp>
+        <p:nvSpPr>
+          <p:cNvPr id="36" name="TextBox 35">
+            <a:extLst>
+              <a:ext uri="{FF2B5EF4-FFF2-40B4-BE49-F238E27FC236}">
+                <a16:creationId xmlns:a16="http://schemas.microsoft.com/office/drawing/2014/main" id="{96F1B140-82BC-4C62-9D49-D4098147821C}"/>
+              </a:ext>
+            </a:extLst>
+          </p:cNvPr>
+          <p:cNvSpPr txBox="1"/>
+          <p:nvPr/>
+        </p:nvSpPr>
+        <p:spPr>
+          <a:xfrm>
+            <a:off x="5333288" y="5753695"/>
+            <a:ext cx="936104" cy="387798"/>
+          </a:xfrm>
+          <a:prstGeom prst="rect">
+            <a:avLst/>
+          </a:prstGeom>
+          <a:noFill/>
+        </p:spPr>
+        <p:txBody>
+          <a:bodyPr wrap="square" rtlCol="0">
+            <a:spAutoFit/>
+          </a:bodyPr>
+          <a:lstStyle>
+            <a:defPPr>
+              <a:defRPr lang="en-US"/>
+            </a:defPPr>
+            <a:lvl1pPr lvl="0" algn="ctr">
+              <a:lnSpc>
+                <a:spcPct val="100000"/>
+              </a:lnSpc>
+              <a:defRPr sz="4400" b="1" kern="0">
+                <a:ln w="18415" cmpd="sng">
+                  <a:noFill/>
+                  <a:prstDash val="solid"/>
+                </a:ln>
+                <a:solidFill>
+                  <a:schemeClr val="tx1">
+                    <a:lumMod val="75000"/>
+                    <a:lumOff val="25000"/>
+                  </a:schemeClr>
+                </a:solidFill>
+                <a:effectLst>
+                  <a:outerShdw dist="38100" dir="5400000" algn="t" rotWithShape="0">
+                    <a:schemeClr val="bg1"/>
+                  </a:outerShdw>
+                </a:effectLst>
+                <a:latin typeface="Agency FB" pitchFamily="34" charset="0"/>
+                <a:ea typeface="微软雅黑" pitchFamily="34" charset="-122"/>
+              </a:defRPr>
+            </a:lvl1pPr>
+          </a:lstStyle>
+          <a:p>
+            <a:pPr marL="0" marR="0" lvl="0" indent="0" algn="ctr" defTabSz="914400" eaLnBrk="1" fontAlgn="auto" latinLnBrk="0" hangingPunct="1">
+              <a:lnSpc>
+                <a:spcPct val="80000"/>
+              </a:lnSpc>
+              <a:spcBef>
+                <a:spcPts val="0"/>
+              </a:spcBef>
+              <a:spcAft>
+                <a:spcPts val="0"/>
+              </a:spcAft>
+              <a:buClrTx/>
+              <a:buSzTx/>
+              <a:buFontTx/>
+              <a:buNone/>
+              <a:tabLst/>
+              <a:defRPr/>
+            </a:pPr>
+            <a:r>
+              <a:rPr lang="en-US" altLang="zh-CN" sz="2400" dirty="0">
+                <a:solidFill>
+                  <a:sysClr val="windowText" lastClr="000000">
+                    <a:lumMod val="75000"/>
+                    <a:lumOff val="25000"/>
+                  </a:sysClr>
+                </a:solidFill>
+                <a:effectLst>
+                  <a:outerShdw dist="38100" dir="5400000" algn="t" rotWithShape="0">
+                    <a:sysClr val="window" lastClr="FFFFFF"/>
+                  </a:outerShdw>
+                </a:effectLst>
+              </a:rPr>
+              <a:t>GIT</a:t>
+            </a:r>
+            <a:endParaRPr kumimoji="0" lang="zh-CN" altLang="en-US" sz="2400" b="1" i="0" u="none" strike="noStrike" kern="0" cap="none" spc="0" normalizeH="0" baseline="0" noProof="0" dirty="0">
+              <a:ln w="18415" cmpd="sng">
+                <a:noFill/>
+                <a:prstDash val="solid"/>
+              </a:ln>
+              <a:solidFill>
+                <a:sysClr val="windowText" lastClr="000000">
+                  <a:lumMod val="75000"/>
+                  <a:lumOff val="25000"/>
+                </a:sysClr>
+              </a:solidFill>
+              <a:effectLst>
+                <a:outerShdw dist="38100" dir="5400000" algn="t" rotWithShape="0">
+                  <a:sysClr val="window" lastClr="FFFFFF"/>
+                </a:outerShdw>
+              </a:effectLst>
+              <a:uLnTx/>
+              <a:uFillTx/>
+              <a:latin typeface="Agency FB" pitchFamily="34" charset="0"/>
+              <a:ea typeface="微软雅黑" pitchFamily="34" charset="-122"/>
+            </a:endParaRPr>
+          </a:p>
+        </p:txBody>
+      </p:sp>
+    </p:spTree>
+    <p:extLst>
+      <p:ext uri="{BB962C8B-B14F-4D97-AF65-F5344CB8AC3E}">
+        <p14:creationId xmlns:p14="http://schemas.microsoft.com/office/powerpoint/2010/main" val="3511564536"/>
       </p:ext>
     </p:extLst>
   </p:cSld>
@@ -14974,80 +17071,2997 @@
       </p:grpSpPr>
       <p:sp>
         <p:nvSpPr>
-          <p:cNvPr id="2" name="Title 1">
+          <p:cNvPr id="4" name="椭圆形标注 1">
             <a:extLst>
               <a:ext uri="{FF2B5EF4-FFF2-40B4-BE49-F238E27FC236}">
-                <a16:creationId xmlns:a16="http://schemas.microsoft.com/office/drawing/2014/main" id="{A56234C5-2D26-4CF9-A0FB-FB5F220CD778}"/>
+                <a16:creationId xmlns:a16="http://schemas.microsoft.com/office/drawing/2014/main" id="{BBCD8269-19C9-4607-B9A0-D79F9DA76F63}"/>
               </a:ext>
             </a:extLst>
           </p:cNvPr>
-          <p:cNvSpPr>
-            <a:spLocks noGrp="1"/>
-          </p:cNvSpPr>
-          <p:nvPr>
-            <p:ph type="title"/>
-          </p:nvPr>
+          <p:cNvSpPr/>
+          <p:nvPr/>
         </p:nvSpPr>
-        <p:spPr/>
+        <p:spPr>
+          <a:xfrm rot="1137074">
+            <a:off x="6680221" y="1867194"/>
+            <a:ext cx="2421377" cy="2737653"/>
+          </a:xfrm>
+          <a:custGeom>
+            <a:avLst/>
+            <a:gdLst/>
+            <a:ahLst/>
+            <a:cxnLst/>
+            <a:rect l="l" t="t" r="r" b="b"/>
+            <a:pathLst>
+              <a:path w="3096919" h="3228713">
+                <a:moveTo>
+                  <a:pt x="1515211" y="305413"/>
+                </a:moveTo>
+                <a:cubicBezTo>
+                  <a:pt x="1091604" y="320862"/>
+                  <a:pt x="694393" y="543659"/>
+                  <a:pt x="490625" y="910574"/>
+                </a:cubicBezTo>
+                <a:cubicBezTo>
+                  <a:pt x="194214" y="1444305"/>
+                  <a:pt x="405901" y="2099731"/>
+                  <a:pt x="969972" y="2394730"/>
+                </a:cubicBezTo>
+                <a:lnTo>
+                  <a:pt x="1060094" y="2818207"/>
+                </a:lnTo>
+                <a:lnTo>
+                  <a:pt x="1406333" y="2529539"/>
+                </a:lnTo>
+                <a:cubicBezTo>
+                  <a:pt x="2006458" y="2602121"/>
+                  <a:pt x="2571600" y="2250977"/>
+                  <a:pt x="2727120" y="1708883"/>
+                </a:cubicBezTo>
+                <a:cubicBezTo>
+                  <a:pt x="2890949" y="1137826"/>
+                  <a:pt x="2546616" y="547293"/>
+                  <a:pt x="1941430" y="361421"/>
+                </a:cubicBezTo>
+                <a:cubicBezTo>
+                  <a:pt x="1800549" y="318152"/>
+                  <a:pt x="1656413" y="300263"/>
+                  <a:pt x="1515211" y="305413"/>
+                </a:cubicBezTo>
+                <a:close/>
+                <a:moveTo>
+                  <a:pt x="1487961" y="1104"/>
+                </a:moveTo>
+                <a:cubicBezTo>
+                  <a:pt x="1669331" y="-5511"/>
+                  <a:pt x="1854468" y="17467"/>
+                  <a:pt x="2035426" y="73045"/>
+                </a:cubicBezTo>
+                <a:cubicBezTo>
+                  <a:pt x="2812770" y="311792"/>
+                  <a:pt x="3255056" y="1070313"/>
+                  <a:pt x="3044622" y="1803819"/>
+                </a:cubicBezTo>
+                <a:cubicBezTo>
+                  <a:pt x="2844861" y="2500122"/>
+                  <a:pt x="2118954" y="2951156"/>
+                  <a:pt x="1348111" y="2857927"/>
+                </a:cubicBezTo>
+                <a:lnTo>
+                  <a:pt x="903377" y="3228713"/>
+                </a:lnTo>
+                <a:lnTo>
+                  <a:pt x="787618" y="2684769"/>
+                </a:lnTo>
+                <a:cubicBezTo>
+                  <a:pt x="63085" y="2305852"/>
+                  <a:pt x="-208821" y="1463977"/>
+                  <a:pt x="171911" y="778415"/>
+                </a:cubicBezTo>
+                <a:cubicBezTo>
+                  <a:pt x="433645" y="307124"/>
+                  <a:pt x="943850" y="20948"/>
+                  <a:pt x="1487961" y="1104"/>
+                </a:cubicBezTo>
+                <a:close/>
+              </a:path>
+            </a:pathLst>
+          </a:custGeom>
+          <a:gradFill flip="none" rotWithShape="1">
+            <a:gsLst>
+              <a:gs pos="0">
+                <a:sysClr val="window" lastClr="FFFFFF">
+                  <a:lumMod val="50000"/>
+                </a:sysClr>
+              </a:gs>
+              <a:gs pos="22000">
+                <a:sysClr val="window" lastClr="FFFFFF">
+                  <a:lumMod val="85000"/>
+                  <a:shade val="100000"/>
+                  <a:satMod val="115000"/>
+                  <a:alpha val="0"/>
+                </a:sysClr>
+              </a:gs>
+            </a:gsLst>
+            <a:lin ang="16200000" scaled="1"/>
+            <a:tileRect/>
+          </a:gradFill>
+          <a:ln w="28575" cap="flat" cmpd="sng" algn="ctr">
+            <a:noFill/>
+            <a:prstDash val="solid"/>
+          </a:ln>
+          <a:effectLst/>
+        </p:spPr>
         <p:txBody>
-          <a:bodyPr/>
+          <a:bodyPr rot="0" spcFirstLastPara="0" vertOverflow="overflow" horzOverflow="overflow" vert="horz" wrap="square" lIns="91440" tIns="45720" rIns="91440" bIns="45720" numCol="1" spcCol="0" rtlCol="0" fromWordArt="0" anchor="ctr" anchorCtr="0" forceAA="0" compatLnSpc="1">
+            <a:prstTxWarp prst="textNoShape">
+              <a:avLst/>
+            </a:prstTxWarp>
+            <a:noAutofit/>
+          </a:bodyPr>
           <a:lstStyle/>
           <a:p>
-            <a:r>
-              <a:rPr lang="zh-CN" altLang="en-US" dirty="0"/>
-              <a:t>配置</a:t>
-            </a:r>
-            <a:r>
-              <a:rPr lang="en-US" altLang="zh-CN" dirty="0"/>
-              <a:t>IDE</a:t>
-            </a:r>
-            <a:r>
-              <a:rPr lang="zh-CN" altLang="en-US" dirty="0"/>
-              <a:t>之前</a:t>
-            </a:r>
-            <a:endParaRPr lang="en-US" dirty="0"/>
+            <a:pPr marL="0" marR="0" lvl="0" indent="0" algn="ctr" defTabSz="914400" eaLnBrk="1" fontAlgn="auto" latinLnBrk="0" hangingPunct="1">
+              <a:lnSpc>
+                <a:spcPct val="100000"/>
+              </a:lnSpc>
+              <a:spcBef>
+                <a:spcPts val="0"/>
+              </a:spcBef>
+              <a:spcAft>
+                <a:spcPts val="0"/>
+              </a:spcAft>
+              <a:buClrTx/>
+              <a:buSzTx/>
+              <a:buFontTx/>
+              <a:buNone/>
+              <a:tabLst/>
+              <a:defRPr/>
+            </a:pPr>
+            <a:endParaRPr kumimoji="0" lang="en-US" sz="1800" b="0" i="0" u="none" strike="noStrike" kern="0" cap="none" spc="0" normalizeH="0" baseline="0" noProof="0">
+              <a:ln>
+                <a:noFill/>
+              </a:ln>
+              <a:solidFill>
+                <a:sysClr val="window" lastClr="FFFFFF"/>
+              </a:solidFill>
+              <a:effectLst/>
+              <a:uLnTx/>
+              <a:uFillTx/>
+              <a:latin typeface="Calibri"/>
+              <a:ea typeface="+mn-ea"/>
+              <a:cs typeface="+mn-cs"/>
+            </a:endParaRPr>
           </a:p>
         </p:txBody>
       </p:sp>
       <p:sp>
         <p:nvSpPr>
-          <p:cNvPr id="3" name="Content Placeholder 2">
+          <p:cNvPr id="5" name="椭圆形标注 1">
             <a:extLst>
               <a:ext uri="{FF2B5EF4-FFF2-40B4-BE49-F238E27FC236}">
-                <a16:creationId xmlns:a16="http://schemas.microsoft.com/office/drawing/2014/main" id="{38896A04-22FC-40F1-A715-22F2A23149C2}"/>
+                <a16:creationId xmlns:a16="http://schemas.microsoft.com/office/drawing/2014/main" id="{7B0CCDC9-4AD8-45BF-A532-9D12ED259D94}"/>
               </a:ext>
             </a:extLst>
           </p:cNvPr>
-          <p:cNvSpPr>
-            <a:spLocks noGrp="1"/>
-          </p:cNvSpPr>
-          <p:nvPr>
-            <p:ph idx="1"/>
-          </p:nvPr>
+          <p:cNvSpPr/>
+          <p:nvPr/>
         </p:nvSpPr>
-        <p:spPr/>
+        <p:spPr>
+          <a:xfrm rot="510433">
+            <a:off x="6310834" y="1520752"/>
+            <a:ext cx="2803242" cy="2909797"/>
+          </a:xfrm>
+          <a:custGeom>
+            <a:avLst/>
+            <a:gdLst>
+              <a:gd name="connsiteX0" fmla="*/ 1515211 w 3096919"/>
+              <a:gd name="connsiteY0" fmla="*/ 305413 h 3202955"/>
+              <a:gd name="connsiteX1" fmla="*/ 490625 w 3096919"/>
+              <a:gd name="connsiteY1" fmla="*/ 910574 h 3202955"/>
+              <a:gd name="connsiteX2" fmla="*/ 969972 w 3096919"/>
+              <a:gd name="connsiteY2" fmla="*/ 2394730 h 3202955"/>
+              <a:gd name="connsiteX3" fmla="*/ 1060094 w 3096919"/>
+              <a:gd name="connsiteY3" fmla="*/ 2818207 h 3202955"/>
+              <a:gd name="connsiteX4" fmla="*/ 1406333 w 3096919"/>
+              <a:gd name="connsiteY4" fmla="*/ 2529539 h 3202955"/>
+              <a:gd name="connsiteX5" fmla="*/ 2727120 w 3096919"/>
+              <a:gd name="connsiteY5" fmla="*/ 1708883 h 3202955"/>
+              <a:gd name="connsiteX6" fmla="*/ 1941430 w 3096919"/>
+              <a:gd name="connsiteY6" fmla="*/ 361421 h 3202955"/>
+              <a:gd name="connsiteX7" fmla="*/ 1515211 w 3096919"/>
+              <a:gd name="connsiteY7" fmla="*/ 305413 h 3202955"/>
+              <a:gd name="connsiteX8" fmla="*/ 1487961 w 3096919"/>
+              <a:gd name="connsiteY8" fmla="*/ 1104 h 3202955"/>
+              <a:gd name="connsiteX9" fmla="*/ 2035426 w 3096919"/>
+              <a:gd name="connsiteY9" fmla="*/ 73045 h 3202955"/>
+              <a:gd name="connsiteX10" fmla="*/ 3044622 w 3096919"/>
+              <a:gd name="connsiteY10" fmla="*/ 1803819 h 3202955"/>
+              <a:gd name="connsiteX11" fmla="*/ 1348111 w 3096919"/>
+              <a:gd name="connsiteY11" fmla="*/ 2857927 h 3202955"/>
+              <a:gd name="connsiteX12" fmla="*/ 942013 w 3096919"/>
+              <a:gd name="connsiteY12" fmla="*/ 3202955 h 3202955"/>
+              <a:gd name="connsiteX13" fmla="*/ 787618 w 3096919"/>
+              <a:gd name="connsiteY13" fmla="*/ 2684769 h 3202955"/>
+              <a:gd name="connsiteX14" fmla="*/ 171911 w 3096919"/>
+              <a:gd name="connsiteY14" fmla="*/ 778415 h 3202955"/>
+              <a:gd name="connsiteX15" fmla="*/ 1487961 w 3096919"/>
+              <a:gd name="connsiteY15" fmla="*/ 1104 h 3202955"/>
+              <a:gd name="connsiteX0" fmla="*/ 1515211 w 3096919"/>
+              <a:gd name="connsiteY0" fmla="*/ 305413 h 3202955"/>
+              <a:gd name="connsiteX1" fmla="*/ 490625 w 3096919"/>
+              <a:gd name="connsiteY1" fmla="*/ 910574 h 3202955"/>
+              <a:gd name="connsiteX2" fmla="*/ 969972 w 3096919"/>
+              <a:gd name="connsiteY2" fmla="*/ 2394730 h 3202955"/>
+              <a:gd name="connsiteX3" fmla="*/ 1060094 w 3096919"/>
+              <a:gd name="connsiteY3" fmla="*/ 2818207 h 3202955"/>
+              <a:gd name="connsiteX4" fmla="*/ 1406333 w 3096919"/>
+              <a:gd name="connsiteY4" fmla="*/ 2529539 h 3202955"/>
+              <a:gd name="connsiteX5" fmla="*/ 2727120 w 3096919"/>
+              <a:gd name="connsiteY5" fmla="*/ 1708883 h 3202955"/>
+              <a:gd name="connsiteX6" fmla="*/ 1941430 w 3096919"/>
+              <a:gd name="connsiteY6" fmla="*/ 361421 h 3202955"/>
+              <a:gd name="connsiteX7" fmla="*/ 1515211 w 3096919"/>
+              <a:gd name="connsiteY7" fmla="*/ 305413 h 3202955"/>
+              <a:gd name="connsiteX8" fmla="*/ 1487961 w 3096919"/>
+              <a:gd name="connsiteY8" fmla="*/ 1104 h 3202955"/>
+              <a:gd name="connsiteX9" fmla="*/ 2035426 w 3096919"/>
+              <a:gd name="connsiteY9" fmla="*/ 73045 h 3202955"/>
+              <a:gd name="connsiteX10" fmla="*/ 3044622 w 3096919"/>
+              <a:gd name="connsiteY10" fmla="*/ 1803819 h 3202955"/>
+              <a:gd name="connsiteX11" fmla="*/ 1348111 w 3096919"/>
+              <a:gd name="connsiteY11" fmla="*/ 2857927 h 3202955"/>
+              <a:gd name="connsiteX12" fmla="*/ 942013 w 3096919"/>
+              <a:gd name="connsiteY12" fmla="*/ 3202955 h 3202955"/>
+              <a:gd name="connsiteX13" fmla="*/ 787618 w 3096919"/>
+              <a:gd name="connsiteY13" fmla="*/ 2684769 h 3202955"/>
+              <a:gd name="connsiteX14" fmla="*/ 171911 w 3096919"/>
+              <a:gd name="connsiteY14" fmla="*/ 778415 h 3202955"/>
+              <a:gd name="connsiteX15" fmla="*/ 1487961 w 3096919"/>
+              <a:gd name="connsiteY15" fmla="*/ 1104 h 3202955"/>
+              <a:gd name="connsiteX0" fmla="*/ 1515211 w 3096919"/>
+              <a:gd name="connsiteY0" fmla="*/ 305413 h 3202955"/>
+              <a:gd name="connsiteX1" fmla="*/ 490625 w 3096919"/>
+              <a:gd name="connsiteY1" fmla="*/ 910574 h 3202955"/>
+              <a:gd name="connsiteX2" fmla="*/ 969972 w 3096919"/>
+              <a:gd name="connsiteY2" fmla="*/ 2394730 h 3202955"/>
+              <a:gd name="connsiteX3" fmla="*/ 1060094 w 3096919"/>
+              <a:gd name="connsiteY3" fmla="*/ 2818207 h 3202955"/>
+              <a:gd name="connsiteX4" fmla="*/ 1406333 w 3096919"/>
+              <a:gd name="connsiteY4" fmla="*/ 2529539 h 3202955"/>
+              <a:gd name="connsiteX5" fmla="*/ 2727120 w 3096919"/>
+              <a:gd name="connsiteY5" fmla="*/ 1708883 h 3202955"/>
+              <a:gd name="connsiteX6" fmla="*/ 1941430 w 3096919"/>
+              <a:gd name="connsiteY6" fmla="*/ 361421 h 3202955"/>
+              <a:gd name="connsiteX7" fmla="*/ 1515211 w 3096919"/>
+              <a:gd name="connsiteY7" fmla="*/ 305413 h 3202955"/>
+              <a:gd name="connsiteX8" fmla="*/ 1487961 w 3096919"/>
+              <a:gd name="connsiteY8" fmla="*/ 1104 h 3202955"/>
+              <a:gd name="connsiteX9" fmla="*/ 2035426 w 3096919"/>
+              <a:gd name="connsiteY9" fmla="*/ 73045 h 3202955"/>
+              <a:gd name="connsiteX10" fmla="*/ 3044622 w 3096919"/>
+              <a:gd name="connsiteY10" fmla="*/ 1803819 h 3202955"/>
+              <a:gd name="connsiteX11" fmla="*/ 1348111 w 3096919"/>
+              <a:gd name="connsiteY11" fmla="*/ 2857927 h 3202955"/>
+              <a:gd name="connsiteX12" fmla="*/ 942013 w 3096919"/>
+              <a:gd name="connsiteY12" fmla="*/ 3202955 h 3202955"/>
+              <a:gd name="connsiteX13" fmla="*/ 787618 w 3096919"/>
+              <a:gd name="connsiteY13" fmla="*/ 2684769 h 3202955"/>
+              <a:gd name="connsiteX14" fmla="*/ 171911 w 3096919"/>
+              <a:gd name="connsiteY14" fmla="*/ 778415 h 3202955"/>
+              <a:gd name="connsiteX15" fmla="*/ 1487961 w 3096919"/>
+              <a:gd name="connsiteY15" fmla="*/ 1104 h 3202955"/>
+              <a:gd name="connsiteX0" fmla="*/ 1515211 w 3096919"/>
+              <a:gd name="connsiteY0" fmla="*/ 305413 h 3214638"/>
+              <a:gd name="connsiteX1" fmla="*/ 490625 w 3096919"/>
+              <a:gd name="connsiteY1" fmla="*/ 910574 h 3214638"/>
+              <a:gd name="connsiteX2" fmla="*/ 969972 w 3096919"/>
+              <a:gd name="connsiteY2" fmla="*/ 2394730 h 3214638"/>
+              <a:gd name="connsiteX3" fmla="*/ 1060094 w 3096919"/>
+              <a:gd name="connsiteY3" fmla="*/ 2818207 h 3214638"/>
+              <a:gd name="connsiteX4" fmla="*/ 1406333 w 3096919"/>
+              <a:gd name="connsiteY4" fmla="*/ 2529539 h 3214638"/>
+              <a:gd name="connsiteX5" fmla="*/ 2727120 w 3096919"/>
+              <a:gd name="connsiteY5" fmla="*/ 1708883 h 3214638"/>
+              <a:gd name="connsiteX6" fmla="*/ 1941430 w 3096919"/>
+              <a:gd name="connsiteY6" fmla="*/ 361421 h 3214638"/>
+              <a:gd name="connsiteX7" fmla="*/ 1515211 w 3096919"/>
+              <a:gd name="connsiteY7" fmla="*/ 305413 h 3214638"/>
+              <a:gd name="connsiteX8" fmla="*/ 1487961 w 3096919"/>
+              <a:gd name="connsiteY8" fmla="*/ 1104 h 3214638"/>
+              <a:gd name="connsiteX9" fmla="*/ 2035426 w 3096919"/>
+              <a:gd name="connsiteY9" fmla="*/ 73045 h 3214638"/>
+              <a:gd name="connsiteX10" fmla="*/ 3044622 w 3096919"/>
+              <a:gd name="connsiteY10" fmla="*/ 1803819 h 3214638"/>
+              <a:gd name="connsiteX11" fmla="*/ 1348111 w 3096919"/>
+              <a:gd name="connsiteY11" fmla="*/ 2857927 h 3214638"/>
+              <a:gd name="connsiteX12" fmla="*/ 968334 w 3096919"/>
+              <a:gd name="connsiteY12" fmla="*/ 3214638 h 3214638"/>
+              <a:gd name="connsiteX13" fmla="*/ 787618 w 3096919"/>
+              <a:gd name="connsiteY13" fmla="*/ 2684769 h 3214638"/>
+              <a:gd name="connsiteX14" fmla="*/ 171911 w 3096919"/>
+              <a:gd name="connsiteY14" fmla="*/ 778415 h 3214638"/>
+              <a:gd name="connsiteX15" fmla="*/ 1487961 w 3096919"/>
+              <a:gd name="connsiteY15" fmla="*/ 1104 h 3214638"/>
+              <a:gd name="connsiteX0" fmla="*/ 1515211 w 3096919"/>
+              <a:gd name="connsiteY0" fmla="*/ 305413 h 3214638"/>
+              <a:gd name="connsiteX1" fmla="*/ 490625 w 3096919"/>
+              <a:gd name="connsiteY1" fmla="*/ 910574 h 3214638"/>
+              <a:gd name="connsiteX2" fmla="*/ 969972 w 3096919"/>
+              <a:gd name="connsiteY2" fmla="*/ 2394730 h 3214638"/>
+              <a:gd name="connsiteX3" fmla="*/ 1099873 w 3096919"/>
+              <a:gd name="connsiteY3" fmla="*/ 2842162 h 3214638"/>
+              <a:gd name="connsiteX4" fmla="*/ 1406333 w 3096919"/>
+              <a:gd name="connsiteY4" fmla="*/ 2529539 h 3214638"/>
+              <a:gd name="connsiteX5" fmla="*/ 2727120 w 3096919"/>
+              <a:gd name="connsiteY5" fmla="*/ 1708883 h 3214638"/>
+              <a:gd name="connsiteX6" fmla="*/ 1941430 w 3096919"/>
+              <a:gd name="connsiteY6" fmla="*/ 361421 h 3214638"/>
+              <a:gd name="connsiteX7" fmla="*/ 1515211 w 3096919"/>
+              <a:gd name="connsiteY7" fmla="*/ 305413 h 3214638"/>
+              <a:gd name="connsiteX8" fmla="*/ 1487961 w 3096919"/>
+              <a:gd name="connsiteY8" fmla="*/ 1104 h 3214638"/>
+              <a:gd name="connsiteX9" fmla="*/ 2035426 w 3096919"/>
+              <a:gd name="connsiteY9" fmla="*/ 73045 h 3214638"/>
+              <a:gd name="connsiteX10" fmla="*/ 3044622 w 3096919"/>
+              <a:gd name="connsiteY10" fmla="*/ 1803819 h 3214638"/>
+              <a:gd name="connsiteX11" fmla="*/ 1348111 w 3096919"/>
+              <a:gd name="connsiteY11" fmla="*/ 2857927 h 3214638"/>
+              <a:gd name="connsiteX12" fmla="*/ 968334 w 3096919"/>
+              <a:gd name="connsiteY12" fmla="*/ 3214638 h 3214638"/>
+              <a:gd name="connsiteX13" fmla="*/ 787618 w 3096919"/>
+              <a:gd name="connsiteY13" fmla="*/ 2684769 h 3214638"/>
+              <a:gd name="connsiteX14" fmla="*/ 171911 w 3096919"/>
+              <a:gd name="connsiteY14" fmla="*/ 778415 h 3214638"/>
+              <a:gd name="connsiteX15" fmla="*/ 1487961 w 3096919"/>
+              <a:gd name="connsiteY15" fmla="*/ 1104 h 3214638"/>
+              <a:gd name="connsiteX0" fmla="*/ 1515211 w 3096919"/>
+              <a:gd name="connsiteY0" fmla="*/ 305413 h 3214638"/>
+              <a:gd name="connsiteX1" fmla="*/ 490625 w 3096919"/>
+              <a:gd name="connsiteY1" fmla="*/ 910574 h 3214638"/>
+              <a:gd name="connsiteX2" fmla="*/ 969972 w 3096919"/>
+              <a:gd name="connsiteY2" fmla="*/ 2394730 h 3214638"/>
+              <a:gd name="connsiteX3" fmla="*/ 1099873 w 3096919"/>
+              <a:gd name="connsiteY3" fmla="*/ 2842162 h 3214638"/>
+              <a:gd name="connsiteX4" fmla="*/ 1420971 w 3096919"/>
+              <a:gd name="connsiteY4" fmla="*/ 2567543 h 3214638"/>
+              <a:gd name="connsiteX5" fmla="*/ 2727120 w 3096919"/>
+              <a:gd name="connsiteY5" fmla="*/ 1708883 h 3214638"/>
+              <a:gd name="connsiteX6" fmla="*/ 1941430 w 3096919"/>
+              <a:gd name="connsiteY6" fmla="*/ 361421 h 3214638"/>
+              <a:gd name="connsiteX7" fmla="*/ 1515211 w 3096919"/>
+              <a:gd name="connsiteY7" fmla="*/ 305413 h 3214638"/>
+              <a:gd name="connsiteX8" fmla="*/ 1487961 w 3096919"/>
+              <a:gd name="connsiteY8" fmla="*/ 1104 h 3214638"/>
+              <a:gd name="connsiteX9" fmla="*/ 2035426 w 3096919"/>
+              <a:gd name="connsiteY9" fmla="*/ 73045 h 3214638"/>
+              <a:gd name="connsiteX10" fmla="*/ 3044622 w 3096919"/>
+              <a:gd name="connsiteY10" fmla="*/ 1803819 h 3214638"/>
+              <a:gd name="connsiteX11" fmla="*/ 1348111 w 3096919"/>
+              <a:gd name="connsiteY11" fmla="*/ 2857927 h 3214638"/>
+              <a:gd name="connsiteX12" fmla="*/ 968334 w 3096919"/>
+              <a:gd name="connsiteY12" fmla="*/ 3214638 h 3214638"/>
+              <a:gd name="connsiteX13" fmla="*/ 787618 w 3096919"/>
+              <a:gd name="connsiteY13" fmla="*/ 2684769 h 3214638"/>
+              <a:gd name="connsiteX14" fmla="*/ 171911 w 3096919"/>
+              <a:gd name="connsiteY14" fmla="*/ 778415 h 3214638"/>
+              <a:gd name="connsiteX15" fmla="*/ 1487961 w 3096919"/>
+              <a:gd name="connsiteY15" fmla="*/ 1104 h 3214638"/>
+              <a:gd name="connsiteX0" fmla="*/ 1515211 w 3096919"/>
+              <a:gd name="connsiteY0" fmla="*/ 305413 h 3214638"/>
+              <a:gd name="connsiteX1" fmla="*/ 490625 w 3096919"/>
+              <a:gd name="connsiteY1" fmla="*/ 910574 h 3214638"/>
+              <a:gd name="connsiteX2" fmla="*/ 969972 w 3096919"/>
+              <a:gd name="connsiteY2" fmla="*/ 2394730 h 3214638"/>
+              <a:gd name="connsiteX3" fmla="*/ 1099873 w 3096919"/>
+              <a:gd name="connsiteY3" fmla="*/ 2842162 h 3214638"/>
+              <a:gd name="connsiteX4" fmla="*/ 1420971 w 3096919"/>
+              <a:gd name="connsiteY4" fmla="*/ 2567543 h 3214638"/>
+              <a:gd name="connsiteX5" fmla="*/ 2727120 w 3096919"/>
+              <a:gd name="connsiteY5" fmla="*/ 1708883 h 3214638"/>
+              <a:gd name="connsiteX6" fmla="*/ 1941430 w 3096919"/>
+              <a:gd name="connsiteY6" fmla="*/ 361421 h 3214638"/>
+              <a:gd name="connsiteX7" fmla="*/ 1515211 w 3096919"/>
+              <a:gd name="connsiteY7" fmla="*/ 305413 h 3214638"/>
+              <a:gd name="connsiteX8" fmla="*/ 1487961 w 3096919"/>
+              <a:gd name="connsiteY8" fmla="*/ 1104 h 3214638"/>
+              <a:gd name="connsiteX9" fmla="*/ 2035426 w 3096919"/>
+              <a:gd name="connsiteY9" fmla="*/ 73045 h 3214638"/>
+              <a:gd name="connsiteX10" fmla="*/ 3044622 w 3096919"/>
+              <a:gd name="connsiteY10" fmla="*/ 1803819 h 3214638"/>
+              <a:gd name="connsiteX11" fmla="*/ 1348111 w 3096919"/>
+              <a:gd name="connsiteY11" fmla="*/ 2857927 h 3214638"/>
+              <a:gd name="connsiteX12" fmla="*/ 968334 w 3096919"/>
+              <a:gd name="connsiteY12" fmla="*/ 3214638 h 3214638"/>
+              <a:gd name="connsiteX13" fmla="*/ 787618 w 3096919"/>
+              <a:gd name="connsiteY13" fmla="*/ 2684769 h 3214638"/>
+              <a:gd name="connsiteX14" fmla="*/ 171911 w 3096919"/>
+              <a:gd name="connsiteY14" fmla="*/ 778415 h 3214638"/>
+              <a:gd name="connsiteX15" fmla="*/ 1487961 w 3096919"/>
+              <a:gd name="connsiteY15" fmla="*/ 1104 h 3214638"/>
+              <a:gd name="connsiteX0" fmla="*/ 1515211 w 3096919"/>
+              <a:gd name="connsiteY0" fmla="*/ 305413 h 3214638"/>
+              <a:gd name="connsiteX1" fmla="*/ 490625 w 3096919"/>
+              <a:gd name="connsiteY1" fmla="*/ 910574 h 3214638"/>
+              <a:gd name="connsiteX2" fmla="*/ 969972 w 3096919"/>
+              <a:gd name="connsiteY2" fmla="*/ 2394730 h 3214638"/>
+              <a:gd name="connsiteX3" fmla="*/ 1099873 w 3096919"/>
+              <a:gd name="connsiteY3" fmla="*/ 2842162 h 3214638"/>
+              <a:gd name="connsiteX4" fmla="*/ 1420971 w 3096919"/>
+              <a:gd name="connsiteY4" fmla="*/ 2567543 h 3214638"/>
+              <a:gd name="connsiteX5" fmla="*/ 2727120 w 3096919"/>
+              <a:gd name="connsiteY5" fmla="*/ 1708883 h 3214638"/>
+              <a:gd name="connsiteX6" fmla="*/ 1941430 w 3096919"/>
+              <a:gd name="connsiteY6" fmla="*/ 361421 h 3214638"/>
+              <a:gd name="connsiteX7" fmla="*/ 1515211 w 3096919"/>
+              <a:gd name="connsiteY7" fmla="*/ 305413 h 3214638"/>
+              <a:gd name="connsiteX8" fmla="*/ 1487961 w 3096919"/>
+              <a:gd name="connsiteY8" fmla="*/ 1104 h 3214638"/>
+              <a:gd name="connsiteX9" fmla="*/ 2035426 w 3096919"/>
+              <a:gd name="connsiteY9" fmla="*/ 73045 h 3214638"/>
+              <a:gd name="connsiteX10" fmla="*/ 3044622 w 3096919"/>
+              <a:gd name="connsiteY10" fmla="*/ 1803819 h 3214638"/>
+              <a:gd name="connsiteX11" fmla="*/ 1348111 w 3096919"/>
+              <a:gd name="connsiteY11" fmla="*/ 2857927 h 3214638"/>
+              <a:gd name="connsiteX12" fmla="*/ 968334 w 3096919"/>
+              <a:gd name="connsiteY12" fmla="*/ 3214638 h 3214638"/>
+              <a:gd name="connsiteX13" fmla="*/ 787618 w 3096919"/>
+              <a:gd name="connsiteY13" fmla="*/ 2684769 h 3214638"/>
+              <a:gd name="connsiteX14" fmla="*/ 171911 w 3096919"/>
+              <a:gd name="connsiteY14" fmla="*/ 778415 h 3214638"/>
+              <a:gd name="connsiteX15" fmla="*/ 1487961 w 3096919"/>
+              <a:gd name="connsiteY15" fmla="*/ 1104 h 3214638"/>
+              <a:gd name="connsiteX0" fmla="*/ 1515211 w 3096919"/>
+              <a:gd name="connsiteY0" fmla="*/ 305413 h 3214638"/>
+              <a:gd name="connsiteX1" fmla="*/ 490625 w 3096919"/>
+              <a:gd name="connsiteY1" fmla="*/ 910574 h 3214638"/>
+              <a:gd name="connsiteX2" fmla="*/ 969972 w 3096919"/>
+              <a:gd name="connsiteY2" fmla="*/ 2394730 h 3214638"/>
+              <a:gd name="connsiteX3" fmla="*/ 1099873 w 3096919"/>
+              <a:gd name="connsiteY3" fmla="*/ 2842162 h 3214638"/>
+              <a:gd name="connsiteX4" fmla="*/ 1420971 w 3096919"/>
+              <a:gd name="connsiteY4" fmla="*/ 2567543 h 3214638"/>
+              <a:gd name="connsiteX5" fmla="*/ 2768082 w 3096919"/>
+              <a:gd name="connsiteY5" fmla="*/ 1758569 h 3214638"/>
+              <a:gd name="connsiteX6" fmla="*/ 1941430 w 3096919"/>
+              <a:gd name="connsiteY6" fmla="*/ 361421 h 3214638"/>
+              <a:gd name="connsiteX7" fmla="*/ 1515211 w 3096919"/>
+              <a:gd name="connsiteY7" fmla="*/ 305413 h 3214638"/>
+              <a:gd name="connsiteX8" fmla="*/ 1487961 w 3096919"/>
+              <a:gd name="connsiteY8" fmla="*/ 1104 h 3214638"/>
+              <a:gd name="connsiteX9" fmla="*/ 2035426 w 3096919"/>
+              <a:gd name="connsiteY9" fmla="*/ 73045 h 3214638"/>
+              <a:gd name="connsiteX10" fmla="*/ 3044622 w 3096919"/>
+              <a:gd name="connsiteY10" fmla="*/ 1803819 h 3214638"/>
+              <a:gd name="connsiteX11" fmla="*/ 1348111 w 3096919"/>
+              <a:gd name="connsiteY11" fmla="*/ 2857927 h 3214638"/>
+              <a:gd name="connsiteX12" fmla="*/ 968334 w 3096919"/>
+              <a:gd name="connsiteY12" fmla="*/ 3214638 h 3214638"/>
+              <a:gd name="connsiteX13" fmla="*/ 787618 w 3096919"/>
+              <a:gd name="connsiteY13" fmla="*/ 2684769 h 3214638"/>
+              <a:gd name="connsiteX14" fmla="*/ 171911 w 3096919"/>
+              <a:gd name="connsiteY14" fmla="*/ 778415 h 3214638"/>
+              <a:gd name="connsiteX15" fmla="*/ 1487961 w 3096919"/>
+              <a:gd name="connsiteY15" fmla="*/ 1104 h 3214638"/>
+              <a:gd name="connsiteX0" fmla="*/ 1515211 w 3096919"/>
+              <a:gd name="connsiteY0" fmla="*/ 305413 h 3214638"/>
+              <a:gd name="connsiteX1" fmla="*/ 490625 w 3096919"/>
+              <a:gd name="connsiteY1" fmla="*/ 910574 h 3214638"/>
+              <a:gd name="connsiteX2" fmla="*/ 969972 w 3096919"/>
+              <a:gd name="connsiteY2" fmla="*/ 2394730 h 3214638"/>
+              <a:gd name="connsiteX3" fmla="*/ 1099873 w 3096919"/>
+              <a:gd name="connsiteY3" fmla="*/ 2842162 h 3214638"/>
+              <a:gd name="connsiteX4" fmla="*/ 1420971 w 3096919"/>
+              <a:gd name="connsiteY4" fmla="*/ 2567543 h 3214638"/>
+              <a:gd name="connsiteX5" fmla="*/ 2768082 w 3096919"/>
+              <a:gd name="connsiteY5" fmla="*/ 1758569 h 3214638"/>
+              <a:gd name="connsiteX6" fmla="*/ 1941430 w 3096919"/>
+              <a:gd name="connsiteY6" fmla="*/ 361421 h 3214638"/>
+              <a:gd name="connsiteX7" fmla="*/ 1515211 w 3096919"/>
+              <a:gd name="connsiteY7" fmla="*/ 305413 h 3214638"/>
+              <a:gd name="connsiteX8" fmla="*/ 1487961 w 3096919"/>
+              <a:gd name="connsiteY8" fmla="*/ 1104 h 3214638"/>
+              <a:gd name="connsiteX9" fmla="*/ 2035426 w 3096919"/>
+              <a:gd name="connsiteY9" fmla="*/ 73045 h 3214638"/>
+              <a:gd name="connsiteX10" fmla="*/ 3044622 w 3096919"/>
+              <a:gd name="connsiteY10" fmla="*/ 1803819 h 3214638"/>
+              <a:gd name="connsiteX11" fmla="*/ 1348111 w 3096919"/>
+              <a:gd name="connsiteY11" fmla="*/ 2857927 h 3214638"/>
+              <a:gd name="connsiteX12" fmla="*/ 968334 w 3096919"/>
+              <a:gd name="connsiteY12" fmla="*/ 3214638 h 3214638"/>
+              <a:gd name="connsiteX13" fmla="*/ 787618 w 3096919"/>
+              <a:gd name="connsiteY13" fmla="*/ 2684769 h 3214638"/>
+              <a:gd name="connsiteX14" fmla="*/ 171911 w 3096919"/>
+              <a:gd name="connsiteY14" fmla="*/ 778415 h 3214638"/>
+              <a:gd name="connsiteX15" fmla="*/ 1487961 w 3096919"/>
+              <a:gd name="connsiteY15" fmla="*/ 1104 h 3214638"/>
+              <a:gd name="connsiteX0" fmla="*/ 1515211 w 3096919"/>
+              <a:gd name="connsiteY0" fmla="*/ 305413 h 3214638"/>
+              <a:gd name="connsiteX1" fmla="*/ 490625 w 3096919"/>
+              <a:gd name="connsiteY1" fmla="*/ 910574 h 3214638"/>
+              <a:gd name="connsiteX2" fmla="*/ 969972 w 3096919"/>
+              <a:gd name="connsiteY2" fmla="*/ 2394730 h 3214638"/>
+              <a:gd name="connsiteX3" fmla="*/ 1099873 w 3096919"/>
+              <a:gd name="connsiteY3" fmla="*/ 2842162 h 3214638"/>
+              <a:gd name="connsiteX4" fmla="*/ 1420971 w 3096919"/>
+              <a:gd name="connsiteY4" fmla="*/ 2567543 h 3214638"/>
+              <a:gd name="connsiteX5" fmla="*/ 2768082 w 3096919"/>
+              <a:gd name="connsiteY5" fmla="*/ 1758569 h 3214638"/>
+              <a:gd name="connsiteX6" fmla="*/ 1941430 w 3096919"/>
+              <a:gd name="connsiteY6" fmla="*/ 361421 h 3214638"/>
+              <a:gd name="connsiteX7" fmla="*/ 1515211 w 3096919"/>
+              <a:gd name="connsiteY7" fmla="*/ 305413 h 3214638"/>
+              <a:gd name="connsiteX8" fmla="*/ 1487961 w 3096919"/>
+              <a:gd name="connsiteY8" fmla="*/ 1104 h 3214638"/>
+              <a:gd name="connsiteX9" fmla="*/ 2035426 w 3096919"/>
+              <a:gd name="connsiteY9" fmla="*/ 73045 h 3214638"/>
+              <a:gd name="connsiteX10" fmla="*/ 3044622 w 3096919"/>
+              <a:gd name="connsiteY10" fmla="*/ 1803819 h 3214638"/>
+              <a:gd name="connsiteX11" fmla="*/ 1348111 w 3096919"/>
+              <a:gd name="connsiteY11" fmla="*/ 2857927 h 3214638"/>
+              <a:gd name="connsiteX12" fmla="*/ 968334 w 3096919"/>
+              <a:gd name="connsiteY12" fmla="*/ 3214638 h 3214638"/>
+              <a:gd name="connsiteX13" fmla="*/ 787618 w 3096919"/>
+              <a:gd name="connsiteY13" fmla="*/ 2684769 h 3214638"/>
+              <a:gd name="connsiteX14" fmla="*/ 171911 w 3096919"/>
+              <a:gd name="connsiteY14" fmla="*/ 778415 h 3214638"/>
+              <a:gd name="connsiteX15" fmla="*/ 1487961 w 3096919"/>
+              <a:gd name="connsiteY15" fmla="*/ 1104 h 3214638"/>
+              <a:gd name="connsiteX0" fmla="*/ 1515211 w 3096919"/>
+              <a:gd name="connsiteY0" fmla="*/ 305413 h 3214638"/>
+              <a:gd name="connsiteX1" fmla="*/ 490625 w 3096919"/>
+              <a:gd name="connsiteY1" fmla="*/ 910574 h 3214638"/>
+              <a:gd name="connsiteX2" fmla="*/ 969972 w 3096919"/>
+              <a:gd name="connsiteY2" fmla="*/ 2394730 h 3214638"/>
+              <a:gd name="connsiteX3" fmla="*/ 1099873 w 3096919"/>
+              <a:gd name="connsiteY3" fmla="*/ 2842162 h 3214638"/>
+              <a:gd name="connsiteX4" fmla="*/ 1420971 w 3096919"/>
+              <a:gd name="connsiteY4" fmla="*/ 2567543 h 3214638"/>
+              <a:gd name="connsiteX5" fmla="*/ 2768082 w 3096919"/>
+              <a:gd name="connsiteY5" fmla="*/ 1758569 h 3214638"/>
+              <a:gd name="connsiteX6" fmla="*/ 1941430 w 3096919"/>
+              <a:gd name="connsiteY6" fmla="*/ 361421 h 3214638"/>
+              <a:gd name="connsiteX7" fmla="*/ 1515211 w 3096919"/>
+              <a:gd name="connsiteY7" fmla="*/ 305413 h 3214638"/>
+              <a:gd name="connsiteX8" fmla="*/ 1487961 w 3096919"/>
+              <a:gd name="connsiteY8" fmla="*/ 1104 h 3214638"/>
+              <a:gd name="connsiteX9" fmla="*/ 2035426 w 3096919"/>
+              <a:gd name="connsiteY9" fmla="*/ 73045 h 3214638"/>
+              <a:gd name="connsiteX10" fmla="*/ 3044622 w 3096919"/>
+              <a:gd name="connsiteY10" fmla="*/ 1803819 h 3214638"/>
+              <a:gd name="connsiteX11" fmla="*/ 1348111 w 3096919"/>
+              <a:gd name="connsiteY11" fmla="*/ 2857927 h 3214638"/>
+              <a:gd name="connsiteX12" fmla="*/ 968334 w 3096919"/>
+              <a:gd name="connsiteY12" fmla="*/ 3214638 h 3214638"/>
+              <a:gd name="connsiteX13" fmla="*/ 787618 w 3096919"/>
+              <a:gd name="connsiteY13" fmla="*/ 2684769 h 3214638"/>
+              <a:gd name="connsiteX14" fmla="*/ 171911 w 3096919"/>
+              <a:gd name="connsiteY14" fmla="*/ 778415 h 3214638"/>
+              <a:gd name="connsiteX15" fmla="*/ 1487961 w 3096919"/>
+              <a:gd name="connsiteY15" fmla="*/ 1104 h 3214638"/>
+              <a:gd name="connsiteX0" fmla="*/ 1515211 w 3096919"/>
+              <a:gd name="connsiteY0" fmla="*/ 305413 h 3214638"/>
+              <a:gd name="connsiteX1" fmla="*/ 490625 w 3096919"/>
+              <a:gd name="connsiteY1" fmla="*/ 910574 h 3214638"/>
+              <a:gd name="connsiteX2" fmla="*/ 969972 w 3096919"/>
+              <a:gd name="connsiteY2" fmla="*/ 2394730 h 3214638"/>
+              <a:gd name="connsiteX3" fmla="*/ 1099873 w 3096919"/>
+              <a:gd name="connsiteY3" fmla="*/ 2842162 h 3214638"/>
+              <a:gd name="connsiteX4" fmla="*/ 1420971 w 3096919"/>
+              <a:gd name="connsiteY4" fmla="*/ 2567543 h 3214638"/>
+              <a:gd name="connsiteX5" fmla="*/ 2768082 w 3096919"/>
+              <a:gd name="connsiteY5" fmla="*/ 1758569 h 3214638"/>
+              <a:gd name="connsiteX6" fmla="*/ 1941430 w 3096919"/>
+              <a:gd name="connsiteY6" fmla="*/ 361421 h 3214638"/>
+              <a:gd name="connsiteX7" fmla="*/ 1515211 w 3096919"/>
+              <a:gd name="connsiteY7" fmla="*/ 305413 h 3214638"/>
+              <a:gd name="connsiteX8" fmla="*/ 1487961 w 3096919"/>
+              <a:gd name="connsiteY8" fmla="*/ 1104 h 3214638"/>
+              <a:gd name="connsiteX9" fmla="*/ 2035426 w 3096919"/>
+              <a:gd name="connsiteY9" fmla="*/ 73045 h 3214638"/>
+              <a:gd name="connsiteX10" fmla="*/ 3044622 w 3096919"/>
+              <a:gd name="connsiteY10" fmla="*/ 1803819 h 3214638"/>
+              <a:gd name="connsiteX11" fmla="*/ 1348111 w 3096919"/>
+              <a:gd name="connsiteY11" fmla="*/ 2857927 h 3214638"/>
+              <a:gd name="connsiteX12" fmla="*/ 968334 w 3096919"/>
+              <a:gd name="connsiteY12" fmla="*/ 3214638 h 3214638"/>
+              <a:gd name="connsiteX13" fmla="*/ 787618 w 3096919"/>
+              <a:gd name="connsiteY13" fmla="*/ 2684769 h 3214638"/>
+              <a:gd name="connsiteX14" fmla="*/ 171911 w 3096919"/>
+              <a:gd name="connsiteY14" fmla="*/ 778415 h 3214638"/>
+              <a:gd name="connsiteX15" fmla="*/ 1487961 w 3096919"/>
+              <a:gd name="connsiteY15" fmla="*/ 1104 h 3214638"/>
+            </a:gdLst>
+            <a:ahLst/>
+            <a:cxnLst>
+              <a:cxn ang="0">
+                <a:pos x="connsiteX0" y="connsiteY0"/>
+              </a:cxn>
+              <a:cxn ang="0">
+                <a:pos x="connsiteX1" y="connsiteY1"/>
+              </a:cxn>
+              <a:cxn ang="0">
+                <a:pos x="connsiteX2" y="connsiteY2"/>
+              </a:cxn>
+              <a:cxn ang="0">
+                <a:pos x="connsiteX3" y="connsiteY3"/>
+              </a:cxn>
+              <a:cxn ang="0">
+                <a:pos x="connsiteX4" y="connsiteY4"/>
+              </a:cxn>
+              <a:cxn ang="0">
+                <a:pos x="connsiteX5" y="connsiteY5"/>
+              </a:cxn>
+              <a:cxn ang="0">
+                <a:pos x="connsiteX6" y="connsiteY6"/>
+              </a:cxn>
+              <a:cxn ang="0">
+                <a:pos x="connsiteX7" y="connsiteY7"/>
+              </a:cxn>
+              <a:cxn ang="0">
+                <a:pos x="connsiteX8" y="connsiteY8"/>
+              </a:cxn>
+              <a:cxn ang="0">
+                <a:pos x="connsiteX9" y="connsiteY9"/>
+              </a:cxn>
+              <a:cxn ang="0">
+                <a:pos x="connsiteX10" y="connsiteY10"/>
+              </a:cxn>
+              <a:cxn ang="0">
+                <a:pos x="connsiteX11" y="connsiteY11"/>
+              </a:cxn>
+              <a:cxn ang="0">
+                <a:pos x="connsiteX12" y="connsiteY12"/>
+              </a:cxn>
+              <a:cxn ang="0">
+                <a:pos x="connsiteX13" y="connsiteY13"/>
+              </a:cxn>
+              <a:cxn ang="0">
+                <a:pos x="connsiteX14" y="connsiteY14"/>
+              </a:cxn>
+              <a:cxn ang="0">
+                <a:pos x="connsiteX15" y="connsiteY15"/>
+              </a:cxn>
+            </a:cxnLst>
+            <a:rect l="l" t="t" r="r" b="b"/>
+            <a:pathLst>
+              <a:path w="3096919" h="3214638">
+                <a:moveTo>
+                  <a:pt x="1515211" y="305413"/>
+                </a:moveTo>
+                <a:cubicBezTo>
+                  <a:pt x="1091604" y="320862"/>
+                  <a:pt x="694393" y="543659"/>
+                  <a:pt x="490625" y="910574"/>
+                </a:cubicBezTo>
+                <a:cubicBezTo>
+                  <a:pt x="194214" y="1444305"/>
+                  <a:pt x="405901" y="2099731"/>
+                  <a:pt x="969972" y="2394730"/>
+                </a:cubicBezTo>
+                <a:lnTo>
+                  <a:pt x="1099873" y="2842162"/>
+                </a:lnTo>
+                <a:lnTo>
+                  <a:pt x="1420971" y="2567543"/>
+                </a:lnTo>
+                <a:cubicBezTo>
+                  <a:pt x="2200028" y="2606114"/>
+                  <a:pt x="2743243" y="2135532"/>
+                  <a:pt x="2768082" y="1758569"/>
+                </a:cubicBezTo>
+                <a:cubicBezTo>
+                  <a:pt x="2867103" y="255778"/>
+                  <a:pt x="2375956" y="527191"/>
+                  <a:pt x="1941430" y="361421"/>
+                </a:cubicBezTo>
+                <a:cubicBezTo>
+                  <a:pt x="1931807" y="357750"/>
+                  <a:pt x="1656413" y="300263"/>
+                  <a:pt x="1515211" y="305413"/>
+                </a:cubicBezTo>
+                <a:close/>
+                <a:moveTo>
+                  <a:pt x="1487961" y="1104"/>
+                </a:moveTo>
+                <a:cubicBezTo>
+                  <a:pt x="1669331" y="-5511"/>
+                  <a:pt x="1854468" y="17467"/>
+                  <a:pt x="2035426" y="73045"/>
+                </a:cubicBezTo>
+                <a:cubicBezTo>
+                  <a:pt x="2812770" y="311792"/>
+                  <a:pt x="3255056" y="1070313"/>
+                  <a:pt x="3044622" y="1803819"/>
+                </a:cubicBezTo>
+                <a:cubicBezTo>
+                  <a:pt x="2844861" y="2500122"/>
+                  <a:pt x="2118954" y="2951156"/>
+                  <a:pt x="1348111" y="2857927"/>
+                </a:cubicBezTo>
+                <a:cubicBezTo>
+                  <a:pt x="1174109" y="2960057"/>
+                  <a:pt x="1116579" y="3009477"/>
+                  <a:pt x="968334" y="3214638"/>
+                </a:cubicBezTo>
+                <a:cubicBezTo>
+                  <a:pt x="929748" y="3033323"/>
+                  <a:pt x="826204" y="2866084"/>
+                  <a:pt x="787618" y="2684769"/>
+                </a:cubicBezTo>
+                <a:cubicBezTo>
+                  <a:pt x="63085" y="2305852"/>
+                  <a:pt x="-208821" y="1463977"/>
+                  <a:pt x="171911" y="778415"/>
+                </a:cubicBezTo>
+                <a:cubicBezTo>
+                  <a:pt x="433645" y="307124"/>
+                  <a:pt x="943850" y="20948"/>
+                  <a:pt x="1487961" y="1104"/>
+                </a:cubicBezTo>
+                <a:close/>
+              </a:path>
+            </a:pathLst>
+          </a:custGeom>
+          <a:gradFill flip="none" rotWithShape="1">
+            <a:gsLst>
+              <a:gs pos="47000">
+                <a:srgbClr val="F79646">
+                  <a:lumMod val="75000"/>
+                </a:srgbClr>
+              </a:gs>
+              <a:gs pos="100000">
+                <a:srgbClr val="E4D03C"/>
+              </a:gs>
+              <a:gs pos="66000">
+                <a:srgbClr val="FFC000"/>
+              </a:gs>
+            </a:gsLst>
+            <a:path path="circle">
+              <a:fillToRect l="50000" t="50000" r="50000" b="50000"/>
+            </a:path>
+            <a:tileRect/>
+          </a:gradFill>
+          <a:ln w="12700" cap="flat" cmpd="sng" algn="ctr">
+            <a:solidFill>
+              <a:srgbClr val="FFC000"/>
+            </a:solidFill>
+            <a:prstDash val="solid"/>
+          </a:ln>
+          <a:effectLst/>
+        </p:spPr>
         <p:txBody>
-          <a:bodyPr/>
+          <a:bodyPr rot="0" spcFirstLastPara="0" vertOverflow="overflow" horzOverflow="overflow" vert="horz" wrap="square" lIns="91440" tIns="45720" rIns="91440" bIns="45720" numCol="1" spcCol="0" rtlCol="0" fromWordArt="0" anchor="ctr" anchorCtr="0" forceAA="0" compatLnSpc="1">
+            <a:prstTxWarp prst="textNoShape">
+              <a:avLst/>
+            </a:prstTxWarp>
+            <a:noAutofit/>
+          </a:bodyPr>
           <a:lstStyle/>
           <a:p>
+            <a:pPr marL="0" marR="0" lvl="0" indent="0" algn="ctr" defTabSz="914400" eaLnBrk="1" fontAlgn="auto" latinLnBrk="0" hangingPunct="1">
+              <a:lnSpc>
+                <a:spcPct val="100000"/>
+              </a:lnSpc>
+              <a:spcBef>
+                <a:spcPts val="0"/>
+              </a:spcBef>
+              <a:spcAft>
+                <a:spcPts val="0"/>
+              </a:spcAft>
+              <a:buClrTx/>
+              <a:buSzTx/>
+              <a:buFontTx/>
+              <a:buNone/>
+              <a:tabLst/>
+              <a:defRPr/>
+            </a:pPr>
+            <a:endParaRPr kumimoji="0" lang="en-US" sz="1800" b="0" i="0" u="none" strike="noStrike" kern="0" cap="none" spc="0" normalizeH="0" baseline="0" noProof="0">
+              <a:ln>
+                <a:noFill/>
+              </a:ln>
+              <a:solidFill>
+                <a:sysClr val="window" lastClr="FFFFFF"/>
+              </a:solidFill>
+              <a:effectLst/>
+              <a:uLnTx/>
+              <a:uFillTx/>
+              <a:latin typeface="Calibri"/>
+              <a:ea typeface="+mn-ea"/>
+              <a:cs typeface="+mn-cs"/>
+            </a:endParaRPr>
+          </a:p>
+        </p:txBody>
+      </p:sp>
+      <p:pic>
+        <p:nvPicPr>
+          <p:cNvPr id="6" name="Picture 6">
+            <a:extLst>
+              <a:ext uri="{FF2B5EF4-FFF2-40B4-BE49-F238E27FC236}">
+                <a16:creationId xmlns:a16="http://schemas.microsoft.com/office/drawing/2014/main" id="{F55E19BD-F6ED-4D4A-98BB-5D3719BA27FD}"/>
+              </a:ext>
+            </a:extLst>
+          </p:cNvPr>
+          <p:cNvPicPr>
+            <a:picLocks noChangeAspect="1" noChangeArrowheads="1"/>
+          </p:cNvPicPr>
+          <p:nvPr/>
+        </p:nvPicPr>
+        <p:blipFill rotWithShape="1">
+          <a:blip r:embed="rId2">
+            <a:extLst>
+              <a:ext uri="{28A0092B-C50C-407E-A947-70E740481C1C}">
+                <a14:useLocalDpi xmlns:a14="http://schemas.microsoft.com/office/drawing/2010/main" val="0"/>
+              </a:ext>
+            </a:extLst>
+          </a:blip>
+          <a:srcRect l="50000"/>
+          <a:stretch/>
+        </p:blipFill>
+        <p:spPr bwMode="auto">
+          <a:xfrm rot="1572490">
+            <a:off x="7572450" y="1787692"/>
+            <a:ext cx="1407502" cy="3067908"/>
+          </a:xfrm>
+          <a:prstGeom prst="rect">
+            <a:avLst/>
+          </a:prstGeom>
+          <a:noFill/>
+          <a:ln>
+            <a:noFill/>
+          </a:ln>
+          <a:effectLst>
+            <a:outerShdw blurRad="50800" dist="38100" algn="l" rotWithShape="0">
+              <a:prstClr val="black">
+                <a:alpha val="27000"/>
+              </a:prstClr>
+            </a:outerShdw>
+          </a:effectLst>
+          <a:extLst>
+            <a:ext uri="{909E8E84-426E-40DD-AFC4-6F175D3DCCD1}">
+              <a14:hiddenFill xmlns:a14="http://schemas.microsoft.com/office/drawing/2010/main">
+                <a:solidFill>
+                  <a:schemeClr val="accent1"/>
+                </a:solidFill>
+              </a14:hiddenFill>
+            </a:ext>
+            <a:ext uri="{91240B29-F687-4F45-9708-019B960494DF}">
+              <a14:hiddenLine xmlns:a14="http://schemas.microsoft.com/office/drawing/2010/main" w="9525">
+                <a:solidFill>
+                  <a:schemeClr val="tx1"/>
+                </a:solidFill>
+                <a:miter lim="800000"/>
+                <a:headEnd/>
+                <a:tailEnd/>
+              </a14:hiddenLine>
+            </a:ext>
+          </a:extLst>
+        </p:spPr>
+      </p:pic>
+      <p:sp>
+        <p:nvSpPr>
+          <p:cNvPr id="7" name="椭圆形标注 1">
+            <a:extLst>
+              <a:ext uri="{FF2B5EF4-FFF2-40B4-BE49-F238E27FC236}">
+                <a16:creationId xmlns:a16="http://schemas.microsoft.com/office/drawing/2014/main" id="{99DD095A-01A5-4504-8120-6764AB034058}"/>
+              </a:ext>
+            </a:extLst>
+          </p:cNvPr>
+          <p:cNvSpPr/>
+          <p:nvPr/>
+        </p:nvSpPr>
+        <p:spPr>
+          <a:xfrm rot="16546356">
+            <a:off x="3645885" y="1225347"/>
+            <a:ext cx="2412007" cy="2775332"/>
+          </a:xfrm>
+          <a:custGeom>
+            <a:avLst/>
+            <a:gdLst/>
+            <a:ahLst/>
+            <a:cxnLst/>
+            <a:rect l="l" t="t" r="r" b="b"/>
+            <a:pathLst>
+              <a:path w="3096919" h="3228713">
+                <a:moveTo>
+                  <a:pt x="1515211" y="305413"/>
+                </a:moveTo>
+                <a:cubicBezTo>
+                  <a:pt x="1091604" y="320862"/>
+                  <a:pt x="694393" y="543659"/>
+                  <a:pt x="490625" y="910574"/>
+                </a:cubicBezTo>
+                <a:cubicBezTo>
+                  <a:pt x="194214" y="1444305"/>
+                  <a:pt x="405901" y="2099731"/>
+                  <a:pt x="969972" y="2394730"/>
+                </a:cubicBezTo>
+                <a:lnTo>
+                  <a:pt x="1060094" y="2818207"/>
+                </a:lnTo>
+                <a:lnTo>
+                  <a:pt x="1406333" y="2529539"/>
+                </a:lnTo>
+                <a:cubicBezTo>
+                  <a:pt x="2006458" y="2602121"/>
+                  <a:pt x="2571600" y="2250977"/>
+                  <a:pt x="2727120" y="1708883"/>
+                </a:cubicBezTo>
+                <a:cubicBezTo>
+                  <a:pt x="2890949" y="1137826"/>
+                  <a:pt x="2546616" y="547293"/>
+                  <a:pt x="1941430" y="361421"/>
+                </a:cubicBezTo>
+                <a:cubicBezTo>
+                  <a:pt x="1800549" y="318152"/>
+                  <a:pt x="1656413" y="300263"/>
+                  <a:pt x="1515211" y="305413"/>
+                </a:cubicBezTo>
+                <a:close/>
+                <a:moveTo>
+                  <a:pt x="1487961" y="1104"/>
+                </a:moveTo>
+                <a:cubicBezTo>
+                  <a:pt x="1669331" y="-5511"/>
+                  <a:pt x="1854468" y="17467"/>
+                  <a:pt x="2035426" y="73045"/>
+                </a:cubicBezTo>
+                <a:cubicBezTo>
+                  <a:pt x="2812770" y="311792"/>
+                  <a:pt x="3255056" y="1070313"/>
+                  <a:pt x="3044622" y="1803819"/>
+                </a:cubicBezTo>
+                <a:cubicBezTo>
+                  <a:pt x="2844861" y="2500122"/>
+                  <a:pt x="2118954" y="2951156"/>
+                  <a:pt x="1348111" y="2857927"/>
+                </a:cubicBezTo>
+                <a:lnTo>
+                  <a:pt x="903377" y="3228713"/>
+                </a:lnTo>
+                <a:lnTo>
+                  <a:pt x="787618" y="2684769"/>
+                </a:lnTo>
+                <a:cubicBezTo>
+                  <a:pt x="63085" y="2305852"/>
+                  <a:pt x="-208821" y="1463977"/>
+                  <a:pt x="171911" y="778415"/>
+                </a:cubicBezTo>
+                <a:cubicBezTo>
+                  <a:pt x="433645" y="307124"/>
+                  <a:pt x="943850" y="20948"/>
+                  <a:pt x="1487961" y="1104"/>
+                </a:cubicBezTo>
+                <a:close/>
+              </a:path>
+            </a:pathLst>
+          </a:custGeom>
+          <a:gradFill flip="none" rotWithShape="1">
+            <a:gsLst>
+              <a:gs pos="0">
+                <a:sysClr val="window" lastClr="FFFFFF">
+                  <a:lumMod val="75000"/>
+                </a:sysClr>
+              </a:gs>
+              <a:gs pos="44000">
+                <a:sysClr val="window" lastClr="FFFFFF">
+                  <a:lumMod val="85000"/>
+                  <a:shade val="100000"/>
+                  <a:satMod val="115000"/>
+                  <a:alpha val="0"/>
+                </a:sysClr>
+              </a:gs>
+            </a:gsLst>
+            <a:lin ang="21594000" scaled="0"/>
+            <a:tileRect/>
+          </a:gradFill>
+          <a:ln w="28575" cap="flat" cmpd="sng" algn="ctr">
+            <a:noFill/>
+            <a:prstDash val="solid"/>
+          </a:ln>
+          <a:effectLst/>
+        </p:spPr>
+        <p:txBody>
+          <a:bodyPr rot="0" spcFirstLastPara="0" vertOverflow="overflow" horzOverflow="overflow" vert="horz" wrap="square" lIns="91440" tIns="45720" rIns="91440" bIns="45720" numCol="1" spcCol="0" rtlCol="0" fromWordArt="0" anchor="ctr" anchorCtr="0" forceAA="0" compatLnSpc="1">
+            <a:prstTxWarp prst="textNoShape">
+              <a:avLst/>
+            </a:prstTxWarp>
+            <a:noAutofit/>
+          </a:bodyPr>
+          <a:lstStyle/>
+          <a:p>
+            <a:pPr marL="0" marR="0" lvl="0" indent="0" algn="ctr" defTabSz="914400" eaLnBrk="1" fontAlgn="auto" latinLnBrk="0" hangingPunct="1">
+              <a:lnSpc>
+                <a:spcPct val="100000"/>
+              </a:lnSpc>
+              <a:spcBef>
+                <a:spcPts val="0"/>
+              </a:spcBef>
+              <a:spcAft>
+                <a:spcPts val="0"/>
+              </a:spcAft>
+              <a:buClrTx/>
+              <a:buSzTx/>
+              <a:buFontTx/>
+              <a:buNone/>
+              <a:tabLst/>
+              <a:defRPr/>
+            </a:pPr>
+            <a:endParaRPr kumimoji="0" lang="en-US" sz="1800" b="0" i="0" u="none" strike="noStrike" kern="0" cap="none" spc="0" normalizeH="0" baseline="0" noProof="0">
+              <a:ln>
+                <a:noFill/>
+              </a:ln>
+              <a:solidFill>
+                <a:sysClr val="window" lastClr="FFFFFF"/>
+              </a:solidFill>
+              <a:effectLst/>
+              <a:uLnTx/>
+              <a:uFillTx/>
+              <a:latin typeface="Calibri"/>
+              <a:ea typeface="+mn-ea"/>
+              <a:cs typeface="+mn-cs"/>
+            </a:endParaRPr>
+          </a:p>
+        </p:txBody>
+      </p:sp>
+      <p:sp>
+        <p:nvSpPr>
+          <p:cNvPr id="8" name="椭圆形标注 1">
+            <a:extLst>
+              <a:ext uri="{FF2B5EF4-FFF2-40B4-BE49-F238E27FC236}">
+                <a16:creationId xmlns:a16="http://schemas.microsoft.com/office/drawing/2014/main" id="{A3DAB205-255A-4C09-A77E-E31983EF555A}"/>
+              </a:ext>
+            </a:extLst>
+          </p:cNvPr>
+          <p:cNvSpPr/>
+          <p:nvPr/>
+        </p:nvSpPr>
+        <p:spPr>
+          <a:xfrm rot="17288716">
+            <a:off x="3446420" y="773610"/>
+            <a:ext cx="2803240" cy="3100672"/>
+          </a:xfrm>
+          <a:custGeom>
+            <a:avLst/>
+            <a:gdLst>
+              <a:gd name="connsiteX0" fmla="*/ 1515211 w 3096919"/>
+              <a:gd name="connsiteY0" fmla="*/ 305413 h 3202955"/>
+              <a:gd name="connsiteX1" fmla="*/ 490625 w 3096919"/>
+              <a:gd name="connsiteY1" fmla="*/ 910574 h 3202955"/>
+              <a:gd name="connsiteX2" fmla="*/ 969972 w 3096919"/>
+              <a:gd name="connsiteY2" fmla="*/ 2394730 h 3202955"/>
+              <a:gd name="connsiteX3" fmla="*/ 1060094 w 3096919"/>
+              <a:gd name="connsiteY3" fmla="*/ 2818207 h 3202955"/>
+              <a:gd name="connsiteX4" fmla="*/ 1406333 w 3096919"/>
+              <a:gd name="connsiteY4" fmla="*/ 2529539 h 3202955"/>
+              <a:gd name="connsiteX5" fmla="*/ 2727120 w 3096919"/>
+              <a:gd name="connsiteY5" fmla="*/ 1708883 h 3202955"/>
+              <a:gd name="connsiteX6" fmla="*/ 1941430 w 3096919"/>
+              <a:gd name="connsiteY6" fmla="*/ 361421 h 3202955"/>
+              <a:gd name="connsiteX7" fmla="*/ 1515211 w 3096919"/>
+              <a:gd name="connsiteY7" fmla="*/ 305413 h 3202955"/>
+              <a:gd name="connsiteX8" fmla="*/ 1487961 w 3096919"/>
+              <a:gd name="connsiteY8" fmla="*/ 1104 h 3202955"/>
+              <a:gd name="connsiteX9" fmla="*/ 2035426 w 3096919"/>
+              <a:gd name="connsiteY9" fmla="*/ 73045 h 3202955"/>
+              <a:gd name="connsiteX10" fmla="*/ 3044622 w 3096919"/>
+              <a:gd name="connsiteY10" fmla="*/ 1803819 h 3202955"/>
+              <a:gd name="connsiteX11" fmla="*/ 1348111 w 3096919"/>
+              <a:gd name="connsiteY11" fmla="*/ 2857927 h 3202955"/>
+              <a:gd name="connsiteX12" fmla="*/ 942013 w 3096919"/>
+              <a:gd name="connsiteY12" fmla="*/ 3202955 h 3202955"/>
+              <a:gd name="connsiteX13" fmla="*/ 787618 w 3096919"/>
+              <a:gd name="connsiteY13" fmla="*/ 2684769 h 3202955"/>
+              <a:gd name="connsiteX14" fmla="*/ 171911 w 3096919"/>
+              <a:gd name="connsiteY14" fmla="*/ 778415 h 3202955"/>
+              <a:gd name="connsiteX15" fmla="*/ 1487961 w 3096919"/>
+              <a:gd name="connsiteY15" fmla="*/ 1104 h 3202955"/>
+              <a:gd name="connsiteX0" fmla="*/ 1515211 w 3096919"/>
+              <a:gd name="connsiteY0" fmla="*/ 305413 h 3202955"/>
+              <a:gd name="connsiteX1" fmla="*/ 490625 w 3096919"/>
+              <a:gd name="connsiteY1" fmla="*/ 910574 h 3202955"/>
+              <a:gd name="connsiteX2" fmla="*/ 969972 w 3096919"/>
+              <a:gd name="connsiteY2" fmla="*/ 2394730 h 3202955"/>
+              <a:gd name="connsiteX3" fmla="*/ 1060094 w 3096919"/>
+              <a:gd name="connsiteY3" fmla="*/ 2818207 h 3202955"/>
+              <a:gd name="connsiteX4" fmla="*/ 1406333 w 3096919"/>
+              <a:gd name="connsiteY4" fmla="*/ 2529539 h 3202955"/>
+              <a:gd name="connsiteX5" fmla="*/ 2727120 w 3096919"/>
+              <a:gd name="connsiteY5" fmla="*/ 1708883 h 3202955"/>
+              <a:gd name="connsiteX6" fmla="*/ 1941430 w 3096919"/>
+              <a:gd name="connsiteY6" fmla="*/ 361421 h 3202955"/>
+              <a:gd name="connsiteX7" fmla="*/ 1515211 w 3096919"/>
+              <a:gd name="connsiteY7" fmla="*/ 305413 h 3202955"/>
+              <a:gd name="connsiteX8" fmla="*/ 1487961 w 3096919"/>
+              <a:gd name="connsiteY8" fmla="*/ 1104 h 3202955"/>
+              <a:gd name="connsiteX9" fmla="*/ 2035426 w 3096919"/>
+              <a:gd name="connsiteY9" fmla="*/ 73045 h 3202955"/>
+              <a:gd name="connsiteX10" fmla="*/ 3044622 w 3096919"/>
+              <a:gd name="connsiteY10" fmla="*/ 1803819 h 3202955"/>
+              <a:gd name="connsiteX11" fmla="*/ 1348111 w 3096919"/>
+              <a:gd name="connsiteY11" fmla="*/ 2857927 h 3202955"/>
+              <a:gd name="connsiteX12" fmla="*/ 942013 w 3096919"/>
+              <a:gd name="connsiteY12" fmla="*/ 3202955 h 3202955"/>
+              <a:gd name="connsiteX13" fmla="*/ 787618 w 3096919"/>
+              <a:gd name="connsiteY13" fmla="*/ 2684769 h 3202955"/>
+              <a:gd name="connsiteX14" fmla="*/ 171911 w 3096919"/>
+              <a:gd name="connsiteY14" fmla="*/ 778415 h 3202955"/>
+              <a:gd name="connsiteX15" fmla="*/ 1487961 w 3096919"/>
+              <a:gd name="connsiteY15" fmla="*/ 1104 h 3202955"/>
+              <a:gd name="connsiteX0" fmla="*/ 1515211 w 3096919"/>
+              <a:gd name="connsiteY0" fmla="*/ 305413 h 3202955"/>
+              <a:gd name="connsiteX1" fmla="*/ 490625 w 3096919"/>
+              <a:gd name="connsiteY1" fmla="*/ 910574 h 3202955"/>
+              <a:gd name="connsiteX2" fmla="*/ 969972 w 3096919"/>
+              <a:gd name="connsiteY2" fmla="*/ 2394730 h 3202955"/>
+              <a:gd name="connsiteX3" fmla="*/ 1060094 w 3096919"/>
+              <a:gd name="connsiteY3" fmla="*/ 2818207 h 3202955"/>
+              <a:gd name="connsiteX4" fmla="*/ 1406333 w 3096919"/>
+              <a:gd name="connsiteY4" fmla="*/ 2529539 h 3202955"/>
+              <a:gd name="connsiteX5" fmla="*/ 2727120 w 3096919"/>
+              <a:gd name="connsiteY5" fmla="*/ 1708883 h 3202955"/>
+              <a:gd name="connsiteX6" fmla="*/ 1941430 w 3096919"/>
+              <a:gd name="connsiteY6" fmla="*/ 361421 h 3202955"/>
+              <a:gd name="connsiteX7" fmla="*/ 1515211 w 3096919"/>
+              <a:gd name="connsiteY7" fmla="*/ 305413 h 3202955"/>
+              <a:gd name="connsiteX8" fmla="*/ 1487961 w 3096919"/>
+              <a:gd name="connsiteY8" fmla="*/ 1104 h 3202955"/>
+              <a:gd name="connsiteX9" fmla="*/ 2035426 w 3096919"/>
+              <a:gd name="connsiteY9" fmla="*/ 73045 h 3202955"/>
+              <a:gd name="connsiteX10" fmla="*/ 3044622 w 3096919"/>
+              <a:gd name="connsiteY10" fmla="*/ 1803819 h 3202955"/>
+              <a:gd name="connsiteX11" fmla="*/ 1348111 w 3096919"/>
+              <a:gd name="connsiteY11" fmla="*/ 2857927 h 3202955"/>
+              <a:gd name="connsiteX12" fmla="*/ 942013 w 3096919"/>
+              <a:gd name="connsiteY12" fmla="*/ 3202955 h 3202955"/>
+              <a:gd name="connsiteX13" fmla="*/ 787618 w 3096919"/>
+              <a:gd name="connsiteY13" fmla="*/ 2684769 h 3202955"/>
+              <a:gd name="connsiteX14" fmla="*/ 171911 w 3096919"/>
+              <a:gd name="connsiteY14" fmla="*/ 778415 h 3202955"/>
+              <a:gd name="connsiteX15" fmla="*/ 1487961 w 3096919"/>
+              <a:gd name="connsiteY15" fmla="*/ 1104 h 3202955"/>
+              <a:gd name="connsiteX0" fmla="*/ 1515211 w 3096919"/>
+              <a:gd name="connsiteY0" fmla="*/ 305413 h 3214638"/>
+              <a:gd name="connsiteX1" fmla="*/ 490625 w 3096919"/>
+              <a:gd name="connsiteY1" fmla="*/ 910574 h 3214638"/>
+              <a:gd name="connsiteX2" fmla="*/ 969972 w 3096919"/>
+              <a:gd name="connsiteY2" fmla="*/ 2394730 h 3214638"/>
+              <a:gd name="connsiteX3" fmla="*/ 1060094 w 3096919"/>
+              <a:gd name="connsiteY3" fmla="*/ 2818207 h 3214638"/>
+              <a:gd name="connsiteX4" fmla="*/ 1406333 w 3096919"/>
+              <a:gd name="connsiteY4" fmla="*/ 2529539 h 3214638"/>
+              <a:gd name="connsiteX5" fmla="*/ 2727120 w 3096919"/>
+              <a:gd name="connsiteY5" fmla="*/ 1708883 h 3214638"/>
+              <a:gd name="connsiteX6" fmla="*/ 1941430 w 3096919"/>
+              <a:gd name="connsiteY6" fmla="*/ 361421 h 3214638"/>
+              <a:gd name="connsiteX7" fmla="*/ 1515211 w 3096919"/>
+              <a:gd name="connsiteY7" fmla="*/ 305413 h 3214638"/>
+              <a:gd name="connsiteX8" fmla="*/ 1487961 w 3096919"/>
+              <a:gd name="connsiteY8" fmla="*/ 1104 h 3214638"/>
+              <a:gd name="connsiteX9" fmla="*/ 2035426 w 3096919"/>
+              <a:gd name="connsiteY9" fmla="*/ 73045 h 3214638"/>
+              <a:gd name="connsiteX10" fmla="*/ 3044622 w 3096919"/>
+              <a:gd name="connsiteY10" fmla="*/ 1803819 h 3214638"/>
+              <a:gd name="connsiteX11" fmla="*/ 1348111 w 3096919"/>
+              <a:gd name="connsiteY11" fmla="*/ 2857927 h 3214638"/>
+              <a:gd name="connsiteX12" fmla="*/ 968334 w 3096919"/>
+              <a:gd name="connsiteY12" fmla="*/ 3214638 h 3214638"/>
+              <a:gd name="connsiteX13" fmla="*/ 787618 w 3096919"/>
+              <a:gd name="connsiteY13" fmla="*/ 2684769 h 3214638"/>
+              <a:gd name="connsiteX14" fmla="*/ 171911 w 3096919"/>
+              <a:gd name="connsiteY14" fmla="*/ 778415 h 3214638"/>
+              <a:gd name="connsiteX15" fmla="*/ 1487961 w 3096919"/>
+              <a:gd name="connsiteY15" fmla="*/ 1104 h 3214638"/>
+              <a:gd name="connsiteX0" fmla="*/ 1515211 w 3096919"/>
+              <a:gd name="connsiteY0" fmla="*/ 305413 h 3214638"/>
+              <a:gd name="connsiteX1" fmla="*/ 490625 w 3096919"/>
+              <a:gd name="connsiteY1" fmla="*/ 910574 h 3214638"/>
+              <a:gd name="connsiteX2" fmla="*/ 969972 w 3096919"/>
+              <a:gd name="connsiteY2" fmla="*/ 2394730 h 3214638"/>
+              <a:gd name="connsiteX3" fmla="*/ 1099873 w 3096919"/>
+              <a:gd name="connsiteY3" fmla="*/ 2842162 h 3214638"/>
+              <a:gd name="connsiteX4" fmla="*/ 1406333 w 3096919"/>
+              <a:gd name="connsiteY4" fmla="*/ 2529539 h 3214638"/>
+              <a:gd name="connsiteX5" fmla="*/ 2727120 w 3096919"/>
+              <a:gd name="connsiteY5" fmla="*/ 1708883 h 3214638"/>
+              <a:gd name="connsiteX6" fmla="*/ 1941430 w 3096919"/>
+              <a:gd name="connsiteY6" fmla="*/ 361421 h 3214638"/>
+              <a:gd name="connsiteX7" fmla="*/ 1515211 w 3096919"/>
+              <a:gd name="connsiteY7" fmla="*/ 305413 h 3214638"/>
+              <a:gd name="connsiteX8" fmla="*/ 1487961 w 3096919"/>
+              <a:gd name="connsiteY8" fmla="*/ 1104 h 3214638"/>
+              <a:gd name="connsiteX9" fmla="*/ 2035426 w 3096919"/>
+              <a:gd name="connsiteY9" fmla="*/ 73045 h 3214638"/>
+              <a:gd name="connsiteX10" fmla="*/ 3044622 w 3096919"/>
+              <a:gd name="connsiteY10" fmla="*/ 1803819 h 3214638"/>
+              <a:gd name="connsiteX11" fmla="*/ 1348111 w 3096919"/>
+              <a:gd name="connsiteY11" fmla="*/ 2857927 h 3214638"/>
+              <a:gd name="connsiteX12" fmla="*/ 968334 w 3096919"/>
+              <a:gd name="connsiteY12" fmla="*/ 3214638 h 3214638"/>
+              <a:gd name="connsiteX13" fmla="*/ 787618 w 3096919"/>
+              <a:gd name="connsiteY13" fmla="*/ 2684769 h 3214638"/>
+              <a:gd name="connsiteX14" fmla="*/ 171911 w 3096919"/>
+              <a:gd name="connsiteY14" fmla="*/ 778415 h 3214638"/>
+              <a:gd name="connsiteX15" fmla="*/ 1487961 w 3096919"/>
+              <a:gd name="connsiteY15" fmla="*/ 1104 h 3214638"/>
+              <a:gd name="connsiteX0" fmla="*/ 1515211 w 3096919"/>
+              <a:gd name="connsiteY0" fmla="*/ 305413 h 3214638"/>
+              <a:gd name="connsiteX1" fmla="*/ 490625 w 3096919"/>
+              <a:gd name="connsiteY1" fmla="*/ 910574 h 3214638"/>
+              <a:gd name="connsiteX2" fmla="*/ 969972 w 3096919"/>
+              <a:gd name="connsiteY2" fmla="*/ 2394730 h 3214638"/>
+              <a:gd name="connsiteX3" fmla="*/ 1099873 w 3096919"/>
+              <a:gd name="connsiteY3" fmla="*/ 2842162 h 3214638"/>
+              <a:gd name="connsiteX4" fmla="*/ 1420971 w 3096919"/>
+              <a:gd name="connsiteY4" fmla="*/ 2567543 h 3214638"/>
+              <a:gd name="connsiteX5" fmla="*/ 2727120 w 3096919"/>
+              <a:gd name="connsiteY5" fmla="*/ 1708883 h 3214638"/>
+              <a:gd name="connsiteX6" fmla="*/ 1941430 w 3096919"/>
+              <a:gd name="connsiteY6" fmla="*/ 361421 h 3214638"/>
+              <a:gd name="connsiteX7" fmla="*/ 1515211 w 3096919"/>
+              <a:gd name="connsiteY7" fmla="*/ 305413 h 3214638"/>
+              <a:gd name="connsiteX8" fmla="*/ 1487961 w 3096919"/>
+              <a:gd name="connsiteY8" fmla="*/ 1104 h 3214638"/>
+              <a:gd name="connsiteX9" fmla="*/ 2035426 w 3096919"/>
+              <a:gd name="connsiteY9" fmla="*/ 73045 h 3214638"/>
+              <a:gd name="connsiteX10" fmla="*/ 3044622 w 3096919"/>
+              <a:gd name="connsiteY10" fmla="*/ 1803819 h 3214638"/>
+              <a:gd name="connsiteX11" fmla="*/ 1348111 w 3096919"/>
+              <a:gd name="connsiteY11" fmla="*/ 2857927 h 3214638"/>
+              <a:gd name="connsiteX12" fmla="*/ 968334 w 3096919"/>
+              <a:gd name="connsiteY12" fmla="*/ 3214638 h 3214638"/>
+              <a:gd name="connsiteX13" fmla="*/ 787618 w 3096919"/>
+              <a:gd name="connsiteY13" fmla="*/ 2684769 h 3214638"/>
+              <a:gd name="connsiteX14" fmla="*/ 171911 w 3096919"/>
+              <a:gd name="connsiteY14" fmla="*/ 778415 h 3214638"/>
+              <a:gd name="connsiteX15" fmla="*/ 1487961 w 3096919"/>
+              <a:gd name="connsiteY15" fmla="*/ 1104 h 3214638"/>
+              <a:gd name="connsiteX0" fmla="*/ 1515211 w 3096919"/>
+              <a:gd name="connsiteY0" fmla="*/ 305413 h 3214638"/>
+              <a:gd name="connsiteX1" fmla="*/ 490625 w 3096919"/>
+              <a:gd name="connsiteY1" fmla="*/ 910574 h 3214638"/>
+              <a:gd name="connsiteX2" fmla="*/ 969972 w 3096919"/>
+              <a:gd name="connsiteY2" fmla="*/ 2394730 h 3214638"/>
+              <a:gd name="connsiteX3" fmla="*/ 1099873 w 3096919"/>
+              <a:gd name="connsiteY3" fmla="*/ 2842162 h 3214638"/>
+              <a:gd name="connsiteX4" fmla="*/ 1420971 w 3096919"/>
+              <a:gd name="connsiteY4" fmla="*/ 2567543 h 3214638"/>
+              <a:gd name="connsiteX5" fmla="*/ 2727120 w 3096919"/>
+              <a:gd name="connsiteY5" fmla="*/ 1708883 h 3214638"/>
+              <a:gd name="connsiteX6" fmla="*/ 1941430 w 3096919"/>
+              <a:gd name="connsiteY6" fmla="*/ 361421 h 3214638"/>
+              <a:gd name="connsiteX7" fmla="*/ 1515211 w 3096919"/>
+              <a:gd name="connsiteY7" fmla="*/ 305413 h 3214638"/>
+              <a:gd name="connsiteX8" fmla="*/ 1487961 w 3096919"/>
+              <a:gd name="connsiteY8" fmla="*/ 1104 h 3214638"/>
+              <a:gd name="connsiteX9" fmla="*/ 2035426 w 3096919"/>
+              <a:gd name="connsiteY9" fmla="*/ 73045 h 3214638"/>
+              <a:gd name="connsiteX10" fmla="*/ 3044622 w 3096919"/>
+              <a:gd name="connsiteY10" fmla="*/ 1803819 h 3214638"/>
+              <a:gd name="connsiteX11" fmla="*/ 1348111 w 3096919"/>
+              <a:gd name="connsiteY11" fmla="*/ 2857927 h 3214638"/>
+              <a:gd name="connsiteX12" fmla="*/ 968334 w 3096919"/>
+              <a:gd name="connsiteY12" fmla="*/ 3214638 h 3214638"/>
+              <a:gd name="connsiteX13" fmla="*/ 787618 w 3096919"/>
+              <a:gd name="connsiteY13" fmla="*/ 2684769 h 3214638"/>
+              <a:gd name="connsiteX14" fmla="*/ 171911 w 3096919"/>
+              <a:gd name="connsiteY14" fmla="*/ 778415 h 3214638"/>
+              <a:gd name="connsiteX15" fmla="*/ 1487961 w 3096919"/>
+              <a:gd name="connsiteY15" fmla="*/ 1104 h 3214638"/>
+              <a:gd name="connsiteX0" fmla="*/ 1515211 w 3096919"/>
+              <a:gd name="connsiteY0" fmla="*/ 305413 h 3214638"/>
+              <a:gd name="connsiteX1" fmla="*/ 490625 w 3096919"/>
+              <a:gd name="connsiteY1" fmla="*/ 910574 h 3214638"/>
+              <a:gd name="connsiteX2" fmla="*/ 969972 w 3096919"/>
+              <a:gd name="connsiteY2" fmla="*/ 2394730 h 3214638"/>
+              <a:gd name="connsiteX3" fmla="*/ 1099873 w 3096919"/>
+              <a:gd name="connsiteY3" fmla="*/ 2842162 h 3214638"/>
+              <a:gd name="connsiteX4" fmla="*/ 1420971 w 3096919"/>
+              <a:gd name="connsiteY4" fmla="*/ 2567543 h 3214638"/>
+              <a:gd name="connsiteX5" fmla="*/ 2727120 w 3096919"/>
+              <a:gd name="connsiteY5" fmla="*/ 1708883 h 3214638"/>
+              <a:gd name="connsiteX6" fmla="*/ 1941430 w 3096919"/>
+              <a:gd name="connsiteY6" fmla="*/ 361421 h 3214638"/>
+              <a:gd name="connsiteX7" fmla="*/ 1515211 w 3096919"/>
+              <a:gd name="connsiteY7" fmla="*/ 305413 h 3214638"/>
+              <a:gd name="connsiteX8" fmla="*/ 1487961 w 3096919"/>
+              <a:gd name="connsiteY8" fmla="*/ 1104 h 3214638"/>
+              <a:gd name="connsiteX9" fmla="*/ 2035426 w 3096919"/>
+              <a:gd name="connsiteY9" fmla="*/ 73045 h 3214638"/>
+              <a:gd name="connsiteX10" fmla="*/ 3044622 w 3096919"/>
+              <a:gd name="connsiteY10" fmla="*/ 1803819 h 3214638"/>
+              <a:gd name="connsiteX11" fmla="*/ 1348111 w 3096919"/>
+              <a:gd name="connsiteY11" fmla="*/ 2857927 h 3214638"/>
+              <a:gd name="connsiteX12" fmla="*/ 968334 w 3096919"/>
+              <a:gd name="connsiteY12" fmla="*/ 3214638 h 3214638"/>
+              <a:gd name="connsiteX13" fmla="*/ 787618 w 3096919"/>
+              <a:gd name="connsiteY13" fmla="*/ 2684769 h 3214638"/>
+              <a:gd name="connsiteX14" fmla="*/ 171911 w 3096919"/>
+              <a:gd name="connsiteY14" fmla="*/ 778415 h 3214638"/>
+              <a:gd name="connsiteX15" fmla="*/ 1487961 w 3096919"/>
+              <a:gd name="connsiteY15" fmla="*/ 1104 h 3214638"/>
+              <a:gd name="connsiteX0" fmla="*/ 1515211 w 3096919"/>
+              <a:gd name="connsiteY0" fmla="*/ 305413 h 3214638"/>
+              <a:gd name="connsiteX1" fmla="*/ 490625 w 3096919"/>
+              <a:gd name="connsiteY1" fmla="*/ 910574 h 3214638"/>
+              <a:gd name="connsiteX2" fmla="*/ 969972 w 3096919"/>
+              <a:gd name="connsiteY2" fmla="*/ 2394730 h 3214638"/>
+              <a:gd name="connsiteX3" fmla="*/ 1099873 w 3096919"/>
+              <a:gd name="connsiteY3" fmla="*/ 2842162 h 3214638"/>
+              <a:gd name="connsiteX4" fmla="*/ 1420971 w 3096919"/>
+              <a:gd name="connsiteY4" fmla="*/ 2567543 h 3214638"/>
+              <a:gd name="connsiteX5" fmla="*/ 2768082 w 3096919"/>
+              <a:gd name="connsiteY5" fmla="*/ 1758569 h 3214638"/>
+              <a:gd name="connsiteX6" fmla="*/ 1941430 w 3096919"/>
+              <a:gd name="connsiteY6" fmla="*/ 361421 h 3214638"/>
+              <a:gd name="connsiteX7" fmla="*/ 1515211 w 3096919"/>
+              <a:gd name="connsiteY7" fmla="*/ 305413 h 3214638"/>
+              <a:gd name="connsiteX8" fmla="*/ 1487961 w 3096919"/>
+              <a:gd name="connsiteY8" fmla="*/ 1104 h 3214638"/>
+              <a:gd name="connsiteX9" fmla="*/ 2035426 w 3096919"/>
+              <a:gd name="connsiteY9" fmla="*/ 73045 h 3214638"/>
+              <a:gd name="connsiteX10" fmla="*/ 3044622 w 3096919"/>
+              <a:gd name="connsiteY10" fmla="*/ 1803819 h 3214638"/>
+              <a:gd name="connsiteX11" fmla="*/ 1348111 w 3096919"/>
+              <a:gd name="connsiteY11" fmla="*/ 2857927 h 3214638"/>
+              <a:gd name="connsiteX12" fmla="*/ 968334 w 3096919"/>
+              <a:gd name="connsiteY12" fmla="*/ 3214638 h 3214638"/>
+              <a:gd name="connsiteX13" fmla="*/ 787618 w 3096919"/>
+              <a:gd name="connsiteY13" fmla="*/ 2684769 h 3214638"/>
+              <a:gd name="connsiteX14" fmla="*/ 171911 w 3096919"/>
+              <a:gd name="connsiteY14" fmla="*/ 778415 h 3214638"/>
+              <a:gd name="connsiteX15" fmla="*/ 1487961 w 3096919"/>
+              <a:gd name="connsiteY15" fmla="*/ 1104 h 3214638"/>
+              <a:gd name="connsiteX0" fmla="*/ 1515211 w 3096919"/>
+              <a:gd name="connsiteY0" fmla="*/ 305413 h 3214638"/>
+              <a:gd name="connsiteX1" fmla="*/ 490625 w 3096919"/>
+              <a:gd name="connsiteY1" fmla="*/ 910574 h 3214638"/>
+              <a:gd name="connsiteX2" fmla="*/ 969972 w 3096919"/>
+              <a:gd name="connsiteY2" fmla="*/ 2394730 h 3214638"/>
+              <a:gd name="connsiteX3" fmla="*/ 1099873 w 3096919"/>
+              <a:gd name="connsiteY3" fmla="*/ 2842162 h 3214638"/>
+              <a:gd name="connsiteX4" fmla="*/ 1420971 w 3096919"/>
+              <a:gd name="connsiteY4" fmla="*/ 2567543 h 3214638"/>
+              <a:gd name="connsiteX5" fmla="*/ 2768082 w 3096919"/>
+              <a:gd name="connsiteY5" fmla="*/ 1758569 h 3214638"/>
+              <a:gd name="connsiteX6" fmla="*/ 1941430 w 3096919"/>
+              <a:gd name="connsiteY6" fmla="*/ 361421 h 3214638"/>
+              <a:gd name="connsiteX7" fmla="*/ 1515211 w 3096919"/>
+              <a:gd name="connsiteY7" fmla="*/ 305413 h 3214638"/>
+              <a:gd name="connsiteX8" fmla="*/ 1487961 w 3096919"/>
+              <a:gd name="connsiteY8" fmla="*/ 1104 h 3214638"/>
+              <a:gd name="connsiteX9" fmla="*/ 2035426 w 3096919"/>
+              <a:gd name="connsiteY9" fmla="*/ 73045 h 3214638"/>
+              <a:gd name="connsiteX10" fmla="*/ 3044622 w 3096919"/>
+              <a:gd name="connsiteY10" fmla="*/ 1803819 h 3214638"/>
+              <a:gd name="connsiteX11" fmla="*/ 1348111 w 3096919"/>
+              <a:gd name="connsiteY11" fmla="*/ 2857927 h 3214638"/>
+              <a:gd name="connsiteX12" fmla="*/ 968334 w 3096919"/>
+              <a:gd name="connsiteY12" fmla="*/ 3214638 h 3214638"/>
+              <a:gd name="connsiteX13" fmla="*/ 787618 w 3096919"/>
+              <a:gd name="connsiteY13" fmla="*/ 2684769 h 3214638"/>
+              <a:gd name="connsiteX14" fmla="*/ 171911 w 3096919"/>
+              <a:gd name="connsiteY14" fmla="*/ 778415 h 3214638"/>
+              <a:gd name="connsiteX15" fmla="*/ 1487961 w 3096919"/>
+              <a:gd name="connsiteY15" fmla="*/ 1104 h 3214638"/>
+              <a:gd name="connsiteX0" fmla="*/ 1515211 w 3096919"/>
+              <a:gd name="connsiteY0" fmla="*/ 305413 h 3214638"/>
+              <a:gd name="connsiteX1" fmla="*/ 490625 w 3096919"/>
+              <a:gd name="connsiteY1" fmla="*/ 910574 h 3214638"/>
+              <a:gd name="connsiteX2" fmla="*/ 969972 w 3096919"/>
+              <a:gd name="connsiteY2" fmla="*/ 2394730 h 3214638"/>
+              <a:gd name="connsiteX3" fmla="*/ 1099873 w 3096919"/>
+              <a:gd name="connsiteY3" fmla="*/ 2842162 h 3214638"/>
+              <a:gd name="connsiteX4" fmla="*/ 1420971 w 3096919"/>
+              <a:gd name="connsiteY4" fmla="*/ 2567543 h 3214638"/>
+              <a:gd name="connsiteX5" fmla="*/ 2768082 w 3096919"/>
+              <a:gd name="connsiteY5" fmla="*/ 1758569 h 3214638"/>
+              <a:gd name="connsiteX6" fmla="*/ 1941430 w 3096919"/>
+              <a:gd name="connsiteY6" fmla="*/ 361421 h 3214638"/>
+              <a:gd name="connsiteX7" fmla="*/ 1515211 w 3096919"/>
+              <a:gd name="connsiteY7" fmla="*/ 305413 h 3214638"/>
+              <a:gd name="connsiteX8" fmla="*/ 1487961 w 3096919"/>
+              <a:gd name="connsiteY8" fmla="*/ 1104 h 3214638"/>
+              <a:gd name="connsiteX9" fmla="*/ 2035426 w 3096919"/>
+              <a:gd name="connsiteY9" fmla="*/ 73045 h 3214638"/>
+              <a:gd name="connsiteX10" fmla="*/ 3044622 w 3096919"/>
+              <a:gd name="connsiteY10" fmla="*/ 1803819 h 3214638"/>
+              <a:gd name="connsiteX11" fmla="*/ 1348111 w 3096919"/>
+              <a:gd name="connsiteY11" fmla="*/ 2857927 h 3214638"/>
+              <a:gd name="connsiteX12" fmla="*/ 968334 w 3096919"/>
+              <a:gd name="connsiteY12" fmla="*/ 3214638 h 3214638"/>
+              <a:gd name="connsiteX13" fmla="*/ 787618 w 3096919"/>
+              <a:gd name="connsiteY13" fmla="*/ 2684769 h 3214638"/>
+              <a:gd name="connsiteX14" fmla="*/ 171911 w 3096919"/>
+              <a:gd name="connsiteY14" fmla="*/ 778415 h 3214638"/>
+              <a:gd name="connsiteX15" fmla="*/ 1487961 w 3096919"/>
+              <a:gd name="connsiteY15" fmla="*/ 1104 h 3214638"/>
+              <a:gd name="connsiteX0" fmla="*/ 1515211 w 3096919"/>
+              <a:gd name="connsiteY0" fmla="*/ 305413 h 3214638"/>
+              <a:gd name="connsiteX1" fmla="*/ 490625 w 3096919"/>
+              <a:gd name="connsiteY1" fmla="*/ 910574 h 3214638"/>
+              <a:gd name="connsiteX2" fmla="*/ 969972 w 3096919"/>
+              <a:gd name="connsiteY2" fmla="*/ 2394730 h 3214638"/>
+              <a:gd name="connsiteX3" fmla="*/ 1099873 w 3096919"/>
+              <a:gd name="connsiteY3" fmla="*/ 2842162 h 3214638"/>
+              <a:gd name="connsiteX4" fmla="*/ 1420971 w 3096919"/>
+              <a:gd name="connsiteY4" fmla="*/ 2567543 h 3214638"/>
+              <a:gd name="connsiteX5" fmla="*/ 2768082 w 3096919"/>
+              <a:gd name="connsiteY5" fmla="*/ 1758569 h 3214638"/>
+              <a:gd name="connsiteX6" fmla="*/ 1941430 w 3096919"/>
+              <a:gd name="connsiteY6" fmla="*/ 361421 h 3214638"/>
+              <a:gd name="connsiteX7" fmla="*/ 1515211 w 3096919"/>
+              <a:gd name="connsiteY7" fmla="*/ 305413 h 3214638"/>
+              <a:gd name="connsiteX8" fmla="*/ 1487961 w 3096919"/>
+              <a:gd name="connsiteY8" fmla="*/ 1104 h 3214638"/>
+              <a:gd name="connsiteX9" fmla="*/ 2035426 w 3096919"/>
+              <a:gd name="connsiteY9" fmla="*/ 73045 h 3214638"/>
+              <a:gd name="connsiteX10" fmla="*/ 3044622 w 3096919"/>
+              <a:gd name="connsiteY10" fmla="*/ 1803819 h 3214638"/>
+              <a:gd name="connsiteX11" fmla="*/ 1348111 w 3096919"/>
+              <a:gd name="connsiteY11" fmla="*/ 2857927 h 3214638"/>
+              <a:gd name="connsiteX12" fmla="*/ 968334 w 3096919"/>
+              <a:gd name="connsiteY12" fmla="*/ 3214638 h 3214638"/>
+              <a:gd name="connsiteX13" fmla="*/ 787618 w 3096919"/>
+              <a:gd name="connsiteY13" fmla="*/ 2684769 h 3214638"/>
+              <a:gd name="connsiteX14" fmla="*/ 171911 w 3096919"/>
+              <a:gd name="connsiteY14" fmla="*/ 778415 h 3214638"/>
+              <a:gd name="connsiteX15" fmla="*/ 1487961 w 3096919"/>
+              <a:gd name="connsiteY15" fmla="*/ 1104 h 3214638"/>
+              <a:gd name="connsiteX0" fmla="*/ 1515211 w 3096919"/>
+              <a:gd name="connsiteY0" fmla="*/ 305413 h 3214638"/>
+              <a:gd name="connsiteX1" fmla="*/ 490625 w 3096919"/>
+              <a:gd name="connsiteY1" fmla="*/ 910574 h 3214638"/>
+              <a:gd name="connsiteX2" fmla="*/ 969972 w 3096919"/>
+              <a:gd name="connsiteY2" fmla="*/ 2394730 h 3214638"/>
+              <a:gd name="connsiteX3" fmla="*/ 1099873 w 3096919"/>
+              <a:gd name="connsiteY3" fmla="*/ 2842162 h 3214638"/>
+              <a:gd name="connsiteX4" fmla="*/ 1420971 w 3096919"/>
+              <a:gd name="connsiteY4" fmla="*/ 2567543 h 3214638"/>
+              <a:gd name="connsiteX5" fmla="*/ 2768082 w 3096919"/>
+              <a:gd name="connsiteY5" fmla="*/ 1758569 h 3214638"/>
+              <a:gd name="connsiteX6" fmla="*/ 1941430 w 3096919"/>
+              <a:gd name="connsiteY6" fmla="*/ 361421 h 3214638"/>
+              <a:gd name="connsiteX7" fmla="*/ 1515211 w 3096919"/>
+              <a:gd name="connsiteY7" fmla="*/ 305413 h 3214638"/>
+              <a:gd name="connsiteX8" fmla="*/ 1487961 w 3096919"/>
+              <a:gd name="connsiteY8" fmla="*/ 1104 h 3214638"/>
+              <a:gd name="connsiteX9" fmla="*/ 2035426 w 3096919"/>
+              <a:gd name="connsiteY9" fmla="*/ 73045 h 3214638"/>
+              <a:gd name="connsiteX10" fmla="*/ 3044622 w 3096919"/>
+              <a:gd name="connsiteY10" fmla="*/ 1803819 h 3214638"/>
+              <a:gd name="connsiteX11" fmla="*/ 1348111 w 3096919"/>
+              <a:gd name="connsiteY11" fmla="*/ 2857927 h 3214638"/>
+              <a:gd name="connsiteX12" fmla="*/ 968334 w 3096919"/>
+              <a:gd name="connsiteY12" fmla="*/ 3214638 h 3214638"/>
+              <a:gd name="connsiteX13" fmla="*/ 787618 w 3096919"/>
+              <a:gd name="connsiteY13" fmla="*/ 2684769 h 3214638"/>
+              <a:gd name="connsiteX14" fmla="*/ 171911 w 3096919"/>
+              <a:gd name="connsiteY14" fmla="*/ 778415 h 3214638"/>
+              <a:gd name="connsiteX15" fmla="*/ 1487961 w 3096919"/>
+              <a:gd name="connsiteY15" fmla="*/ 1104 h 3214638"/>
+            </a:gdLst>
+            <a:ahLst/>
+            <a:cxnLst>
+              <a:cxn ang="0">
+                <a:pos x="connsiteX0" y="connsiteY0"/>
+              </a:cxn>
+              <a:cxn ang="0">
+                <a:pos x="connsiteX1" y="connsiteY1"/>
+              </a:cxn>
+              <a:cxn ang="0">
+                <a:pos x="connsiteX2" y="connsiteY2"/>
+              </a:cxn>
+              <a:cxn ang="0">
+                <a:pos x="connsiteX3" y="connsiteY3"/>
+              </a:cxn>
+              <a:cxn ang="0">
+                <a:pos x="connsiteX4" y="connsiteY4"/>
+              </a:cxn>
+              <a:cxn ang="0">
+                <a:pos x="connsiteX5" y="connsiteY5"/>
+              </a:cxn>
+              <a:cxn ang="0">
+                <a:pos x="connsiteX6" y="connsiteY6"/>
+              </a:cxn>
+              <a:cxn ang="0">
+                <a:pos x="connsiteX7" y="connsiteY7"/>
+              </a:cxn>
+              <a:cxn ang="0">
+                <a:pos x="connsiteX8" y="connsiteY8"/>
+              </a:cxn>
+              <a:cxn ang="0">
+                <a:pos x="connsiteX9" y="connsiteY9"/>
+              </a:cxn>
+              <a:cxn ang="0">
+                <a:pos x="connsiteX10" y="connsiteY10"/>
+              </a:cxn>
+              <a:cxn ang="0">
+                <a:pos x="connsiteX11" y="connsiteY11"/>
+              </a:cxn>
+              <a:cxn ang="0">
+                <a:pos x="connsiteX12" y="connsiteY12"/>
+              </a:cxn>
+              <a:cxn ang="0">
+                <a:pos x="connsiteX13" y="connsiteY13"/>
+              </a:cxn>
+              <a:cxn ang="0">
+                <a:pos x="connsiteX14" y="connsiteY14"/>
+              </a:cxn>
+              <a:cxn ang="0">
+                <a:pos x="connsiteX15" y="connsiteY15"/>
+              </a:cxn>
+            </a:cxnLst>
+            <a:rect l="l" t="t" r="r" b="b"/>
+            <a:pathLst>
+              <a:path w="3096919" h="3214638">
+                <a:moveTo>
+                  <a:pt x="1515211" y="305413"/>
+                </a:moveTo>
+                <a:cubicBezTo>
+                  <a:pt x="1091604" y="320862"/>
+                  <a:pt x="694393" y="543659"/>
+                  <a:pt x="490625" y="910574"/>
+                </a:cubicBezTo>
+                <a:cubicBezTo>
+                  <a:pt x="194214" y="1444305"/>
+                  <a:pt x="405901" y="2099731"/>
+                  <a:pt x="969972" y="2394730"/>
+                </a:cubicBezTo>
+                <a:lnTo>
+                  <a:pt x="1099873" y="2842162"/>
+                </a:lnTo>
+                <a:lnTo>
+                  <a:pt x="1420971" y="2567543"/>
+                </a:lnTo>
+                <a:cubicBezTo>
+                  <a:pt x="2200028" y="2606114"/>
+                  <a:pt x="2743243" y="2135532"/>
+                  <a:pt x="2768082" y="1758569"/>
+                </a:cubicBezTo>
+                <a:cubicBezTo>
+                  <a:pt x="2867103" y="255778"/>
+                  <a:pt x="2375956" y="527191"/>
+                  <a:pt x="1941430" y="361421"/>
+                </a:cubicBezTo>
+                <a:cubicBezTo>
+                  <a:pt x="1931807" y="357750"/>
+                  <a:pt x="1656413" y="300263"/>
+                  <a:pt x="1515211" y="305413"/>
+                </a:cubicBezTo>
+                <a:close/>
+                <a:moveTo>
+                  <a:pt x="1487961" y="1104"/>
+                </a:moveTo>
+                <a:cubicBezTo>
+                  <a:pt x="1669331" y="-5511"/>
+                  <a:pt x="1854468" y="17467"/>
+                  <a:pt x="2035426" y="73045"/>
+                </a:cubicBezTo>
+                <a:cubicBezTo>
+                  <a:pt x="2812770" y="311792"/>
+                  <a:pt x="3255056" y="1070313"/>
+                  <a:pt x="3044622" y="1803819"/>
+                </a:cubicBezTo>
+                <a:cubicBezTo>
+                  <a:pt x="2844861" y="2500122"/>
+                  <a:pt x="2118954" y="2951156"/>
+                  <a:pt x="1348111" y="2857927"/>
+                </a:cubicBezTo>
+                <a:cubicBezTo>
+                  <a:pt x="1174109" y="2960057"/>
+                  <a:pt x="1116579" y="3009477"/>
+                  <a:pt x="968334" y="3214638"/>
+                </a:cubicBezTo>
+                <a:cubicBezTo>
+                  <a:pt x="929748" y="3033323"/>
+                  <a:pt x="826204" y="2866084"/>
+                  <a:pt x="787618" y="2684769"/>
+                </a:cubicBezTo>
+                <a:cubicBezTo>
+                  <a:pt x="63085" y="2305852"/>
+                  <a:pt x="-208821" y="1463977"/>
+                  <a:pt x="171911" y="778415"/>
+                </a:cubicBezTo>
+                <a:cubicBezTo>
+                  <a:pt x="433645" y="307124"/>
+                  <a:pt x="943850" y="20948"/>
+                  <a:pt x="1487961" y="1104"/>
+                </a:cubicBezTo>
+                <a:close/>
+              </a:path>
+            </a:pathLst>
+          </a:custGeom>
+          <a:gradFill flip="none" rotWithShape="1">
+            <a:gsLst>
+              <a:gs pos="47000">
+                <a:srgbClr val="4FC587">
+                  <a:shade val="30000"/>
+                  <a:satMod val="115000"/>
+                </a:srgbClr>
+              </a:gs>
+              <a:gs pos="66000">
+                <a:srgbClr val="4FC587">
+                  <a:shade val="67500"/>
+                  <a:satMod val="115000"/>
+                </a:srgbClr>
+              </a:gs>
+              <a:gs pos="100000">
+                <a:srgbClr val="4FC587">
+                  <a:shade val="100000"/>
+                  <a:satMod val="115000"/>
+                </a:srgbClr>
+              </a:gs>
+            </a:gsLst>
+            <a:path path="circle">
+              <a:fillToRect l="50000" t="50000" r="50000" b="50000"/>
+            </a:path>
+            <a:tileRect/>
+          </a:gradFill>
+          <a:ln w="12700" cap="flat" cmpd="sng" algn="ctr">
+            <a:solidFill>
+              <a:srgbClr val="3BB776"/>
+            </a:solidFill>
+            <a:prstDash val="solid"/>
+          </a:ln>
+          <a:effectLst/>
+        </p:spPr>
+        <p:txBody>
+          <a:bodyPr rot="0" spcFirstLastPara="0" vertOverflow="overflow" horzOverflow="overflow" vert="horz" wrap="square" lIns="91440" tIns="45720" rIns="91440" bIns="45720" numCol="1" spcCol="0" rtlCol="0" fromWordArt="0" anchor="ctr" anchorCtr="0" forceAA="0" compatLnSpc="1">
+            <a:prstTxWarp prst="textNoShape">
+              <a:avLst/>
+            </a:prstTxWarp>
+            <a:noAutofit/>
+          </a:bodyPr>
+          <a:lstStyle/>
+          <a:p>
+            <a:pPr marL="0" marR="0" lvl="0" indent="0" algn="ctr" defTabSz="914400" eaLnBrk="1" fontAlgn="auto" latinLnBrk="0" hangingPunct="1">
+              <a:lnSpc>
+                <a:spcPct val="100000"/>
+              </a:lnSpc>
+              <a:spcBef>
+                <a:spcPts val="0"/>
+              </a:spcBef>
+              <a:spcAft>
+                <a:spcPts val="0"/>
+              </a:spcAft>
+              <a:buClrTx/>
+              <a:buSzTx/>
+              <a:buFontTx/>
+              <a:buNone/>
+              <a:tabLst/>
+              <a:defRPr/>
+            </a:pPr>
+            <a:endParaRPr kumimoji="0" lang="en-US" sz="1800" b="0" i="0" u="none" strike="noStrike" kern="0" cap="none" spc="0" normalizeH="0" baseline="0" noProof="0">
+              <a:ln>
+                <a:noFill/>
+              </a:ln>
+              <a:solidFill>
+                <a:sysClr val="window" lastClr="FFFFFF"/>
+              </a:solidFill>
+              <a:effectLst/>
+              <a:uLnTx/>
+              <a:uFillTx/>
+              <a:latin typeface="Calibri"/>
+              <a:ea typeface="+mn-ea"/>
+              <a:cs typeface="+mn-cs"/>
+            </a:endParaRPr>
+          </a:p>
+        </p:txBody>
+      </p:sp>
+      <p:pic>
+        <p:nvPicPr>
+          <p:cNvPr id="9" name="Picture 6">
+            <a:extLst>
+              <a:ext uri="{FF2B5EF4-FFF2-40B4-BE49-F238E27FC236}">
+                <a16:creationId xmlns:a16="http://schemas.microsoft.com/office/drawing/2014/main" id="{51B809BA-2D4B-4982-BDE5-E18518E435A9}"/>
+              </a:ext>
+            </a:extLst>
+          </p:cNvPr>
+          <p:cNvPicPr>
+            <a:picLocks noChangeAspect="1" noChangeArrowheads="1"/>
+          </p:cNvPicPr>
+          <p:nvPr/>
+        </p:nvPicPr>
+        <p:blipFill rotWithShape="1">
+          <a:blip r:embed="rId2">
+            <a:extLst>
+              <a:ext uri="{28A0092B-C50C-407E-A947-70E740481C1C}">
+                <a14:useLocalDpi xmlns:a14="http://schemas.microsoft.com/office/drawing/2010/main" val="0"/>
+              </a:ext>
+            </a:extLst>
+          </a:blip>
+          <a:srcRect l="50000"/>
+          <a:stretch/>
+        </p:blipFill>
+        <p:spPr bwMode="auto">
+          <a:xfrm rot="18350773">
+            <a:off x="4619357" y="221849"/>
+            <a:ext cx="1407501" cy="3194045"/>
+          </a:xfrm>
+          <a:prstGeom prst="rect">
+            <a:avLst/>
+          </a:prstGeom>
+          <a:noFill/>
+          <a:ln>
+            <a:noFill/>
+          </a:ln>
+          <a:effectLst>
+            <a:outerShdw blurRad="50800" dist="38100" dir="13500000" algn="br" rotWithShape="0">
+              <a:prstClr val="black">
+                <a:alpha val="21000"/>
+              </a:prstClr>
+            </a:outerShdw>
+          </a:effectLst>
+          <a:extLst>
+            <a:ext uri="{909E8E84-426E-40DD-AFC4-6F175D3DCCD1}">
+              <a14:hiddenFill xmlns:a14="http://schemas.microsoft.com/office/drawing/2010/main">
+                <a:solidFill>
+                  <a:schemeClr val="accent1"/>
+                </a:solidFill>
+              </a14:hiddenFill>
+            </a:ext>
+            <a:ext uri="{91240B29-F687-4F45-9708-019B960494DF}">
+              <a14:hiddenLine xmlns:a14="http://schemas.microsoft.com/office/drawing/2010/main" w="9525">
+                <a:solidFill>
+                  <a:schemeClr val="tx1"/>
+                </a:solidFill>
+                <a:miter lim="800000"/>
+                <a:headEnd/>
+                <a:tailEnd/>
+              </a14:hiddenLine>
+            </a:ext>
+          </a:extLst>
+        </p:spPr>
+      </p:pic>
+      <p:sp>
+        <p:nvSpPr>
+          <p:cNvPr id="10" name="椭圆形标注 1">
+            <a:extLst>
+              <a:ext uri="{FF2B5EF4-FFF2-40B4-BE49-F238E27FC236}">
+                <a16:creationId xmlns:a16="http://schemas.microsoft.com/office/drawing/2014/main" id="{6C358A8D-AEE8-4DEE-BCAB-46572525530B}"/>
+              </a:ext>
+            </a:extLst>
+          </p:cNvPr>
+          <p:cNvSpPr/>
+          <p:nvPr/>
+        </p:nvSpPr>
+        <p:spPr>
+          <a:xfrm rot="8179382">
+            <a:off x="4169503" y="3830433"/>
+            <a:ext cx="2421376" cy="2737652"/>
+          </a:xfrm>
+          <a:custGeom>
+            <a:avLst/>
+            <a:gdLst/>
+            <a:ahLst/>
+            <a:cxnLst/>
+            <a:rect l="l" t="t" r="r" b="b"/>
+            <a:pathLst>
+              <a:path w="3096919" h="3228713">
+                <a:moveTo>
+                  <a:pt x="1515211" y="305413"/>
+                </a:moveTo>
+                <a:cubicBezTo>
+                  <a:pt x="1091604" y="320862"/>
+                  <a:pt x="694393" y="543659"/>
+                  <a:pt x="490625" y="910574"/>
+                </a:cubicBezTo>
+                <a:cubicBezTo>
+                  <a:pt x="194214" y="1444305"/>
+                  <a:pt x="405901" y="2099731"/>
+                  <a:pt x="969972" y="2394730"/>
+                </a:cubicBezTo>
+                <a:lnTo>
+                  <a:pt x="1060094" y="2818207"/>
+                </a:lnTo>
+                <a:lnTo>
+                  <a:pt x="1406333" y="2529539"/>
+                </a:lnTo>
+                <a:cubicBezTo>
+                  <a:pt x="2006458" y="2602121"/>
+                  <a:pt x="2571600" y="2250977"/>
+                  <a:pt x="2727120" y="1708883"/>
+                </a:cubicBezTo>
+                <a:cubicBezTo>
+                  <a:pt x="2890949" y="1137826"/>
+                  <a:pt x="2546616" y="547293"/>
+                  <a:pt x="1941430" y="361421"/>
+                </a:cubicBezTo>
+                <a:cubicBezTo>
+                  <a:pt x="1800549" y="318152"/>
+                  <a:pt x="1656413" y="300263"/>
+                  <a:pt x="1515211" y="305413"/>
+                </a:cubicBezTo>
+                <a:close/>
+                <a:moveTo>
+                  <a:pt x="1487961" y="1104"/>
+                </a:moveTo>
+                <a:cubicBezTo>
+                  <a:pt x="1669331" y="-5511"/>
+                  <a:pt x="1854468" y="17467"/>
+                  <a:pt x="2035426" y="73045"/>
+                </a:cubicBezTo>
+                <a:cubicBezTo>
+                  <a:pt x="2812770" y="311792"/>
+                  <a:pt x="3255056" y="1070313"/>
+                  <a:pt x="3044622" y="1803819"/>
+                </a:cubicBezTo>
+                <a:cubicBezTo>
+                  <a:pt x="2844861" y="2500122"/>
+                  <a:pt x="2118954" y="2951156"/>
+                  <a:pt x="1348111" y="2857927"/>
+                </a:cubicBezTo>
+                <a:lnTo>
+                  <a:pt x="903377" y="3228713"/>
+                </a:lnTo>
+                <a:lnTo>
+                  <a:pt x="787618" y="2684769"/>
+                </a:lnTo>
+                <a:cubicBezTo>
+                  <a:pt x="63085" y="2305852"/>
+                  <a:pt x="-208821" y="1463977"/>
+                  <a:pt x="171911" y="778415"/>
+                </a:cubicBezTo>
+                <a:cubicBezTo>
+                  <a:pt x="433645" y="307124"/>
+                  <a:pt x="943850" y="20948"/>
+                  <a:pt x="1487961" y="1104"/>
+                </a:cubicBezTo>
+                <a:close/>
+              </a:path>
+            </a:pathLst>
+          </a:custGeom>
+          <a:gradFill flip="none" rotWithShape="1">
+            <a:gsLst>
+              <a:gs pos="0">
+                <a:sysClr val="window" lastClr="FFFFFF">
+                  <a:lumMod val="50000"/>
+                </a:sysClr>
+              </a:gs>
+              <a:gs pos="39000">
+                <a:sysClr val="window" lastClr="FFFFFF">
+                  <a:lumMod val="85000"/>
+                  <a:shade val="100000"/>
+                  <a:satMod val="115000"/>
+                  <a:alpha val="0"/>
+                </a:sysClr>
+              </a:gs>
+            </a:gsLst>
+            <a:lin ang="10200000" scaled="0"/>
+            <a:tileRect/>
+          </a:gradFill>
+          <a:ln w="28575" cap="flat" cmpd="sng" algn="ctr">
+            <a:noFill/>
+            <a:prstDash val="solid"/>
+          </a:ln>
+          <a:effectLst/>
+        </p:spPr>
+        <p:txBody>
+          <a:bodyPr rot="0" spcFirstLastPara="0" vertOverflow="overflow" horzOverflow="overflow" vert="horz" wrap="square" lIns="91440" tIns="45720" rIns="91440" bIns="45720" numCol="1" spcCol="0" rtlCol="0" fromWordArt="0" anchor="ctr" anchorCtr="0" forceAA="0" compatLnSpc="1">
+            <a:prstTxWarp prst="textNoShape">
+              <a:avLst/>
+            </a:prstTxWarp>
+            <a:noAutofit/>
+          </a:bodyPr>
+          <a:lstStyle/>
+          <a:p>
+            <a:pPr marL="0" marR="0" lvl="0" indent="0" algn="ctr" defTabSz="914400" eaLnBrk="1" fontAlgn="auto" latinLnBrk="0" hangingPunct="1">
+              <a:lnSpc>
+                <a:spcPct val="100000"/>
+              </a:lnSpc>
+              <a:spcBef>
+                <a:spcPts val="0"/>
+              </a:spcBef>
+              <a:spcAft>
+                <a:spcPts val="0"/>
+              </a:spcAft>
+              <a:buClrTx/>
+              <a:buSzTx/>
+              <a:buFontTx/>
+              <a:buNone/>
+              <a:tabLst/>
+              <a:defRPr/>
+            </a:pPr>
+            <a:endParaRPr kumimoji="0" lang="en-US" sz="1800" b="0" i="0" u="none" strike="noStrike" kern="0" cap="none" spc="0" normalizeH="0" baseline="0" noProof="0">
+              <a:ln>
+                <a:noFill/>
+              </a:ln>
+              <a:solidFill>
+                <a:sysClr val="window" lastClr="FFFFFF"/>
+              </a:solidFill>
+              <a:effectLst/>
+              <a:uLnTx/>
+              <a:uFillTx/>
+              <a:latin typeface="Calibri"/>
+              <a:ea typeface="+mn-ea"/>
+              <a:cs typeface="+mn-cs"/>
+            </a:endParaRPr>
+          </a:p>
+        </p:txBody>
+      </p:sp>
+      <p:sp>
+        <p:nvSpPr>
+          <p:cNvPr id="11" name="椭圆形标注 1">
+            <a:extLst>
+              <a:ext uri="{FF2B5EF4-FFF2-40B4-BE49-F238E27FC236}">
+                <a16:creationId xmlns:a16="http://schemas.microsoft.com/office/drawing/2014/main" id="{6C7A3CA5-35D2-4CF0-AA79-6B02252D193B}"/>
+              </a:ext>
+            </a:extLst>
+          </p:cNvPr>
+          <p:cNvSpPr/>
+          <p:nvPr/>
+        </p:nvSpPr>
+        <p:spPr>
+          <a:xfrm rot="7552741">
+            <a:off x="4291837" y="3705593"/>
+            <a:ext cx="2803241" cy="2909796"/>
+          </a:xfrm>
+          <a:custGeom>
+            <a:avLst/>
+            <a:gdLst>
+              <a:gd name="connsiteX0" fmla="*/ 1515211 w 3096919"/>
+              <a:gd name="connsiteY0" fmla="*/ 305413 h 3202955"/>
+              <a:gd name="connsiteX1" fmla="*/ 490625 w 3096919"/>
+              <a:gd name="connsiteY1" fmla="*/ 910574 h 3202955"/>
+              <a:gd name="connsiteX2" fmla="*/ 969972 w 3096919"/>
+              <a:gd name="connsiteY2" fmla="*/ 2394730 h 3202955"/>
+              <a:gd name="connsiteX3" fmla="*/ 1060094 w 3096919"/>
+              <a:gd name="connsiteY3" fmla="*/ 2818207 h 3202955"/>
+              <a:gd name="connsiteX4" fmla="*/ 1406333 w 3096919"/>
+              <a:gd name="connsiteY4" fmla="*/ 2529539 h 3202955"/>
+              <a:gd name="connsiteX5" fmla="*/ 2727120 w 3096919"/>
+              <a:gd name="connsiteY5" fmla="*/ 1708883 h 3202955"/>
+              <a:gd name="connsiteX6" fmla="*/ 1941430 w 3096919"/>
+              <a:gd name="connsiteY6" fmla="*/ 361421 h 3202955"/>
+              <a:gd name="connsiteX7" fmla="*/ 1515211 w 3096919"/>
+              <a:gd name="connsiteY7" fmla="*/ 305413 h 3202955"/>
+              <a:gd name="connsiteX8" fmla="*/ 1487961 w 3096919"/>
+              <a:gd name="connsiteY8" fmla="*/ 1104 h 3202955"/>
+              <a:gd name="connsiteX9" fmla="*/ 2035426 w 3096919"/>
+              <a:gd name="connsiteY9" fmla="*/ 73045 h 3202955"/>
+              <a:gd name="connsiteX10" fmla="*/ 3044622 w 3096919"/>
+              <a:gd name="connsiteY10" fmla="*/ 1803819 h 3202955"/>
+              <a:gd name="connsiteX11" fmla="*/ 1348111 w 3096919"/>
+              <a:gd name="connsiteY11" fmla="*/ 2857927 h 3202955"/>
+              <a:gd name="connsiteX12" fmla="*/ 942013 w 3096919"/>
+              <a:gd name="connsiteY12" fmla="*/ 3202955 h 3202955"/>
+              <a:gd name="connsiteX13" fmla="*/ 787618 w 3096919"/>
+              <a:gd name="connsiteY13" fmla="*/ 2684769 h 3202955"/>
+              <a:gd name="connsiteX14" fmla="*/ 171911 w 3096919"/>
+              <a:gd name="connsiteY14" fmla="*/ 778415 h 3202955"/>
+              <a:gd name="connsiteX15" fmla="*/ 1487961 w 3096919"/>
+              <a:gd name="connsiteY15" fmla="*/ 1104 h 3202955"/>
+              <a:gd name="connsiteX0" fmla="*/ 1515211 w 3096919"/>
+              <a:gd name="connsiteY0" fmla="*/ 305413 h 3202955"/>
+              <a:gd name="connsiteX1" fmla="*/ 490625 w 3096919"/>
+              <a:gd name="connsiteY1" fmla="*/ 910574 h 3202955"/>
+              <a:gd name="connsiteX2" fmla="*/ 969972 w 3096919"/>
+              <a:gd name="connsiteY2" fmla="*/ 2394730 h 3202955"/>
+              <a:gd name="connsiteX3" fmla="*/ 1060094 w 3096919"/>
+              <a:gd name="connsiteY3" fmla="*/ 2818207 h 3202955"/>
+              <a:gd name="connsiteX4" fmla="*/ 1406333 w 3096919"/>
+              <a:gd name="connsiteY4" fmla="*/ 2529539 h 3202955"/>
+              <a:gd name="connsiteX5" fmla="*/ 2727120 w 3096919"/>
+              <a:gd name="connsiteY5" fmla="*/ 1708883 h 3202955"/>
+              <a:gd name="connsiteX6" fmla="*/ 1941430 w 3096919"/>
+              <a:gd name="connsiteY6" fmla="*/ 361421 h 3202955"/>
+              <a:gd name="connsiteX7" fmla="*/ 1515211 w 3096919"/>
+              <a:gd name="connsiteY7" fmla="*/ 305413 h 3202955"/>
+              <a:gd name="connsiteX8" fmla="*/ 1487961 w 3096919"/>
+              <a:gd name="connsiteY8" fmla="*/ 1104 h 3202955"/>
+              <a:gd name="connsiteX9" fmla="*/ 2035426 w 3096919"/>
+              <a:gd name="connsiteY9" fmla="*/ 73045 h 3202955"/>
+              <a:gd name="connsiteX10" fmla="*/ 3044622 w 3096919"/>
+              <a:gd name="connsiteY10" fmla="*/ 1803819 h 3202955"/>
+              <a:gd name="connsiteX11" fmla="*/ 1348111 w 3096919"/>
+              <a:gd name="connsiteY11" fmla="*/ 2857927 h 3202955"/>
+              <a:gd name="connsiteX12" fmla="*/ 942013 w 3096919"/>
+              <a:gd name="connsiteY12" fmla="*/ 3202955 h 3202955"/>
+              <a:gd name="connsiteX13" fmla="*/ 787618 w 3096919"/>
+              <a:gd name="connsiteY13" fmla="*/ 2684769 h 3202955"/>
+              <a:gd name="connsiteX14" fmla="*/ 171911 w 3096919"/>
+              <a:gd name="connsiteY14" fmla="*/ 778415 h 3202955"/>
+              <a:gd name="connsiteX15" fmla="*/ 1487961 w 3096919"/>
+              <a:gd name="connsiteY15" fmla="*/ 1104 h 3202955"/>
+              <a:gd name="connsiteX0" fmla="*/ 1515211 w 3096919"/>
+              <a:gd name="connsiteY0" fmla="*/ 305413 h 3202955"/>
+              <a:gd name="connsiteX1" fmla="*/ 490625 w 3096919"/>
+              <a:gd name="connsiteY1" fmla="*/ 910574 h 3202955"/>
+              <a:gd name="connsiteX2" fmla="*/ 969972 w 3096919"/>
+              <a:gd name="connsiteY2" fmla="*/ 2394730 h 3202955"/>
+              <a:gd name="connsiteX3" fmla="*/ 1060094 w 3096919"/>
+              <a:gd name="connsiteY3" fmla="*/ 2818207 h 3202955"/>
+              <a:gd name="connsiteX4" fmla="*/ 1406333 w 3096919"/>
+              <a:gd name="connsiteY4" fmla="*/ 2529539 h 3202955"/>
+              <a:gd name="connsiteX5" fmla="*/ 2727120 w 3096919"/>
+              <a:gd name="connsiteY5" fmla="*/ 1708883 h 3202955"/>
+              <a:gd name="connsiteX6" fmla="*/ 1941430 w 3096919"/>
+              <a:gd name="connsiteY6" fmla="*/ 361421 h 3202955"/>
+              <a:gd name="connsiteX7" fmla="*/ 1515211 w 3096919"/>
+              <a:gd name="connsiteY7" fmla="*/ 305413 h 3202955"/>
+              <a:gd name="connsiteX8" fmla="*/ 1487961 w 3096919"/>
+              <a:gd name="connsiteY8" fmla="*/ 1104 h 3202955"/>
+              <a:gd name="connsiteX9" fmla="*/ 2035426 w 3096919"/>
+              <a:gd name="connsiteY9" fmla="*/ 73045 h 3202955"/>
+              <a:gd name="connsiteX10" fmla="*/ 3044622 w 3096919"/>
+              <a:gd name="connsiteY10" fmla="*/ 1803819 h 3202955"/>
+              <a:gd name="connsiteX11" fmla="*/ 1348111 w 3096919"/>
+              <a:gd name="connsiteY11" fmla="*/ 2857927 h 3202955"/>
+              <a:gd name="connsiteX12" fmla="*/ 942013 w 3096919"/>
+              <a:gd name="connsiteY12" fmla="*/ 3202955 h 3202955"/>
+              <a:gd name="connsiteX13" fmla="*/ 787618 w 3096919"/>
+              <a:gd name="connsiteY13" fmla="*/ 2684769 h 3202955"/>
+              <a:gd name="connsiteX14" fmla="*/ 171911 w 3096919"/>
+              <a:gd name="connsiteY14" fmla="*/ 778415 h 3202955"/>
+              <a:gd name="connsiteX15" fmla="*/ 1487961 w 3096919"/>
+              <a:gd name="connsiteY15" fmla="*/ 1104 h 3202955"/>
+              <a:gd name="connsiteX0" fmla="*/ 1515211 w 3096919"/>
+              <a:gd name="connsiteY0" fmla="*/ 305413 h 3214638"/>
+              <a:gd name="connsiteX1" fmla="*/ 490625 w 3096919"/>
+              <a:gd name="connsiteY1" fmla="*/ 910574 h 3214638"/>
+              <a:gd name="connsiteX2" fmla="*/ 969972 w 3096919"/>
+              <a:gd name="connsiteY2" fmla="*/ 2394730 h 3214638"/>
+              <a:gd name="connsiteX3" fmla="*/ 1060094 w 3096919"/>
+              <a:gd name="connsiteY3" fmla="*/ 2818207 h 3214638"/>
+              <a:gd name="connsiteX4" fmla="*/ 1406333 w 3096919"/>
+              <a:gd name="connsiteY4" fmla="*/ 2529539 h 3214638"/>
+              <a:gd name="connsiteX5" fmla="*/ 2727120 w 3096919"/>
+              <a:gd name="connsiteY5" fmla="*/ 1708883 h 3214638"/>
+              <a:gd name="connsiteX6" fmla="*/ 1941430 w 3096919"/>
+              <a:gd name="connsiteY6" fmla="*/ 361421 h 3214638"/>
+              <a:gd name="connsiteX7" fmla="*/ 1515211 w 3096919"/>
+              <a:gd name="connsiteY7" fmla="*/ 305413 h 3214638"/>
+              <a:gd name="connsiteX8" fmla="*/ 1487961 w 3096919"/>
+              <a:gd name="connsiteY8" fmla="*/ 1104 h 3214638"/>
+              <a:gd name="connsiteX9" fmla="*/ 2035426 w 3096919"/>
+              <a:gd name="connsiteY9" fmla="*/ 73045 h 3214638"/>
+              <a:gd name="connsiteX10" fmla="*/ 3044622 w 3096919"/>
+              <a:gd name="connsiteY10" fmla="*/ 1803819 h 3214638"/>
+              <a:gd name="connsiteX11" fmla="*/ 1348111 w 3096919"/>
+              <a:gd name="connsiteY11" fmla="*/ 2857927 h 3214638"/>
+              <a:gd name="connsiteX12" fmla="*/ 968334 w 3096919"/>
+              <a:gd name="connsiteY12" fmla="*/ 3214638 h 3214638"/>
+              <a:gd name="connsiteX13" fmla="*/ 787618 w 3096919"/>
+              <a:gd name="connsiteY13" fmla="*/ 2684769 h 3214638"/>
+              <a:gd name="connsiteX14" fmla="*/ 171911 w 3096919"/>
+              <a:gd name="connsiteY14" fmla="*/ 778415 h 3214638"/>
+              <a:gd name="connsiteX15" fmla="*/ 1487961 w 3096919"/>
+              <a:gd name="connsiteY15" fmla="*/ 1104 h 3214638"/>
+              <a:gd name="connsiteX0" fmla="*/ 1515211 w 3096919"/>
+              <a:gd name="connsiteY0" fmla="*/ 305413 h 3214638"/>
+              <a:gd name="connsiteX1" fmla="*/ 490625 w 3096919"/>
+              <a:gd name="connsiteY1" fmla="*/ 910574 h 3214638"/>
+              <a:gd name="connsiteX2" fmla="*/ 969972 w 3096919"/>
+              <a:gd name="connsiteY2" fmla="*/ 2394730 h 3214638"/>
+              <a:gd name="connsiteX3" fmla="*/ 1099873 w 3096919"/>
+              <a:gd name="connsiteY3" fmla="*/ 2842162 h 3214638"/>
+              <a:gd name="connsiteX4" fmla="*/ 1406333 w 3096919"/>
+              <a:gd name="connsiteY4" fmla="*/ 2529539 h 3214638"/>
+              <a:gd name="connsiteX5" fmla="*/ 2727120 w 3096919"/>
+              <a:gd name="connsiteY5" fmla="*/ 1708883 h 3214638"/>
+              <a:gd name="connsiteX6" fmla="*/ 1941430 w 3096919"/>
+              <a:gd name="connsiteY6" fmla="*/ 361421 h 3214638"/>
+              <a:gd name="connsiteX7" fmla="*/ 1515211 w 3096919"/>
+              <a:gd name="connsiteY7" fmla="*/ 305413 h 3214638"/>
+              <a:gd name="connsiteX8" fmla="*/ 1487961 w 3096919"/>
+              <a:gd name="connsiteY8" fmla="*/ 1104 h 3214638"/>
+              <a:gd name="connsiteX9" fmla="*/ 2035426 w 3096919"/>
+              <a:gd name="connsiteY9" fmla="*/ 73045 h 3214638"/>
+              <a:gd name="connsiteX10" fmla="*/ 3044622 w 3096919"/>
+              <a:gd name="connsiteY10" fmla="*/ 1803819 h 3214638"/>
+              <a:gd name="connsiteX11" fmla="*/ 1348111 w 3096919"/>
+              <a:gd name="connsiteY11" fmla="*/ 2857927 h 3214638"/>
+              <a:gd name="connsiteX12" fmla="*/ 968334 w 3096919"/>
+              <a:gd name="connsiteY12" fmla="*/ 3214638 h 3214638"/>
+              <a:gd name="connsiteX13" fmla="*/ 787618 w 3096919"/>
+              <a:gd name="connsiteY13" fmla="*/ 2684769 h 3214638"/>
+              <a:gd name="connsiteX14" fmla="*/ 171911 w 3096919"/>
+              <a:gd name="connsiteY14" fmla="*/ 778415 h 3214638"/>
+              <a:gd name="connsiteX15" fmla="*/ 1487961 w 3096919"/>
+              <a:gd name="connsiteY15" fmla="*/ 1104 h 3214638"/>
+              <a:gd name="connsiteX0" fmla="*/ 1515211 w 3096919"/>
+              <a:gd name="connsiteY0" fmla="*/ 305413 h 3214638"/>
+              <a:gd name="connsiteX1" fmla="*/ 490625 w 3096919"/>
+              <a:gd name="connsiteY1" fmla="*/ 910574 h 3214638"/>
+              <a:gd name="connsiteX2" fmla="*/ 969972 w 3096919"/>
+              <a:gd name="connsiteY2" fmla="*/ 2394730 h 3214638"/>
+              <a:gd name="connsiteX3" fmla="*/ 1099873 w 3096919"/>
+              <a:gd name="connsiteY3" fmla="*/ 2842162 h 3214638"/>
+              <a:gd name="connsiteX4" fmla="*/ 1420971 w 3096919"/>
+              <a:gd name="connsiteY4" fmla="*/ 2567543 h 3214638"/>
+              <a:gd name="connsiteX5" fmla="*/ 2727120 w 3096919"/>
+              <a:gd name="connsiteY5" fmla="*/ 1708883 h 3214638"/>
+              <a:gd name="connsiteX6" fmla="*/ 1941430 w 3096919"/>
+              <a:gd name="connsiteY6" fmla="*/ 361421 h 3214638"/>
+              <a:gd name="connsiteX7" fmla="*/ 1515211 w 3096919"/>
+              <a:gd name="connsiteY7" fmla="*/ 305413 h 3214638"/>
+              <a:gd name="connsiteX8" fmla="*/ 1487961 w 3096919"/>
+              <a:gd name="connsiteY8" fmla="*/ 1104 h 3214638"/>
+              <a:gd name="connsiteX9" fmla="*/ 2035426 w 3096919"/>
+              <a:gd name="connsiteY9" fmla="*/ 73045 h 3214638"/>
+              <a:gd name="connsiteX10" fmla="*/ 3044622 w 3096919"/>
+              <a:gd name="connsiteY10" fmla="*/ 1803819 h 3214638"/>
+              <a:gd name="connsiteX11" fmla="*/ 1348111 w 3096919"/>
+              <a:gd name="connsiteY11" fmla="*/ 2857927 h 3214638"/>
+              <a:gd name="connsiteX12" fmla="*/ 968334 w 3096919"/>
+              <a:gd name="connsiteY12" fmla="*/ 3214638 h 3214638"/>
+              <a:gd name="connsiteX13" fmla="*/ 787618 w 3096919"/>
+              <a:gd name="connsiteY13" fmla="*/ 2684769 h 3214638"/>
+              <a:gd name="connsiteX14" fmla="*/ 171911 w 3096919"/>
+              <a:gd name="connsiteY14" fmla="*/ 778415 h 3214638"/>
+              <a:gd name="connsiteX15" fmla="*/ 1487961 w 3096919"/>
+              <a:gd name="connsiteY15" fmla="*/ 1104 h 3214638"/>
+              <a:gd name="connsiteX0" fmla="*/ 1515211 w 3096919"/>
+              <a:gd name="connsiteY0" fmla="*/ 305413 h 3214638"/>
+              <a:gd name="connsiteX1" fmla="*/ 490625 w 3096919"/>
+              <a:gd name="connsiteY1" fmla="*/ 910574 h 3214638"/>
+              <a:gd name="connsiteX2" fmla="*/ 969972 w 3096919"/>
+              <a:gd name="connsiteY2" fmla="*/ 2394730 h 3214638"/>
+              <a:gd name="connsiteX3" fmla="*/ 1099873 w 3096919"/>
+              <a:gd name="connsiteY3" fmla="*/ 2842162 h 3214638"/>
+              <a:gd name="connsiteX4" fmla="*/ 1420971 w 3096919"/>
+              <a:gd name="connsiteY4" fmla="*/ 2567543 h 3214638"/>
+              <a:gd name="connsiteX5" fmla="*/ 2727120 w 3096919"/>
+              <a:gd name="connsiteY5" fmla="*/ 1708883 h 3214638"/>
+              <a:gd name="connsiteX6" fmla="*/ 1941430 w 3096919"/>
+              <a:gd name="connsiteY6" fmla="*/ 361421 h 3214638"/>
+              <a:gd name="connsiteX7" fmla="*/ 1515211 w 3096919"/>
+              <a:gd name="connsiteY7" fmla="*/ 305413 h 3214638"/>
+              <a:gd name="connsiteX8" fmla="*/ 1487961 w 3096919"/>
+              <a:gd name="connsiteY8" fmla="*/ 1104 h 3214638"/>
+              <a:gd name="connsiteX9" fmla="*/ 2035426 w 3096919"/>
+              <a:gd name="connsiteY9" fmla="*/ 73045 h 3214638"/>
+              <a:gd name="connsiteX10" fmla="*/ 3044622 w 3096919"/>
+              <a:gd name="connsiteY10" fmla="*/ 1803819 h 3214638"/>
+              <a:gd name="connsiteX11" fmla="*/ 1348111 w 3096919"/>
+              <a:gd name="connsiteY11" fmla="*/ 2857927 h 3214638"/>
+              <a:gd name="connsiteX12" fmla="*/ 968334 w 3096919"/>
+              <a:gd name="connsiteY12" fmla="*/ 3214638 h 3214638"/>
+              <a:gd name="connsiteX13" fmla="*/ 787618 w 3096919"/>
+              <a:gd name="connsiteY13" fmla="*/ 2684769 h 3214638"/>
+              <a:gd name="connsiteX14" fmla="*/ 171911 w 3096919"/>
+              <a:gd name="connsiteY14" fmla="*/ 778415 h 3214638"/>
+              <a:gd name="connsiteX15" fmla="*/ 1487961 w 3096919"/>
+              <a:gd name="connsiteY15" fmla="*/ 1104 h 3214638"/>
+              <a:gd name="connsiteX0" fmla="*/ 1515211 w 3096919"/>
+              <a:gd name="connsiteY0" fmla="*/ 305413 h 3214638"/>
+              <a:gd name="connsiteX1" fmla="*/ 490625 w 3096919"/>
+              <a:gd name="connsiteY1" fmla="*/ 910574 h 3214638"/>
+              <a:gd name="connsiteX2" fmla="*/ 969972 w 3096919"/>
+              <a:gd name="connsiteY2" fmla="*/ 2394730 h 3214638"/>
+              <a:gd name="connsiteX3" fmla="*/ 1099873 w 3096919"/>
+              <a:gd name="connsiteY3" fmla="*/ 2842162 h 3214638"/>
+              <a:gd name="connsiteX4" fmla="*/ 1420971 w 3096919"/>
+              <a:gd name="connsiteY4" fmla="*/ 2567543 h 3214638"/>
+              <a:gd name="connsiteX5" fmla="*/ 2727120 w 3096919"/>
+              <a:gd name="connsiteY5" fmla="*/ 1708883 h 3214638"/>
+              <a:gd name="connsiteX6" fmla="*/ 1941430 w 3096919"/>
+              <a:gd name="connsiteY6" fmla="*/ 361421 h 3214638"/>
+              <a:gd name="connsiteX7" fmla="*/ 1515211 w 3096919"/>
+              <a:gd name="connsiteY7" fmla="*/ 305413 h 3214638"/>
+              <a:gd name="connsiteX8" fmla="*/ 1487961 w 3096919"/>
+              <a:gd name="connsiteY8" fmla="*/ 1104 h 3214638"/>
+              <a:gd name="connsiteX9" fmla="*/ 2035426 w 3096919"/>
+              <a:gd name="connsiteY9" fmla="*/ 73045 h 3214638"/>
+              <a:gd name="connsiteX10" fmla="*/ 3044622 w 3096919"/>
+              <a:gd name="connsiteY10" fmla="*/ 1803819 h 3214638"/>
+              <a:gd name="connsiteX11" fmla="*/ 1348111 w 3096919"/>
+              <a:gd name="connsiteY11" fmla="*/ 2857927 h 3214638"/>
+              <a:gd name="connsiteX12" fmla="*/ 968334 w 3096919"/>
+              <a:gd name="connsiteY12" fmla="*/ 3214638 h 3214638"/>
+              <a:gd name="connsiteX13" fmla="*/ 787618 w 3096919"/>
+              <a:gd name="connsiteY13" fmla="*/ 2684769 h 3214638"/>
+              <a:gd name="connsiteX14" fmla="*/ 171911 w 3096919"/>
+              <a:gd name="connsiteY14" fmla="*/ 778415 h 3214638"/>
+              <a:gd name="connsiteX15" fmla="*/ 1487961 w 3096919"/>
+              <a:gd name="connsiteY15" fmla="*/ 1104 h 3214638"/>
+              <a:gd name="connsiteX0" fmla="*/ 1515211 w 3096919"/>
+              <a:gd name="connsiteY0" fmla="*/ 305413 h 3214638"/>
+              <a:gd name="connsiteX1" fmla="*/ 490625 w 3096919"/>
+              <a:gd name="connsiteY1" fmla="*/ 910574 h 3214638"/>
+              <a:gd name="connsiteX2" fmla="*/ 969972 w 3096919"/>
+              <a:gd name="connsiteY2" fmla="*/ 2394730 h 3214638"/>
+              <a:gd name="connsiteX3" fmla="*/ 1099873 w 3096919"/>
+              <a:gd name="connsiteY3" fmla="*/ 2842162 h 3214638"/>
+              <a:gd name="connsiteX4" fmla="*/ 1420971 w 3096919"/>
+              <a:gd name="connsiteY4" fmla="*/ 2567543 h 3214638"/>
+              <a:gd name="connsiteX5" fmla="*/ 2768082 w 3096919"/>
+              <a:gd name="connsiteY5" fmla="*/ 1758569 h 3214638"/>
+              <a:gd name="connsiteX6" fmla="*/ 1941430 w 3096919"/>
+              <a:gd name="connsiteY6" fmla="*/ 361421 h 3214638"/>
+              <a:gd name="connsiteX7" fmla="*/ 1515211 w 3096919"/>
+              <a:gd name="connsiteY7" fmla="*/ 305413 h 3214638"/>
+              <a:gd name="connsiteX8" fmla="*/ 1487961 w 3096919"/>
+              <a:gd name="connsiteY8" fmla="*/ 1104 h 3214638"/>
+              <a:gd name="connsiteX9" fmla="*/ 2035426 w 3096919"/>
+              <a:gd name="connsiteY9" fmla="*/ 73045 h 3214638"/>
+              <a:gd name="connsiteX10" fmla="*/ 3044622 w 3096919"/>
+              <a:gd name="connsiteY10" fmla="*/ 1803819 h 3214638"/>
+              <a:gd name="connsiteX11" fmla="*/ 1348111 w 3096919"/>
+              <a:gd name="connsiteY11" fmla="*/ 2857927 h 3214638"/>
+              <a:gd name="connsiteX12" fmla="*/ 968334 w 3096919"/>
+              <a:gd name="connsiteY12" fmla="*/ 3214638 h 3214638"/>
+              <a:gd name="connsiteX13" fmla="*/ 787618 w 3096919"/>
+              <a:gd name="connsiteY13" fmla="*/ 2684769 h 3214638"/>
+              <a:gd name="connsiteX14" fmla="*/ 171911 w 3096919"/>
+              <a:gd name="connsiteY14" fmla="*/ 778415 h 3214638"/>
+              <a:gd name="connsiteX15" fmla="*/ 1487961 w 3096919"/>
+              <a:gd name="connsiteY15" fmla="*/ 1104 h 3214638"/>
+              <a:gd name="connsiteX0" fmla="*/ 1515211 w 3096919"/>
+              <a:gd name="connsiteY0" fmla="*/ 305413 h 3214638"/>
+              <a:gd name="connsiteX1" fmla="*/ 490625 w 3096919"/>
+              <a:gd name="connsiteY1" fmla="*/ 910574 h 3214638"/>
+              <a:gd name="connsiteX2" fmla="*/ 969972 w 3096919"/>
+              <a:gd name="connsiteY2" fmla="*/ 2394730 h 3214638"/>
+              <a:gd name="connsiteX3" fmla="*/ 1099873 w 3096919"/>
+              <a:gd name="connsiteY3" fmla="*/ 2842162 h 3214638"/>
+              <a:gd name="connsiteX4" fmla="*/ 1420971 w 3096919"/>
+              <a:gd name="connsiteY4" fmla="*/ 2567543 h 3214638"/>
+              <a:gd name="connsiteX5" fmla="*/ 2768082 w 3096919"/>
+              <a:gd name="connsiteY5" fmla="*/ 1758569 h 3214638"/>
+              <a:gd name="connsiteX6" fmla="*/ 1941430 w 3096919"/>
+              <a:gd name="connsiteY6" fmla="*/ 361421 h 3214638"/>
+              <a:gd name="connsiteX7" fmla="*/ 1515211 w 3096919"/>
+              <a:gd name="connsiteY7" fmla="*/ 305413 h 3214638"/>
+              <a:gd name="connsiteX8" fmla="*/ 1487961 w 3096919"/>
+              <a:gd name="connsiteY8" fmla="*/ 1104 h 3214638"/>
+              <a:gd name="connsiteX9" fmla="*/ 2035426 w 3096919"/>
+              <a:gd name="connsiteY9" fmla="*/ 73045 h 3214638"/>
+              <a:gd name="connsiteX10" fmla="*/ 3044622 w 3096919"/>
+              <a:gd name="connsiteY10" fmla="*/ 1803819 h 3214638"/>
+              <a:gd name="connsiteX11" fmla="*/ 1348111 w 3096919"/>
+              <a:gd name="connsiteY11" fmla="*/ 2857927 h 3214638"/>
+              <a:gd name="connsiteX12" fmla="*/ 968334 w 3096919"/>
+              <a:gd name="connsiteY12" fmla="*/ 3214638 h 3214638"/>
+              <a:gd name="connsiteX13" fmla="*/ 787618 w 3096919"/>
+              <a:gd name="connsiteY13" fmla="*/ 2684769 h 3214638"/>
+              <a:gd name="connsiteX14" fmla="*/ 171911 w 3096919"/>
+              <a:gd name="connsiteY14" fmla="*/ 778415 h 3214638"/>
+              <a:gd name="connsiteX15" fmla="*/ 1487961 w 3096919"/>
+              <a:gd name="connsiteY15" fmla="*/ 1104 h 3214638"/>
+              <a:gd name="connsiteX0" fmla="*/ 1515211 w 3096919"/>
+              <a:gd name="connsiteY0" fmla="*/ 305413 h 3214638"/>
+              <a:gd name="connsiteX1" fmla="*/ 490625 w 3096919"/>
+              <a:gd name="connsiteY1" fmla="*/ 910574 h 3214638"/>
+              <a:gd name="connsiteX2" fmla="*/ 969972 w 3096919"/>
+              <a:gd name="connsiteY2" fmla="*/ 2394730 h 3214638"/>
+              <a:gd name="connsiteX3" fmla="*/ 1099873 w 3096919"/>
+              <a:gd name="connsiteY3" fmla="*/ 2842162 h 3214638"/>
+              <a:gd name="connsiteX4" fmla="*/ 1420971 w 3096919"/>
+              <a:gd name="connsiteY4" fmla="*/ 2567543 h 3214638"/>
+              <a:gd name="connsiteX5" fmla="*/ 2768082 w 3096919"/>
+              <a:gd name="connsiteY5" fmla="*/ 1758569 h 3214638"/>
+              <a:gd name="connsiteX6" fmla="*/ 1941430 w 3096919"/>
+              <a:gd name="connsiteY6" fmla="*/ 361421 h 3214638"/>
+              <a:gd name="connsiteX7" fmla="*/ 1515211 w 3096919"/>
+              <a:gd name="connsiteY7" fmla="*/ 305413 h 3214638"/>
+              <a:gd name="connsiteX8" fmla="*/ 1487961 w 3096919"/>
+              <a:gd name="connsiteY8" fmla="*/ 1104 h 3214638"/>
+              <a:gd name="connsiteX9" fmla="*/ 2035426 w 3096919"/>
+              <a:gd name="connsiteY9" fmla="*/ 73045 h 3214638"/>
+              <a:gd name="connsiteX10" fmla="*/ 3044622 w 3096919"/>
+              <a:gd name="connsiteY10" fmla="*/ 1803819 h 3214638"/>
+              <a:gd name="connsiteX11" fmla="*/ 1348111 w 3096919"/>
+              <a:gd name="connsiteY11" fmla="*/ 2857927 h 3214638"/>
+              <a:gd name="connsiteX12" fmla="*/ 968334 w 3096919"/>
+              <a:gd name="connsiteY12" fmla="*/ 3214638 h 3214638"/>
+              <a:gd name="connsiteX13" fmla="*/ 787618 w 3096919"/>
+              <a:gd name="connsiteY13" fmla="*/ 2684769 h 3214638"/>
+              <a:gd name="connsiteX14" fmla="*/ 171911 w 3096919"/>
+              <a:gd name="connsiteY14" fmla="*/ 778415 h 3214638"/>
+              <a:gd name="connsiteX15" fmla="*/ 1487961 w 3096919"/>
+              <a:gd name="connsiteY15" fmla="*/ 1104 h 3214638"/>
+              <a:gd name="connsiteX0" fmla="*/ 1515211 w 3096919"/>
+              <a:gd name="connsiteY0" fmla="*/ 305413 h 3214638"/>
+              <a:gd name="connsiteX1" fmla="*/ 490625 w 3096919"/>
+              <a:gd name="connsiteY1" fmla="*/ 910574 h 3214638"/>
+              <a:gd name="connsiteX2" fmla="*/ 969972 w 3096919"/>
+              <a:gd name="connsiteY2" fmla="*/ 2394730 h 3214638"/>
+              <a:gd name="connsiteX3" fmla="*/ 1099873 w 3096919"/>
+              <a:gd name="connsiteY3" fmla="*/ 2842162 h 3214638"/>
+              <a:gd name="connsiteX4" fmla="*/ 1420971 w 3096919"/>
+              <a:gd name="connsiteY4" fmla="*/ 2567543 h 3214638"/>
+              <a:gd name="connsiteX5" fmla="*/ 2768082 w 3096919"/>
+              <a:gd name="connsiteY5" fmla="*/ 1758569 h 3214638"/>
+              <a:gd name="connsiteX6" fmla="*/ 1941430 w 3096919"/>
+              <a:gd name="connsiteY6" fmla="*/ 361421 h 3214638"/>
+              <a:gd name="connsiteX7" fmla="*/ 1515211 w 3096919"/>
+              <a:gd name="connsiteY7" fmla="*/ 305413 h 3214638"/>
+              <a:gd name="connsiteX8" fmla="*/ 1487961 w 3096919"/>
+              <a:gd name="connsiteY8" fmla="*/ 1104 h 3214638"/>
+              <a:gd name="connsiteX9" fmla="*/ 2035426 w 3096919"/>
+              <a:gd name="connsiteY9" fmla="*/ 73045 h 3214638"/>
+              <a:gd name="connsiteX10" fmla="*/ 3044622 w 3096919"/>
+              <a:gd name="connsiteY10" fmla="*/ 1803819 h 3214638"/>
+              <a:gd name="connsiteX11" fmla="*/ 1348111 w 3096919"/>
+              <a:gd name="connsiteY11" fmla="*/ 2857927 h 3214638"/>
+              <a:gd name="connsiteX12" fmla="*/ 968334 w 3096919"/>
+              <a:gd name="connsiteY12" fmla="*/ 3214638 h 3214638"/>
+              <a:gd name="connsiteX13" fmla="*/ 787618 w 3096919"/>
+              <a:gd name="connsiteY13" fmla="*/ 2684769 h 3214638"/>
+              <a:gd name="connsiteX14" fmla="*/ 171911 w 3096919"/>
+              <a:gd name="connsiteY14" fmla="*/ 778415 h 3214638"/>
+              <a:gd name="connsiteX15" fmla="*/ 1487961 w 3096919"/>
+              <a:gd name="connsiteY15" fmla="*/ 1104 h 3214638"/>
+              <a:gd name="connsiteX0" fmla="*/ 1515211 w 3096919"/>
+              <a:gd name="connsiteY0" fmla="*/ 305413 h 3214638"/>
+              <a:gd name="connsiteX1" fmla="*/ 490625 w 3096919"/>
+              <a:gd name="connsiteY1" fmla="*/ 910574 h 3214638"/>
+              <a:gd name="connsiteX2" fmla="*/ 969972 w 3096919"/>
+              <a:gd name="connsiteY2" fmla="*/ 2394730 h 3214638"/>
+              <a:gd name="connsiteX3" fmla="*/ 1099873 w 3096919"/>
+              <a:gd name="connsiteY3" fmla="*/ 2842162 h 3214638"/>
+              <a:gd name="connsiteX4" fmla="*/ 1420971 w 3096919"/>
+              <a:gd name="connsiteY4" fmla="*/ 2567543 h 3214638"/>
+              <a:gd name="connsiteX5" fmla="*/ 2768082 w 3096919"/>
+              <a:gd name="connsiteY5" fmla="*/ 1758569 h 3214638"/>
+              <a:gd name="connsiteX6" fmla="*/ 1941430 w 3096919"/>
+              <a:gd name="connsiteY6" fmla="*/ 361421 h 3214638"/>
+              <a:gd name="connsiteX7" fmla="*/ 1515211 w 3096919"/>
+              <a:gd name="connsiteY7" fmla="*/ 305413 h 3214638"/>
+              <a:gd name="connsiteX8" fmla="*/ 1487961 w 3096919"/>
+              <a:gd name="connsiteY8" fmla="*/ 1104 h 3214638"/>
+              <a:gd name="connsiteX9" fmla="*/ 2035426 w 3096919"/>
+              <a:gd name="connsiteY9" fmla="*/ 73045 h 3214638"/>
+              <a:gd name="connsiteX10" fmla="*/ 3044622 w 3096919"/>
+              <a:gd name="connsiteY10" fmla="*/ 1803819 h 3214638"/>
+              <a:gd name="connsiteX11" fmla="*/ 1348111 w 3096919"/>
+              <a:gd name="connsiteY11" fmla="*/ 2857927 h 3214638"/>
+              <a:gd name="connsiteX12" fmla="*/ 968334 w 3096919"/>
+              <a:gd name="connsiteY12" fmla="*/ 3214638 h 3214638"/>
+              <a:gd name="connsiteX13" fmla="*/ 787618 w 3096919"/>
+              <a:gd name="connsiteY13" fmla="*/ 2684769 h 3214638"/>
+              <a:gd name="connsiteX14" fmla="*/ 171911 w 3096919"/>
+              <a:gd name="connsiteY14" fmla="*/ 778415 h 3214638"/>
+              <a:gd name="connsiteX15" fmla="*/ 1487961 w 3096919"/>
+              <a:gd name="connsiteY15" fmla="*/ 1104 h 3214638"/>
+            </a:gdLst>
+            <a:ahLst/>
+            <a:cxnLst>
+              <a:cxn ang="0">
+                <a:pos x="connsiteX0" y="connsiteY0"/>
+              </a:cxn>
+              <a:cxn ang="0">
+                <a:pos x="connsiteX1" y="connsiteY1"/>
+              </a:cxn>
+              <a:cxn ang="0">
+                <a:pos x="connsiteX2" y="connsiteY2"/>
+              </a:cxn>
+              <a:cxn ang="0">
+                <a:pos x="connsiteX3" y="connsiteY3"/>
+              </a:cxn>
+              <a:cxn ang="0">
+                <a:pos x="connsiteX4" y="connsiteY4"/>
+              </a:cxn>
+              <a:cxn ang="0">
+                <a:pos x="connsiteX5" y="connsiteY5"/>
+              </a:cxn>
+              <a:cxn ang="0">
+                <a:pos x="connsiteX6" y="connsiteY6"/>
+              </a:cxn>
+              <a:cxn ang="0">
+                <a:pos x="connsiteX7" y="connsiteY7"/>
+              </a:cxn>
+              <a:cxn ang="0">
+                <a:pos x="connsiteX8" y="connsiteY8"/>
+              </a:cxn>
+              <a:cxn ang="0">
+                <a:pos x="connsiteX9" y="connsiteY9"/>
+              </a:cxn>
+              <a:cxn ang="0">
+                <a:pos x="connsiteX10" y="connsiteY10"/>
+              </a:cxn>
+              <a:cxn ang="0">
+                <a:pos x="connsiteX11" y="connsiteY11"/>
+              </a:cxn>
+              <a:cxn ang="0">
+                <a:pos x="connsiteX12" y="connsiteY12"/>
+              </a:cxn>
+              <a:cxn ang="0">
+                <a:pos x="connsiteX13" y="connsiteY13"/>
+              </a:cxn>
+              <a:cxn ang="0">
+                <a:pos x="connsiteX14" y="connsiteY14"/>
+              </a:cxn>
+              <a:cxn ang="0">
+                <a:pos x="connsiteX15" y="connsiteY15"/>
+              </a:cxn>
+            </a:cxnLst>
+            <a:rect l="l" t="t" r="r" b="b"/>
+            <a:pathLst>
+              <a:path w="3096919" h="3214638">
+                <a:moveTo>
+                  <a:pt x="1515211" y="305413"/>
+                </a:moveTo>
+                <a:cubicBezTo>
+                  <a:pt x="1091604" y="320862"/>
+                  <a:pt x="694393" y="543659"/>
+                  <a:pt x="490625" y="910574"/>
+                </a:cubicBezTo>
+                <a:cubicBezTo>
+                  <a:pt x="194214" y="1444305"/>
+                  <a:pt x="405901" y="2099731"/>
+                  <a:pt x="969972" y="2394730"/>
+                </a:cubicBezTo>
+                <a:lnTo>
+                  <a:pt x="1099873" y="2842162"/>
+                </a:lnTo>
+                <a:lnTo>
+                  <a:pt x="1420971" y="2567543"/>
+                </a:lnTo>
+                <a:cubicBezTo>
+                  <a:pt x="2200028" y="2606114"/>
+                  <a:pt x="2743243" y="2135532"/>
+                  <a:pt x="2768082" y="1758569"/>
+                </a:cubicBezTo>
+                <a:cubicBezTo>
+                  <a:pt x="2867103" y="255778"/>
+                  <a:pt x="2375956" y="527191"/>
+                  <a:pt x="1941430" y="361421"/>
+                </a:cubicBezTo>
+                <a:cubicBezTo>
+                  <a:pt x="1931807" y="357750"/>
+                  <a:pt x="1656413" y="300263"/>
+                  <a:pt x="1515211" y="305413"/>
+                </a:cubicBezTo>
+                <a:close/>
+                <a:moveTo>
+                  <a:pt x="1487961" y="1104"/>
+                </a:moveTo>
+                <a:cubicBezTo>
+                  <a:pt x="1669331" y="-5511"/>
+                  <a:pt x="1854468" y="17467"/>
+                  <a:pt x="2035426" y="73045"/>
+                </a:cubicBezTo>
+                <a:cubicBezTo>
+                  <a:pt x="2812770" y="311792"/>
+                  <a:pt x="3255056" y="1070313"/>
+                  <a:pt x="3044622" y="1803819"/>
+                </a:cubicBezTo>
+                <a:cubicBezTo>
+                  <a:pt x="2844861" y="2500122"/>
+                  <a:pt x="2118954" y="2951156"/>
+                  <a:pt x="1348111" y="2857927"/>
+                </a:cubicBezTo>
+                <a:cubicBezTo>
+                  <a:pt x="1174109" y="2960057"/>
+                  <a:pt x="1116579" y="3009477"/>
+                  <a:pt x="968334" y="3214638"/>
+                </a:cubicBezTo>
+                <a:cubicBezTo>
+                  <a:pt x="929748" y="3033323"/>
+                  <a:pt x="826204" y="2866084"/>
+                  <a:pt x="787618" y="2684769"/>
+                </a:cubicBezTo>
+                <a:cubicBezTo>
+                  <a:pt x="63085" y="2305852"/>
+                  <a:pt x="-208821" y="1463977"/>
+                  <a:pt x="171911" y="778415"/>
+                </a:cubicBezTo>
+                <a:cubicBezTo>
+                  <a:pt x="433645" y="307124"/>
+                  <a:pt x="943850" y="20948"/>
+                  <a:pt x="1487961" y="1104"/>
+                </a:cubicBezTo>
+                <a:close/>
+              </a:path>
+            </a:pathLst>
+          </a:custGeom>
+          <a:gradFill flip="none" rotWithShape="1">
+            <a:gsLst>
+              <a:gs pos="47000">
+                <a:srgbClr val="0070C0"/>
+              </a:gs>
+              <a:gs pos="66000">
+                <a:srgbClr val="00B0F0"/>
+              </a:gs>
+              <a:gs pos="100000">
+                <a:srgbClr val="00B0F0"/>
+              </a:gs>
+            </a:gsLst>
+            <a:path path="circle">
+              <a:fillToRect l="50000" t="50000" r="50000" b="50000"/>
+            </a:path>
+            <a:tileRect/>
+          </a:gradFill>
+          <a:ln w="12700" cap="flat" cmpd="sng" algn="ctr">
+            <a:solidFill>
+              <a:srgbClr val="00B0F0"/>
+            </a:solidFill>
+            <a:prstDash val="solid"/>
+          </a:ln>
+          <a:effectLst/>
+        </p:spPr>
+        <p:txBody>
+          <a:bodyPr rot="0" spcFirstLastPara="0" vertOverflow="overflow" horzOverflow="overflow" vert="horz" wrap="square" lIns="91440" tIns="45720" rIns="91440" bIns="45720" numCol="1" spcCol="0" rtlCol="0" fromWordArt="0" anchor="ctr" anchorCtr="0" forceAA="0" compatLnSpc="1">
+            <a:prstTxWarp prst="textNoShape">
+              <a:avLst/>
+            </a:prstTxWarp>
+            <a:noAutofit/>
+          </a:bodyPr>
+          <a:lstStyle/>
+          <a:p>
+            <a:pPr marL="0" marR="0" lvl="0" indent="0" algn="ctr" defTabSz="914400" eaLnBrk="1" fontAlgn="auto" latinLnBrk="0" hangingPunct="1">
+              <a:lnSpc>
+                <a:spcPct val="100000"/>
+              </a:lnSpc>
+              <a:spcBef>
+                <a:spcPts val="0"/>
+              </a:spcBef>
+              <a:spcAft>
+                <a:spcPts val="0"/>
+              </a:spcAft>
+              <a:buClrTx/>
+              <a:buSzTx/>
+              <a:buFontTx/>
+              <a:buNone/>
+              <a:tabLst/>
+              <a:defRPr/>
+            </a:pPr>
+            <a:endParaRPr kumimoji="0" lang="en-US" sz="1800" b="0" i="0" u="none" strike="noStrike" kern="0" cap="none" spc="0" normalizeH="0" baseline="0" noProof="0">
+              <a:ln>
+                <a:noFill/>
+              </a:ln>
+              <a:solidFill>
+                <a:sysClr val="window" lastClr="FFFFFF"/>
+              </a:solidFill>
+              <a:effectLst/>
+              <a:uLnTx/>
+              <a:uFillTx/>
+              <a:latin typeface="Calibri"/>
+              <a:ea typeface="+mn-ea"/>
+              <a:cs typeface="+mn-cs"/>
+            </a:endParaRPr>
+          </a:p>
+        </p:txBody>
+      </p:sp>
+      <p:pic>
+        <p:nvPicPr>
+          <p:cNvPr id="12" name="Picture 6">
+            <a:extLst>
+              <a:ext uri="{FF2B5EF4-FFF2-40B4-BE49-F238E27FC236}">
+                <a16:creationId xmlns:a16="http://schemas.microsoft.com/office/drawing/2014/main" id="{4C33D7E5-2DF8-44A0-98BB-7E9B998A5911}"/>
+              </a:ext>
+            </a:extLst>
+          </p:cNvPr>
+          <p:cNvPicPr>
+            <a:picLocks noChangeAspect="1" noChangeArrowheads="1"/>
+          </p:cNvPicPr>
+          <p:nvPr/>
+        </p:nvPicPr>
+        <p:blipFill rotWithShape="1">
+          <a:blip r:embed="rId2">
+            <a:extLst>
+              <a:ext uri="{28A0092B-C50C-407E-A947-70E740481C1C}">
+                <a14:useLocalDpi xmlns:a14="http://schemas.microsoft.com/office/drawing/2010/main" val="0"/>
+              </a:ext>
+            </a:extLst>
+          </a:blip>
+          <a:srcRect l="50000"/>
+          <a:stretch/>
+        </p:blipFill>
+        <p:spPr bwMode="auto">
+          <a:xfrm rot="8614798">
+            <a:off x="4423257" y="3968091"/>
+            <a:ext cx="1407502" cy="3067907"/>
+          </a:xfrm>
+          <a:prstGeom prst="rect">
+            <a:avLst/>
+          </a:prstGeom>
+          <a:noFill/>
+          <a:ln>
+            <a:noFill/>
+          </a:ln>
+          <a:effectLst>
+            <a:outerShdw blurRad="50800" dist="38100" dir="5400000" algn="t" rotWithShape="0">
+              <a:prstClr val="black">
+                <a:alpha val="28000"/>
+              </a:prstClr>
+            </a:outerShdw>
+          </a:effectLst>
+          <a:extLst>
+            <a:ext uri="{909E8E84-426E-40DD-AFC4-6F175D3DCCD1}">
+              <a14:hiddenFill xmlns:a14="http://schemas.microsoft.com/office/drawing/2010/main">
+                <a:solidFill>
+                  <a:schemeClr val="accent1"/>
+                </a:solidFill>
+              </a14:hiddenFill>
+            </a:ext>
+            <a:ext uri="{91240B29-F687-4F45-9708-019B960494DF}">
+              <a14:hiddenLine xmlns:a14="http://schemas.microsoft.com/office/drawing/2010/main" w="9525">
+                <a:solidFill>
+                  <a:schemeClr val="tx1"/>
+                </a:solidFill>
+                <a:miter lim="800000"/>
+                <a:headEnd/>
+                <a:tailEnd/>
+              </a14:hiddenLine>
+            </a:ext>
+          </a:extLst>
+        </p:spPr>
+      </p:pic>
+      <p:sp>
+        <p:nvSpPr>
+          <p:cNvPr id="14" name="TextBox 13">
+            <a:extLst>
+              <a:ext uri="{FF2B5EF4-FFF2-40B4-BE49-F238E27FC236}">
+                <a16:creationId xmlns:a16="http://schemas.microsoft.com/office/drawing/2014/main" id="{B95BAC41-BB5F-43EE-B2F0-C06B200E95FC}"/>
+              </a:ext>
+            </a:extLst>
+          </p:cNvPr>
+          <p:cNvSpPr txBox="1"/>
+          <p:nvPr/>
+        </p:nvSpPr>
+        <p:spPr>
+          <a:xfrm>
+            <a:off x="3645284" y="2002990"/>
+            <a:ext cx="2224214" cy="535531"/>
+          </a:xfrm>
+          <a:prstGeom prst="rect">
+            <a:avLst/>
+          </a:prstGeom>
+          <a:noFill/>
+        </p:spPr>
+        <p:txBody>
+          <a:bodyPr wrap="square" rtlCol="0">
+            <a:spAutoFit/>
+          </a:bodyPr>
+          <a:lstStyle>
+            <a:defPPr>
+              <a:defRPr lang="en-US"/>
+            </a:defPPr>
+            <a:lvl1pPr lvl="0">
+              <a:lnSpc>
+                <a:spcPct val="80000"/>
+              </a:lnSpc>
+              <a:defRPr sz="4400" b="1" kern="0">
+                <a:ln w="18415" cmpd="sng">
+                  <a:noFill/>
+                  <a:prstDash val="solid"/>
+                </a:ln>
+                <a:solidFill>
+                  <a:srgbClr val="FFC000"/>
+                </a:solidFill>
+                <a:latin typeface="Agency FB" pitchFamily="34" charset="0"/>
+                <a:ea typeface="微软雅黑" pitchFamily="34" charset="-122"/>
+              </a:defRPr>
+            </a:lvl1pPr>
+          </a:lstStyle>
+          <a:p>
+            <a:pPr marL="0" marR="0" lvl="0" indent="0" algn="ctr" defTabSz="914400" eaLnBrk="1" fontAlgn="auto" latinLnBrk="0" hangingPunct="1">
+              <a:lnSpc>
+                <a:spcPct val="80000"/>
+              </a:lnSpc>
+              <a:spcBef>
+                <a:spcPts val="0"/>
+              </a:spcBef>
+              <a:spcAft>
+                <a:spcPts val="0"/>
+              </a:spcAft>
+              <a:buClrTx/>
+              <a:buSzTx/>
+              <a:buFontTx/>
+              <a:buNone/>
+              <a:tabLst/>
+              <a:defRPr/>
+            </a:pPr>
             <a:r>
-              <a:rPr lang="en-US" dirty="0"/>
-              <a:t>JDK 1.8_X</a:t>
+              <a:rPr lang="zh-CN" altLang="en-US" sz="3600" dirty="0">
+                <a:solidFill>
+                  <a:srgbClr val="2F915E"/>
+                </a:solidFill>
+              </a:rPr>
+              <a:t>类库管理</a:t>
             </a:r>
-          </a:p>
-          <a:p>
+            <a:endParaRPr kumimoji="0" lang="zh-CN" altLang="en-US" sz="3600" b="1" i="0" u="none" strike="noStrike" kern="0" cap="none" spc="0" normalizeH="0" baseline="0" noProof="0" dirty="0">
+              <a:ln w="18415" cmpd="sng">
+                <a:noFill/>
+                <a:prstDash val="solid"/>
+              </a:ln>
+              <a:solidFill>
+                <a:srgbClr val="2F915E"/>
+              </a:solidFill>
+              <a:uLnTx/>
+              <a:uFillTx/>
+              <a:latin typeface="Agency FB" pitchFamily="34" charset="0"/>
+              <a:ea typeface="微软雅黑" pitchFamily="34" charset="-122"/>
+            </a:endParaRPr>
+          </a:p>
+        </p:txBody>
+      </p:sp>
+      <p:sp>
+        <p:nvSpPr>
+          <p:cNvPr id="16" name="TextBox 15">
+            <a:extLst>
+              <a:ext uri="{FF2B5EF4-FFF2-40B4-BE49-F238E27FC236}">
+                <a16:creationId xmlns:a16="http://schemas.microsoft.com/office/drawing/2014/main" id="{D062E0BA-81BD-4301-A8FD-989C9EE46787}"/>
+              </a:ext>
+            </a:extLst>
+          </p:cNvPr>
+          <p:cNvSpPr txBox="1"/>
+          <p:nvPr/>
+        </p:nvSpPr>
+        <p:spPr>
+          <a:xfrm>
+            <a:off x="6717154" y="2583015"/>
+            <a:ext cx="2126096" cy="535531"/>
+          </a:xfrm>
+          <a:prstGeom prst="rect">
+            <a:avLst/>
+          </a:prstGeom>
+          <a:noFill/>
+        </p:spPr>
+        <p:txBody>
+          <a:bodyPr wrap="square" rtlCol="0">
+            <a:spAutoFit/>
+          </a:bodyPr>
+          <a:lstStyle>
+            <a:defPPr>
+              <a:defRPr lang="en-US"/>
+            </a:defPPr>
+            <a:lvl1pPr lvl="0">
+              <a:lnSpc>
+                <a:spcPct val="80000"/>
+              </a:lnSpc>
+              <a:defRPr sz="4400" b="1" kern="0">
+                <a:ln w="18415" cmpd="sng">
+                  <a:noFill/>
+                  <a:prstDash val="solid"/>
+                </a:ln>
+                <a:solidFill>
+                  <a:srgbClr val="FFC000"/>
+                </a:solidFill>
+                <a:latin typeface="Agency FB" pitchFamily="34" charset="0"/>
+                <a:ea typeface="微软雅黑" pitchFamily="34" charset="-122"/>
+              </a:defRPr>
+            </a:lvl1pPr>
+          </a:lstStyle>
+          <a:p>
+            <a:pPr marL="0" marR="0" lvl="0" indent="0" algn="ctr" defTabSz="914400" eaLnBrk="1" fontAlgn="auto" latinLnBrk="0" hangingPunct="1">
+              <a:lnSpc>
+                <a:spcPct val="80000"/>
+              </a:lnSpc>
+              <a:spcBef>
+                <a:spcPts val="0"/>
+              </a:spcBef>
+              <a:spcAft>
+                <a:spcPts val="0"/>
+              </a:spcAft>
+              <a:buClrTx/>
+              <a:buSzTx/>
+              <a:buFontTx/>
+              <a:buNone/>
+              <a:tabLst/>
+              <a:defRPr/>
+            </a:pPr>
             <a:r>
-              <a:rPr lang="en-US" altLang="zh-CN"/>
-              <a:t>GIT</a:t>
+              <a:rPr lang="zh-CN" altLang="en-US" sz="3600" dirty="0">
+                <a:solidFill>
+                  <a:srgbClr val="F79646">
+                    <a:lumMod val="75000"/>
+                  </a:srgbClr>
+                </a:solidFill>
+              </a:rPr>
+              <a:t>工程模板</a:t>
             </a:r>
-            <a:endParaRPr lang="en-US" altLang="zh-CN" dirty="0"/>
+            <a:endParaRPr kumimoji="0" lang="zh-CN" altLang="en-US" sz="3600" b="1" i="0" u="none" strike="noStrike" kern="0" cap="none" spc="0" normalizeH="0" baseline="0" noProof="0" dirty="0">
+              <a:ln w="18415" cmpd="sng">
+                <a:noFill/>
+                <a:prstDash val="solid"/>
+              </a:ln>
+              <a:solidFill>
+                <a:srgbClr val="F79646">
+                  <a:lumMod val="75000"/>
+                </a:srgbClr>
+              </a:solidFill>
+              <a:effectLst/>
+              <a:uLnTx/>
+              <a:uFillTx/>
+              <a:latin typeface="Agency FB" pitchFamily="34" charset="0"/>
+              <a:ea typeface="微软雅黑" pitchFamily="34" charset="-122"/>
+            </a:endParaRPr>
+          </a:p>
+        </p:txBody>
+      </p:sp>
+      <p:sp>
+        <p:nvSpPr>
+          <p:cNvPr id="18" name="TextBox 17">
+            <a:extLst>
+              <a:ext uri="{FF2B5EF4-FFF2-40B4-BE49-F238E27FC236}">
+                <a16:creationId xmlns:a16="http://schemas.microsoft.com/office/drawing/2014/main" id="{F1B89FA6-3200-43CD-9C5F-E540895C890D}"/>
+              </a:ext>
+            </a:extLst>
+          </p:cNvPr>
+          <p:cNvSpPr txBox="1"/>
+          <p:nvPr/>
+        </p:nvSpPr>
+        <p:spPr>
+          <a:xfrm>
+            <a:off x="4672144" y="5072644"/>
+            <a:ext cx="2371456" cy="535531"/>
+          </a:xfrm>
+          <a:prstGeom prst="rect">
+            <a:avLst/>
+          </a:prstGeom>
+          <a:noFill/>
+        </p:spPr>
+        <p:txBody>
+          <a:bodyPr wrap="square" rtlCol="0">
+            <a:spAutoFit/>
+          </a:bodyPr>
+          <a:lstStyle>
+            <a:defPPr>
+              <a:defRPr lang="en-US"/>
+            </a:defPPr>
+            <a:lvl1pPr lvl="0">
+              <a:lnSpc>
+                <a:spcPct val="80000"/>
+              </a:lnSpc>
+              <a:defRPr sz="4400" b="1" kern="0">
+                <a:ln w="18415" cmpd="sng">
+                  <a:noFill/>
+                  <a:prstDash val="solid"/>
+                </a:ln>
+                <a:solidFill>
+                  <a:srgbClr val="FFC000"/>
+                </a:solidFill>
+                <a:latin typeface="Agency FB" pitchFamily="34" charset="0"/>
+                <a:ea typeface="微软雅黑" pitchFamily="34" charset="-122"/>
+              </a:defRPr>
+            </a:lvl1pPr>
+          </a:lstStyle>
+          <a:p>
+            <a:pPr marL="0" marR="0" lvl="0" indent="0" algn="ctr" defTabSz="914400" eaLnBrk="1" fontAlgn="auto" latinLnBrk="0" hangingPunct="1">
+              <a:lnSpc>
+                <a:spcPct val="80000"/>
+              </a:lnSpc>
+              <a:spcBef>
+                <a:spcPts val="0"/>
+              </a:spcBef>
+              <a:spcAft>
+                <a:spcPts val="0"/>
+              </a:spcAft>
+              <a:buClrTx/>
+              <a:buSzTx/>
+              <a:buFontTx/>
+              <a:buNone/>
+              <a:tabLst/>
+              <a:defRPr/>
+            </a:pPr>
+            <a:r>
+              <a:rPr lang="zh-CN" altLang="en-US" sz="3600" dirty="0">
+                <a:solidFill>
+                  <a:srgbClr val="0070C0"/>
+                </a:solidFill>
+              </a:rPr>
+              <a:t>打包发布</a:t>
+            </a:r>
+            <a:endParaRPr kumimoji="0" lang="zh-CN" altLang="en-US" sz="3600" b="1" i="0" u="none" strike="noStrike" kern="0" cap="none" spc="0" normalizeH="0" baseline="0" noProof="0" dirty="0">
+              <a:ln w="18415" cmpd="sng">
+                <a:noFill/>
+                <a:prstDash val="solid"/>
+              </a:ln>
+              <a:solidFill>
+                <a:srgbClr val="0070C0"/>
+              </a:solidFill>
+              <a:uLnTx/>
+              <a:uFillTx/>
+              <a:latin typeface="Agency FB" pitchFamily="34" charset="0"/>
+              <a:ea typeface="微软雅黑" pitchFamily="34" charset="-122"/>
+            </a:endParaRPr>
+          </a:p>
+        </p:txBody>
+      </p:sp>
+      <p:sp>
+        <p:nvSpPr>
+          <p:cNvPr id="19" name="TextBox 18">
+            <a:extLst>
+              <a:ext uri="{FF2B5EF4-FFF2-40B4-BE49-F238E27FC236}">
+                <a16:creationId xmlns:a16="http://schemas.microsoft.com/office/drawing/2014/main" id="{9E862FD5-DAFA-4C92-ACC3-6053E128AABD}"/>
+              </a:ext>
+            </a:extLst>
+          </p:cNvPr>
+          <p:cNvSpPr txBox="1"/>
+          <p:nvPr/>
+        </p:nvSpPr>
+        <p:spPr>
+          <a:xfrm>
+            <a:off x="8180098" y="5041052"/>
+            <a:ext cx="3610346" cy="584775"/>
+          </a:xfrm>
+          <a:prstGeom prst="rect">
+            <a:avLst/>
+          </a:prstGeom>
+          <a:noFill/>
+        </p:spPr>
+        <p:txBody>
+          <a:bodyPr wrap="square" rtlCol="0">
+            <a:spAutoFit/>
+          </a:bodyPr>
+          <a:lstStyle>
+            <a:defPPr>
+              <a:defRPr lang="en-US"/>
+            </a:defPPr>
+            <a:lvl1pPr>
+              <a:lnSpc>
+                <a:spcPct val="130000"/>
+              </a:lnSpc>
+              <a:defRPr sz="5400" b="1">
+                <a:solidFill>
+                  <a:schemeClr val="tx1">
+                    <a:lumMod val="65000"/>
+                    <a:lumOff val="35000"/>
+                  </a:schemeClr>
+                </a:solidFill>
+                <a:latin typeface="Agency FB" pitchFamily="34" charset="0"/>
+                <a:ea typeface="微软雅黑" pitchFamily="34" charset="-122"/>
+                <a:cs typeface="Calibri" pitchFamily="34" charset="0"/>
+              </a:defRPr>
+            </a:lvl1pPr>
+          </a:lstStyle>
+          <a:p>
+            <a:pPr lvl="0" algn="ctr" defTabSz="914400">
+              <a:lnSpc>
+                <a:spcPct val="80000"/>
+              </a:lnSpc>
+              <a:defRPr/>
+            </a:pPr>
+            <a:r>
+              <a:rPr kumimoji="0" lang="en-US" altLang="zh-CN" sz="4000" b="1" i="0" u="none" strike="noStrike" kern="0" cap="none" spc="0" normalizeH="0" baseline="0" noProof="0" dirty="0">
+                <a:ln>
+                  <a:noFill/>
+                </a:ln>
+                <a:solidFill>
+                  <a:sysClr val="windowText" lastClr="000000">
+                    <a:lumMod val="65000"/>
+                    <a:lumOff val="35000"/>
+                  </a:sysClr>
+                </a:solidFill>
+                <a:effectLst/>
+                <a:uLnTx/>
+                <a:uFillTx/>
+                <a:latin typeface="Agency FB" pitchFamily="34" charset="0"/>
+                <a:ea typeface="微软雅黑" pitchFamily="34" charset="-122"/>
+                <a:cs typeface="Calibri" pitchFamily="34" charset="0"/>
+              </a:rPr>
+              <a:t>Maven</a:t>
+            </a:r>
+            <a:r>
+              <a:rPr lang="zh-CN" altLang="en-US" sz="4000" kern="0" dirty="0">
+                <a:solidFill>
+                  <a:sysClr val="windowText" lastClr="000000">
+                    <a:lumMod val="65000"/>
+                    <a:lumOff val="35000"/>
+                  </a:sysClr>
+                </a:solidFill>
+              </a:rPr>
+              <a:t>主要功能</a:t>
+            </a:r>
+            <a:endParaRPr kumimoji="0" lang="zh-CN" altLang="en-US" sz="4000" b="1" i="0" u="none" strike="noStrike" kern="0" cap="none" spc="0" normalizeH="0" baseline="0" noProof="0" dirty="0">
+              <a:ln>
+                <a:noFill/>
+              </a:ln>
+              <a:solidFill>
+                <a:sysClr val="windowText" lastClr="000000">
+                  <a:lumMod val="65000"/>
+                  <a:lumOff val="35000"/>
+                </a:sysClr>
+              </a:solidFill>
+              <a:effectLst/>
+              <a:uLnTx/>
+              <a:uFillTx/>
+              <a:latin typeface="Agency FB" pitchFamily="34" charset="0"/>
+              <a:ea typeface="微软雅黑" pitchFamily="34" charset="-122"/>
+              <a:cs typeface="Calibri" pitchFamily="34" charset="0"/>
+            </a:endParaRPr>
           </a:p>
         </p:txBody>
       </p:sp>
     </p:spTree>
     <p:extLst>
       <p:ext uri="{BB962C8B-B14F-4D97-AF65-F5344CB8AC3E}">
-        <p14:creationId xmlns:p14="http://schemas.microsoft.com/office/powerpoint/2010/main" val="3511564536"/>
+        <p14:creationId xmlns:p14="http://schemas.microsoft.com/office/powerpoint/2010/main" val="4153857531"/>
       </p:ext>
     </p:extLst>
   </p:cSld>
@@ -15593,4 +20607,47 @@
     </a:ext>
   </a:extLst>
 </a:theme>
+</file>
+
+<file path=ppt/theme/themeOverride1.xml><?xml version="1.0" encoding="utf-8"?>
+<a:themeOverride xmlns:a="http://schemas.openxmlformats.org/drawingml/2006/main">
+  <a:clrScheme name="Wisp">
+    <a:dk1>
+      <a:sysClr val="windowText" lastClr="000000"/>
+    </a:dk1>
+    <a:lt1>
+      <a:sysClr val="window" lastClr="FFFFFF"/>
+    </a:lt1>
+    <a:dk2>
+      <a:srgbClr val="2E5369"/>
+    </a:dk2>
+    <a:lt2>
+      <a:srgbClr val="CFE2E7"/>
+    </a:lt2>
+    <a:accent1>
+      <a:srgbClr val="353535"/>
+    </a:accent1>
+    <a:accent2>
+      <a:srgbClr val="31B4E6"/>
+    </a:accent2>
+    <a:accent3>
+      <a:srgbClr val="265991"/>
+    </a:accent3>
+    <a:accent4>
+      <a:srgbClr val="7E40CC"/>
+    </a:accent4>
+    <a:accent5>
+      <a:srgbClr val="B927E9"/>
+    </a:accent5>
+    <a:accent6>
+      <a:srgbClr val="E833BF"/>
+    </a:accent6>
+    <a:hlink>
+      <a:srgbClr val="2DA0F1"/>
+    </a:hlink>
+    <a:folHlink>
+      <a:srgbClr val="7ED1E6"/>
+    </a:folHlink>
+  </a:clrScheme>
+</a:themeOverride>
 </file>